--- a/presentation/Presentation Machine de Turing.pptx
+++ b/presentation/Presentation Machine de Turing.pptx
@@ -5,7 +5,7 @@
     <p:sldMasterId id="2147483648" r:id="rId1"/>
   </p:sldMasterIdLst>
   <p:notesMasterIdLst>
-    <p:notesMasterId r:id="rId15"/>
+    <p:notesMasterId r:id="rId23"/>
   </p:notesMasterIdLst>
   <p:sldIdLst>
     <p:sldId id="256" r:id="rId2"/>
@@ -17,10 +17,18 @@
     <p:sldId id="263" r:id="rId8"/>
     <p:sldId id="268" r:id="rId9"/>
     <p:sldId id="267" r:id="rId10"/>
-    <p:sldId id="265" r:id="rId11"/>
-    <p:sldId id="269" r:id="rId12"/>
-    <p:sldId id="271" r:id="rId13"/>
-    <p:sldId id="270" r:id="rId14"/>
+    <p:sldId id="272" r:id="rId11"/>
+    <p:sldId id="279" r:id="rId12"/>
+    <p:sldId id="265" r:id="rId13"/>
+    <p:sldId id="276" r:id="rId14"/>
+    <p:sldId id="269" r:id="rId15"/>
+    <p:sldId id="270" r:id="rId16"/>
+    <p:sldId id="273" r:id="rId17"/>
+    <p:sldId id="274" r:id="rId18"/>
+    <p:sldId id="277" r:id="rId19"/>
+    <p:sldId id="275" r:id="rId20"/>
+    <p:sldId id="278" r:id="rId21"/>
+    <p:sldId id="280" r:id="rId22"/>
   </p:sldIdLst>
   <p:sldSz cx="10080625" cy="5670550"/>
   <p:notesSz cx="7772400" cy="10058400"/>
@@ -4285,110 +4293,6 @@
           <a:chExt cx="0" cy="0"/>
         </a:xfrm>
       </p:grpSpPr>
-      <p:sp>
-        <p:nvSpPr>
-          <p:cNvPr id="41" name="ZoneTexte 40"/>
-          <p:cNvSpPr txBox="1"/>
-          <p:nvPr/>
-        </p:nvSpPr>
-        <p:spPr>
-          <a:xfrm>
-            <a:off x="489889" y="1553308"/>
-            <a:ext cx="2465582" cy="473528"/>
-          </a:xfrm>
-          <a:prstGeom prst="rect">
-            <a:avLst/>
-          </a:prstGeom>
-          <a:noFill/>
-          <a:ln w="0">
-            <a:noFill/>
-          </a:ln>
-        </p:spPr>
-        <p:txBody>
-          <a:bodyPr lIns="0" tIns="0" rIns="0" bIns="0" anchor="ctr">
-            <a:noAutofit/>
-          </a:bodyPr>
-          <a:lstStyle/>
-          <a:p>
-            <a:pPr marL="342900" indent="-342900">
-              <a:buFont typeface="Arial" panose="020B0604020202020204" pitchFamily="34" charset="0"/>
-              <a:buChar char="•"/>
-            </a:pPr>
-            <a:r>
-              <a:rPr lang="fr-FR" sz="1600" b="1" dirty="0">
-                <a:latin typeface="Calibri"/>
-                <a:ea typeface="Calibri"/>
-                <a:cs typeface="Times New Roman"/>
-              </a:rPr>
-              <a:t>Alimentation: 5V et 3.3V  </a:t>
-            </a:r>
-          </a:p>
-          <a:p>
-            <a:r>
-              <a:rPr lang="fr-FR" sz="1600" b="1" dirty="0">
-                <a:latin typeface="Calibri"/>
-                <a:ea typeface="Calibri"/>
-                <a:cs typeface="Times New Roman"/>
-              </a:rPr>
-              <a:t>-&gt; </a:t>
-            </a:r>
-            <a:r>
-              <a:rPr lang="en-US" sz="1600" b="1" dirty="0">
-                <a:latin typeface="Calibri"/>
-                <a:ea typeface="Calibri"/>
-                <a:cs typeface="Times New Roman"/>
-              </a:rPr>
-              <a:t>MB102 </a:t>
-            </a:r>
-          </a:p>
-        </p:txBody>
-      </p:sp>
-      <p:sp>
-        <p:nvSpPr>
-          <p:cNvPr id="42" name="PlaceHolder 1"/>
-          <p:cNvSpPr>
-            <a:spLocks noGrp="1"/>
-          </p:cNvSpPr>
-          <p:nvPr>
-            <p:ph type="title"/>
-          </p:nvPr>
-        </p:nvSpPr>
-        <p:spPr>
-          <a:xfrm>
-            <a:off x="504492" y="201588"/>
-            <a:ext cx="9071640" cy="946440"/>
-          </a:xfrm>
-          <a:prstGeom prst="rect">
-            <a:avLst/>
-          </a:prstGeom>
-          <a:noFill/>
-          <a:ln w="0">
-            <a:noFill/>
-          </a:ln>
-        </p:spPr>
-        <p:txBody>
-          <a:bodyPr lIns="0" tIns="0" rIns="0" bIns="0" anchor="ctr">
-            <a:noAutofit/>
-          </a:bodyPr>
-          <a:lstStyle/>
-          <a:p>
-            <a:pPr algn="ctr"/>
-            <a:r>
-              <a:rPr lang="fr-FR" sz="4400" dirty="0"/>
-              <a:t>Choix des composants</a:t>
-            </a:r>
-            <a:br>
-              <a:rPr lang="fr-FR" sz="4400" dirty="0"/>
-            </a:br>
-            <a:endParaRPr lang="en-US" sz="1800" b="0" strike="noStrike" spc="-1" dirty="0">
-              <a:solidFill>
-                <a:srgbClr val="000000"/>
-              </a:solidFill>
-              <a:latin typeface="Arial"/>
-            </a:endParaRPr>
-          </a:p>
-        </p:txBody>
-      </p:sp>
       <p:pic>
         <p:nvPicPr>
           <p:cNvPr id="2" name="Picture 2" descr="Polytech Tours - Polytech Tours, école d'ingénieurs">
@@ -4465,12 +4369,47 @@
           </a:p>
         </p:txBody>
       </p:sp>
+      <p:sp>
+        <p:nvSpPr>
+          <p:cNvPr id="8" name="ZoneTexte 7">
+            <a:extLst>
+              <a:ext uri="{FF2B5EF4-FFF2-40B4-BE49-F238E27FC236}">
+                <a16:creationId xmlns:a16="http://schemas.microsoft.com/office/drawing/2014/main" id="{385DE03A-E053-EA37-F152-FA34B3E3EBFE}"/>
+              </a:ext>
+            </a:extLst>
+          </p:cNvPr>
+          <p:cNvSpPr txBox="1"/>
+          <p:nvPr/>
+        </p:nvSpPr>
+        <p:spPr>
+          <a:xfrm>
+            <a:off x="1297680" y="796459"/>
+            <a:ext cx="1456471" cy="369332"/>
+          </a:xfrm>
+          <a:prstGeom prst="rect">
+            <a:avLst/>
+          </a:prstGeom>
+          <a:noFill/>
+        </p:spPr>
+        <p:txBody>
+          <a:bodyPr wrap="square" rtlCol="0">
+            <a:spAutoFit/>
+          </a:bodyPr>
+          <a:lstStyle/>
+          <a:p>
+            <a:r>
+              <a:rPr lang="fr-FR" dirty="0"/>
+              <a:t>SF2D FP3 :</a:t>
+            </a:r>
+          </a:p>
+        </p:txBody>
+      </p:sp>
       <p:pic>
         <p:nvPicPr>
-          <p:cNvPr id="7" name="Image 6">
+          <p:cNvPr id="4" name="Image 3">
             <a:extLst>
               <a:ext uri="{FF2B5EF4-FFF2-40B4-BE49-F238E27FC236}">
-                <a16:creationId xmlns:a16="http://schemas.microsoft.com/office/drawing/2014/main" id="{64C7335A-B251-82AD-E539-C6F93A2BDC9B}"/>
+                <a16:creationId xmlns:a16="http://schemas.microsoft.com/office/drawing/2014/main" id="{23AB0F47-FC4A-8711-D557-27D09F16DFCD}"/>
               </a:ext>
             </a:extLst>
           </p:cNvPr>
@@ -4493,72 +4432,20 @@
         </p:blipFill>
         <p:spPr>
           <a:xfrm>
-            <a:off x="389495" y="1909358"/>
-            <a:ext cx="1830493" cy="1619050"/>
+            <a:off x="0" y="4847379"/>
+            <a:ext cx="4951220" cy="823171"/>
           </a:xfrm>
           <a:prstGeom prst="rect">
             <a:avLst/>
           </a:prstGeom>
         </p:spPr>
       </p:pic>
-      <p:sp>
-        <p:nvSpPr>
-          <p:cNvPr id="4" name="ZoneTexte 3">
-            <a:extLst>
-              <a:ext uri="{FF2B5EF4-FFF2-40B4-BE49-F238E27FC236}">
-                <a16:creationId xmlns:a16="http://schemas.microsoft.com/office/drawing/2014/main" id="{D6AB959A-DCCA-DCB6-8B6A-CBC33CFD9DDA}"/>
-              </a:ext>
-            </a:extLst>
-          </p:cNvPr>
-          <p:cNvSpPr txBox="1"/>
-          <p:nvPr/>
-        </p:nvSpPr>
-        <p:spPr>
-          <a:xfrm>
-            <a:off x="5465871" y="3685204"/>
-            <a:ext cx="1155152" cy="344057"/>
-          </a:xfrm>
-          <a:prstGeom prst="rect">
-            <a:avLst/>
-          </a:prstGeom>
-          <a:noFill/>
-          <a:ln w="0">
-            <a:noFill/>
-          </a:ln>
-        </p:spPr>
-        <p:txBody>
-          <a:bodyPr lIns="0" tIns="0" rIns="0" bIns="0" anchor="ctr">
-            <a:noAutofit/>
-          </a:bodyPr>
-          <a:lstStyle/>
-          <a:p>
-            <a:pPr marL="342900" indent="-342900">
-              <a:buFont typeface="Arial" panose="020B0604020202020204" pitchFamily="34" charset="0"/>
-              <a:buChar char="•"/>
-            </a:pPr>
-            <a:r>
-              <a:rPr lang="fr-FR" sz="1600" b="1" dirty="0">
-                <a:latin typeface="Calibri"/>
-                <a:ea typeface="Calibri"/>
-                <a:cs typeface="Times New Roman"/>
-              </a:rPr>
-              <a:t>LED RGB</a:t>
-            </a:r>
-            <a:endParaRPr lang="en-US" sz="1600" b="0" strike="noStrike" spc="-1" dirty="0">
-              <a:solidFill>
-                <a:srgbClr val="000000"/>
-              </a:solidFill>
-              <a:latin typeface="Arial"/>
-            </a:endParaRPr>
-          </a:p>
-        </p:txBody>
-      </p:sp>
       <p:pic>
         <p:nvPicPr>
-          <p:cNvPr id="6" name="Image 5">
+          <p:cNvPr id="10" name="Image 9" descr="Une image contenant texte, diagramme, Police, nombre&#10;&#10;Description générée automatiquement">
             <a:extLst>
               <a:ext uri="{FF2B5EF4-FFF2-40B4-BE49-F238E27FC236}">
-                <a16:creationId xmlns:a16="http://schemas.microsoft.com/office/drawing/2014/main" id="{2FE7EFF5-E61E-A379-58DC-2B660B19D244}"/>
+                <a16:creationId xmlns:a16="http://schemas.microsoft.com/office/drawing/2014/main" id="{094439CC-E3C5-D0CD-CC7F-B4BEB7D49ACE}"/>
               </a:ext>
             </a:extLst>
           </p:cNvPr>
@@ -4568,7 +4455,7 @@
           <p:nvPr/>
         </p:nvPicPr>
         <p:blipFill>
-          <a:blip r:embed="rId4">
+          <a:blip r:embed="rId4" cstate="print">
             <a:extLst>
               <a:ext uri="{28A0092B-C50C-407E-A947-70E740481C1C}">
                 <a14:useLocalDpi xmlns:a14="http://schemas.microsoft.com/office/drawing/2010/main" val="0"/>
@@ -4581,401 +4468,8 @@
         </p:blipFill>
         <p:spPr>
           <a:xfrm>
-            <a:off x="3744415" y="2066742"/>
-            <a:ext cx="1658790" cy="1257188"/>
-          </a:xfrm>
-          <a:prstGeom prst="rect">
-            <a:avLst/>
-          </a:prstGeom>
-        </p:spPr>
-      </p:pic>
-      <p:sp>
-        <p:nvSpPr>
-          <p:cNvPr id="8" name="ZoneTexte 7">
-            <a:extLst>
-              <a:ext uri="{FF2B5EF4-FFF2-40B4-BE49-F238E27FC236}">
-                <a16:creationId xmlns:a16="http://schemas.microsoft.com/office/drawing/2014/main" id="{73AB9138-85CE-2091-322D-AAD503737C81}"/>
-              </a:ext>
-            </a:extLst>
-          </p:cNvPr>
-          <p:cNvSpPr txBox="1"/>
-          <p:nvPr/>
-        </p:nvSpPr>
-        <p:spPr>
-          <a:xfrm>
-            <a:off x="3670651" y="1756699"/>
-            <a:ext cx="1373028" cy="372399"/>
-          </a:xfrm>
-          <a:prstGeom prst="rect">
-            <a:avLst/>
-          </a:prstGeom>
-          <a:noFill/>
-          <a:ln w="0">
-            <a:noFill/>
-          </a:ln>
-        </p:spPr>
-        <p:txBody>
-          <a:bodyPr lIns="0" tIns="0" rIns="0" bIns="0" anchor="ctr">
-            <a:noAutofit/>
-          </a:bodyPr>
-          <a:lstStyle/>
-          <a:p>
-            <a:pPr marL="342900" indent="-342900">
-              <a:buFont typeface="Arial" panose="020B0604020202020204" pitchFamily="34" charset="0"/>
-              <a:buChar char="•"/>
-            </a:pPr>
-            <a:r>
-              <a:rPr lang="fr-FR" sz="1600" b="1" dirty="0">
-                <a:latin typeface="Calibri"/>
-                <a:ea typeface="Calibri"/>
-                <a:cs typeface="Times New Roman"/>
-              </a:rPr>
-              <a:t>7 segments</a:t>
-            </a:r>
-          </a:p>
-        </p:txBody>
-      </p:sp>
-      <p:pic>
-        <p:nvPicPr>
-          <p:cNvPr id="10" name="Image 9">
-            <a:extLst>
-              <a:ext uri="{FF2B5EF4-FFF2-40B4-BE49-F238E27FC236}">
-                <a16:creationId xmlns:a16="http://schemas.microsoft.com/office/drawing/2014/main" id="{70F02FFB-FC63-9D6F-A8D8-4E345FDEADDC}"/>
-              </a:ext>
-            </a:extLst>
-          </p:cNvPr>
-          <p:cNvPicPr>
-            <a:picLocks noChangeAspect="1"/>
-          </p:cNvPicPr>
-          <p:nvPr/>
-        </p:nvPicPr>
-        <p:blipFill>
-          <a:blip r:embed="rId5">
-            <a:extLst>
-              <a:ext uri="{28A0092B-C50C-407E-A947-70E740481C1C}">
-                <a14:useLocalDpi xmlns:a14="http://schemas.microsoft.com/office/drawing/2010/main" val="0"/>
-              </a:ext>
-            </a:extLst>
-          </a:blip>
-          <a:stretch>
-            <a:fillRect/>
-          </a:stretch>
-        </p:blipFill>
-        <p:spPr>
-          <a:xfrm>
-            <a:off x="5811188" y="4051942"/>
-            <a:ext cx="464519" cy="1225816"/>
-          </a:xfrm>
-          <a:prstGeom prst="rect">
-            <a:avLst/>
-          </a:prstGeom>
-        </p:spPr>
-      </p:pic>
-      <p:pic>
-        <p:nvPicPr>
-          <p:cNvPr id="12" name="Image 11">
-            <a:extLst>
-              <a:ext uri="{FF2B5EF4-FFF2-40B4-BE49-F238E27FC236}">
-                <a16:creationId xmlns:a16="http://schemas.microsoft.com/office/drawing/2014/main" id="{7E10DE5F-38F4-8107-0D88-9B07E8B6B60D}"/>
-              </a:ext>
-            </a:extLst>
-          </p:cNvPr>
-          <p:cNvPicPr>
-            <a:picLocks noChangeAspect="1"/>
-          </p:cNvPicPr>
-          <p:nvPr/>
-        </p:nvPicPr>
-        <p:blipFill>
-          <a:blip r:embed="rId6" cstate="print">
-            <a:extLst>
-              <a:ext uri="{28A0092B-C50C-407E-A947-70E740481C1C}">
-                <a14:useLocalDpi xmlns:a14="http://schemas.microsoft.com/office/drawing/2010/main" val="0"/>
-              </a:ext>
-            </a:extLst>
-          </a:blip>
-          <a:stretch>
-            <a:fillRect/>
-          </a:stretch>
-        </p:blipFill>
-        <p:spPr>
-          <a:xfrm>
-            <a:off x="2291875" y="2933973"/>
-            <a:ext cx="1243173" cy="1243173"/>
-          </a:xfrm>
-          <a:prstGeom prst="rect">
-            <a:avLst/>
-          </a:prstGeom>
-        </p:spPr>
-      </p:pic>
-      <p:sp>
-        <p:nvSpPr>
-          <p:cNvPr id="14" name="ZoneTexte 13">
-            <a:extLst>
-              <a:ext uri="{FF2B5EF4-FFF2-40B4-BE49-F238E27FC236}">
-                <a16:creationId xmlns:a16="http://schemas.microsoft.com/office/drawing/2014/main" id="{F2E03571-37C1-5064-A271-A1D7E31F6F3D}"/>
-              </a:ext>
-            </a:extLst>
-          </p:cNvPr>
-          <p:cNvSpPr txBox="1"/>
-          <p:nvPr/>
-        </p:nvSpPr>
-        <p:spPr>
-          <a:xfrm>
-            <a:off x="1715770" y="3875600"/>
-            <a:ext cx="2125409" cy="603092"/>
-          </a:xfrm>
-          <a:prstGeom prst="rect">
-            <a:avLst/>
-          </a:prstGeom>
-          <a:noFill/>
-          <a:ln w="0">
-            <a:noFill/>
-          </a:ln>
-        </p:spPr>
-        <p:txBody>
-          <a:bodyPr lIns="0" tIns="0" rIns="0" bIns="0" anchor="ctr">
-            <a:noAutofit/>
-          </a:bodyPr>
-          <a:lstStyle/>
-          <a:p>
-            <a:pPr marL="342900" indent="-342900">
-              <a:buFont typeface="Arial" panose="020B0604020202020204" pitchFamily="34" charset="0"/>
-              <a:buChar char="•"/>
-            </a:pPr>
-            <a:r>
-              <a:rPr lang="fr-FR" sz="1600" b="1" dirty="0">
-                <a:latin typeface="Calibri"/>
-                <a:ea typeface="Calibri"/>
-                <a:cs typeface="Times New Roman"/>
-              </a:rPr>
-              <a:t>Micro  -&gt; PIC24FJ64GA002</a:t>
-            </a:r>
-          </a:p>
-        </p:txBody>
-      </p:sp>
-      <p:pic>
-        <p:nvPicPr>
-          <p:cNvPr id="16" name="Image 15">
-            <a:extLst>
-              <a:ext uri="{FF2B5EF4-FFF2-40B4-BE49-F238E27FC236}">
-                <a16:creationId xmlns:a16="http://schemas.microsoft.com/office/drawing/2014/main" id="{9C8C22AA-6FCD-649B-70DB-EC1111154E98}"/>
-              </a:ext>
-            </a:extLst>
-          </p:cNvPr>
-          <p:cNvPicPr>
-            <a:picLocks noChangeAspect="1"/>
-          </p:cNvPicPr>
-          <p:nvPr/>
-        </p:nvPicPr>
-        <p:blipFill>
-          <a:blip r:embed="rId7" cstate="print">
-            <a:extLst>
-              <a:ext uri="{28A0092B-C50C-407E-A947-70E740481C1C}">
-                <a14:useLocalDpi xmlns:a14="http://schemas.microsoft.com/office/drawing/2010/main" val="0"/>
-              </a:ext>
-            </a:extLst>
-          </a:blip>
-          <a:stretch>
-            <a:fillRect/>
-          </a:stretch>
-        </p:blipFill>
-        <p:spPr>
-          <a:xfrm>
-            <a:off x="5812289" y="1646008"/>
-            <a:ext cx="1431245" cy="1431245"/>
-          </a:xfrm>
-          <a:prstGeom prst="rect">
-            <a:avLst/>
-          </a:prstGeom>
-        </p:spPr>
-      </p:pic>
-      <p:sp>
-        <p:nvSpPr>
-          <p:cNvPr id="17" name="ZoneTexte 16">
-            <a:extLst>
-              <a:ext uri="{FF2B5EF4-FFF2-40B4-BE49-F238E27FC236}">
-                <a16:creationId xmlns:a16="http://schemas.microsoft.com/office/drawing/2014/main" id="{A4D4BFC7-4C11-0DAA-3F92-27A3A153A8AD}"/>
-              </a:ext>
-            </a:extLst>
-          </p:cNvPr>
-          <p:cNvSpPr txBox="1"/>
-          <p:nvPr/>
-        </p:nvSpPr>
-        <p:spPr>
-          <a:xfrm>
-            <a:off x="5800862" y="1386501"/>
-            <a:ext cx="1431246" cy="519015"/>
-          </a:xfrm>
-          <a:prstGeom prst="rect">
-            <a:avLst/>
-          </a:prstGeom>
-          <a:noFill/>
-          <a:ln w="0">
-            <a:noFill/>
-          </a:ln>
-        </p:spPr>
-        <p:txBody>
-          <a:bodyPr lIns="0" tIns="0" rIns="0" bIns="0" anchor="ctr">
-            <a:noAutofit/>
-          </a:bodyPr>
-          <a:lstStyle/>
-          <a:p>
-            <a:pPr marL="342900" indent="-342900">
-              <a:buFont typeface="Arial" panose="020B0604020202020204" pitchFamily="34" charset="0"/>
-              <a:buChar char="•"/>
-            </a:pPr>
-            <a:r>
-              <a:rPr lang="fr-FR" sz="1600" b="1" dirty="0" err="1">
-                <a:latin typeface="Calibri"/>
-                <a:ea typeface="Calibri"/>
-                <a:cs typeface="Times New Roman"/>
-              </a:rPr>
-              <a:t>Expander</a:t>
-            </a:r>
-            <a:r>
-              <a:rPr lang="fr-FR" sz="1600" b="1" dirty="0">
-                <a:latin typeface="Calibri"/>
-                <a:ea typeface="Calibri"/>
-                <a:cs typeface="Times New Roman"/>
-              </a:rPr>
-              <a:t> -&gt; MCP23017</a:t>
-            </a:r>
-          </a:p>
-        </p:txBody>
-      </p:sp>
-      <p:pic>
-        <p:nvPicPr>
-          <p:cNvPr id="19" name="Image 18">
-            <a:extLst>
-              <a:ext uri="{FF2B5EF4-FFF2-40B4-BE49-F238E27FC236}">
-                <a16:creationId xmlns:a16="http://schemas.microsoft.com/office/drawing/2014/main" id="{045FF819-757D-CE8C-18B7-71C4B1E1FD83}"/>
-              </a:ext>
-            </a:extLst>
-          </p:cNvPr>
-          <p:cNvPicPr>
-            <a:picLocks noChangeAspect="1"/>
-          </p:cNvPicPr>
-          <p:nvPr/>
-        </p:nvPicPr>
-        <p:blipFill>
-          <a:blip r:embed="rId8" cstate="print">
-            <a:extLst>
-              <a:ext uri="{28A0092B-C50C-407E-A947-70E740481C1C}">
-                <a14:useLocalDpi xmlns:a14="http://schemas.microsoft.com/office/drawing/2010/main" val="0"/>
-              </a:ext>
-            </a:extLst>
-          </a:blip>
-          <a:stretch>
-            <a:fillRect/>
-          </a:stretch>
-        </p:blipFill>
-        <p:spPr>
-          <a:xfrm>
-            <a:off x="7426917" y="2387189"/>
-            <a:ext cx="1970088" cy="1970088"/>
-          </a:xfrm>
-          <a:prstGeom prst="rect">
-            <a:avLst/>
-          </a:prstGeom>
-        </p:spPr>
-      </p:pic>
-      <p:sp>
-        <p:nvSpPr>
-          <p:cNvPr id="20" name="ZoneTexte 19">
-            <a:extLst>
-              <a:ext uri="{FF2B5EF4-FFF2-40B4-BE49-F238E27FC236}">
-                <a16:creationId xmlns:a16="http://schemas.microsoft.com/office/drawing/2014/main" id="{02F2DAC9-5330-EEAE-695F-9B844513D565}"/>
-              </a:ext>
-            </a:extLst>
-          </p:cNvPr>
-          <p:cNvSpPr txBox="1"/>
-          <p:nvPr/>
-        </p:nvSpPr>
-        <p:spPr>
-          <a:xfrm>
-            <a:off x="7557697" y="2430278"/>
-            <a:ext cx="1431246" cy="519015"/>
-          </a:xfrm>
-          <a:prstGeom prst="rect">
-            <a:avLst/>
-          </a:prstGeom>
-          <a:noFill/>
-          <a:ln w="0">
-            <a:noFill/>
-          </a:ln>
-        </p:spPr>
-        <p:txBody>
-          <a:bodyPr lIns="0" tIns="0" rIns="0" bIns="0" anchor="ctr">
-            <a:noAutofit/>
-          </a:bodyPr>
-          <a:lstStyle/>
-          <a:p>
-            <a:pPr marL="342900" indent="-342900">
-              <a:buFont typeface="Arial" panose="020B0604020202020204" pitchFamily="34" charset="0"/>
-              <a:buChar char="•"/>
-            </a:pPr>
-            <a:r>
-              <a:rPr lang="fr-FR" sz="1600" b="1" dirty="0">
-                <a:latin typeface="Calibri"/>
-                <a:ea typeface="Calibri"/>
-                <a:cs typeface="Times New Roman"/>
-              </a:rPr>
-              <a:t>Ecran LCD -&gt;</a:t>
-            </a:r>
-          </a:p>
-          <a:p>
-            <a:pPr algn="ctr"/>
-            <a:r>
-              <a:rPr lang="fr-FR" sz="1600" b="1" dirty="0">
-                <a:latin typeface="gg sans"/>
-              </a:rPr>
-              <a:t> </a:t>
-            </a:r>
-            <a:r>
-              <a:rPr lang="fr-FR" sz="1600" b="1" i="0" dirty="0">
-                <a:effectLst/>
-                <a:latin typeface="gg sans"/>
-              </a:rPr>
-              <a:t>HD1143G</a:t>
-            </a:r>
-            <a:endParaRPr lang="fr-FR" sz="1600" b="1" dirty="0">
-              <a:latin typeface="Calibri"/>
-              <a:ea typeface="Calibri"/>
-              <a:cs typeface="Times New Roman"/>
-            </a:endParaRPr>
-          </a:p>
-        </p:txBody>
-      </p:sp>
-      <p:pic>
-        <p:nvPicPr>
-          <p:cNvPr id="5" name="Image 4">
-            <a:extLst>
-              <a:ext uri="{FF2B5EF4-FFF2-40B4-BE49-F238E27FC236}">
-                <a16:creationId xmlns:a16="http://schemas.microsoft.com/office/drawing/2014/main" id="{AAAC9C84-7E5D-277A-D65D-2BB3EA87B289}"/>
-              </a:ext>
-            </a:extLst>
-          </p:cNvPr>
-          <p:cNvPicPr>
-            <a:picLocks noChangeAspect="1"/>
-          </p:cNvPicPr>
-          <p:nvPr/>
-        </p:nvPicPr>
-        <p:blipFill>
-          <a:blip r:embed="rId9">
-            <a:extLst>
-              <a:ext uri="{28A0092B-C50C-407E-A947-70E740481C1C}">
-                <a14:useLocalDpi xmlns:a14="http://schemas.microsoft.com/office/drawing/2010/main" val="0"/>
-              </a:ext>
-            </a:extLst>
-          </a:blip>
-          <a:stretch>
-            <a:fillRect/>
-          </a:stretch>
-        </p:blipFill>
-        <p:spPr>
-          <a:xfrm>
-            <a:off x="0" y="4847379"/>
-            <a:ext cx="4951220" cy="823171"/>
+            <a:off x="5040312" y="0"/>
+            <a:ext cx="4252912" cy="5670550"/>
           </a:xfrm>
           <a:prstGeom prst="rect">
             <a:avLst/>
@@ -4985,7 +4479,7 @@
     </p:spTree>
     <p:extLst>
       <p:ext uri="{BB962C8B-B14F-4D97-AF65-F5344CB8AC3E}">
-        <p14:creationId xmlns:p14="http://schemas.microsoft.com/office/powerpoint/2010/main" val="281832651"/>
+        <p14:creationId xmlns:p14="http://schemas.microsoft.com/office/powerpoint/2010/main" val="2687304020"/>
       </p:ext>
     </p:extLst>
   </p:cSld>
@@ -5012,6 +4506,211 @@
           <a:chExt cx="0" cy="0"/>
         </a:xfrm>
       </p:grpSpPr>
+      <p:sp>
+        <p:nvSpPr>
+          <p:cNvPr id="2" name="Titre 1">
+            <a:extLst>
+              <a:ext uri="{FF2B5EF4-FFF2-40B4-BE49-F238E27FC236}">
+                <a16:creationId xmlns:a16="http://schemas.microsoft.com/office/drawing/2014/main" id="{04953216-87F6-CFC5-9D09-62771E331C2F}"/>
+              </a:ext>
+            </a:extLst>
+          </p:cNvPr>
+          <p:cNvSpPr>
+            <a:spLocks noGrp="1"/>
+          </p:cNvSpPr>
+          <p:nvPr>
+            <p:ph type="title"/>
+          </p:nvPr>
+        </p:nvSpPr>
+        <p:spPr/>
+        <p:txBody>
+          <a:bodyPr/>
+          <a:lstStyle/>
+          <a:p>
+            <a:r>
+              <a:rPr lang="fr-FR" dirty="0"/>
+              <a:t>Analyse des fonctions et signaux</a:t>
+            </a:r>
+          </a:p>
+        </p:txBody>
+      </p:sp>
+      <p:sp>
+        <p:nvSpPr>
+          <p:cNvPr id="4" name="Espace réservé du numéro de diapositive 3">
+            <a:extLst>
+              <a:ext uri="{FF2B5EF4-FFF2-40B4-BE49-F238E27FC236}">
+                <a16:creationId xmlns:a16="http://schemas.microsoft.com/office/drawing/2014/main" id="{A518B64A-145D-D9A6-4FA6-69826DDF448C}"/>
+              </a:ext>
+            </a:extLst>
+          </p:cNvPr>
+          <p:cNvSpPr>
+            <a:spLocks noGrp="1"/>
+          </p:cNvSpPr>
+          <p:nvPr>
+            <p:ph type="sldNum" idx="3"/>
+          </p:nvPr>
+        </p:nvSpPr>
+        <p:spPr/>
+        <p:txBody>
+          <a:bodyPr/>
+          <a:lstStyle/>
+          <a:p>
+            <a:fld id="{74A1DB29-52D7-44FB-91A6-D4FF9B58DED1}" type="slidenum">
+              <a:rPr lang="fr-FR" smtClean="0"/>
+              <a:t>11</a:t>
+            </a:fld>
+            <a:endParaRPr lang="fr-FR"/>
+          </a:p>
+        </p:txBody>
+      </p:sp>
+      <p:pic>
+        <p:nvPicPr>
+          <p:cNvPr id="6" name="Image 5" descr="Une image contenant texte, capture d’écran, nombre, Parallèle&#10;&#10;Description générée automatiquement">
+            <a:extLst>
+              <a:ext uri="{FF2B5EF4-FFF2-40B4-BE49-F238E27FC236}">
+                <a16:creationId xmlns:a16="http://schemas.microsoft.com/office/drawing/2014/main" id="{BDD9E20A-87F1-0B24-1C02-39773E04B169}"/>
+              </a:ext>
+            </a:extLst>
+          </p:cNvPr>
+          <p:cNvPicPr>
+            <a:picLocks noChangeAspect="1"/>
+          </p:cNvPicPr>
+          <p:nvPr/>
+        </p:nvPicPr>
+        <p:blipFill>
+          <a:blip r:embed="rId2">
+            <a:extLst>
+              <a:ext uri="{28A0092B-C50C-407E-A947-70E740481C1C}">
+                <a14:useLocalDpi xmlns:a14="http://schemas.microsoft.com/office/drawing/2010/main" val="0"/>
+              </a:ext>
+            </a:extLst>
+          </a:blip>
+          <a:stretch>
+            <a:fillRect/>
+          </a:stretch>
+        </p:blipFill>
+        <p:spPr>
+          <a:xfrm>
+            <a:off x="2166749" y="2064173"/>
+            <a:ext cx="5859212" cy="3558867"/>
+          </a:xfrm>
+          <a:prstGeom prst="rect">
+            <a:avLst/>
+          </a:prstGeom>
+        </p:spPr>
+      </p:pic>
+      <p:pic>
+        <p:nvPicPr>
+          <p:cNvPr id="8" name="Image 7" descr="Une image contenant texte, capture d’écran, Police, ligne&#10;&#10;Description générée automatiquement">
+            <a:extLst>
+              <a:ext uri="{FF2B5EF4-FFF2-40B4-BE49-F238E27FC236}">
+                <a16:creationId xmlns:a16="http://schemas.microsoft.com/office/drawing/2014/main" id="{3C3A6D5C-05A5-E75C-EC64-15825B788F30}"/>
+              </a:ext>
+            </a:extLst>
+          </p:cNvPr>
+          <p:cNvPicPr>
+            <a:picLocks noChangeAspect="1"/>
+          </p:cNvPicPr>
+          <p:nvPr/>
+        </p:nvPicPr>
+        <p:blipFill>
+          <a:blip r:embed="rId3">
+            <a:extLst>
+              <a:ext uri="{28A0092B-C50C-407E-A947-70E740481C1C}">
+                <a14:useLocalDpi xmlns:a14="http://schemas.microsoft.com/office/drawing/2010/main" val="0"/>
+              </a:ext>
+            </a:extLst>
+          </a:blip>
+          <a:stretch>
+            <a:fillRect/>
+          </a:stretch>
+        </p:blipFill>
+        <p:spPr>
+          <a:xfrm>
+            <a:off x="2338753" y="972098"/>
+            <a:ext cx="7607056" cy="1092075"/>
+          </a:xfrm>
+          <a:prstGeom prst="rect">
+            <a:avLst/>
+          </a:prstGeom>
+        </p:spPr>
+      </p:pic>
+    </p:spTree>
+    <p:extLst>
+      <p:ext uri="{BB962C8B-B14F-4D97-AF65-F5344CB8AC3E}">
+        <p14:creationId xmlns:p14="http://schemas.microsoft.com/office/powerpoint/2010/main" val="2694767133"/>
+      </p:ext>
+    </p:extLst>
+  </p:cSld>
+  <p:clrMapOvr>
+    <a:masterClrMapping/>
+  </p:clrMapOvr>
+</p:sld>
+</file>
+
+<file path=ppt/slides/slide12.xml><?xml version="1.0" encoding="utf-8"?>
+<p:sld xmlns:a="http://schemas.openxmlformats.org/drawingml/2006/main" xmlns:r="http://schemas.openxmlformats.org/officeDocument/2006/relationships" xmlns:p="http://schemas.openxmlformats.org/presentationml/2006/main">
+  <p:cSld>
+    <p:spTree>
+      <p:nvGrpSpPr>
+        <p:cNvPr id="1" name=""/>
+        <p:cNvGrpSpPr/>
+        <p:nvPr/>
+      </p:nvGrpSpPr>
+      <p:grpSpPr>
+        <a:xfrm>
+          <a:off x="0" y="0"/>
+          <a:ext cx="0" cy="0"/>
+          <a:chOff x="0" y="0"/>
+          <a:chExt cx="0" cy="0"/>
+        </a:xfrm>
+      </p:grpSpPr>
+      <p:sp>
+        <p:nvSpPr>
+          <p:cNvPr id="42" name="PlaceHolder 1"/>
+          <p:cNvSpPr>
+            <a:spLocks noGrp="1"/>
+          </p:cNvSpPr>
+          <p:nvPr>
+            <p:ph type="title"/>
+          </p:nvPr>
+        </p:nvSpPr>
+        <p:spPr>
+          <a:xfrm>
+            <a:off x="504492" y="201588"/>
+            <a:ext cx="9071640" cy="946440"/>
+          </a:xfrm>
+          <a:prstGeom prst="rect">
+            <a:avLst/>
+          </a:prstGeom>
+          <a:noFill/>
+          <a:ln w="0">
+            <a:noFill/>
+          </a:ln>
+        </p:spPr>
+        <p:txBody>
+          <a:bodyPr lIns="0" tIns="0" rIns="0" bIns="0" anchor="ctr">
+            <a:noAutofit/>
+          </a:bodyPr>
+          <a:lstStyle/>
+          <a:p>
+            <a:pPr algn="ctr"/>
+            <a:r>
+              <a:rPr lang="fr-FR" sz="4400" dirty="0"/>
+              <a:t>Choix des composants (1/2)</a:t>
+            </a:r>
+            <a:br>
+              <a:rPr lang="fr-FR" sz="4400" dirty="0"/>
+            </a:br>
+            <a:endParaRPr lang="en-US" sz="1800" b="0" strike="noStrike" spc="-1" dirty="0">
+              <a:solidFill>
+                <a:srgbClr val="000000"/>
+              </a:solidFill>
+              <a:latin typeface="Arial"/>
+            </a:endParaRPr>
+          </a:p>
+        </p:txBody>
+      </p:sp>
       <p:pic>
         <p:nvPicPr>
           <p:cNvPr id="2" name="Picture 2" descr="Polytech Tours - Polytech Tours, école d'ingénieurs">
@@ -5082,7 +4781,1130 @@
           <a:p>
             <a:fld id="{74A1DB29-52D7-44FB-91A6-D4FF9B58DED1}" type="slidenum">
               <a:rPr lang="fr-FR" smtClean="0"/>
-              <a:t>11</a:t>
+              <a:t>12</a:t>
+            </a:fld>
+            <a:endParaRPr lang="fr-FR"/>
+          </a:p>
+        </p:txBody>
+      </p:sp>
+      <p:pic>
+        <p:nvPicPr>
+          <p:cNvPr id="5" name="Image 4">
+            <a:extLst>
+              <a:ext uri="{FF2B5EF4-FFF2-40B4-BE49-F238E27FC236}">
+                <a16:creationId xmlns:a16="http://schemas.microsoft.com/office/drawing/2014/main" id="{AAAC9C84-7E5D-277A-D65D-2BB3EA87B289}"/>
+              </a:ext>
+            </a:extLst>
+          </p:cNvPr>
+          <p:cNvPicPr>
+            <a:picLocks noChangeAspect="1"/>
+          </p:cNvPicPr>
+          <p:nvPr/>
+        </p:nvPicPr>
+        <p:blipFill>
+          <a:blip r:embed="rId3">
+            <a:extLst>
+              <a:ext uri="{28A0092B-C50C-407E-A947-70E740481C1C}">
+                <a14:useLocalDpi xmlns:a14="http://schemas.microsoft.com/office/drawing/2010/main" val="0"/>
+              </a:ext>
+            </a:extLst>
+          </a:blip>
+          <a:stretch>
+            <a:fillRect/>
+          </a:stretch>
+        </p:blipFill>
+        <p:spPr>
+          <a:xfrm>
+            <a:off x="0" y="4847379"/>
+            <a:ext cx="4951220" cy="823171"/>
+          </a:xfrm>
+          <a:prstGeom prst="rect">
+            <a:avLst/>
+          </a:prstGeom>
+        </p:spPr>
+      </p:pic>
+      <p:sp>
+        <p:nvSpPr>
+          <p:cNvPr id="9" name="ZoneTexte 8">
+            <a:extLst>
+              <a:ext uri="{FF2B5EF4-FFF2-40B4-BE49-F238E27FC236}">
+                <a16:creationId xmlns:a16="http://schemas.microsoft.com/office/drawing/2014/main" id="{C13F9275-F220-EAAC-4D21-3C5D15B15403}"/>
+              </a:ext>
+            </a:extLst>
+          </p:cNvPr>
+          <p:cNvSpPr txBox="1"/>
+          <p:nvPr/>
+        </p:nvSpPr>
+        <p:spPr>
+          <a:xfrm>
+            <a:off x="61762" y="724913"/>
+            <a:ext cx="9002485" cy="1477328"/>
+          </a:xfrm>
+          <a:prstGeom prst="rect">
+            <a:avLst/>
+          </a:prstGeom>
+          <a:noFill/>
+        </p:spPr>
+        <p:txBody>
+          <a:bodyPr wrap="square" rtlCol="0">
+            <a:spAutoFit/>
+          </a:bodyPr>
+          <a:lstStyle/>
+          <a:p>
+            <a:r>
+              <a:rPr lang="fr-FR" dirty="0"/>
+              <a:t>Commande initiale chez </a:t>
+            </a:r>
+            <a:r>
+              <a:rPr lang="fr-FR" dirty="0" err="1"/>
+              <a:t>Farnell</a:t>
+            </a:r>
+            <a:r>
+              <a:rPr lang="fr-FR" dirty="0"/>
+              <a:t> :</a:t>
+            </a:r>
+          </a:p>
+          <a:p>
+            <a:endParaRPr lang="fr-FR" dirty="0"/>
+          </a:p>
+          <a:p>
+            <a:pPr marL="285750" indent="-285750">
+              <a:buFontTx/>
+              <a:buChar char="-"/>
+            </a:pPr>
+            <a:r>
+              <a:rPr lang="fr-FR" dirty="0"/>
+              <a:t>Ecran LCD I2C : </a:t>
+            </a:r>
+            <a:r>
+              <a:rPr lang="fr-FR" sz="1800" b="0" i="0" u="none" strike="noStrike" dirty="0">
+                <a:effectLst/>
+                <a:latin typeface="Arial" panose="020B0604020202020204" pitchFamily="34" charset="0"/>
+              </a:rPr>
+              <a:t>MC21605C6W-BNMLWI-V2</a:t>
+            </a:r>
+            <a:r>
+              <a:rPr lang="fr-FR" dirty="0"/>
+              <a:t> </a:t>
+            </a:r>
+          </a:p>
+          <a:p>
+            <a:pPr marL="285750" indent="-285750">
+              <a:buFontTx/>
+              <a:buChar char="-"/>
+            </a:pPr>
+            <a:r>
+              <a:rPr lang="fr-FR" dirty="0"/>
+              <a:t>Afficheurs 7 segments : </a:t>
+            </a:r>
+            <a:r>
+              <a:rPr lang="fr-FR" sz="1800" b="0" i="0" u="none" strike="noStrike" dirty="0">
+                <a:effectLst/>
+                <a:latin typeface="Arial" panose="020B0604020202020204" pitchFamily="34" charset="0"/>
+              </a:rPr>
+              <a:t>HDSP-7513</a:t>
+            </a:r>
+            <a:r>
+              <a:rPr lang="fr-FR" dirty="0"/>
+              <a:t> </a:t>
+            </a:r>
+          </a:p>
+          <a:p>
+            <a:pPr marL="285750" indent="-285750">
+              <a:buFontTx/>
+              <a:buChar char="-"/>
+            </a:pPr>
+            <a:r>
+              <a:rPr lang="fr-FR" dirty="0" err="1"/>
+              <a:t>LEDs</a:t>
+            </a:r>
+            <a:r>
+              <a:rPr lang="fr-FR" dirty="0"/>
+              <a:t> RGB : </a:t>
+            </a:r>
+            <a:r>
+              <a:rPr lang="fr-FR" sz="1800" b="0" i="0" u="none" strike="noStrike" dirty="0">
+                <a:effectLst/>
+                <a:latin typeface="Arial" panose="020B0604020202020204" pitchFamily="34" charset="0"/>
+              </a:rPr>
+              <a:t>L-59EYC</a:t>
+            </a:r>
+            <a:r>
+              <a:rPr lang="fr-FR" dirty="0"/>
+              <a:t> </a:t>
+            </a:r>
+          </a:p>
+        </p:txBody>
+      </p:sp>
+      <p:pic>
+        <p:nvPicPr>
+          <p:cNvPr id="15" name="Image 14" descr="Une image contenant texte, capture d’écran, nombre, ligne&#10;&#10;Description générée automatiquement">
+            <a:extLst>
+              <a:ext uri="{FF2B5EF4-FFF2-40B4-BE49-F238E27FC236}">
+                <a16:creationId xmlns:a16="http://schemas.microsoft.com/office/drawing/2014/main" id="{BEB3920B-A464-1156-0397-EB74594DEA0F}"/>
+              </a:ext>
+            </a:extLst>
+          </p:cNvPr>
+          <p:cNvPicPr>
+            <a:picLocks noChangeAspect="1"/>
+          </p:cNvPicPr>
+          <p:nvPr/>
+        </p:nvPicPr>
+        <p:blipFill>
+          <a:blip r:embed="rId4">
+            <a:extLst>
+              <a:ext uri="{28A0092B-C50C-407E-A947-70E740481C1C}">
+                <a14:useLocalDpi xmlns:a14="http://schemas.microsoft.com/office/drawing/2010/main" val="0"/>
+              </a:ext>
+            </a:extLst>
+          </a:blip>
+          <a:stretch>
+            <a:fillRect/>
+          </a:stretch>
+        </p:blipFill>
+        <p:spPr>
+          <a:xfrm>
+            <a:off x="2889738" y="1913547"/>
+            <a:ext cx="7129125" cy="2891827"/>
+          </a:xfrm>
+          <a:prstGeom prst="rect">
+            <a:avLst/>
+          </a:prstGeom>
+        </p:spPr>
+      </p:pic>
+    </p:spTree>
+    <p:extLst>
+      <p:ext uri="{BB962C8B-B14F-4D97-AF65-F5344CB8AC3E}">
+        <p14:creationId xmlns:p14="http://schemas.microsoft.com/office/powerpoint/2010/main" val="281832651"/>
+      </p:ext>
+    </p:extLst>
+  </p:cSld>
+  <p:clrMapOvr>
+    <a:masterClrMapping/>
+  </p:clrMapOvr>
+</p:sld>
+</file>
+
+<file path=ppt/slides/slide13.xml><?xml version="1.0" encoding="utf-8"?>
+<p:sld xmlns:a="http://schemas.openxmlformats.org/drawingml/2006/main" xmlns:r="http://schemas.openxmlformats.org/officeDocument/2006/relationships" xmlns:p="http://schemas.openxmlformats.org/presentationml/2006/main">
+  <p:cSld>
+    <p:spTree>
+      <p:nvGrpSpPr>
+        <p:cNvPr id="1" name=""/>
+        <p:cNvGrpSpPr/>
+        <p:nvPr/>
+      </p:nvGrpSpPr>
+      <p:grpSpPr>
+        <a:xfrm>
+          <a:off x="0" y="0"/>
+          <a:ext cx="0" cy="0"/>
+          <a:chOff x="0" y="0"/>
+          <a:chExt cx="0" cy="0"/>
+        </a:xfrm>
+      </p:grpSpPr>
+      <p:sp>
+        <p:nvSpPr>
+          <p:cNvPr id="41" name="ZoneTexte 40"/>
+          <p:cNvSpPr txBox="1"/>
+          <p:nvPr/>
+        </p:nvSpPr>
+        <p:spPr>
+          <a:xfrm>
+            <a:off x="489889" y="1553308"/>
+            <a:ext cx="2465582" cy="473528"/>
+          </a:xfrm>
+          <a:prstGeom prst="rect">
+            <a:avLst/>
+          </a:prstGeom>
+          <a:noFill/>
+          <a:ln w="0">
+            <a:noFill/>
+          </a:ln>
+        </p:spPr>
+        <p:txBody>
+          <a:bodyPr lIns="0" tIns="0" rIns="0" bIns="0" anchor="ctr">
+            <a:noAutofit/>
+          </a:bodyPr>
+          <a:lstStyle/>
+          <a:p>
+            <a:pPr marL="342900" indent="-342900">
+              <a:buFont typeface="Arial" panose="020B0604020202020204" pitchFamily="34" charset="0"/>
+              <a:buChar char="•"/>
+            </a:pPr>
+            <a:r>
+              <a:rPr lang="fr-FR" sz="1600" b="1" dirty="0">
+                <a:latin typeface="Calibri"/>
+                <a:ea typeface="Calibri"/>
+                <a:cs typeface="Times New Roman"/>
+              </a:rPr>
+              <a:t>Alimentation: 5V et 3.3V  </a:t>
+            </a:r>
+          </a:p>
+          <a:p>
+            <a:r>
+              <a:rPr lang="fr-FR" sz="1600" b="1" dirty="0">
+                <a:latin typeface="Calibri"/>
+                <a:ea typeface="Calibri"/>
+                <a:cs typeface="Times New Roman"/>
+              </a:rPr>
+              <a:t>-&gt; </a:t>
+            </a:r>
+            <a:r>
+              <a:rPr lang="en-US" sz="1600" b="1" dirty="0">
+                <a:latin typeface="Calibri"/>
+                <a:ea typeface="Calibri"/>
+                <a:cs typeface="Times New Roman"/>
+              </a:rPr>
+              <a:t>MB102 </a:t>
+            </a:r>
+          </a:p>
+        </p:txBody>
+      </p:sp>
+      <p:sp>
+        <p:nvSpPr>
+          <p:cNvPr id="42" name="PlaceHolder 1"/>
+          <p:cNvSpPr>
+            <a:spLocks noGrp="1"/>
+          </p:cNvSpPr>
+          <p:nvPr>
+            <p:ph type="title"/>
+          </p:nvPr>
+        </p:nvSpPr>
+        <p:spPr>
+          <a:xfrm>
+            <a:off x="504492" y="201588"/>
+            <a:ext cx="9071640" cy="946440"/>
+          </a:xfrm>
+          <a:prstGeom prst="rect">
+            <a:avLst/>
+          </a:prstGeom>
+          <a:noFill/>
+          <a:ln w="0">
+            <a:noFill/>
+          </a:ln>
+        </p:spPr>
+        <p:txBody>
+          <a:bodyPr lIns="0" tIns="0" rIns="0" bIns="0" anchor="ctr">
+            <a:noAutofit/>
+          </a:bodyPr>
+          <a:lstStyle/>
+          <a:p>
+            <a:pPr algn="ctr"/>
+            <a:r>
+              <a:rPr lang="fr-FR" sz="4400" dirty="0"/>
+              <a:t>Choix des composants (2/2)</a:t>
+            </a:r>
+            <a:br>
+              <a:rPr lang="fr-FR" sz="4400" dirty="0"/>
+            </a:br>
+            <a:endParaRPr lang="en-US" sz="1800" b="0" strike="noStrike" spc="-1" dirty="0">
+              <a:solidFill>
+                <a:srgbClr val="000000"/>
+              </a:solidFill>
+              <a:latin typeface="Arial"/>
+            </a:endParaRPr>
+          </a:p>
+        </p:txBody>
+      </p:sp>
+      <p:pic>
+        <p:nvPicPr>
+          <p:cNvPr id="2" name="Picture 2" descr="Polytech Tours - Polytech Tours, école d'ingénieurs">
+            <a:extLst>
+              <a:ext uri="{FF2B5EF4-FFF2-40B4-BE49-F238E27FC236}">
+                <a16:creationId xmlns:a16="http://schemas.microsoft.com/office/drawing/2014/main" id="{009710E4-4286-CDDE-E7EB-109C9DDAB24F}"/>
+              </a:ext>
+            </a:extLst>
+          </p:cNvPr>
+          <p:cNvPicPr>
+            <a:picLocks noChangeAspect="1" noChangeArrowheads="1"/>
+          </p:cNvPicPr>
+          <p:nvPr/>
+        </p:nvPicPr>
+        <p:blipFill>
+          <a:blip r:embed="rId2" cstate="print">
+            <a:extLst>
+              <a:ext uri="{28A0092B-C50C-407E-A947-70E740481C1C}">
+                <a14:useLocalDpi xmlns:a14="http://schemas.microsoft.com/office/drawing/2010/main" val="0"/>
+              </a:ext>
+            </a:extLst>
+          </a:blip>
+          <a:srcRect/>
+          <a:stretch>
+            <a:fillRect/>
+          </a:stretch>
+        </p:blipFill>
+        <p:spPr bwMode="auto">
+          <a:xfrm>
+            <a:off x="0" y="4852645"/>
+            <a:ext cx="3985897" cy="817905"/>
+          </a:xfrm>
+          <a:prstGeom prst="rect">
+            <a:avLst/>
+          </a:prstGeom>
+          <a:noFill/>
+          <a:extLst>
+            <a:ext uri="{909E8E84-426E-40DD-AFC4-6F175D3DCCD1}">
+              <a14:hiddenFill xmlns:a14="http://schemas.microsoft.com/office/drawing/2010/main">
+                <a:solidFill>
+                  <a:srgbClr val="FFFFFF"/>
+                </a:solidFill>
+              </a14:hiddenFill>
+            </a:ext>
+          </a:extLst>
+        </p:spPr>
+      </p:pic>
+      <p:sp>
+        <p:nvSpPr>
+          <p:cNvPr id="3" name="Espace réservé du numéro de diapositive 2">
+            <a:extLst>
+              <a:ext uri="{FF2B5EF4-FFF2-40B4-BE49-F238E27FC236}">
+                <a16:creationId xmlns:a16="http://schemas.microsoft.com/office/drawing/2014/main" id="{FAF3CFF4-FC6E-8119-4D39-629CA185EBE3}"/>
+              </a:ext>
+            </a:extLst>
+          </p:cNvPr>
+          <p:cNvSpPr>
+            <a:spLocks noGrp="1"/>
+          </p:cNvSpPr>
+          <p:nvPr>
+            <p:ph type="sldNum" idx="3"/>
+          </p:nvPr>
+        </p:nvSpPr>
+        <p:spPr/>
+        <p:txBody>
+          <a:bodyPr/>
+          <a:lstStyle/>
+          <a:p>
+            <a:fld id="{74A1DB29-52D7-44FB-91A6-D4FF9B58DED1}" type="slidenum">
+              <a:rPr lang="fr-FR" smtClean="0"/>
+              <a:t>13</a:t>
+            </a:fld>
+            <a:endParaRPr lang="fr-FR"/>
+          </a:p>
+        </p:txBody>
+      </p:sp>
+      <p:pic>
+        <p:nvPicPr>
+          <p:cNvPr id="7" name="Image 6">
+            <a:extLst>
+              <a:ext uri="{FF2B5EF4-FFF2-40B4-BE49-F238E27FC236}">
+                <a16:creationId xmlns:a16="http://schemas.microsoft.com/office/drawing/2014/main" id="{64C7335A-B251-82AD-E539-C6F93A2BDC9B}"/>
+              </a:ext>
+            </a:extLst>
+          </p:cNvPr>
+          <p:cNvPicPr>
+            <a:picLocks noChangeAspect="1"/>
+          </p:cNvPicPr>
+          <p:nvPr/>
+        </p:nvPicPr>
+        <p:blipFill>
+          <a:blip r:embed="rId3">
+            <a:extLst>
+              <a:ext uri="{28A0092B-C50C-407E-A947-70E740481C1C}">
+                <a14:useLocalDpi xmlns:a14="http://schemas.microsoft.com/office/drawing/2010/main" val="0"/>
+              </a:ext>
+            </a:extLst>
+          </a:blip>
+          <a:stretch>
+            <a:fillRect/>
+          </a:stretch>
+        </p:blipFill>
+        <p:spPr>
+          <a:xfrm>
+            <a:off x="389495" y="1909358"/>
+            <a:ext cx="1830493" cy="1619050"/>
+          </a:xfrm>
+          <a:prstGeom prst="rect">
+            <a:avLst/>
+          </a:prstGeom>
+        </p:spPr>
+      </p:pic>
+      <p:sp>
+        <p:nvSpPr>
+          <p:cNvPr id="4" name="ZoneTexte 3">
+            <a:extLst>
+              <a:ext uri="{FF2B5EF4-FFF2-40B4-BE49-F238E27FC236}">
+                <a16:creationId xmlns:a16="http://schemas.microsoft.com/office/drawing/2014/main" id="{D6AB959A-DCCA-DCB6-8B6A-CBC33CFD9DDA}"/>
+              </a:ext>
+            </a:extLst>
+          </p:cNvPr>
+          <p:cNvSpPr txBox="1"/>
+          <p:nvPr/>
+        </p:nvSpPr>
+        <p:spPr>
+          <a:xfrm>
+            <a:off x="5465871" y="3685204"/>
+            <a:ext cx="1155152" cy="344057"/>
+          </a:xfrm>
+          <a:prstGeom prst="rect">
+            <a:avLst/>
+          </a:prstGeom>
+          <a:noFill/>
+          <a:ln w="0">
+            <a:noFill/>
+          </a:ln>
+        </p:spPr>
+        <p:txBody>
+          <a:bodyPr lIns="0" tIns="0" rIns="0" bIns="0" anchor="ctr">
+            <a:noAutofit/>
+          </a:bodyPr>
+          <a:lstStyle/>
+          <a:p>
+            <a:pPr marL="342900" indent="-342900">
+              <a:buFont typeface="Arial" panose="020B0604020202020204" pitchFamily="34" charset="0"/>
+              <a:buChar char="•"/>
+            </a:pPr>
+            <a:r>
+              <a:rPr lang="fr-FR" sz="1600" b="1" dirty="0">
+                <a:latin typeface="Calibri"/>
+                <a:ea typeface="Calibri"/>
+                <a:cs typeface="Times New Roman"/>
+              </a:rPr>
+              <a:t>LED RGB</a:t>
+            </a:r>
+            <a:endParaRPr lang="en-US" sz="1600" b="0" strike="noStrike" spc="-1" dirty="0">
+              <a:solidFill>
+                <a:srgbClr val="000000"/>
+              </a:solidFill>
+              <a:latin typeface="Arial"/>
+            </a:endParaRPr>
+          </a:p>
+        </p:txBody>
+      </p:sp>
+      <p:pic>
+        <p:nvPicPr>
+          <p:cNvPr id="6" name="Image 5">
+            <a:extLst>
+              <a:ext uri="{FF2B5EF4-FFF2-40B4-BE49-F238E27FC236}">
+                <a16:creationId xmlns:a16="http://schemas.microsoft.com/office/drawing/2014/main" id="{2FE7EFF5-E61E-A379-58DC-2B660B19D244}"/>
+              </a:ext>
+            </a:extLst>
+          </p:cNvPr>
+          <p:cNvPicPr>
+            <a:picLocks noChangeAspect="1"/>
+          </p:cNvPicPr>
+          <p:nvPr/>
+        </p:nvPicPr>
+        <p:blipFill>
+          <a:blip r:embed="rId4">
+            <a:extLst>
+              <a:ext uri="{28A0092B-C50C-407E-A947-70E740481C1C}">
+                <a14:useLocalDpi xmlns:a14="http://schemas.microsoft.com/office/drawing/2010/main" val="0"/>
+              </a:ext>
+            </a:extLst>
+          </a:blip>
+          <a:stretch>
+            <a:fillRect/>
+          </a:stretch>
+        </p:blipFill>
+        <p:spPr>
+          <a:xfrm>
+            <a:off x="3744415" y="2066742"/>
+            <a:ext cx="1658790" cy="1257188"/>
+          </a:xfrm>
+          <a:prstGeom prst="rect">
+            <a:avLst/>
+          </a:prstGeom>
+        </p:spPr>
+      </p:pic>
+      <p:sp>
+        <p:nvSpPr>
+          <p:cNvPr id="8" name="ZoneTexte 7">
+            <a:extLst>
+              <a:ext uri="{FF2B5EF4-FFF2-40B4-BE49-F238E27FC236}">
+                <a16:creationId xmlns:a16="http://schemas.microsoft.com/office/drawing/2014/main" id="{73AB9138-85CE-2091-322D-AAD503737C81}"/>
+              </a:ext>
+            </a:extLst>
+          </p:cNvPr>
+          <p:cNvSpPr txBox="1"/>
+          <p:nvPr/>
+        </p:nvSpPr>
+        <p:spPr>
+          <a:xfrm>
+            <a:off x="3670651" y="1756699"/>
+            <a:ext cx="1546118" cy="372399"/>
+          </a:xfrm>
+          <a:prstGeom prst="rect">
+            <a:avLst/>
+          </a:prstGeom>
+          <a:noFill/>
+          <a:ln w="0">
+            <a:noFill/>
+          </a:ln>
+        </p:spPr>
+        <p:txBody>
+          <a:bodyPr lIns="0" tIns="0" rIns="0" bIns="0" anchor="ctr">
+            <a:noAutofit/>
+          </a:bodyPr>
+          <a:lstStyle/>
+          <a:p>
+            <a:pPr marL="342900" indent="-342900">
+              <a:buFont typeface="Arial" panose="020B0604020202020204" pitchFamily="34" charset="0"/>
+              <a:buChar char="•"/>
+            </a:pPr>
+            <a:r>
+              <a:rPr lang="fr-FR" sz="1600" b="1" dirty="0">
+                <a:latin typeface="Calibri"/>
+                <a:ea typeface="Calibri"/>
+                <a:cs typeface="Times New Roman"/>
+              </a:rPr>
+              <a:t>7 segments -&gt; HD1143G</a:t>
+            </a:r>
+          </a:p>
+        </p:txBody>
+      </p:sp>
+      <p:pic>
+        <p:nvPicPr>
+          <p:cNvPr id="10" name="Image 9">
+            <a:extLst>
+              <a:ext uri="{FF2B5EF4-FFF2-40B4-BE49-F238E27FC236}">
+                <a16:creationId xmlns:a16="http://schemas.microsoft.com/office/drawing/2014/main" id="{70F02FFB-FC63-9D6F-A8D8-4E345FDEADDC}"/>
+              </a:ext>
+            </a:extLst>
+          </p:cNvPr>
+          <p:cNvPicPr>
+            <a:picLocks noChangeAspect="1"/>
+          </p:cNvPicPr>
+          <p:nvPr/>
+        </p:nvPicPr>
+        <p:blipFill>
+          <a:blip r:embed="rId5">
+            <a:extLst>
+              <a:ext uri="{28A0092B-C50C-407E-A947-70E740481C1C}">
+                <a14:useLocalDpi xmlns:a14="http://schemas.microsoft.com/office/drawing/2010/main" val="0"/>
+              </a:ext>
+            </a:extLst>
+          </a:blip>
+          <a:stretch>
+            <a:fillRect/>
+          </a:stretch>
+        </p:blipFill>
+        <p:spPr>
+          <a:xfrm>
+            <a:off x="5811188" y="4051942"/>
+            <a:ext cx="464519" cy="1225816"/>
+          </a:xfrm>
+          <a:prstGeom prst="rect">
+            <a:avLst/>
+          </a:prstGeom>
+        </p:spPr>
+      </p:pic>
+      <p:sp>
+        <p:nvSpPr>
+          <p:cNvPr id="14" name="ZoneTexte 13">
+            <a:extLst>
+              <a:ext uri="{FF2B5EF4-FFF2-40B4-BE49-F238E27FC236}">
+                <a16:creationId xmlns:a16="http://schemas.microsoft.com/office/drawing/2014/main" id="{F2E03571-37C1-5064-A271-A1D7E31F6F3D}"/>
+              </a:ext>
+            </a:extLst>
+          </p:cNvPr>
+          <p:cNvSpPr txBox="1"/>
+          <p:nvPr/>
+        </p:nvSpPr>
+        <p:spPr>
+          <a:xfrm>
+            <a:off x="1715770" y="3875600"/>
+            <a:ext cx="2125409" cy="603092"/>
+          </a:xfrm>
+          <a:prstGeom prst="rect">
+            <a:avLst/>
+          </a:prstGeom>
+          <a:noFill/>
+          <a:ln w="0">
+            <a:noFill/>
+          </a:ln>
+        </p:spPr>
+        <p:txBody>
+          <a:bodyPr lIns="0" tIns="0" rIns="0" bIns="0" anchor="ctr">
+            <a:noAutofit/>
+          </a:bodyPr>
+          <a:lstStyle/>
+          <a:p>
+            <a:endParaRPr lang="fr-FR" sz="1600" b="1" dirty="0">
+              <a:latin typeface="Calibri"/>
+              <a:ea typeface="Calibri"/>
+              <a:cs typeface="Times New Roman"/>
+            </a:endParaRPr>
+          </a:p>
+        </p:txBody>
+      </p:sp>
+      <p:pic>
+        <p:nvPicPr>
+          <p:cNvPr id="16" name="Image 15">
+            <a:extLst>
+              <a:ext uri="{FF2B5EF4-FFF2-40B4-BE49-F238E27FC236}">
+                <a16:creationId xmlns:a16="http://schemas.microsoft.com/office/drawing/2014/main" id="{9C8C22AA-6FCD-649B-70DB-EC1111154E98}"/>
+              </a:ext>
+            </a:extLst>
+          </p:cNvPr>
+          <p:cNvPicPr>
+            <a:picLocks noChangeAspect="1"/>
+          </p:cNvPicPr>
+          <p:nvPr/>
+        </p:nvPicPr>
+        <p:blipFill>
+          <a:blip r:embed="rId6" cstate="print">
+            <a:extLst>
+              <a:ext uri="{28A0092B-C50C-407E-A947-70E740481C1C}">
+                <a14:useLocalDpi xmlns:a14="http://schemas.microsoft.com/office/drawing/2010/main" val="0"/>
+              </a:ext>
+            </a:extLst>
+          </a:blip>
+          <a:stretch>
+            <a:fillRect/>
+          </a:stretch>
+        </p:blipFill>
+        <p:spPr>
+          <a:xfrm>
+            <a:off x="5812289" y="1646008"/>
+            <a:ext cx="1431245" cy="1431245"/>
+          </a:xfrm>
+          <a:prstGeom prst="rect">
+            <a:avLst/>
+          </a:prstGeom>
+        </p:spPr>
+      </p:pic>
+      <p:sp>
+        <p:nvSpPr>
+          <p:cNvPr id="17" name="ZoneTexte 16">
+            <a:extLst>
+              <a:ext uri="{FF2B5EF4-FFF2-40B4-BE49-F238E27FC236}">
+                <a16:creationId xmlns:a16="http://schemas.microsoft.com/office/drawing/2014/main" id="{A4D4BFC7-4C11-0DAA-3F92-27A3A153A8AD}"/>
+              </a:ext>
+            </a:extLst>
+          </p:cNvPr>
+          <p:cNvSpPr txBox="1"/>
+          <p:nvPr/>
+        </p:nvSpPr>
+        <p:spPr>
+          <a:xfrm>
+            <a:off x="5800862" y="1386501"/>
+            <a:ext cx="1431246" cy="519015"/>
+          </a:xfrm>
+          <a:prstGeom prst="rect">
+            <a:avLst/>
+          </a:prstGeom>
+          <a:noFill/>
+          <a:ln w="0">
+            <a:noFill/>
+          </a:ln>
+        </p:spPr>
+        <p:txBody>
+          <a:bodyPr lIns="0" tIns="0" rIns="0" bIns="0" anchor="ctr">
+            <a:noAutofit/>
+          </a:bodyPr>
+          <a:lstStyle/>
+          <a:p>
+            <a:pPr marL="342900" indent="-342900">
+              <a:buFont typeface="Arial" panose="020B0604020202020204" pitchFamily="34" charset="0"/>
+              <a:buChar char="•"/>
+            </a:pPr>
+            <a:r>
+              <a:rPr lang="fr-FR" sz="1600" b="1" dirty="0" err="1">
+                <a:latin typeface="Calibri"/>
+                <a:ea typeface="Calibri"/>
+                <a:cs typeface="Times New Roman"/>
+              </a:rPr>
+              <a:t>Expander</a:t>
+            </a:r>
+            <a:r>
+              <a:rPr lang="fr-FR" sz="1600" b="1" dirty="0">
+                <a:latin typeface="Calibri"/>
+                <a:ea typeface="Calibri"/>
+                <a:cs typeface="Times New Roman"/>
+              </a:rPr>
+              <a:t> -&gt; MCP23017</a:t>
+            </a:r>
+          </a:p>
+        </p:txBody>
+      </p:sp>
+      <p:pic>
+        <p:nvPicPr>
+          <p:cNvPr id="19" name="Image 18">
+            <a:extLst>
+              <a:ext uri="{FF2B5EF4-FFF2-40B4-BE49-F238E27FC236}">
+                <a16:creationId xmlns:a16="http://schemas.microsoft.com/office/drawing/2014/main" id="{045FF819-757D-CE8C-18B7-71C4B1E1FD83}"/>
+              </a:ext>
+            </a:extLst>
+          </p:cNvPr>
+          <p:cNvPicPr>
+            <a:picLocks noChangeAspect="1"/>
+          </p:cNvPicPr>
+          <p:nvPr/>
+        </p:nvPicPr>
+        <p:blipFill>
+          <a:blip r:embed="rId7" cstate="print">
+            <a:extLst>
+              <a:ext uri="{28A0092B-C50C-407E-A947-70E740481C1C}">
+                <a14:useLocalDpi xmlns:a14="http://schemas.microsoft.com/office/drawing/2010/main" val="0"/>
+              </a:ext>
+            </a:extLst>
+          </a:blip>
+          <a:stretch>
+            <a:fillRect/>
+          </a:stretch>
+        </p:blipFill>
+        <p:spPr>
+          <a:xfrm>
+            <a:off x="7426917" y="2387189"/>
+            <a:ext cx="1970088" cy="1970088"/>
+          </a:xfrm>
+          <a:prstGeom prst="rect">
+            <a:avLst/>
+          </a:prstGeom>
+        </p:spPr>
+      </p:pic>
+      <p:sp>
+        <p:nvSpPr>
+          <p:cNvPr id="20" name="ZoneTexte 19">
+            <a:extLst>
+              <a:ext uri="{FF2B5EF4-FFF2-40B4-BE49-F238E27FC236}">
+                <a16:creationId xmlns:a16="http://schemas.microsoft.com/office/drawing/2014/main" id="{02F2DAC9-5330-EEAE-695F-9B844513D565}"/>
+              </a:ext>
+            </a:extLst>
+          </p:cNvPr>
+          <p:cNvSpPr txBox="1"/>
+          <p:nvPr/>
+        </p:nvSpPr>
+        <p:spPr>
+          <a:xfrm>
+            <a:off x="7557697" y="2430278"/>
+            <a:ext cx="1431246" cy="519015"/>
+          </a:xfrm>
+          <a:prstGeom prst="rect">
+            <a:avLst/>
+          </a:prstGeom>
+          <a:noFill/>
+          <a:ln w="0">
+            <a:noFill/>
+          </a:ln>
+        </p:spPr>
+        <p:txBody>
+          <a:bodyPr lIns="0" tIns="0" rIns="0" bIns="0" anchor="ctr">
+            <a:noAutofit/>
+          </a:bodyPr>
+          <a:lstStyle/>
+          <a:p>
+            <a:pPr marL="342900" indent="-342900">
+              <a:buFont typeface="Arial" panose="020B0604020202020204" pitchFamily="34" charset="0"/>
+              <a:buChar char="•"/>
+            </a:pPr>
+            <a:r>
+              <a:rPr lang="fr-FR" sz="1600" b="1" dirty="0">
+                <a:latin typeface="Calibri"/>
+                <a:ea typeface="Calibri"/>
+                <a:cs typeface="Times New Roman"/>
+              </a:rPr>
+              <a:t>Ecran LCD -&gt;</a:t>
+            </a:r>
+          </a:p>
+          <a:p>
+            <a:pPr algn="ctr"/>
+            <a:r>
+              <a:rPr lang="fr-FR" sz="1600" b="1" dirty="0">
+                <a:latin typeface="gg sans"/>
+              </a:rPr>
+              <a:t> </a:t>
+            </a:r>
+            <a:r>
+              <a:rPr lang="fr-FR" sz="1600" b="1" i="0" dirty="0">
+                <a:effectLst/>
+                <a:latin typeface="gg sans"/>
+              </a:rPr>
+              <a:t>HD1143G</a:t>
+            </a:r>
+            <a:endParaRPr lang="fr-FR" sz="1600" b="1" dirty="0">
+              <a:latin typeface="Calibri"/>
+              <a:ea typeface="Calibri"/>
+              <a:cs typeface="Times New Roman"/>
+            </a:endParaRPr>
+          </a:p>
+        </p:txBody>
+      </p:sp>
+      <p:pic>
+        <p:nvPicPr>
+          <p:cNvPr id="5" name="Image 4">
+            <a:extLst>
+              <a:ext uri="{FF2B5EF4-FFF2-40B4-BE49-F238E27FC236}">
+                <a16:creationId xmlns:a16="http://schemas.microsoft.com/office/drawing/2014/main" id="{AAAC9C84-7E5D-277A-D65D-2BB3EA87B289}"/>
+              </a:ext>
+            </a:extLst>
+          </p:cNvPr>
+          <p:cNvPicPr>
+            <a:picLocks noChangeAspect="1"/>
+          </p:cNvPicPr>
+          <p:nvPr/>
+        </p:nvPicPr>
+        <p:blipFill>
+          <a:blip r:embed="rId8">
+            <a:extLst>
+              <a:ext uri="{28A0092B-C50C-407E-A947-70E740481C1C}">
+                <a14:useLocalDpi xmlns:a14="http://schemas.microsoft.com/office/drawing/2010/main" val="0"/>
+              </a:ext>
+            </a:extLst>
+          </a:blip>
+          <a:stretch>
+            <a:fillRect/>
+          </a:stretch>
+        </p:blipFill>
+        <p:spPr>
+          <a:xfrm>
+            <a:off x="0" y="4847379"/>
+            <a:ext cx="4951220" cy="823171"/>
+          </a:xfrm>
+          <a:prstGeom prst="rect">
+            <a:avLst/>
+          </a:prstGeom>
+        </p:spPr>
+      </p:pic>
+      <p:pic>
+        <p:nvPicPr>
+          <p:cNvPr id="11" name="Image 10" descr="Une image contenant bracelet&#10;&#10;Description générée automatiquement avec une confiance moyenne">
+            <a:extLst>
+              <a:ext uri="{FF2B5EF4-FFF2-40B4-BE49-F238E27FC236}">
+                <a16:creationId xmlns:a16="http://schemas.microsoft.com/office/drawing/2014/main" id="{085E9615-51E4-12AC-FC1B-48F478F4DADB}"/>
+              </a:ext>
+            </a:extLst>
+          </p:cNvPr>
+          <p:cNvPicPr>
+            <a:picLocks noChangeAspect="1"/>
+          </p:cNvPicPr>
+          <p:nvPr/>
+        </p:nvPicPr>
+        <p:blipFill>
+          <a:blip r:embed="rId9" cstate="print">
+            <a:extLst>
+              <a:ext uri="{28A0092B-C50C-407E-A947-70E740481C1C}">
+                <a14:useLocalDpi xmlns:a14="http://schemas.microsoft.com/office/drawing/2010/main" val="0"/>
+              </a:ext>
+            </a:extLst>
+          </a:blip>
+          <a:stretch>
+            <a:fillRect/>
+          </a:stretch>
+        </p:blipFill>
+        <p:spPr>
+          <a:xfrm>
+            <a:off x="2857285" y="3429018"/>
+            <a:ext cx="1313273" cy="1313273"/>
+          </a:xfrm>
+          <a:prstGeom prst="rect">
+            <a:avLst/>
+          </a:prstGeom>
+        </p:spPr>
+      </p:pic>
+      <p:sp>
+        <p:nvSpPr>
+          <p:cNvPr id="13" name="ZoneTexte 12">
+            <a:extLst>
+              <a:ext uri="{FF2B5EF4-FFF2-40B4-BE49-F238E27FC236}">
+                <a16:creationId xmlns:a16="http://schemas.microsoft.com/office/drawing/2014/main" id="{195DD28B-52E1-F9A4-14AB-B39BF5521394}"/>
+              </a:ext>
+            </a:extLst>
+          </p:cNvPr>
+          <p:cNvSpPr txBox="1"/>
+          <p:nvPr/>
+        </p:nvSpPr>
+        <p:spPr>
+          <a:xfrm>
+            <a:off x="1819427" y="3203138"/>
+            <a:ext cx="1826265" cy="372399"/>
+          </a:xfrm>
+          <a:prstGeom prst="rect">
+            <a:avLst/>
+          </a:prstGeom>
+          <a:noFill/>
+          <a:ln w="0">
+            <a:noFill/>
+          </a:ln>
+        </p:spPr>
+        <p:txBody>
+          <a:bodyPr lIns="0" tIns="0" rIns="0" bIns="0" anchor="ctr">
+            <a:noAutofit/>
+          </a:bodyPr>
+          <a:lstStyle/>
+          <a:p>
+            <a:pPr marL="342900" indent="-342900">
+              <a:buFont typeface="Arial" panose="020B0604020202020204" pitchFamily="34" charset="0"/>
+              <a:buChar char="•"/>
+            </a:pPr>
+            <a:r>
+              <a:rPr lang="fr-FR" sz="1600" b="1" dirty="0">
+                <a:latin typeface="Calibri"/>
+                <a:ea typeface="Calibri"/>
+                <a:cs typeface="Times New Roman"/>
+              </a:rPr>
+              <a:t>Ruban de </a:t>
+            </a:r>
+            <a:r>
+              <a:rPr lang="fr-FR" sz="1600" b="1" dirty="0" err="1">
+                <a:latin typeface="Calibri"/>
+                <a:ea typeface="Calibri"/>
+                <a:cs typeface="Times New Roman"/>
+              </a:rPr>
+              <a:t>LEDs</a:t>
+            </a:r>
+            <a:r>
+              <a:rPr lang="fr-FR" sz="1600" b="1">
+                <a:latin typeface="Calibri"/>
+                <a:ea typeface="Calibri"/>
+                <a:cs typeface="Times New Roman"/>
+              </a:rPr>
+              <a:t> -&gt; </a:t>
+            </a:r>
+            <a:endParaRPr lang="fr-FR" sz="1600" b="1" dirty="0">
+              <a:latin typeface="Calibri"/>
+              <a:ea typeface="Calibri"/>
+              <a:cs typeface="Times New Roman"/>
+            </a:endParaRPr>
+          </a:p>
+          <a:p>
+            <a:r>
+              <a:rPr lang="fr-FR" sz="1600" b="1" dirty="0">
+                <a:latin typeface="Calibri"/>
+                <a:ea typeface="Calibri"/>
+                <a:cs typeface="Times New Roman"/>
+              </a:rPr>
+              <a:t>       SK9822</a:t>
+            </a:r>
+          </a:p>
+        </p:txBody>
+      </p:sp>
+      <p:sp>
+        <p:nvSpPr>
+          <p:cNvPr id="9" name="ZoneTexte 8">
+            <a:extLst>
+              <a:ext uri="{FF2B5EF4-FFF2-40B4-BE49-F238E27FC236}">
+                <a16:creationId xmlns:a16="http://schemas.microsoft.com/office/drawing/2014/main" id="{AF3EC83D-912E-EBBC-C1B3-E2042F745BFC}"/>
+              </a:ext>
+            </a:extLst>
+          </p:cNvPr>
+          <p:cNvSpPr txBox="1"/>
+          <p:nvPr/>
+        </p:nvSpPr>
+        <p:spPr>
+          <a:xfrm>
+            <a:off x="146957" y="881743"/>
+            <a:ext cx="2928257" cy="369332"/>
+          </a:xfrm>
+          <a:prstGeom prst="rect">
+            <a:avLst/>
+          </a:prstGeom>
+          <a:noFill/>
+        </p:spPr>
+        <p:txBody>
+          <a:bodyPr wrap="square" rtlCol="0">
+            <a:spAutoFit/>
+          </a:bodyPr>
+          <a:lstStyle/>
+          <a:p>
+            <a:r>
+              <a:rPr lang="fr-FR" dirty="0"/>
+              <a:t>Commande réelle chez RS</a:t>
+            </a:r>
+          </a:p>
+        </p:txBody>
+      </p:sp>
+    </p:spTree>
+    <p:extLst>
+      <p:ext uri="{BB962C8B-B14F-4D97-AF65-F5344CB8AC3E}">
+        <p14:creationId xmlns:p14="http://schemas.microsoft.com/office/powerpoint/2010/main" val="1226233218"/>
+      </p:ext>
+    </p:extLst>
+  </p:cSld>
+  <p:clrMapOvr>
+    <a:masterClrMapping/>
+  </p:clrMapOvr>
+</p:sld>
+</file>
+
+<file path=ppt/slides/slide14.xml><?xml version="1.0" encoding="utf-8"?>
+<p:sld xmlns:a="http://schemas.openxmlformats.org/drawingml/2006/main" xmlns:r="http://schemas.openxmlformats.org/officeDocument/2006/relationships" xmlns:p="http://schemas.openxmlformats.org/presentationml/2006/main">
+  <p:cSld>
+    <p:spTree>
+      <p:nvGrpSpPr>
+        <p:cNvPr id="1" name=""/>
+        <p:cNvGrpSpPr/>
+        <p:nvPr/>
+      </p:nvGrpSpPr>
+      <p:grpSpPr>
+        <a:xfrm>
+          <a:off x="0" y="0"/>
+          <a:ext cx="0" cy="0"/>
+          <a:chOff x="0" y="0"/>
+          <a:chExt cx="0" cy="0"/>
+        </a:xfrm>
+      </p:grpSpPr>
+      <p:pic>
+        <p:nvPicPr>
+          <p:cNvPr id="2" name="Picture 2" descr="Polytech Tours - Polytech Tours, école d'ingénieurs">
+            <a:extLst>
+              <a:ext uri="{FF2B5EF4-FFF2-40B4-BE49-F238E27FC236}">
+                <a16:creationId xmlns:a16="http://schemas.microsoft.com/office/drawing/2014/main" id="{009710E4-4286-CDDE-E7EB-109C9DDAB24F}"/>
+              </a:ext>
+            </a:extLst>
+          </p:cNvPr>
+          <p:cNvPicPr>
+            <a:picLocks noChangeAspect="1" noChangeArrowheads="1"/>
+          </p:cNvPicPr>
+          <p:nvPr/>
+        </p:nvPicPr>
+        <p:blipFill>
+          <a:blip r:embed="rId2" cstate="print">
+            <a:extLst>
+              <a:ext uri="{28A0092B-C50C-407E-A947-70E740481C1C}">
+                <a14:useLocalDpi xmlns:a14="http://schemas.microsoft.com/office/drawing/2010/main" val="0"/>
+              </a:ext>
+            </a:extLst>
+          </a:blip>
+          <a:srcRect/>
+          <a:stretch>
+            <a:fillRect/>
+          </a:stretch>
+        </p:blipFill>
+        <p:spPr bwMode="auto">
+          <a:xfrm>
+            <a:off x="0" y="4852645"/>
+            <a:ext cx="3985897" cy="817905"/>
+          </a:xfrm>
+          <a:prstGeom prst="rect">
+            <a:avLst/>
+          </a:prstGeom>
+          <a:noFill/>
+          <a:extLst>
+            <a:ext uri="{909E8E84-426E-40DD-AFC4-6F175D3DCCD1}">
+              <a14:hiddenFill xmlns:a14="http://schemas.microsoft.com/office/drawing/2010/main">
+                <a:solidFill>
+                  <a:srgbClr val="FFFFFF"/>
+                </a:solidFill>
+              </a14:hiddenFill>
+            </a:ext>
+          </a:extLst>
+        </p:spPr>
+      </p:pic>
+      <p:sp>
+        <p:nvSpPr>
+          <p:cNvPr id="3" name="Espace réservé du numéro de diapositive 2">
+            <a:extLst>
+              <a:ext uri="{FF2B5EF4-FFF2-40B4-BE49-F238E27FC236}">
+                <a16:creationId xmlns:a16="http://schemas.microsoft.com/office/drawing/2014/main" id="{FAF3CFF4-FC6E-8119-4D39-629CA185EBE3}"/>
+              </a:ext>
+            </a:extLst>
+          </p:cNvPr>
+          <p:cNvSpPr>
+            <a:spLocks noGrp="1"/>
+          </p:cNvSpPr>
+          <p:nvPr>
+            <p:ph type="sldNum" idx="3"/>
+          </p:nvPr>
+        </p:nvSpPr>
+        <p:spPr/>
+        <p:txBody>
+          <a:bodyPr/>
+          <a:lstStyle/>
+          <a:p>
+            <a:fld id="{74A1DB29-52D7-44FB-91A6-D4FF9B58DED1}" type="slidenum">
+              <a:rPr lang="fr-FR" smtClean="0"/>
+              <a:t>14</a:t>
             </a:fld>
             <a:endParaRPr lang="fr-FR"/>
           </a:p>
@@ -5337,7 +6159,7 @@
                 <a:ea typeface="Calibri"/>
                 <a:cs typeface="Times New Roman"/>
               </a:rPr>
-              <a:t>Nombre de broches : 28 broches (26, 2 cassé)</a:t>
+              <a:t>Nombre de broches : 28 broches (26, 2 cassées)</a:t>
             </a:r>
           </a:p>
           <a:p>
@@ -5741,7 +6563,7 @@
 </p:sld>
 </file>
 
-<file path=ppt/slides/slide12.xml><?xml version="1.0" encoding="utf-8"?>
+<file path=ppt/slides/slide15.xml><?xml version="1.0" encoding="utf-8"?>
 <p:sld xmlns:a="http://schemas.openxmlformats.org/drawingml/2006/main" xmlns:r="http://schemas.openxmlformats.org/officeDocument/2006/relationships" xmlns:p="http://schemas.openxmlformats.org/presentationml/2006/main">
   <p:cSld>
     <p:spTree>
@@ -5758,6 +6580,49 @@
           <a:chExt cx="0" cy="0"/>
         </a:xfrm>
       </p:grpSpPr>
+      <p:sp>
+        <p:nvSpPr>
+          <p:cNvPr id="42" name="PlaceHolder 1"/>
+          <p:cNvSpPr>
+            <a:spLocks noGrp="1"/>
+          </p:cNvSpPr>
+          <p:nvPr>
+            <p:ph type="title"/>
+          </p:nvPr>
+        </p:nvSpPr>
+        <p:spPr>
+          <a:xfrm>
+            <a:off x="504492" y="201588"/>
+            <a:ext cx="9071640" cy="946440"/>
+          </a:xfrm>
+          <a:prstGeom prst="rect">
+            <a:avLst/>
+          </a:prstGeom>
+          <a:noFill/>
+          <a:ln w="0">
+            <a:noFill/>
+          </a:ln>
+        </p:spPr>
+        <p:txBody>
+          <a:bodyPr lIns="0" tIns="0" rIns="0" bIns="0" anchor="ctr">
+            <a:noAutofit/>
+          </a:bodyPr>
+          <a:lstStyle/>
+          <a:p>
+            <a:pPr algn="ctr"/>
+            <a:r>
+              <a:rPr lang="fr-FR" dirty="0"/>
+              <a:t>Schéma électrique </a:t>
+            </a:r>
+            <a:endParaRPr lang="en-US" sz="1800" b="0" strike="noStrike" spc="-1" dirty="0">
+              <a:solidFill>
+                <a:srgbClr val="000000"/>
+              </a:solidFill>
+              <a:latin typeface="Arial"/>
+            </a:endParaRPr>
+          </a:p>
+        </p:txBody>
+      </p:sp>
       <p:pic>
         <p:nvPicPr>
           <p:cNvPr id="2" name="Picture 2" descr="Polytech Tours - Polytech Tours, école d'ingénieurs">
@@ -5828,52 +6693,18 @@
           <a:p>
             <a:fld id="{74A1DB29-52D7-44FB-91A6-D4FF9B58DED1}" type="slidenum">
               <a:rPr lang="fr-FR" smtClean="0"/>
-              <a:t>12</a:t>
+              <a:t>15</a:t>
             </a:fld>
             <a:endParaRPr lang="fr-FR"/>
           </a:p>
         </p:txBody>
       </p:sp>
-      <p:sp>
-        <p:nvSpPr>
-          <p:cNvPr id="6" name="Titre 1">
-            <a:extLst>
-              <a:ext uri="{FF2B5EF4-FFF2-40B4-BE49-F238E27FC236}">
-                <a16:creationId xmlns:a16="http://schemas.microsoft.com/office/drawing/2014/main" id="{E1154083-59E6-3072-317F-08A5596E5B8E}"/>
-              </a:ext>
-            </a:extLst>
-          </p:cNvPr>
-          <p:cNvSpPr>
-            <a:spLocks noGrp="1"/>
-          </p:cNvSpPr>
-          <p:nvPr>
-            <p:ph type="title"/>
-          </p:nvPr>
-        </p:nvSpPr>
-        <p:spPr>
-          <a:xfrm>
-            <a:off x="895063" y="553024"/>
-            <a:ext cx="5625553" cy="775996"/>
-          </a:xfrm>
-        </p:spPr>
-        <p:txBody>
-          <a:bodyPr/>
-          <a:lstStyle/>
-          <a:p>
-            <a:r>
-              <a:rPr lang="fr-FR" sz="3200" dirty="0"/>
-              <a:t>PIC24FJ64GA002</a:t>
-            </a:r>
-            <a:endParaRPr lang="fr-FR" dirty="0"/>
-          </a:p>
-        </p:txBody>
-      </p:sp>
       <p:pic>
         <p:nvPicPr>
-          <p:cNvPr id="7" name="Image 3" descr="Une image contenant table&#10;&#10;Description générée automatiquement">
+          <p:cNvPr id="4" name="Image 3">
             <a:extLst>
               <a:ext uri="{FF2B5EF4-FFF2-40B4-BE49-F238E27FC236}">
-                <a16:creationId xmlns:a16="http://schemas.microsoft.com/office/drawing/2014/main" id="{D019A83F-51D2-C2CE-2E29-0CB09ADD73F6}"/>
+                <a16:creationId xmlns:a16="http://schemas.microsoft.com/office/drawing/2014/main" id="{1303AD38-44C5-CF84-2FA2-4CB271CD32C8}"/>
               </a:ext>
             </a:extLst>
           </p:cNvPr>
@@ -5883,48 +6714,7 @@
           <p:nvPr/>
         </p:nvPicPr>
         <p:blipFill>
-          <a:blip r:embed="rId3"/>
-          <a:stretch>
-            <a:fillRect/>
-          </a:stretch>
-        </p:blipFill>
-        <p:spPr>
-          <a:xfrm>
-            <a:off x="5138129" y="2708477"/>
-            <a:ext cx="4665025" cy="1822764"/>
-          </a:xfrm>
-          <a:prstGeom prst="rect">
-            <a:avLst/>
-          </a:prstGeom>
-          <a:noFill/>
-          <a:ln w="0">
-            <a:noFill/>
-          </a:ln>
-          <a:effectLst>
-            <a:outerShdw blurRad="292100" dist="139700" dir="2700000" algn="tl" rotWithShape="0">
-              <a:srgbClr val="333333">
-                <a:alpha val="65000"/>
-              </a:srgbClr>
-            </a:outerShdw>
-          </a:effectLst>
-        </p:spPr>
-      </p:pic>
-      <p:pic>
-        <p:nvPicPr>
-          <p:cNvPr id="10" name="Image 9">
-            <a:extLst>
-              <a:ext uri="{FF2B5EF4-FFF2-40B4-BE49-F238E27FC236}">
-                <a16:creationId xmlns:a16="http://schemas.microsoft.com/office/drawing/2014/main" id="{353E23B0-DDE4-AB8D-398C-40A2956D2FEE}"/>
-              </a:ext>
-            </a:extLst>
-          </p:cNvPr>
-          <p:cNvPicPr>
-            <a:picLocks noChangeAspect="1"/>
-          </p:cNvPicPr>
-          <p:nvPr/>
-        </p:nvPicPr>
-        <p:blipFill>
-          <a:blip r:embed="rId4">
+          <a:blip r:embed="rId3">
             <a:extLst>
               <a:ext uri="{28A0092B-C50C-407E-A947-70E740481C1C}">
                 <a14:useLocalDpi xmlns:a14="http://schemas.microsoft.com/office/drawing/2010/main" val="0"/>
@@ -5937,232 +6727,6 @@
         </p:blipFill>
         <p:spPr>
           <a:xfrm>
-            <a:off x="6520616" y="1258379"/>
-            <a:ext cx="2876997" cy="1576896"/>
-          </a:xfrm>
-          <a:prstGeom prst="rect">
-            <a:avLst/>
-          </a:prstGeom>
-        </p:spPr>
-      </p:pic>
-      <p:sp>
-        <p:nvSpPr>
-          <p:cNvPr id="11" name="Espace réservé du texte 3">
-            <a:extLst>
-              <a:ext uri="{FF2B5EF4-FFF2-40B4-BE49-F238E27FC236}">
-                <a16:creationId xmlns:a16="http://schemas.microsoft.com/office/drawing/2014/main" id="{D8A06F3F-C819-A58E-F369-79E3954A90F4}"/>
-              </a:ext>
-            </a:extLst>
-          </p:cNvPr>
-          <p:cNvSpPr txBox="1">
-            <a:spLocks/>
-          </p:cNvSpPr>
-          <p:nvPr/>
-        </p:nvSpPr>
-        <p:spPr>
-          <a:xfrm>
-            <a:off x="160019" y="2141682"/>
-            <a:ext cx="5280082" cy="1576897"/>
-          </a:xfrm>
-          <a:prstGeom prst="rect">
-            <a:avLst/>
-          </a:prstGeom>
-          <a:noFill/>
-          <a:ln w="0">
-            <a:noFill/>
-          </a:ln>
-        </p:spPr>
-        <p:txBody>
-          <a:bodyPr vert="horz" lIns="91440" tIns="45720" rIns="91440" bIns="45720" rtlCol="0" anchor="t">
-            <a:normAutofit/>
-          </a:bodyPr>
-          <a:lstStyle>
-            <a:defPPr>
-              <a:defRPr lang="fr-FR"/>
-            </a:defPPr>
-            <a:lvl1pPr marL="0" indent="0" algn="ctr" defTabSz="914400" rtl="0" eaLnBrk="1" latinLnBrk="0" hangingPunct="1">
-              <a:buNone/>
-              <a:defRPr lang="en-US" sz="1400" b="0" strike="noStrike" kern="1200" spc="-1">
-                <a:solidFill>
-                  <a:srgbClr val="000000"/>
-                </a:solidFill>
-                <a:latin typeface="Times New Roman"/>
-                <a:ea typeface="+mn-ea"/>
-                <a:cs typeface="+mn-cs"/>
-              </a:defRPr>
-            </a:lvl1pPr>
-            <a:lvl2pPr marL="457200" algn="l" defTabSz="914400" rtl="0" eaLnBrk="1" latinLnBrk="0" hangingPunct="1">
-              <a:defRPr sz="1800" kern="1200">
-                <a:solidFill>
-                  <a:schemeClr val="tx1"/>
-                </a:solidFill>
-                <a:latin typeface="+mn-lt"/>
-                <a:ea typeface="+mn-ea"/>
-                <a:cs typeface="+mn-cs"/>
-              </a:defRPr>
-            </a:lvl2pPr>
-            <a:lvl3pPr marL="914400" algn="l" defTabSz="914400" rtl="0" eaLnBrk="1" latinLnBrk="0" hangingPunct="1">
-              <a:defRPr sz="1800" kern="1200">
-                <a:solidFill>
-                  <a:schemeClr val="tx1"/>
-                </a:solidFill>
-                <a:latin typeface="+mn-lt"/>
-                <a:ea typeface="+mn-ea"/>
-                <a:cs typeface="+mn-cs"/>
-              </a:defRPr>
-            </a:lvl3pPr>
-            <a:lvl4pPr marL="1371600" algn="l" defTabSz="914400" rtl="0" eaLnBrk="1" latinLnBrk="0" hangingPunct="1">
-              <a:defRPr sz="1800" kern="1200">
-                <a:solidFill>
-                  <a:schemeClr val="tx1"/>
-                </a:solidFill>
-                <a:latin typeface="+mn-lt"/>
-                <a:ea typeface="+mn-ea"/>
-                <a:cs typeface="+mn-cs"/>
-              </a:defRPr>
-            </a:lvl4pPr>
-            <a:lvl5pPr marL="1828800" algn="l" defTabSz="914400" rtl="0" eaLnBrk="1" latinLnBrk="0" hangingPunct="1">
-              <a:defRPr sz="1800" kern="1200">
-                <a:solidFill>
-                  <a:schemeClr val="tx1"/>
-                </a:solidFill>
-                <a:latin typeface="+mn-lt"/>
-                <a:ea typeface="+mn-ea"/>
-                <a:cs typeface="+mn-cs"/>
-              </a:defRPr>
-            </a:lvl5pPr>
-            <a:lvl6pPr marL="2286000" algn="l" defTabSz="914400" rtl="0" eaLnBrk="1" latinLnBrk="0" hangingPunct="1">
-              <a:defRPr sz="1800" kern="1200">
-                <a:solidFill>
-                  <a:schemeClr val="tx1"/>
-                </a:solidFill>
-                <a:latin typeface="+mn-lt"/>
-                <a:ea typeface="+mn-ea"/>
-                <a:cs typeface="+mn-cs"/>
-              </a:defRPr>
-            </a:lvl6pPr>
-            <a:lvl7pPr marL="2743200" algn="l" defTabSz="914400" rtl="0" eaLnBrk="1" latinLnBrk="0" hangingPunct="1">
-              <a:defRPr sz="1800" kern="1200">
-                <a:solidFill>
-                  <a:schemeClr val="tx1"/>
-                </a:solidFill>
-                <a:latin typeface="+mn-lt"/>
-                <a:ea typeface="+mn-ea"/>
-                <a:cs typeface="+mn-cs"/>
-              </a:defRPr>
-            </a:lvl7pPr>
-            <a:lvl8pPr marL="3200400" algn="l" defTabSz="914400" rtl="0" eaLnBrk="1" latinLnBrk="0" hangingPunct="1">
-              <a:defRPr sz="1800" kern="1200">
-                <a:solidFill>
-                  <a:schemeClr val="tx1"/>
-                </a:solidFill>
-                <a:latin typeface="+mn-lt"/>
-                <a:ea typeface="+mn-ea"/>
-                <a:cs typeface="+mn-cs"/>
-              </a:defRPr>
-            </a:lvl8pPr>
-            <a:lvl9pPr marL="3657600" algn="l" defTabSz="914400" rtl="0" eaLnBrk="1" latinLnBrk="0" hangingPunct="1">
-              <a:defRPr sz="1800" kern="1200">
-                <a:solidFill>
-                  <a:schemeClr val="tx1"/>
-                </a:solidFill>
-                <a:latin typeface="+mn-lt"/>
-                <a:ea typeface="+mn-ea"/>
-                <a:cs typeface="+mn-cs"/>
-              </a:defRPr>
-            </a:lvl9pPr>
-          </a:lstStyle>
-          <a:p>
-            <a:pPr marL="342900" indent="-342900" algn="l">
-              <a:buFont typeface="Arial" panose="020B0604020202020204" pitchFamily="34" charset="0"/>
-              <a:buChar char="•"/>
-            </a:pPr>
-            <a:r>
-              <a:rPr lang="fr-FR" sz="1800" b="1" dirty="0">
-                <a:latin typeface="Calibri"/>
-                <a:ea typeface="Calibri"/>
-                <a:cs typeface="Times New Roman"/>
-              </a:rPr>
-              <a:t>Nombre de broches : 28 broches (26, 2 cassé)</a:t>
-            </a:r>
-          </a:p>
-          <a:p>
-            <a:pPr marL="342900" indent="-342900" algn="l">
-              <a:buFont typeface="Arial" panose="020B0604020202020204" pitchFamily="34" charset="0"/>
-              <a:buChar char="•"/>
-            </a:pPr>
-            <a:r>
-              <a:rPr lang="fr-FR" sz="1800" b="1" dirty="0">
-                <a:latin typeface="Calibri"/>
-                <a:ea typeface="Calibri"/>
-                <a:cs typeface="Times New Roman"/>
-              </a:rPr>
-              <a:t>Nb E/S analogiques : 10 bits (16 max)</a:t>
-            </a:r>
-          </a:p>
-          <a:p>
-            <a:pPr marL="342900" indent="-342900" algn="l">
-              <a:buFont typeface="Arial" panose="020B0604020202020204" pitchFamily="34" charset="0"/>
-              <a:buChar char="•"/>
-            </a:pPr>
-            <a:r>
-              <a:rPr lang="fr-FR" sz="1800" b="1" dirty="0">
-                <a:latin typeface="Calibri"/>
-                <a:ea typeface="Calibri"/>
-                <a:cs typeface="Times New Roman"/>
-              </a:rPr>
-              <a:t>Nb d'interfaces série : 1 x UART, 2 x SPI, 2 x I2C</a:t>
-            </a:r>
-          </a:p>
-          <a:p>
-            <a:pPr marL="342900" indent="-342900" algn="l">
-              <a:buFont typeface="Arial" panose="020B0604020202020204" pitchFamily="34" charset="0"/>
-              <a:buChar char="•"/>
-            </a:pPr>
-            <a:r>
-              <a:rPr lang="fr-FR" sz="1800" b="1" dirty="0">
-                <a:latin typeface="Calibri"/>
-                <a:ea typeface="Calibri"/>
-                <a:cs typeface="Calibri"/>
-              </a:rPr>
-              <a:t>Fréquence maximale d'horloge : 32 MHz</a:t>
-            </a:r>
-            <a:endParaRPr lang="fr-FR" sz="1800" b="1" dirty="0">
-              <a:latin typeface="Calibri"/>
-              <a:ea typeface="Calibri"/>
-              <a:cs typeface="Times New Roman"/>
-            </a:endParaRPr>
-          </a:p>
-        </p:txBody>
-      </p:sp>
-      <p:pic>
-        <p:nvPicPr>
-          <p:cNvPr id="4" name="Image 3">
-            <a:extLst>
-              <a:ext uri="{FF2B5EF4-FFF2-40B4-BE49-F238E27FC236}">
-                <a16:creationId xmlns:a16="http://schemas.microsoft.com/office/drawing/2014/main" id="{5235211E-21FC-5CB2-A340-24D3754A7571}"/>
-              </a:ext>
-            </a:extLst>
-          </p:cNvPr>
-          <p:cNvPicPr>
-            <a:picLocks noChangeAspect="1"/>
-          </p:cNvPicPr>
-          <p:nvPr/>
-        </p:nvPicPr>
-        <p:blipFill>
-          <a:blip r:embed="rId5">
-            <a:extLst>
-              <a:ext uri="{28A0092B-C50C-407E-A947-70E740481C1C}">
-                <a14:useLocalDpi xmlns:a14="http://schemas.microsoft.com/office/drawing/2010/main" val="0"/>
-              </a:ext>
-            </a:extLst>
-          </a:blip>
-          <a:stretch>
-            <a:fillRect/>
-          </a:stretch>
-        </p:blipFill>
-        <p:spPr>
-          <a:xfrm>
             <a:off x="0" y="4847379"/>
             <a:ext cx="4951220" cy="823171"/>
           </a:xfrm>
@@ -6174,320 +6738,17 @@
     </p:spTree>
     <p:extLst>
       <p:ext uri="{BB962C8B-B14F-4D97-AF65-F5344CB8AC3E}">
-        <p14:creationId xmlns:p14="http://schemas.microsoft.com/office/powerpoint/2010/main" val="973047590"/>
+        <p14:creationId xmlns:p14="http://schemas.microsoft.com/office/powerpoint/2010/main" val="1674804626"/>
       </p:ext>
     </p:extLst>
   </p:cSld>
   <p:clrMapOvr>
     <a:masterClrMapping/>
   </p:clrMapOvr>
-  <p:timing>
-    <p:tnLst>
-      <p:par>
-        <p:cTn id="1" dur="indefinite" restart="never" nodeType="tmRoot">
-          <p:childTnLst>
-            <p:seq concurrent="1" nextAc="seek">
-              <p:cTn id="2" dur="indefinite" nodeType="mainSeq">
-                <p:childTnLst>
-                  <p:par>
-                    <p:cTn id="3" fill="hold">
-                      <p:stCondLst>
-                        <p:cond delay="indefinite"/>
-                      </p:stCondLst>
-                      <p:childTnLst>
-                        <p:par>
-                          <p:cTn id="4" fill="hold">
-                            <p:stCondLst>
-                              <p:cond delay="0"/>
-                            </p:stCondLst>
-                            <p:childTnLst>
-                              <p:par>
-                                <p:cTn id="5" presetID="10" presetClass="entr" presetSubtype="0" fill="hold" nodeType="clickEffect">
-                                  <p:stCondLst>
-                                    <p:cond delay="0"/>
-                                  </p:stCondLst>
-                                  <p:childTnLst>
-                                    <p:set>
-                                      <p:cBhvr>
-                                        <p:cTn id="6" dur="1" fill="hold">
-                                          <p:stCondLst>
-                                            <p:cond delay="0"/>
-                                          </p:stCondLst>
-                                        </p:cTn>
-                                        <p:tgtEl>
-                                          <p:spTgt spid="7"/>
-                                        </p:tgtEl>
-                                        <p:attrNameLst>
-                                          <p:attrName>style.visibility</p:attrName>
-                                        </p:attrNameLst>
-                                      </p:cBhvr>
-                                      <p:to>
-                                        <p:strVal val="visible"/>
-                                      </p:to>
-                                    </p:set>
-                                    <p:animEffect transition="in" filter="fade">
-                                      <p:cBhvr>
-                                        <p:cTn id="7" dur="500"/>
-                                        <p:tgtEl>
-                                          <p:spTgt spid="7"/>
-                                        </p:tgtEl>
-                                      </p:cBhvr>
-                                    </p:animEffect>
-                                  </p:childTnLst>
-                                </p:cTn>
-                              </p:par>
-                            </p:childTnLst>
-                          </p:cTn>
-                        </p:par>
-                      </p:childTnLst>
-                    </p:cTn>
-                  </p:par>
-                  <p:par>
-                    <p:cTn id="8" fill="hold">
-                      <p:stCondLst>
-                        <p:cond delay="indefinite"/>
-                      </p:stCondLst>
-                      <p:childTnLst>
-                        <p:par>
-                          <p:cTn id="9" fill="hold">
-                            <p:stCondLst>
-                              <p:cond delay="0"/>
-                            </p:stCondLst>
-                            <p:childTnLst>
-                              <p:par>
-                                <p:cTn id="10" presetID="10" presetClass="entr" presetSubtype="0" fill="hold" grpId="0" nodeType="clickEffect">
-                                  <p:stCondLst>
-                                    <p:cond delay="0"/>
-                                  </p:stCondLst>
-                                  <p:childTnLst>
-                                    <p:set>
-                                      <p:cBhvr>
-                                        <p:cTn id="11" dur="1" fill="hold">
-                                          <p:stCondLst>
-                                            <p:cond delay="0"/>
-                                          </p:stCondLst>
-                                        </p:cTn>
-                                        <p:tgtEl>
-                                          <p:spTgt spid="11">
-                                            <p:txEl>
-                                              <p:pRg st="0" end="0"/>
-                                            </p:txEl>
-                                          </p:spTgt>
-                                        </p:tgtEl>
-                                        <p:attrNameLst>
-                                          <p:attrName>style.visibility</p:attrName>
-                                        </p:attrNameLst>
-                                      </p:cBhvr>
-                                      <p:to>
-                                        <p:strVal val="visible"/>
-                                      </p:to>
-                                    </p:set>
-                                    <p:animEffect transition="in" filter="fade">
-                                      <p:cBhvr>
-                                        <p:cTn id="12" dur="500"/>
-                                        <p:tgtEl>
-                                          <p:spTgt spid="11">
-                                            <p:txEl>
-                                              <p:pRg st="0" end="0"/>
-                                            </p:txEl>
-                                          </p:spTgt>
-                                        </p:tgtEl>
-                                      </p:cBhvr>
-                                    </p:animEffect>
-                                  </p:childTnLst>
-                                </p:cTn>
-                              </p:par>
-                            </p:childTnLst>
-                          </p:cTn>
-                        </p:par>
-                        <p:par>
-                          <p:cTn id="13" fill="hold">
-                            <p:stCondLst>
-                              <p:cond delay="500"/>
-                            </p:stCondLst>
-                            <p:childTnLst>
-                              <p:par>
-                                <p:cTn id="14" presetID="10" presetClass="entr" presetSubtype="0" fill="hold" grpId="0" nodeType="afterEffect">
-                                  <p:stCondLst>
-                                    <p:cond delay="0"/>
-                                  </p:stCondLst>
-                                  <p:childTnLst>
-                                    <p:set>
-                                      <p:cBhvr>
-                                        <p:cTn id="15" dur="1" fill="hold">
-                                          <p:stCondLst>
-                                            <p:cond delay="0"/>
-                                          </p:stCondLst>
-                                        </p:cTn>
-                                        <p:tgtEl>
-                                          <p:spTgt spid="11">
-                                            <p:txEl>
-                                              <p:pRg st="1" end="1"/>
-                                            </p:txEl>
-                                          </p:spTgt>
-                                        </p:tgtEl>
-                                        <p:attrNameLst>
-                                          <p:attrName>style.visibility</p:attrName>
-                                        </p:attrNameLst>
-                                      </p:cBhvr>
-                                      <p:to>
-                                        <p:strVal val="visible"/>
-                                      </p:to>
-                                    </p:set>
-                                    <p:animEffect transition="in" filter="fade">
-                                      <p:cBhvr>
-                                        <p:cTn id="16" dur="500"/>
-                                        <p:tgtEl>
-                                          <p:spTgt spid="11">
-                                            <p:txEl>
-                                              <p:pRg st="1" end="1"/>
-                                            </p:txEl>
-                                          </p:spTgt>
-                                        </p:tgtEl>
-                                      </p:cBhvr>
-                                    </p:animEffect>
-                                  </p:childTnLst>
-                                </p:cTn>
-                              </p:par>
-                            </p:childTnLst>
-                          </p:cTn>
-                        </p:par>
-                        <p:par>
-                          <p:cTn id="17" fill="hold">
-                            <p:stCondLst>
-                              <p:cond delay="1000"/>
-                            </p:stCondLst>
-                            <p:childTnLst>
-                              <p:par>
-                                <p:cTn id="18" presetID="10" presetClass="entr" presetSubtype="0" fill="hold" grpId="0" nodeType="afterEffect">
-                                  <p:stCondLst>
-                                    <p:cond delay="0"/>
-                                  </p:stCondLst>
-                                  <p:childTnLst>
-                                    <p:set>
-                                      <p:cBhvr>
-                                        <p:cTn id="19" dur="1" fill="hold">
-                                          <p:stCondLst>
-                                            <p:cond delay="0"/>
-                                          </p:stCondLst>
-                                        </p:cTn>
-                                        <p:tgtEl>
-                                          <p:spTgt spid="11">
-                                            <p:txEl>
-                                              <p:pRg st="2" end="2"/>
-                                            </p:txEl>
-                                          </p:spTgt>
-                                        </p:tgtEl>
-                                        <p:attrNameLst>
-                                          <p:attrName>style.visibility</p:attrName>
-                                        </p:attrNameLst>
-                                      </p:cBhvr>
-                                      <p:to>
-                                        <p:strVal val="visible"/>
-                                      </p:to>
-                                    </p:set>
-                                    <p:animEffect transition="in" filter="fade">
-                                      <p:cBhvr>
-                                        <p:cTn id="20" dur="500"/>
-                                        <p:tgtEl>
-                                          <p:spTgt spid="11">
-                                            <p:txEl>
-                                              <p:pRg st="2" end="2"/>
-                                            </p:txEl>
-                                          </p:spTgt>
-                                        </p:tgtEl>
-                                      </p:cBhvr>
-                                    </p:animEffect>
-                                  </p:childTnLst>
-                                </p:cTn>
-                              </p:par>
-                            </p:childTnLst>
-                          </p:cTn>
-                        </p:par>
-                        <p:par>
-                          <p:cTn id="21" fill="hold">
-                            <p:stCondLst>
-                              <p:cond delay="1500"/>
-                            </p:stCondLst>
-                            <p:childTnLst>
-                              <p:par>
-                                <p:cTn id="22" presetID="10" presetClass="entr" presetSubtype="0" fill="hold" grpId="0" nodeType="afterEffect">
-                                  <p:stCondLst>
-                                    <p:cond delay="0"/>
-                                  </p:stCondLst>
-                                  <p:childTnLst>
-                                    <p:set>
-                                      <p:cBhvr>
-                                        <p:cTn id="23" dur="1" fill="hold">
-                                          <p:stCondLst>
-                                            <p:cond delay="0"/>
-                                          </p:stCondLst>
-                                        </p:cTn>
-                                        <p:tgtEl>
-                                          <p:spTgt spid="11">
-                                            <p:txEl>
-                                              <p:pRg st="3" end="3"/>
-                                            </p:txEl>
-                                          </p:spTgt>
-                                        </p:tgtEl>
-                                        <p:attrNameLst>
-                                          <p:attrName>style.visibility</p:attrName>
-                                        </p:attrNameLst>
-                                      </p:cBhvr>
-                                      <p:to>
-                                        <p:strVal val="visible"/>
-                                      </p:to>
-                                    </p:set>
-                                    <p:animEffect transition="in" filter="fade">
-                                      <p:cBhvr>
-                                        <p:cTn id="24" dur="500"/>
-                                        <p:tgtEl>
-                                          <p:spTgt spid="11">
-                                            <p:txEl>
-                                              <p:pRg st="3" end="3"/>
-                                            </p:txEl>
-                                          </p:spTgt>
-                                        </p:tgtEl>
-                                      </p:cBhvr>
-                                    </p:animEffect>
-                                  </p:childTnLst>
-                                </p:cTn>
-                              </p:par>
-                            </p:childTnLst>
-                          </p:cTn>
-                        </p:par>
-                      </p:childTnLst>
-                    </p:cTn>
-                  </p:par>
-                </p:childTnLst>
-              </p:cTn>
-              <p:prevCondLst>
-                <p:cond evt="onPrev" delay="0">
-                  <p:tgtEl>
-                    <p:sldTgt/>
-                  </p:tgtEl>
-                </p:cond>
-              </p:prevCondLst>
-              <p:nextCondLst>
-                <p:cond evt="onNext" delay="0">
-                  <p:tgtEl>
-                    <p:sldTgt/>
-                  </p:tgtEl>
-                </p:cond>
-              </p:nextCondLst>
-            </p:seq>
-          </p:childTnLst>
-        </p:cTn>
-      </p:par>
-    </p:tnLst>
-    <p:bldLst>
-      <p:bldP spid="11" grpId="0" build="p"/>
-    </p:bldLst>
-  </p:timing>
 </p:sld>
 </file>
 
-<file path=ppt/slides/slide13.xml><?xml version="1.0" encoding="utf-8"?>
+<file path=ppt/slides/slide16.xml><?xml version="1.0" encoding="utf-8"?>
 <p:sld xmlns:a="http://schemas.openxmlformats.org/drawingml/2006/main" xmlns:r="http://schemas.openxmlformats.org/officeDocument/2006/relationships" xmlns:p="http://schemas.openxmlformats.org/presentationml/2006/main">
   <p:cSld>
     <p:spTree>
@@ -6506,7 +6767,13 @@
       </p:grpSpPr>
       <p:sp>
         <p:nvSpPr>
-          <p:cNvPr id="42" name="PlaceHolder 1"/>
+          <p:cNvPr id="2" name="Titre 1">
+            <a:extLst>
+              <a:ext uri="{FF2B5EF4-FFF2-40B4-BE49-F238E27FC236}">
+                <a16:creationId xmlns:a16="http://schemas.microsoft.com/office/drawing/2014/main" id="{7886289B-8DAC-FFD5-13CB-29486211041E}"/>
+              </a:ext>
+            </a:extLst>
+          </p:cNvPr>
           <p:cNvSpPr>
             <a:spLocks noGrp="1"/>
           </p:cNvSpPr>
@@ -6514,121 +6781,159 @@
             <p:ph type="title"/>
           </p:nvPr>
         </p:nvSpPr>
-        <p:spPr>
-          <a:xfrm>
-            <a:off x="504492" y="201588"/>
-            <a:ext cx="9071640" cy="946440"/>
-          </a:xfrm>
-          <a:prstGeom prst="rect">
-            <a:avLst/>
-          </a:prstGeom>
-          <a:noFill/>
-          <a:ln w="0">
-            <a:noFill/>
-          </a:ln>
-        </p:spPr>
-        <p:txBody>
-          <a:bodyPr lIns="0" tIns="0" rIns="0" bIns="0" anchor="ctr">
-            <a:noAutofit/>
-          </a:bodyPr>
-          <a:lstStyle/>
-          <a:p>
-            <a:pPr algn="ctr"/>
+        <p:spPr/>
+        <p:txBody>
+          <a:bodyPr/>
+          <a:lstStyle/>
+          <a:p>
             <a:r>
               <a:rPr lang="fr-FR" dirty="0"/>
-              <a:t>Schéma électrique </a:t>
-            </a:r>
-            <a:endParaRPr lang="en-US" sz="1800" b="0" strike="noStrike" spc="-1" dirty="0">
-              <a:solidFill>
-                <a:srgbClr val="000000"/>
-              </a:solidFill>
-              <a:latin typeface="Arial"/>
-            </a:endParaRPr>
+              <a:t>Conception Logicielle</a:t>
+            </a:r>
+          </a:p>
+        </p:txBody>
+      </p:sp>
+      <p:sp>
+        <p:nvSpPr>
+          <p:cNvPr id="3" name="Sous-titre 2">
+            <a:extLst>
+              <a:ext uri="{FF2B5EF4-FFF2-40B4-BE49-F238E27FC236}">
+                <a16:creationId xmlns:a16="http://schemas.microsoft.com/office/drawing/2014/main" id="{98AE0FF7-3F10-F183-9AE1-587A1ACF6908}"/>
+              </a:ext>
+            </a:extLst>
+          </p:cNvPr>
+          <p:cNvSpPr>
+            <a:spLocks noGrp="1"/>
+          </p:cNvSpPr>
+          <p:nvPr>
+            <p:ph type="subTitle"/>
+          </p:nvPr>
+        </p:nvSpPr>
+        <p:spPr>
+          <a:xfrm>
+            <a:off x="504000" y="1102231"/>
+            <a:ext cx="9071640" cy="1460280"/>
+          </a:xfrm>
+        </p:spPr>
+        <p:txBody>
+          <a:bodyPr/>
+          <a:lstStyle/>
+          <a:p>
+            <a:pPr>
+              <a:buFontTx/>
+              <a:buChar char="-"/>
+            </a:pPr>
+            <a:r>
+              <a:rPr lang="fr-FR" dirty="0"/>
+              <a:t>Diagrammes de Séquences</a:t>
+            </a:r>
+          </a:p>
+          <a:p>
+            <a:pPr>
+              <a:buFontTx/>
+              <a:buChar char="-"/>
+            </a:pPr>
+            <a:r>
+              <a:rPr lang="fr-FR" dirty="0"/>
+              <a:t>Algorithmes</a:t>
+            </a:r>
+          </a:p>
+        </p:txBody>
+      </p:sp>
+      <p:sp>
+        <p:nvSpPr>
+          <p:cNvPr id="4" name="Espace réservé du numéro de diapositive 3">
+            <a:extLst>
+              <a:ext uri="{FF2B5EF4-FFF2-40B4-BE49-F238E27FC236}">
+                <a16:creationId xmlns:a16="http://schemas.microsoft.com/office/drawing/2014/main" id="{66459D19-04A2-312A-7FE7-1E47C2A1B9B0}"/>
+              </a:ext>
+            </a:extLst>
+          </p:cNvPr>
+          <p:cNvSpPr>
+            <a:spLocks noGrp="1"/>
+          </p:cNvSpPr>
+          <p:nvPr>
+            <p:ph type="sldNum" idx="3"/>
+          </p:nvPr>
+        </p:nvSpPr>
+        <p:spPr/>
+        <p:txBody>
+          <a:bodyPr/>
+          <a:lstStyle/>
+          <a:p>
+            <a:fld id="{74A1DB29-52D7-44FB-91A6-D4FF9B58DED1}" type="slidenum">
+              <a:rPr lang="fr-FR" smtClean="0"/>
+              <a:t>16</a:t>
+            </a:fld>
+            <a:endParaRPr lang="fr-FR"/>
+          </a:p>
+        </p:txBody>
+      </p:sp>
+    </p:spTree>
+    <p:extLst>
+      <p:ext uri="{BB962C8B-B14F-4D97-AF65-F5344CB8AC3E}">
+        <p14:creationId xmlns:p14="http://schemas.microsoft.com/office/powerpoint/2010/main" val="3093776263"/>
+      </p:ext>
+    </p:extLst>
+  </p:cSld>
+  <p:clrMapOvr>
+    <a:masterClrMapping/>
+  </p:clrMapOvr>
+</p:sld>
+</file>
+
+<file path=ppt/slides/slide17.xml><?xml version="1.0" encoding="utf-8"?>
+<p:sld xmlns:a="http://schemas.openxmlformats.org/drawingml/2006/main" xmlns:r="http://schemas.openxmlformats.org/officeDocument/2006/relationships" xmlns:p="http://schemas.openxmlformats.org/presentationml/2006/main">
+  <p:cSld>
+    <p:spTree>
+      <p:nvGrpSpPr>
+        <p:cNvPr id="1" name=""/>
+        <p:cNvGrpSpPr/>
+        <p:nvPr/>
+      </p:nvGrpSpPr>
+      <p:grpSpPr>
+        <a:xfrm>
+          <a:off x="0" y="0"/>
+          <a:ext cx="0" cy="0"/>
+          <a:chOff x="0" y="0"/>
+          <a:chExt cx="0" cy="0"/>
+        </a:xfrm>
+      </p:grpSpPr>
+      <p:sp>
+        <p:nvSpPr>
+          <p:cNvPr id="4" name="Espace réservé du numéro de diapositive 3">
+            <a:extLst>
+              <a:ext uri="{FF2B5EF4-FFF2-40B4-BE49-F238E27FC236}">
+                <a16:creationId xmlns:a16="http://schemas.microsoft.com/office/drawing/2014/main" id="{8A7311DC-7942-FBAE-5E93-0D9AA5D0BEA4}"/>
+              </a:ext>
+            </a:extLst>
+          </p:cNvPr>
+          <p:cNvSpPr>
+            <a:spLocks noGrp="1"/>
+          </p:cNvSpPr>
+          <p:nvPr>
+            <p:ph type="sldNum" idx="3"/>
+          </p:nvPr>
+        </p:nvSpPr>
+        <p:spPr/>
+        <p:txBody>
+          <a:bodyPr/>
+          <a:lstStyle/>
+          <a:p>
+            <a:fld id="{74A1DB29-52D7-44FB-91A6-D4FF9B58DED1}" type="slidenum">
+              <a:rPr lang="fr-FR" smtClean="0"/>
+              <a:t>17</a:t>
+            </a:fld>
+            <a:endParaRPr lang="fr-FR"/>
           </a:p>
         </p:txBody>
       </p:sp>
       <p:pic>
         <p:nvPicPr>
-          <p:cNvPr id="2" name="Picture 2" descr="Polytech Tours - Polytech Tours, école d'ingénieurs">
+          <p:cNvPr id="8" name="Image 7" descr="Une image contenant capture d’écran, motif, art, monochrome&#10;&#10;Description générée automatiquement">
             <a:extLst>
               <a:ext uri="{FF2B5EF4-FFF2-40B4-BE49-F238E27FC236}">
-                <a16:creationId xmlns:a16="http://schemas.microsoft.com/office/drawing/2014/main" id="{009710E4-4286-CDDE-E7EB-109C9DDAB24F}"/>
-              </a:ext>
-            </a:extLst>
-          </p:cNvPr>
-          <p:cNvPicPr>
-            <a:picLocks noChangeAspect="1" noChangeArrowheads="1"/>
-          </p:cNvPicPr>
-          <p:nvPr/>
-        </p:nvPicPr>
-        <p:blipFill>
-          <a:blip r:embed="rId2" cstate="print">
-            <a:extLst>
-              <a:ext uri="{28A0092B-C50C-407E-A947-70E740481C1C}">
-                <a14:useLocalDpi xmlns:a14="http://schemas.microsoft.com/office/drawing/2010/main" val="0"/>
-              </a:ext>
-            </a:extLst>
-          </a:blip>
-          <a:srcRect/>
-          <a:stretch>
-            <a:fillRect/>
-          </a:stretch>
-        </p:blipFill>
-        <p:spPr bwMode="auto">
-          <a:xfrm>
-            <a:off x="0" y="4852645"/>
-            <a:ext cx="3985897" cy="817905"/>
-          </a:xfrm>
-          <a:prstGeom prst="rect">
-            <a:avLst/>
-          </a:prstGeom>
-          <a:noFill/>
-          <a:extLst>
-            <a:ext uri="{909E8E84-426E-40DD-AFC4-6F175D3DCCD1}">
-              <a14:hiddenFill xmlns:a14="http://schemas.microsoft.com/office/drawing/2010/main">
-                <a:solidFill>
-                  <a:srgbClr val="FFFFFF"/>
-                </a:solidFill>
-              </a14:hiddenFill>
-            </a:ext>
-          </a:extLst>
-        </p:spPr>
-      </p:pic>
-      <p:sp>
-        <p:nvSpPr>
-          <p:cNvPr id="3" name="Espace réservé du numéro de diapositive 2">
-            <a:extLst>
-              <a:ext uri="{FF2B5EF4-FFF2-40B4-BE49-F238E27FC236}">
-                <a16:creationId xmlns:a16="http://schemas.microsoft.com/office/drawing/2014/main" id="{FAF3CFF4-FC6E-8119-4D39-629CA185EBE3}"/>
-              </a:ext>
-            </a:extLst>
-          </p:cNvPr>
-          <p:cNvSpPr>
-            <a:spLocks noGrp="1"/>
-          </p:cNvSpPr>
-          <p:nvPr>
-            <p:ph type="sldNum" idx="3"/>
-          </p:nvPr>
-        </p:nvSpPr>
-        <p:spPr/>
-        <p:txBody>
-          <a:bodyPr/>
-          <a:lstStyle/>
-          <a:p>
-            <a:fld id="{74A1DB29-52D7-44FB-91A6-D4FF9B58DED1}" type="slidenum">
-              <a:rPr lang="fr-FR" smtClean="0"/>
-              <a:t>13</a:t>
-            </a:fld>
-            <a:endParaRPr lang="fr-FR"/>
-          </a:p>
-        </p:txBody>
-      </p:sp>
-      <p:pic>
-        <p:nvPicPr>
-          <p:cNvPr id="4" name="Image 3">
-            <a:extLst>
-              <a:ext uri="{FF2B5EF4-FFF2-40B4-BE49-F238E27FC236}">
-                <a16:creationId xmlns:a16="http://schemas.microsoft.com/office/drawing/2014/main" id="{1303AD38-44C5-CF84-2FA2-4CB271CD32C8}"/>
+                <a16:creationId xmlns:a16="http://schemas.microsoft.com/office/drawing/2014/main" id="{AA6C20DE-12B5-A2D1-7087-B4983F30980C}"/>
               </a:ext>
             </a:extLst>
           </p:cNvPr>
@@ -6638,7 +6943,7 @@
           <p:nvPr/>
         </p:nvPicPr>
         <p:blipFill>
-          <a:blip r:embed="rId3">
+          <a:blip r:embed="rId2">
             <a:extLst>
               <a:ext uri="{28A0092B-C50C-407E-A947-70E740481C1C}">
                 <a14:useLocalDpi xmlns:a14="http://schemas.microsoft.com/office/drawing/2010/main" val="0"/>
@@ -6651,8 +6956,38 @@
         </p:blipFill>
         <p:spPr>
           <a:xfrm>
-            <a:off x="0" y="4847379"/>
-            <a:ext cx="4951220" cy="823171"/>
+            <a:off x="217093" y="-1"/>
+            <a:ext cx="9246493" cy="5832231"/>
+          </a:xfrm>
+          <a:prstGeom prst="rect">
+            <a:avLst/>
+          </a:prstGeom>
+        </p:spPr>
+      </p:pic>
+      <p:pic>
+        <p:nvPicPr>
+          <p:cNvPr id="5" name="Image 4">
+            <a:extLst>
+              <a:ext uri="{FF2B5EF4-FFF2-40B4-BE49-F238E27FC236}">
+                <a16:creationId xmlns:a16="http://schemas.microsoft.com/office/drawing/2014/main" id="{B84CC7CE-313B-274E-A037-FE85F89B2483}"/>
+              </a:ext>
+            </a:extLst>
+          </p:cNvPr>
+          <p:cNvPicPr>
+            <a:picLocks noChangeAspect="1"/>
+          </p:cNvPicPr>
+          <p:nvPr/>
+        </p:nvPicPr>
+        <p:blipFill>
+          <a:blip r:embed="rId3"/>
+          <a:stretch>
+            <a:fillRect/>
+          </a:stretch>
+        </p:blipFill>
+        <p:spPr>
+          <a:xfrm>
+            <a:off x="544122" y="389"/>
+            <a:ext cx="8992379" cy="5669771"/>
           </a:xfrm>
           <a:prstGeom prst="rect">
             <a:avLst/>
@@ -6662,7 +6997,246 @@
     </p:spTree>
     <p:extLst>
       <p:ext uri="{BB962C8B-B14F-4D97-AF65-F5344CB8AC3E}">
-        <p14:creationId xmlns:p14="http://schemas.microsoft.com/office/powerpoint/2010/main" val="1674804626"/>
+        <p14:creationId xmlns:p14="http://schemas.microsoft.com/office/powerpoint/2010/main" val="1951810780"/>
+      </p:ext>
+    </p:extLst>
+  </p:cSld>
+  <p:clrMapOvr>
+    <a:masterClrMapping/>
+  </p:clrMapOvr>
+</p:sld>
+</file>
+
+<file path=ppt/slides/slide18.xml><?xml version="1.0" encoding="utf-8"?>
+<p:sld xmlns:a="http://schemas.openxmlformats.org/drawingml/2006/main" xmlns:r="http://schemas.openxmlformats.org/officeDocument/2006/relationships" xmlns:p="http://schemas.openxmlformats.org/presentationml/2006/main">
+  <p:cSld>
+    <p:spTree>
+      <p:nvGrpSpPr>
+        <p:cNvPr id="1" name=""/>
+        <p:cNvGrpSpPr/>
+        <p:nvPr/>
+      </p:nvGrpSpPr>
+      <p:grpSpPr>
+        <a:xfrm>
+          <a:off x="0" y="0"/>
+          <a:ext cx="0" cy="0"/>
+          <a:chOff x="0" y="0"/>
+          <a:chExt cx="0" cy="0"/>
+        </a:xfrm>
+      </p:grpSpPr>
+      <p:sp>
+        <p:nvSpPr>
+          <p:cNvPr id="4" name="Espace réservé du numéro de diapositive 3">
+            <a:extLst>
+              <a:ext uri="{FF2B5EF4-FFF2-40B4-BE49-F238E27FC236}">
+                <a16:creationId xmlns:a16="http://schemas.microsoft.com/office/drawing/2014/main" id="{07F01449-2E6D-27ED-86D0-C4621E7EA262}"/>
+              </a:ext>
+            </a:extLst>
+          </p:cNvPr>
+          <p:cNvSpPr>
+            <a:spLocks noGrp="1"/>
+          </p:cNvSpPr>
+          <p:nvPr>
+            <p:ph type="sldNum" idx="3"/>
+          </p:nvPr>
+        </p:nvSpPr>
+        <p:spPr/>
+        <p:txBody>
+          <a:bodyPr/>
+          <a:lstStyle/>
+          <a:p>
+            <a:fld id="{74A1DB29-52D7-44FB-91A6-D4FF9B58DED1}" type="slidenum">
+              <a:rPr lang="fr-FR" smtClean="0"/>
+              <a:t>18</a:t>
+            </a:fld>
+            <a:endParaRPr lang="fr-FR"/>
+          </a:p>
+        </p:txBody>
+      </p:sp>
+      <p:pic>
+        <p:nvPicPr>
+          <p:cNvPr id="6" name="Image 5" descr="Une image contenant capture d’écran, texte&#10;&#10;Description générée automatiquement">
+            <a:extLst>
+              <a:ext uri="{FF2B5EF4-FFF2-40B4-BE49-F238E27FC236}">
+                <a16:creationId xmlns:a16="http://schemas.microsoft.com/office/drawing/2014/main" id="{1884ECC4-411C-0BBF-F14B-819B89CD3AFD}"/>
+              </a:ext>
+            </a:extLst>
+          </p:cNvPr>
+          <p:cNvPicPr>
+            <a:picLocks noChangeAspect="1"/>
+          </p:cNvPicPr>
+          <p:nvPr/>
+        </p:nvPicPr>
+        <p:blipFill>
+          <a:blip r:embed="rId2" cstate="print">
+            <a:extLst>
+              <a:ext uri="{28A0092B-C50C-407E-A947-70E740481C1C}">
+                <a14:useLocalDpi xmlns:a14="http://schemas.microsoft.com/office/drawing/2010/main" val="0"/>
+              </a:ext>
+            </a:extLst>
+          </a:blip>
+          <a:stretch>
+            <a:fillRect/>
+          </a:stretch>
+        </p:blipFill>
+        <p:spPr>
+          <a:xfrm>
+            <a:off x="2096093" y="0"/>
+            <a:ext cx="6106593" cy="5880632"/>
+          </a:xfrm>
+          <a:prstGeom prst="rect">
+            <a:avLst/>
+          </a:prstGeom>
+        </p:spPr>
+      </p:pic>
+    </p:spTree>
+    <p:extLst>
+      <p:ext uri="{BB962C8B-B14F-4D97-AF65-F5344CB8AC3E}">
+        <p14:creationId xmlns:p14="http://schemas.microsoft.com/office/powerpoint/2010/main" val="2709437753"/>
+      </p:ext>
+    </p:extLst>
+  </p:cSld>
+  <p:clrMapOvr>
+    <a:masterClrMapping/>
+  </p:clrMapOvr>
+</p:sld>
+</file>
+
+<file path=ppt/slides/slide19.xml><?xml version="1.0" encoding="utf-8"?>
+<p:sld xmlns:a="http://schemas.openxmlformats.org/drawingml/2006/main" xmlns:r="http://schemas.openxmlformats.org/officeDocument/2006/relationships" xmlns:p="http://schemas.openxmlformats.org/presentationml/2006/main">
+  <p:cSld>
+    <p:spTree>
+      <p:nvGrpSpPr>
+        <p:cNvPr id="1" name=""/>
+        <p:cNvGrpSpPr/>
+        <p:nvPr/>
+      </p:nvGrpSpPr>
+      <p:grpSpPr>
+        <a:xfrm>
+          <a:off x="0" y="0"/>
+          <a:ext cx="0" cy="0"/>
+          <a:chOff x="0" y="0"/>
+          <a:chExt cx="0" cy="0"/>
+        </a:xfrm>
+      </p:grpSpPr>
+      <p:sp>
+        <p:nvSpPr>
+          <p:cNvPr id="2" name="Titre 1">
+            <a:extLst>
+              <a:ext uri="{FF2B5EF4-FFF2-40B4-BE49-F238E27FC236}">
+                <a16:creationId xmlns:a16="http://schemas.microsoft.com/office/drawing/2014/main" id="{87C1232E-E033-F90A-D288-028D816234A5}"/>
+              </a:ext>
+            </a:extLst>
+          </p:cNvPr>
+          <p:cNvSpPr>
+            <a:spLocks noGrp="1"/>
+          </p:cNvSpPr>
+          <p:nvPr>
+            <p:ph type="title"/>
+          </p:nvPr>
+        </p:nvSpPr>
+        <p:spPr/>
+        <p:txBody>
+          <a:bodyPr/>
+          <a:lstStyle/>
+          <a:p>
+            <a:r>
+              <a:rPr lang="fr-FR" dirty="0"/>
+              <a:t>Implémentation</a:t>
+            </a:r>
+          </a:p>
+        </p:txBody>
+      </p:sp>
+      <p:sp>
+        <p:nvSpPr>
+          <p:cNvPr id="3" name="Sous-titre 2">
+            <a:extLst>
+              <a:ext uri="{FF2B5EF4-FFF2-40B4-BE49-F238E27FC236}">
+                <a16:creationId xmlns:a16="http://schemas.microsoft.com/office/drawing/2014/main" id="{2BA9A0C3-7E0A-A3D8-B577-A45C27ACAA36}"/>
+              </a:ext>
+            </a:extLst>
+          </p:cNvPr>
+          <p:cNvSpPr>
+            <a:spLocks noGrp="1"/>
+          </p:cNvSpPr>
+          <p:nvPr>
+            <p:ph type="subTitle"/>
+          </p:nvPr>
+        </p:nvSpPr>
+        <p:spPr>
+          <a:xfrm>
+            <a:off x="503999" y="1326600"/>
+            <a:ext cx="9362760" cy="3288240"/>
+          </a:xfrm>
+        </p:spPr>
+        <p:txBody>
+          <a:bodyPr/>
+          <a:lstStyle/>
+          <a:p>
+            <a:r>
+              <a:rPr lang="fr-FR" dirty="0"/>
+              <a:t>Librairie MCP23017</a:t>
+            </a:r>
+          </a:p>
+          <a:p>
+            <a:r>
+              <a:rPr lang="fr-FR" dirty="0"/>
+              <a:t>Librairie SK9822</a:t>
+            </a:r>
+          </a:p>
+          <a:p>
+            <a:r>
+              <a:rPr lang="fr-FR" dirty="0"/>
+              <a:t>Librairies I2C, SPI</a:t>
+            </a:r>
+          </a:p>
+          <a:p>
+            <a:r>
+              <a:rPr lang="fr-FR" dirty="0"/>
+              <a:t>Librairie « générale »</a:t>
+            </a:r>
+          </a:p>
+          <a:p>
+            <a:r>
+              <a:rPr lang="fr-FR" dirty="0"/>
+              <a:t>Librairie de calculs (table de transition, conversions, etc.)</a:t>
+            </a:r>
+          </a:p>
+        </p:txBody>
+      </p:sp>
+      <p:sp>
+        <p:nvSpPr>
+          <p:cNvPr id="4" name="Espace réservé du numéro de diapositive 3">
+            <a:extLst>
+              <a:ext uri="{FF2B5EF4-FFF2-40B4-BE49-F238E27FC236}">
+                <a16:creationId xmlns:a16="http://schemas.microsoft.com/office/drawing/2014/main" id="{20A33261-C22A-B2ED-0BB1-8A1AAF26C63B}"/>
+              </a:ext>
+            </a:extLst>
+          </p:cNvPr>
+          <p:cNvSpPr>
+            <a:spLocks noGrp="1"/>
+          </p:cNvSpPr>
+          <p:nvPr>
+            <p:ph type="sldNum" idx="3"/>
+          </p:nvPr>
+        </p:nvSpPr>
+        <p:spPr/>
+        <p:txBody>
+          <a:bodyPr/>
+          <a:lstStyle/>
+          <a:p>
+            <a:fld id="{74A1DB29-52D7-44FB-91A6-D4FF9B58DED1}" type="slidenum">
+              <a:rPr lang="fr-FR" smtClean="0"/>
+              <a:t>19</a:t>
+            </a:fld>
+            <a:endParaRPr lang="fr-FR"/>
+          </a:p>
+        </p:txBody>
+      </p:sp>
+    </p:spTree>
+    <p:extLst>
+      <p:ext uri="{BB962C8B-B14F-4D97-AF65-F5344CB8AC3E}">
+        <p14:creationId xmlns:p14="http://schemas.microsoft.com/office/powerpoint/2010/main" val="2852072325"/>
       </p:ext>
     </p:extLst>
   </p:cSld>
@@ -6852,6 +7426,217 @@
       </p:transition>
     </mc:Fallback>
   </mc:AlternateContent>
+</p:sld>
+</file>
+
+<file path=ppt/slides/slide20.xml><?xml version="1.0" encoding="utf-8"?>
+<p:sld xmlns:a="http://schemas.openxmlformats.org/drawingml/2006/main" xmlns:r="http://schemas.openxmlformats.org/officeDocument/2006/relationships" xmlns:p="http://schemas.openxmlformats.org/presentationml/2006/main">
+  <p:cSld>
+    <p:spTree>
+      <p:nvGrpSpPr>
+        <p:cNvPr id="1" name=""/>
+        <p:cNvGrpSpPr/>
+        <p:nvPr/>
+      </p:nvGrpSpPr>
+      <p:grpSpPr>
+        <a:xfrm>
+          <a:off x="0" y="0"/>
+          <a:ext cx="0" cy="0"/>
+          <a:chOff x="0" y="0"/>
+          <a:chExt cx="0" cy="0"/>
+        </a:xfrm>
+      </p:grpSpPr>
+      <p:sp>
+        <p:nvSpPr>
+          <p:cNvPr id="2" name="Titre 1">
+            <a:extLst>
+              <a:ext uri="{FF2B5EF4-FFF2-40B4-BE49-F238E27FC236}">
+                <a16:creationId xmlns:a16="http://schemas.microsoft.com/office/drawing/2014/main" id="{13D39F2D-082B-714D-C7C7-5F676F48C8CC}"/>
+              </a:ext>
+            </a:extLst>
+          </p:cNvPr>
+          <p:cNvSpPr>
+            <a:spLocks noGrp="1"/>
+          </p:cNvSpPr>
+          <p:nvPr>
+            <p:ph type="title"/>
+          </p:nvPr>
+        </p:nvSpPr>
+        <p:spPr/>
+        <p:txBody>
+          <a:bodyPr/>
+          <a:lstStyle/>
+          <a:p>
+            <a:r>
+              <a:rPr lang="fr-FR" dirty="0"/>
+              <a:t>Conclusion et Points d’amélioration</a:t>
+            </a:r>
+          </a:p>
+        </p:txBody>
+      </p:sp>
+      <p:sp>
+        <p:nvSpPr>
+          <p:cNvPr id="3" name="Sous-titre 2">
+            <a:extLst>
+              <a:ext uri="{FF2B5EF4-FFF2-40B4-BE49-F238E27FC236}">
+                <a16:creationId xmlns:a16="http://schemas.microsoft.com/office/drawing/2014/main" id="{98C5E43B-6A6D-A028-013F-B79708B1D731}"/>
+              </a:ext>
+            </a:extLst>
+          </p:cNvPr>
+          <p:cNvSpPr>
+            <a:spLocks noGrp="1"/>
+          </p:cNvSpPr>
+          <p:nvPr>
+            <p:ph type="subTitle"/>
+          </p:nvPr>
+        </p:nvSpPr>
+        <p:spPr/>
+        <p:txBody>
+          <a:bodyPr/>
+          <a:lstStyle/>
+          <a:p>
+            <a:r>
+              <a:rPr lang="fr-FR" dirty="0"/>
+              <a:t>Mauvaise gestion du temps</a:t>
+            </a:r>
+          </a:p>
+          <a:p>
+            <a:endParaRPr lang="fr-FR" dirty="0"/>
+          </a:p>
+          <a:p>
+            <a:endParaRPr lang="fr-FR" dirty="0"/>
+          </a:p>
+        </p:txBody>
+      </p:sp>
+      <p:sp>
+        <p:nvSpPr>
+          <p:cNvPr id="4" name="Espace réservé du numéro de diapositive 3">
+            <a:extLst>
+              <a:ext uri="{FF2B5EF4-FFF2-40B4-BE49-F238E27FC236}">
+                <a16:creationId xmlns:a16="http://schemas.microsoft.com/office/drawing/2014/main" id="{0C044F6A-DAC0-7D84-29D2-4FE35DA91AFC}"/>
+              </a:ext>
+            </a:extLst>
+          </p:cNvPr>
+          <p:cNvSpPr>
+            <a:spLocks noGrp="1"/>
+          </p:cNvSpPr>
+          <p:nvPr>
+            <p:ph type="sldNum" idx="3"/>
+          </p:nvPr>
+        </p:nvSpPr>
+        <p:spPr/>
+        <p:txBody>
+          <a:bodyPr/>
+          <a:lstStyle/>
+          <a:p>
+            <a:fld id="{74A1DB29-52D7-44FB-91A6-D4FF9B58DED1}" type="slidenum">
+              <a:rPr lang="fr-FR" smtClean="0"/>
+              <a:t>20</a:t>
+            </a:fld>
+            <a:endParaRPr lang="fr-FR"/>
+          </a:p>
+        </p:txBody>
+      </p:sp>
+    </p:spTree>
+    <p:extLst>
+      <p:ext uri="{BB962C8B-B14F-4D97-AF65-F5344CB8AC3E}">
+        <p14:creationId xmlns:p14="http://schemas.microsoft.com/office/powerpoint/2010/main" val="1791122186"/>
+      </p:ext>
+    </p:extLst>
+  </p:cSld>
+  <p:clrMapOvr>
+    <a:masterClrMapping/>
+  </p:clrMapOvr>
+</p:sld>
+</file>
+
+<file path=ppt/slides/slide21.xml><?xml version="1.0" encoding="utf-8"?>
+<p:sld xmlns:a="http://schemas.openxmlformats.org/drawingml/2006/main" xmlns:r="http://schemas.openxmlformats.org/officeDocument/2006/relationships" xmlns:p="http://schemas.openxmlformats.org/presentationml/2006/main">
+  <p:cSld>
+    <p:spTree>
+      <p:nvGrpSpPr>
+        <p:cNvPr id="1" name=""/>
+        <p:cNvGrpSpPr/>
+        <p:nvPr/>
+      </p:nvGrpSpPr>
+      <p:grpSpPr>
+        <a:xfrm>
+          <a:off x="0" y="0"/>
+          <a:ext cx="0" cy="0"/>
+          <a:chOff x="0" y="0"/>
+          <a:chExt cx="0" cy="0"/>
+        </a:xfrm>
+      </p:grpSpPr>
+      <p:sp>
+        <p:nvSpPr>
+          <p:cNvPr id="3" name="Sous-titre 2">
+            <a:extLst>
+              <a:ext uri="{FF2B5EF4-FFF2-40B4-BE49-F238E27FC236}">
+                <a16:creationId xmlns:a16="http://schemas.microsoft.com/office/drawing/2014/main" id="{74C87142-58F2-AFEA-5C59-E03C0EE8B5FF}"/>
+              </a:ext>
+            </a:extLst>
+          </p:cNvPr>
+          <p:cNvSpPr>
+            <a:spLocks noGrp="1"/>
+          </p:cNvSpPr>
+          <p:nvPr>
+            <p:ph type="subTitle"/>
+          </p:nvPr>
+        </p:nvSpPr>
+        <p:spPr/>
+        <p:txBody>
+          <a:bodyPr/>
+          <a:lstStyle/>
+          <a:p>
+            <a:pPr marL="0" indent="0">
+              <a:buNone/>
+            </a:pPr>
+            <a:r>
+              <a:rPr lang="fr-FR" sz="6600" dirty="0"/>
+              <a:t>Des questions ?</a:t>
+            </a:r>
+          </a:p>
+        </p:txBody>
+      </p:sp>
+      <p:sp>
+        <p:nvSpPr>
+          <p:cNvPr id="4" name="Espace réservé du numéro de diapositive 3">
+            <a:extLst>
+              <a:ext uri="{FF2B5EF4-FFF2-40B4-BE49-F238E27FC236}">
+                <a16:creationId xmlns:a16="http://schemas.microsoft.com/office/drawing/2014/main" id="{00E63A6B-C229-C6EC-083A-C83DE7B82478}"/>
+              </a:ext>
+            </a:extLst>
+          </p:cNvPr>
+          <p:cNvSpPr>
+            <a:spLocks noGrp="1"/>
+          </p:cNvSpPr>
+          <p:nvPr>
+            <p:ph type="sldNum" idx="3"/>
+          </p:nvPr>
+        </p:nvSpPr>
+        <p:spPr/>
+        <p:txBody>
+          <a:bodyPr/>
+          <a:lstStyle/>
+          <a:p>
+            <a:fld id="{74A1DB29-52D7-44FB-91A6-D4FF9B58DED1}" type="slidenum">
+              <a:rPr lang="fr-FR" smtClean="0"/>
+              <a:t>21</a:t>
+            </a:fld>
+            <a:endParaRPr lang="fr-FR"/>
+          </a:p>
+        </p:txBody>
+      </p:sp>
+    </p:spTree>
+    <p:extLst>
+      <p:ext uri="{BB962C8B-B14F-4D97-AF65-F5344CB8AC3E}">
+        <p14:creationId xmlns:p14="http://schemas.microsoft.com/office/powerpoint/2010/main" val="2345528046"/>
+      </p:ext>
+    </p:extLst>
+  </p:cSld>
+  <p:clrMapOvr>
+    <a:masterClrMapping/>
+  </p:clrMapOvr>
 </p:sld>
 </file>
 
@@ -7333,7 +8118,7 @@
         </p:nvSpPr>
         <p:spPr>
           <a:xfrm>
-            <a:off x="983889" y="1624277"/>
+            <a:off x="894797" y="1595706"/>
             <a:ext cx="8112845" cy="3121895"/>
           </a:xfrm>
           <a:prstGeom prst="rect">
@@ -7350,26 +8135,12 @@
           </a:bodyPr>
           <a:lstStyle/>
           <a:p>
-            <a:r>
-              <a:rPr lang="en-US" sz="1600" b="0" strike="noStrike" spc="-1" dirty="0">
-                <a:solidFill>
-                  <a:srgbClr val="000000"/>
-                </a:solidFill>
-                <a:latin typeface="Arial"/>
-              </a:rPr>
-              <a:t>Par Romain BROUARD </a:t>
-            </a:r>
-          </a:p>
-          <a:p>
-            <a:r>
-              <a:rPr lang="en-US" sz="1600" b="0" strike="noStrike" spc="-1" dirty="0">
-                <a:solidFill>
-                  <a:srgbClr val="000000"/>
-                </a:solidFill>
-                <a:latin typeface="Arial"/>
-              </a:rPr>
-              <a:t>   et Clément ALLEGRE--COMMINGES</a:t>
-            </a:r>
+            <a:endParaRPr lang="en-US" sz="1600" b="0" strike="noStrike" spc="-1" dirty="0">
+              <a:solidFill>
+                <a:srgbClr val="000000"/>
+              </a:solidFill>
+              <a:latin typeface="Arial"/>
+            </a:endParaRPr>
           </a:p>
         </p:txBody>
       </p:sp>
@@ -7538,6 +8309,254 @@
           </a:prstGeom>
         </p:spPr>
       </p:pic>
+      <p:pic>
+        <p:nvPicPr>
+          <p:cNvPr id="6" name="Image 5" descr="Table de transition">
+            <a:extLst>
+              <a:ext uri="{FF2B5EF4-FFF2-40B4-BE49-F238E27FC236}">
+                <a16:creationId xmlns:a16="http://schemas.microsoft.com/office/drawing/2014/main" id="{F360CC95-9C4B-C73F-916E-1D16179C3E29}"/>
+              </a:ext>
+            </a:extLst>
+          </p:cNvPr>
+          <p:cNvPicPr>
+            <a:picLocks noChangeAspect="1"/>
+          </p:cNvPicPr>
+          <p:nvPr/>
+        </p:nvPicPr>
+        <p:blipFill>
+          <a:blip r:embed="rId4">
+            <a:extLst>
+              <a:ext uri="{28A0092B-C50C-407E-A947-70E740481C1C}">
+                <a14:useLocalDpi xmlns:a14="http://schemas.microsoft.com/office/drawing/2010/main" val="0"/>
+              </a:ext>
+            </a:extLst>
+          </a:blip>
+          <a:stretch>
+            <a:fillRect/>
+          </a:stretch>
+        </p:blipFill>
+        <p:spPr>
+          <a:xfrm>
+            <a:off x="3881060" y="2835275"/>
+            <a:ext cx="6144810" cy="1797684"/>
+          </a:xfrm>
+          <a:prstGeom prst="rect">
+            <a:avLst/>
+          </a:prstGeom>
+        </p:spPr>
+      </p:pic>
+      <p:sp>
+        <p:nvSpPr>
+          <p:cNvPr id="7" name="ZoneTexte 6">
+            <a:extLst>
+              <a:ext uri="{FF2B5EF4-FFF2-40B4-BE49-F238E27FC236}">
+                <a16:creationId xmlns:a16="http://schemas.microsoft.com/office/drawing/2014/main" id="{98A8683C-EB8A-71C1-E939-16C1E2FF1A50}"/>
+              </a:ext>
+            </a:extLst>
+          </p:cNvPr>
+          <p:cNvSpPr txBox="1"/>
+          <p:nvPr/>
+        </p:nvSpPr>
+        <p:spPr>
+          <a:xfrm>
+            <a:off x="54755" y="1198210"/>
+            <a:ext cx="3625823" cy="3139321"/>
+          </a:xfrm>
+          <a:prstGeom prst="rect">
+            <a:avLst/>
+          </a:prstGeom>
+          <a:noFill/>
+        </p:spPr>
+        <p:txBody>
+          <a:bodyPr wrap="square" rtlCol="0">
+            <a:spAutoFit/>
+          </a:bodyPr>
+          <a:lstStyle/>
+          <a:p>
+            <a:r>
+              <a:rPr lang="fr-FR" dirty="0"/>
+              <a:t>− Q un ensemble fini d'états. </a:t>
+            </a:r>
+          </a:p>
+          <a:p>
+            <a:r>
+              <a:rPr lang="fr-FR" dirty="0"/>
+              <a:t>− q0 un état initial tel que q0 ∈ Q. </a:t>
+            </a:r>
+          </a:p>
+          <a:p>
+            <a:r>
+              <a:rPr lang="fr-FR" dirty="0"/>
+              <a:t>− F un ensemble d'états d'acceptation tel que F ⊆ Q. </a:t>
+            </a:r>
+          </a:p>
+          <a:p>
+            <a:r>
+              <a:rPr lang="fr-FR" dirty="0"/>
+              <a:t>− Γ un ensemble fini de symboles. </a:t>
+            </a:r>
+          </a:p>
+          <a:p>
+            <a:r>
+              <a:rPr lang="fr-FR" dirty="0"/>
+              <a:t>− Σ un ensemble fini de symboles d'entrée tel que Σ ⊆ Γ. </a:t>
+            </a:r>
+          </a:p>
+          <a:p>
+            <a:r>
+              <a:rPr lang="fr-FR" dirty="0"/>
+              <a:t>− B un symbole de ruban vide tel que B ∈ Γ\Σ. </a:t>
+            </a:r>
+          </a:p>
+          <a:p>
+            <a:r>
+              <a:rPr lang="fr-FR" dirty="0"/>
+              <a:t>− δ une fonction de transition.</a:t>
+            </a:r>
+          </a:p>
+        </p:txBody>
+      </p:sp>
+      <mc:AlternateContent xmlns:mc="http://schemas.openxmlformats.org/markup-compatibility/2006" xmlns:a14="http://schemas.microsoft.com/office/drawing/2010/main">
+        <mc:Choice Requires="a14">
+          <p:sp>
+            <p:nvSpPr>
+              <p:cNvPr id="8" name="ZoneTexte 7">
+                <a:extLst>
+                  <a:ext uri="{FF2B5EF4-FFF2-40B4-BE49-F238E27FC236}">
+                    <a16:creationId xmlns:a16="http://schemas.microsoft.com/office/drawing/2014/main" id="{34824572-EB96-B189-DEE6-61A463968C1A}"/>
+                  </a:ext>
+                </a:extLst>
+              </p:cNvPr>
+              <p:cNvSpPr txBox="1"/>
+              <p:nvPr/>
+            </p:nvSpPr>
+            <p:spPr>
+              <a:xfrm>
+                <a:off x="4747216" y="2025805"/>
+                <a:ext cx="4769540" cy="651269"/>
+              </a:xfrm>
+              <a:prstGeom prst="rect">
+                <a:avLst/>
+              </a:prstGeom>
+              <a:noFill/>
+            </p:spPr>
+            <p:txBody>
+              <a:bodyPr wrap="square" rtlCol="0">
+                <a:spAutoFit/>
+              </a:bodyPr>
+              <a:lstStyle/>
+              <a:p>
+                <a:r>
+                  <a:rPr lang="fr-FR" dirty="0"/>
+                  <a:t>Exemple d’une table de transition pour l’acceptation du langage L = {</a:t>
+                </a:r>
+                <a14:m>
+                  <m:oMath xmlns:m="http://schemas.openxmlformats.org/officeDocument/2006/math">
+                    <m:sSup>
+                      <m:sSupPr>
+                        <m:ctrlPr>
+                          <a:rPr lang="fr-FR" i="1" smtClean="0">
+                            <a:latin typeface="Cambria Math" panose="02040503050406030204" pitchFamily="18" charset="0"/>
+                          </a:rPr>
+                        </m:ctrlPr>
+                      </m:sSupPr>
+                      <m:e>
+                        <m:r>
+                          <a:rPr lang="fr-FR" b="0" i="1" smtClean="0">
+                            <a:latin typeface="Cambria Math" panose="02040503050406030204" pitchFamily="18" charset="0"/>
+                          </a:rPr>
+                          <m:t>𝑎</m:t>
+                        </m:r>
+                      </m:e>
+                      <m:sup>
+                        <m:r>
+                          <a:rPr lang="fr-FR" b="0" i="1" smtClean="0">
+                            <a:latin typeface="Cambria Math" panose="02040503050406030204" pitchFamily="18" charset="0"/>
+                          </a:rPr>
+                          <m:t>𝑘</m:t>
+                        </m:r>
+                      </m:sup>
+                    </m:sSup>
+                    <m:sSup>
+                      <m:sSupPr>
+                        <m:ctrlPr>
+                          <a:rPr lang="fr-FR" i="1">
+                            <a:latin typeface="Cambria Math" panose="02040503050406030204" pitchFamily="18" charset="0"/>
+                          </a:rPr>
+                        </m:ctrlPr>
+                      </m:sSupPr>
+                      <m:e>
+                        <m:r>
+                          <a:rPr lang="fr-FR" b="0" i="1" smtClean="0">
+                            <a:latin typeface="Cambria Math" panose="02040503050406030204" pitchFamily="18" charset="0"/>
+                          </a:rPr>
+                          <m:t>𝑏</m:t>
+                        </m:r>
+                      </m:e>
+                      <m:sup>
+                        <m:r>
+                          <a:rPr lang="fr-FR" i="1">
+                            <a:latin typeface="Cambria Math" panose="02040503050406030204" pitchFamily="18" charset="0"/>
+                          </a:rPr>
+                          <m:t>𝑘</m:t>
+                        </m:r>
+                      </m:sup>
+                    </m:sSup>
+                  </m:oMath>
+                </a14:m>
+                <a:r>
+                  <a:rPr lang="fr-FR" dirty="0"/>
+                  <a:t> | k &gt; 0}</a:t>
+                </a:r>
+              </a:p>
+            </p:txBody>
+          </p:sp>
+        </mc:Choice>
+        <mc:Fallback xmlns="">
+          <p:sp>
+            <p:nvSpPr>
+              <p:cNvPr id="8" name="ZoneTexte 7">
+                <a:extLst>
+                  <a:ext uri="{FF2B5EF4-FFF2-40B4-BE49-F238E27FC236}">
+                    <a16:creationId xmlns:a16="http://schemas.microsoft.com/office/drawing/2014/main" id="{34824572-EB96-B189-DEE6-61A463968C1A}"/>
+                  </a:ext>
+                </a:extLst>
+              </p:cNvPr>
+              <p:cNvSpPr txBox="1">
+                <a:spLocks noRot="1" noChangeAspect="1" noMove="1" noResize="1" noEditPoints="1" noAdjustHandles="1" noChangeArrowheads="1" noChangeShapeType="1" noTextEdit="1"/>
+              </p:cNvSpPr>
+              <p:nvPr/>
+            </p:nvSpPr>
+            <p:spPr>
+              <a:xfrm>
+                <a:off x="4747216" y="2025805"/>
+                <a:ext cx="4769540" cy="651269"/>
+              </a:xfrm>
+              <a:prstGeom prst="rect">
+                <a:avLst/>
+              </a:prstGeom>
+              <a:blipFill>
+                <a:blip r:embed="rId5"/>
+                <a:stretch>
+                  <a:fillRect l="-1151" t="-4673" b="-14019"/>
+                </a:stretch>
+              </a:blipFill>
+            </p:spPr>
+            <p:txBody>
+              <a:bodyPr/>
+              <a:lstStyle/>
+              <a:p>
+                <a:r>
+                  <a:rPr lang="fr-FR">
+                    <a:noFill/>
+                  </a:rPr>
+                  <a:t> </a:t>
+                </a:r>
+              </a:p>
+            </p:txBody>
+          </p:sp>
+        </mc:Fallback>
+      </mc:AlternateContent>
     </p:spTree>
     <p:extLst>
       <p:ext uri="{BB962C8B-B14F-4D97-AF65-F5344CB8AC3E}">
@@ -9753,8 +10772,8 @@
         </p:nvSpPr>
         <p:spPr>
           <a:xfrm>
-            <a:off x="1404504" y="796459"/>
-            <a:ext cx="1071106" cy="369332"/>
+            <a:off x="1297680" y="796459"/>
+            <a:ext cx="1456471" cy="369332"/>
           </a:xfrm>
           <a:prstGeom prst="rect">
             <a:avLst/>
@@ -9769,7 +10788,7 @@
           <a:p>
             <a:r>
               <a:rPr lang="fr-FR" dirty="0"/>
-              <a:t>SF2D :</a:t>
+              <a:t>SF2D FP2 :</a:t>
             </a:r>
           </a:p>
         </p:txBody>

--- a/presentation/Presentation Machine de Turing.pptx
+++ b/presentation/Presentation Machine de Turing.pptx
@@ -4148,12 +4148,41 @@
           </a:p>
         </p:txBody>
       </p:sp>
+      <p:sp>
+        <p:nvSpPr>
+          <p:cNvPr id="3" name="Espace réservé du numéro de diapositive 2">
+            <a:extLst>
+              <a:ext uri="{FF2B5EF4-FFF2-40B4-BE49-F238E27FC236}">
+                <a16:creationId xmlns:a16="http://schemas.microsoft.com/office/drawing/2014/main" id="{B3094C03-27E9-CD22-92F1-2D4B8064703C}"/>
+              </a:ext>
+            </a:extLst>
+          </p:cNvPr>
+          <p:cNvSpPr>
+            <a:spLocks noGrp="1"/>
+          </p:cNvSpPr>
+          <p:nvPr>
+            <p:ph type="sldNum" idx="3"/>
+          </p:nvPr>
+        </p:nvSpPr>
+        <p:spPr/>
+        <p:txBody>
+          <a:bodyPr/>
+          <a:lstStyle/>
+          <a:p>
+            <a:fld id="{74A1DB29-52D7-44FB-91A6-D4FF9B58DED1}" type="slidenum">
+              <a:rPr lang="fr-FR" smtClean="0"/>
+              <a:t>1</a:t>
+            </a:fld>
+            <a:endParaRPr lang="fr-FR"/>
+          </a:p>
+        </p:txBody>
+      </p:sp>
       <p:pic>
         <p:nvPicPr>
-          <p:cNvPr id="2" name="Picture 2" descr="Polytech Tours - Polytech Tours, école d'ingénieurs">
+          <p:cNvPr id="1026" name="Picture 2" descr="L'ordinateur et les échecs – Loti News">
             <a:extLst>
               <a:ext uri="{FF2B5EF4-FFF2-40B4-BE49-F238E27FC236}">
-                <a16:creationId xmlns:a16="http://schemas.microsoft.com/office/drawing/2014/main" id="{9A0FF728-5F90-B1B9-C16F-A05856D56D9B}"/>
+                <a16:creationId xmlns:a16="http://schemas.microsoft.com/office/drawing/2014/main" id="{6F897020-4C3C-94AD-44E5-08FA5715783D}"/>
               </a:ext>
             </a:extLst>
           </p:cNvPr>
@@ -4177,8 +4206,8 @@
         </p:blipFill>
         <p:spPr bwMode="auto">
           <a:xfrm>
-            <a:off x="0" y="4852645"/>
-            <a:ext cx="3985897" cy="817905"/>
+            <a:off x="5224986" y="1502229"/>
+            <a:ext cx="4004748" cy="3164114"/>
           </a:xfrm>
           <a:prstGeom prst="rect">
             <a:avLst/>
@@ -4195,80 +4224,40 @@
           </a:extLst>
         </p:spPr>
       </p:pic>
-      <p:sp>
-        <p:nvSpPr>
-          <p:cNvPr id="3" name="Espace réservé du numéro de diapositive 2">
-            <a:extLst>
-              <a:ext uri="{FF2B5EF4-FFF2-40B4-BE49-F238E27FC236}">
-                <a16:creationId xmlns:a16="http://schemas.microsoft.com/office/drawing/2014/main" id="{B3094C03-27E9-CD22-92F1-2D4B8064703C}"/>
-              </a:ext>
-            </a:extLst>
-          </p:cNvPr>
-          <p:cNvSpPr>
-            <a:spLocks noGrp="1"/>
-          </p:cNvSpPr>
-          <p:nvPr>
-            <p:ph type="sldNum" idx="3"/>
-          </p:nvPr>
-        </p:nvSpPr>
-        <p:spPr/>
-        <p:txBody>
-          <a:bodyPr/>
-          <a:lstStyle/>
-          <a:p>
-            <a:fld id="{74A1DB29-52D7-44FB-91A6-D4FF9B58DED1}" type="slidenum">
-              <a:rPr lang="fr-FR" smtClean="0"/>
-              <a:t>1</a:t>
-            </a:fld>
-            <a:endParaRPr lang="fr-FR"/>
-          </a:p>
-        </p:txBody>
-      </p:sp>
       <p:pic>
         <p:nvPicPr>
-          <p:cNvPr id="1026" name="Picture 2" descr="L'ordinateur et les échecs – Loti News">
+          <p:cNvPr id="7" name="Image 6">
             <a:extLst>
               <a:ext uri="{FF2B5EF4-FFF2-40B4-BE49-F238E27FC236}">
-                <a16:creationId xmlns:a16="http://schemas.microsoft.com/office/drawing/2014/main" id="{6F897020-4C3C-94AD-44E5-08FA5715783D}"/>
+                <a16:creationId xmlns:a16="http://schemas.microsoft.com/office/drawing/2014/main" id="{58A6E211-B936-EAD9-28C3-3804EF64CEA0}"/>
               </a:ext>
             </a:extLst>
           </p:cNvPr>
           <p:cNvPicPr>
-            <a:picLocks noChangeAspect="1" noChangeArrowheads="1"/>
+            <a:picLocks noChangeAspect="1"/>
           </p:cNvPicPr>
           <p:nvPr/>
         </p:nvPicPr>
         <p:blipFill>
-          <a:blip r:embed="rId3" cstate="print">
+          <a:blip r:embed="rId3">
             <a:extLst>
               <a:ext uri="{28A0092B-C50C-407E-A947-70E740481C1C}">
                 <a14:useLocalDpi xmlns:a14="http://schemas.microsoft.com/office/drawing/2010/main" val="0"/>
               </a:ext>
             </a:extLst>
           </a:blip>
-          <a:srcRect/>
           <a:stretch>
             <a:fillRect/>
           </a:stretch>
         </p:blipFill>
-        <p:spPr bwMode="auto">
-          <a:xfrm>
-            <a:off x="5224986" y="1502229"/>
-            <a:ext cx="4004748" cy="3164114"/>
-          </a:xfrm>
-          <a:prstGeom prst="rect">
-            <a:avLst/>
-          </a:prstGeom>
-          <a:noFill/>
-          <a:extLst>
-            <a:ext uri="{909E8E84-426E-40DD-AFC4-6F175D3DCCD1}">
-              <a14:hiddenFill xmlns:a14="http://schemas.microsoft.com/office/drawing/2010/main">
-                <a:solidFill>
-                  <a:srgbClr val="FFFFFF"/>
-                </a:solidFill>
-              </a14:hiddenFill>
-            </a:ext>
-          </a:extLst>
+        <p:spPr>
+          <a:xfrm>
+            <a:off x="0" y="4847379"/>
+            <a:ext cx="4951220" cy="823171"/>
+          </a:xfrm>
+          <a:prstGeom prst="rect">
+            <a:avLst/>
+          </a:prstGeom>
         </p:spPr>
       </p:pic>
     </p:spTree>
@@ -4386,7 +4375,7 @@
             <a:pPr algn="ctr"/>
             <a:r>
               <a:rPr lang="fr-FR" sz="4400" dirty="0"/>
-              <a:t>Choix des composants:</a:t>
+              <a:t>Choix des composants</a:t>
             </a:r>
             <a:br>
               <a:rPr lang="fr-FR" sz="4400" dirty="0"/>
@@ -4526,7 +4515,7 @@
         </p:nvSpPr>
         <p:spPr>
           <a:xfrm>
-            <a:off x="4562002" y="3708399"/>
+            <a:off x="5465871" y="3685204"/>
             <a:ext cx="1155152" cy="344057"/>
           </a:xfrm>
           <a:prstGeom prst="rect">
@@ -4592,7 +4581,7 @@
         </p:blipFill>
         <p:spPr>
           <a:xfrm>
-            <a:off x="3677089" y="2141168"/>
+            <a:off x="3744415" y="2066742"/>
             <a:ext cx="1658790" cy="1257188"/>
           </a:xfrm>
           <a:prstGeom prst="rect">
@@ -4614,7 +4603,7 @@
         </p:nvSpPr>
         <p:spPr>
           <a:xfrm>
-            <a:off x="3603325" y="1831125"/>
+            <a:off x="3670651" y="1756699"/>
             <a:ext cx="1373028" cy="372399"/>
           </a:xfrm>
           <a:prstGeom prst="rect">
@@ -4674,7 +4663,7 @@
         </p:blipFill>
         <p:spPr>
           <a:xfrm>
-            <a:off x="4907319" y="4075137"/>
+            <a:off x="5811188" y="4051942"/>
             <a:ext cx="464519" cy="1225816"/>
           </a:xfrm>
           <a:prstGeom prst="rect">
@@ -4882,7 +4871,7 @@
         </p:blipFill>
         <p:spPr>
           <a:xfrm>
-            <a:off x="7416456" y="2141106"/>
+            <a:off x="7426917" y="2387189"/>
             <a:ext cx="1970088" cy="1970088"/>
           </a:xfrm>
           <a:prstGeom prst="rect">
@@ -4904,7 +4893,7 @@
         </p:nvSpPr>
         <p:spPr>
           <a:xfrm>
-            <a:off x="7546214" y="2250747"/>
+            <a:off x="7557697" y="2430278"/>
             <a:ext cx="1431246" cy="519015"/>
           </a:xfrm>
           <a:prstGeom prst="rect">
@@ -4931,11 +4920,68 @@
                 <a:ea typeface="Calibri"/>
                 <a:cs typeface="Times New Roman"/>
               </a:rPr>
-              <a:t>Ecran LCD</a:t>
-            </a:r>
-          </a:p>
-        </p:txBody>
-      </p:sp>
+              <a:t>Ecran LCD -&gt;</a:t>
+            </a:r>
+          </a:p>
+          <a:p>
+            <a:pPr algn="ctr"/>
+            <a:r>
+              <a:rPr lang="fr-FR" sz="1600" b="1" dirty="0">
+                <a:latin typeface="gg sans"/>
+              </a:rPr>
+              <a:t> </a:t>
+            </a:r>
+            <a:r>
+              <a:rPr lang="fr-FR" sz="1600" b="1" i="0" dirty="0">
+                <a:effectLst/>
+                <a:latin typeface="gg sans"/>
+              </a:rPr>
+              <a:t>HD1143G</a:t>
+            </a:r>
+            <a:endParaRPr lang="fr-FR" sz="1600" b="1" dirty="0">
+              <a:latin typeface="Calibri"/>
+              <a:ea typeface="Calibri"/>
+              <a:cs typeface="Times New Roman"/>
+            </a:endParaRPr>
+          </a:p>
+        </p:txBody>
+      </p:sp>
+      <p:pic>
+        <p:nvPicPr>
+          <p:cNvPr id="5" name="Image 4">
+            <a:extLst>
+              <a:ext uri="{FF2B5EF4-FFF2-40B4-BE49-F238E27FC236}">
+                <a16:creationId xmlns:a16="http://schemas.microsoft.com/office/drawing/2014/main" id="{AAAC9C84-7E5D-277A-D65D-2BB3EA87B289}"/>
+              </a:ext>
+            </a:extLst>
+          </p:cNvPr>
+          <p:cNvPicPr>
+            <a:picLocks noChangeAspect="1"/>
+          </p:cNvPicPr>
+          <p:nvPr/>
+        </p:nvPicPr>
+        <p:blipFill>
+          <a:blip r:embed="rId9">
+            <a:extLst>
+              <a:ext uri="{28A0092B-C50C-407E-A947-70E740481C1C}">
+                <a14:useLocalDpi xmlns:a14="http://schemas.microsoft.com/office/drawing/2010/main" val="0"/>
+              </a:ext>
+            </a:extLst>
+          </a:blip>
+          <a:stretch>
+            <a:fillRect/>
+          </a:stretch>
+        </p:blipFill>
+        <p:spPr>
+          <a:xfrm>
+            <a:off x="0" y="4847379"/>
+            <a:ext cx="4951220" cy="823171"/>
+          </a:xfrm>
+          <a:prstGeom prst="rect">
+            <a:avLst/>
+          </a:prstGeom>
+        </p:spPr>
+      </p:pic>
     </p:spTree>
     <p:extLst>
       <p:ext uri="{BB962C8B-B14F-4D97-AF65-F5344CB8AC3E}">
@@ -5343,6 +5389,42 @@
           </a:p>
         </p:txBody>
       </p:sp>
+      <p:pic>
+        <p:nvPicPr>
+          <p:cNvPr id="4" name="Image 3">
+            <a:extLst>
+              <a:ext uri="{FF2B5EF4-FFF2-40B4-BE49-F238E27FC236}">
+                <a16:creationId xmlns:a16="http://schemas.microsoft.com/office/drawing/2014/main" id="{CD4A293F-84A0-798E-CD86-91DA0E5F0CC7}"/>
+              </a:ext>
+            </a:extLst>
+          </p:cNvPr>
+          <p:cNvPicPr>
+            <a:picLocks noChangeAspect="1"/>
+          </p:cNvPicPr>
+          <p:nvPr/>
+        </p:nvPicPr>
+        <p:blipFill>
+          <a:blip r:embed="rId5">
+            <a:extLst>
+              <a:ext uri="{28A0092B-C50C-407E-A947-70E740481C1C}">
+                <a14:useLocalDpi xmlns:a14="http://schemas.microsoft.com/office/drawing/2010/main" val="0"/>
+              </a:ext>
+            </a:extLst>
+          </a:blip>
+          <a:stretch>
+            <a:fillRect/>
+          </a:stretch>
+        </p:blipFill>
+        <p:spPr>
+          <a:xfrm>
+            <a:off x="0" y="4847379"/>
+            <a:ext cx="4951220" cy="823171"/>
+          </a:xfrm>
+          <a:prstGeom prst="rect">
+            <a:avLst/>
+          </a:prstGeom>
+        </p:spPr>
+      </p:pic>
     </p:spTree>
     <p:extLst>
       <p:ext uri="{BB962C8B-B14F-4D97-AF65-F5344CB8AC3E}">
@@ -6053,6 +6135,42 @@
           </a:p>
         </p:txBody>
       </p:sp>
+      <p:pic>
+        <p:nvPicPr>
+          <p:cNvPr id="4" name="Image 3">
+            <a:extLst>
+              <a:ext uri="{FF2B5EF4-FFF2-40B4-BE49-F238E27FC236}">
+                <a16:creationId xmlns:a16="http://schemas.microsoft.com/office/drawing/2014/main" id="{5235211E-21FC-5CB2-A340-24D3754A7571}"/>
+              </a:ext>
+            </a:extLst>
+          </p:cNvPr>
+          <p:cNvPicPr>
+            <a:picLocks noChangeAspect="1"/>
+          </p:cNvPicPr>
+          <p:nvPr/>
+        </p:nvPicPr>
+        <p:blipFill>
+          <a:blip r:embed="rId5">
+            <a:extLst>
+              <a:ext uri="{28A0092B-C50C-407E-A947-70E740481C1C}">
+                <a14:useLocalDpi xmlns:a14="http://schemas.microsoft.com/office/drawing/2010/main" val="0"/>
+              </a:ext>
+            </a:extLst>
+          </a:blip>
+          <a:stretch>
+            <a:fillRect/>
+          </a:stretch>
+        </p:blipFill>
+        <p:spPr>
+          <a:xfrm>
+            <a:off x="0" y="4847379"/>
+            <a:ext cx="4951220" cy="823171"/>
+          </a:xfrm>
+          <a:prstGeom prst="rect">
+            <a:avLst/>
+          </a:prstGeom>
+        </p:spPr>
+      </p:pic>
     </p:spTree>
     <p:extLst>
       <p:ext uri="{BB962C8B-B14F-4D97-AF65-F5344CB8AC3E}">
@@ -6505,6 +6623,42 @@
           </a:p>
         </p:txBody>
       </p:sp>
+      <p:pic>
+        <p:nvPicPr>
+          <p:cNvPr id="4" name="Image 3">
+            <a:extLst>
+              <a:ext uri="{FF2B5EF4-FFF2-40B4-BE49-F238E27FC236}">
+                <a16:creationId xmlns:a16="http://schemas.microsoft.com/office/drawing/2014/main" id="{1303AD38-44C5-CF84-2FA2-4CB271CD32C8}"/>
+              </a:ext>
+            </a:extLst>
+          </p:cNvPr>
+          <p:cNvPicPr>
+            <a:picLocks noChangeAspect="1"/>
+          </p:cNvPicPr>
+          <p:nvPr/>
+        </p:nvPicPr>
+        <p:blipFill>
+          <a:blip r:embed="rId3">
+            <a:extLst>
+              <a:ext uri="{28A0092B-C50C-407E-A947-70E740481C1C}">
+                <a14:useLocalDpi xmlns:a14="http://schemas.microsoft.com/office/drawing/2010/main" val="0"/>
+              </a:ext>
+            </a:extLst>
+          </a:blip>
+          <a:stretch>
+            <a:fillRect/>
+          </a:stretch>
+        </p:blipFill>
+        <p:spPr>
+          <a:xfrm>
+            <a:off x="0" y="4847379"/>
+            <a:ext cx="4951220" cy="823171"/>
+          </a:xfrm>
+          <a:prstGeom prst="rect">
+            <a:avLst/>
+          </a:prstGeom>
+        </p:spPr>
+      </p:pic>
     </p:spTree>
     <p:extLst>
       <p:ext uri="{BB962C8B-B14F-4D97-AF65-F5344CB8AC3E}">
@@ -6640,6 +6794,42 @@
           </a:p>
         </p:txBody>
       </p:sp>
+      <p:pic>
+        <p:nvPicPr>
+          <p:cNvPr id="4" name="Image 3">
+            <a:extLst>
+              <a:ext uri="{FF2B5EF4-FFF2-40B4-BE49-F238E27FC236}">
+                <a16:creationId xmlns:a16="http://schemas.microsoft.com/office/drawing/2014/main" id="{2DF9ABCC-4D97-BE7A-E48C-E91FBE258F14}"/>
+              </a:ext>
+            </a:extLst>
+          </p:cNvPr>
+          <p:cNvPicPr>
+            <a:picLocks noChangeAspect="1"/>
+          </p:cNvPicPr>
+          <p:nvPr/>
+        </p:nvPicPr>
+        <p:blipFill>
+          <a:blip r:embed="rId3">
+            <a:extLst>
+              <a:ext uri="{28A0092B-C50C-407E-A947-70E740481C1C}">
+                <a14:useLocalDpi xmlns:a14="http://schemas.microsoft.com/office/drawing/2010/main" val="0"/>
+              </a:ext>
+            </a:extLst>
+          </a:blip>
+          <a:stretch>
+            <a:fillRect/>
+          </a:stretch>
+        </p:blipFill>
+        <p:spPr>
+          <a:xfrm>
+            <a:off x="0" y="4847379"/>
+            <a:ext cx="4951220" cy="823171"/>
+          </a:xfrm>
+          <a:prstGeom prst="rect">
+            <a:avLst/>
+          </a:prstGeom>
+        </p:spPr>
+      </p:pic>
     </p:spTree>
     <p:extLst>
       <p:ext uri="{BB962C8B-B14F-4D97-AF65-F5344CB8AC3E}">
@@ -7069,6 +7259,42 @@
           </a:prstGeom>
         </p:spPr>
       </p:pic>
+      <p:pic>
+        <p:nvPicPr>
+          <p:cNvPr id="4" name="Image 3">
+            <a:extLst>
+              <a:ext uri="{FF2B5EF4-FFF2-40B4-BE49-F238E27FC236}">
+                <a16:creationId xmlns:a16="http://schemas.microsoft.com/office/drawing/2014/main" id="{23B7F106-755F-51C0-D438-BFA3C0E9C159}"/>
+              </a:ext>
+            </a:extLst>
+          </p:cNvPr>
+          <p:cNvPicPr>
+            <a:picLocks noChangeAspect="1"/>
+          </p:cNvPicPr>
+          <p:nvPr/>
+        </p:nvPicPr>
+        <p:blipFill>
+          <a:blip r:embed="rId5">
+            <a:extLst>
+              <a:ext uri="{28A0092B-C50C-407E-A947-70E740481C1C}">
+                <a14:useLocalDpi xmlns:a14="http://schemas.microsoft.com/office/drawing/2010/main" val="0"/>
+              </a:ext>
+            </a:extLst>
+          </a:blip>
+          <a:stretch>
+            <a:fillRect/>
+          </a:stretch>
+        </p:blipFill>
+        <p:spPr>
+          <a:xfrm>
+            <a:off x="0" y="4847379"/>
+            <a:ext cx="4951220" cy="823171"/>
+          </a:xfrm>
+          <a:prstGeom prst="rect">
+            <a:avLst/>
+          </a:prstGeom>
+        </p:spPr>
+      </p:pic>
     </p:spTree>
     <p:extLst>
       <p:ext uri="{BB962C8B-B14F-4D97-AF65-F5344CB8AC3E}">
@@ -7276,6 +7502,42 @@
           </a:p>
         </p:txBody>
       </p:sp>
+      <p:pic>
+        <p:nvPicPr>
+          <p:cNvPr id="4" name="Image 3">
+            <a:extLst>
+              <a:ext uri="{FF2B5EF4-FFF2-40B4-BE49-F238E27FC236}">
+                <a16:creationId xmlns:a16="http://schemas.microsoft.com/office/drawing/2014/main" id="{848D9214-B0BC-F446-4341-0BADA1C0BAA5}"/>
+              </a:ext>
+            </a:extLst>
+          </p:cNvPr>
+          <p:cNvPicPr>
+            <a:picLocks noChangeAspect="1"/>
+          </p:cNvPicPr>
+          <p:nvPr/>
+        </p:nvPicPr>
+        <p:blipFill>
+          <a:blip r:embed="rId3">
+            <a:extLst>
+              <a:ext uri="{28A0092B-C50C-407E-A947-70E740481C1C}">
+                <a14:useLocalDpi xmlns:a14="http://schemas.microsoft.com/office/drawing/2010/main" val="0"/>
+              </a:ext>
+            </a:extLst>
+          </a:blip>
+          <a:stretch>
+            <a:fillRect/>
+          </a:stretch>
+        </p:blipFill>
+        <p:spPr>
+          <a:xfrm>
+            <a:off x="0" y="4847379"/>
+            <a:ext cx="4951220" cy="823171"/>
+          </a:xfrm>
+          <a:prstGeom prst="rect">
+            <a:avLst/>
+          </a:prstGeom>
+        </p:spPr>
+      </p:pic>
     </p:spTree>
     <p:extLst>
       <p:ext uri="{BB962C8B-B14F-4D97-AF65-F5344CB8AC3E}">
@@ -9016,7 +9278,7 @@
         </p:nvSpPr>
         <p:spPr>
           <a:xfrm>
-            <a:off x="1337357" y="2226173"/>
+            <a:off x="1017365" y="1497022"/>
             <a:ext cx="1071106" cy="369332"/>
           </a:xfrm>
           <a:prstGeom prst="rect">
@@ -9064,7 +9326,7 @@
         </p:blipFill>
         <p:spPr>
           <a:xfrm>
-            <a:off x="1083198" y="2084267"/>
+            <a:off x="1491798" y="1866354"/>
             <a:ext cx="6500356" cy="2441806"/>
           </a:xfrm>
           <a:prstGeom prst="rect">
@@ -9112,7 +9374,7 @@
             </a:pPr>
             <a:r>
               <a:rPr lang="fr-FR" dirty="0"/>
-              <a:t>Conception générale:</a:t>
+              <a:t>Conception générale</a:t>
             </a:r>
             <a:endParaRPr lang="en-US" sz="4400" b="0" strike="noStrike" spc="-1" dirty="0">
               <a:solidFill>
@@ -9123,6 +9385,42 @@
           </a:p>
         </p:txBody>
       </p:sp>
+      <p:pic>
+        <p:nvPicPr>
+          <p:cNvPr id="4" name="Image 3">
+            <a:extLst>
+              <a:ext uri="{FF2B5EF4-FFF2-40B4-BE49-F238E27FC236}">
+                <a16:creationId xmlns:a16="http://schemas.microsoft.com/office/drawing/2014/main" id="{93B5A871-213A-323C-96D8-FE29846B5D96}"/>
+              </a:ext>
+            </a:extLst>
+          </p:cNvPr>
+          <p:cNvPicPr>
+            <a:picLocks noChangeAspect="1"/>
+          </p:cNvPicPr>
+          <p:nvPr/>
+        </p:nvPicPr>
+        <p:blipFill>
+          <a:blip r:embed="rId4">
+            <a:extLst>
+              <a:ext uri="{28A0092B-C50C-407E-A947-70E740481C1C}">
+                <a14:useLocalDpi xmlns:a14="http://schemas.microsoft.com/office/drawing/2010/main" val="0"/>
+              </a:ext>
+            </a:extLst>
+          </a:blip>
+          <a:stretch>
+            <a:fillRect/>
+          </a:stretch>
+        </p:blipFill>
+        <p:spPr>
+          <a:xfrm>
+            <a:off x="0" y="4847379"/>
+            <a:ext cx="4951220" cy="823171"/>
+          </a:xfrm>
+          <a:prstGeom prst="rect">
+            <a:avLst/>
+          </a:prstGeom>
+        </p:spPr>
+      </p:pic>
     </p:spTree>
     <p:extLst>
       <p:ext uri="{BB962C8B-B14F-4D97-AF65-F5344CB8AC3E}">
@@ -9278,7 +9576,7 @@
         </p:nvSpPr>
         <p:spPr>
           <a:xfrm>
-            <a:off x="1484315" y="739309"/>
+            <a:off x="1346577" y="804624"/>
             <a:ext cx="1071106" cy="369332"/>
           </a:xfrm>
           <a:prstGeom prst="rect">
@@ -9299,6 +9597,42 @@
           </a:p>
         </p:txBody>
       </p:sp>
+      <p:pic>
+        <p:nvPicPr>
+          <p:cNvPr id="4" name="Image 3">
+            <a:extLst>
+              <a:ext uri="{FF2B5EF4-FFF2-40B4-BE49-F238E27FC236}">
+                <a16:creationId xmlns:a16="http://schemas.microsoft.com/office/drawing/2014/main" id="{3F169056-A6FA-D462-FE5A-80C3DD1F932B}"/>
+              </a:ext>
+            </a:extLst>
+          </p:cNvPr>
+          <p:cNvPicPr>
+            <a:picLocks noChangeAspect="1"/>
+          </p:cNvPicPr>
+          <p:nvPr/>
+        </p:nvPicPr>
+        <p:blipFill>
+          <a:blip r:embed="rId4">
+            <a:extLst>
+              <a:ext uri="{28A0092B-C50C-407E-A947-70E740481C1C}">
+                <a14:useLocalDpi xmlns:a14="http://schemas.microsoft.com/office/drawing/2010/main" val="0"/>
+              </a:ext>
+            </a:extLst>
+          </a:blip>
+          <a:stretch>
+            <a:fillRect/>
+          </a:stretch>
+        </p:blipFill>
+        <p:spPr>
+          <a:xfrm>
+            <a:off x="0" y="4847379"/>
+            <a:ext cx="4951220" cy="823171"/>
+          </a:xfrm>
+          <a:prstGeom prst="rect">
+            <a:avLst/>
+          </a:prstGeom>
+        </p:spPr>
+      </p:pic>
     </p:spTree>
     <p:extLst>
       <p:ext uri="{BB962C8B-B14F-4D97-AF65-F5344CB8AC3E}">
@@ -9419,7 +9753,7 @@
         </p:nvSpPr>
         <p:spPr>
           <a:xfrm>
-            <a:off x="1484315" y="739309"/>
+            <a:off x="1404504" y="796459"/>
             <a:ext cx="1071106" cy="369332"/>
           </a:xfrm>
           <a:prstGeom prst="rect">
@@ -9467,8 +9801,44 @@
         </p:blipFill>
         <p:spPr>
           <a:xfrm>
-            <a:off x="2416627" y="0"/>
+            <a:off x="3985897" y="-42008"/>
             <a:ext cx="5837466" cy="5754566"/>
+          </a:xfrm>
+          <a:prstGeom prst="rect">
+            <a:avLst/>
+          </a:prstGeom>
+        </p:spPr>
+      </p:pic>
+      <p:pic>
+        <p:nvPicPr>
+          <p:cNvPr id="4" name="Image 3">
+            <a:extLst>
+              <a:ext uri="{FF2B5EF4-FFF2-40B4-BE49-F238E27FC236}">
+                <a16:creationId xmlns:a16="http://schemas.microsoft.com/office/drawing/2014/main" id="{23AB0F47-FC4A-8711-D557-27D09F16DFCD}"/>
+              </a:ext>
+            </a:extLst>
+          </p:cNvPr>
+          <p:cNvPicPr>
+            <a:picLocks noChangeAspect="1"/>
+          </p:cNvPicPr>
+          <p:nvPr/>
+        </p:nvPicPr>
+        <p:blipFill>
+          <a:blip r:embed="rId4">
+            <a:extLst>
+              <a:ext uri="{28A0092B-C50C-407E-A947-70E740481C1C}">
+                <a14:useLocalDpi xmlns:a14="http://schemas.microsoft.com/office/drawing/2010/main" val="0"/>
+              </a:ext>
+            </a:extLst>
+          </a:blip>
+          <a:stretch>
+            <a:fillRect/>
+          </a:stretch>
+        </p:blipFill>
+        <p:spPr>
+          <a:xfrm>
+            <a:off x="0" y="4847379"/>
+            <a:ext cx="4951220" cy="823171"/>
           </a:xfrm>
           <a:prstGeom prst="rect">
             <a:avLst/>

--- a/presentation/Presentation Machine de Turing.pptx
+++ b/presentation/Presentation Machine de Turing.pptx
@@ -5,30 +5,35 @@
     <p:sldMasterId id="2147483648" r:id="rId1"/>
   </p:sldMasterIdLst>
   <p:notesMasterIdLst>
-    <p:notesMasterId r:id="rId23"/>
+    <p:notesMasterId r:id="rId28"/>
   </p:notesMasterIdLst>
   <p:sldIdLst>
     <p:sldId id="256" r:id="rId2"/>
     <p:sldId id="258" r:id="rId3"/>
     <p:sldId id="259" r:id="rId4"/>
     <p:sldId id="260" r:id="rId5"/>
-    <p:sldId id="261" r:id="rId6"/>
-    <p:sldId id="262" r:id="rId7"/>
-    <p:sldId id="263" r:id="rId8"/>
-    <p:sldId id="268" r:id="rId9"/>
-    <p:sldId id="267" r:id="rId10"/>
-    <p:sldId id="272" r:id="rId11"/>
-    <p:sldId id="279" r:id="rId12"/>
-    <p:sldId id="265" r:id="rId13"/>
-    <p:sldId id="276" r:id="rId14"/>
-    <p:sldId id="269" r:id="rId15"/>
-    <p:sldId id="270" r:id="rId16"/>
-    <p:sldId id="273" r:id="rId17"/>
-    <p:sldId id="274" r:id="rId18"/>
-    <p:sldId id="277" r:id="rId19"/>
-    <p:sldId id="275" r:id="rId20"/>
-    <p:sldId id="278" r:id="rId21"/>
-    <p:sldId id="280" r:id="rId22"/>
+    <p:sldId id="262" r:id="rId6"/>
+    <p:sldId id="261" r:id="rId7"/>
+    <p:sldId id="285" r:id="rId8"/>
+    <p:sldId id="263" r:id="rId9"/>
+    <p:sldId id="268" r:id="rId10"/>
+    <p:sldId id="267" r:id="rId11"/>
+    <p:sldId id="272" r:id="rId12"/>
+    <p:sldId id="279" r:id="rId13"/>
+    <p:sldId id="265" r:id="rId14"/>
+    <p:sldId id="276" r:id="rId15"/>
+    <p:sldId id="269" r:id="rId16"/>
+    <p:sldId id="270" r:id="rId17"/>
+    <p:sldId id="281" r:id="rId18"/>
+    <p:sldId id="282" r:id="rId19"/>
+    <p:sldId id="283" r:id="rId20"/>
+    <p:sldId id="284" r:id="rId21"/>
+    <p:sldId id="273" r:id="rId22"/>
+    <p:sldId id="274" r:id="rId23"/>
+    <p:sldId id="277" r:id="rId24"/>
+    <p:sldId id="275" r:id="rId25"/>
+    <p:sldId id="278" r:id="rId26"/>
+    <p:sldId id="280" r:id="rId27"/>
   </p:sldIdLst>
   <p:sldSz cx="10080625" cy="5670550"/>
   <p:notesSz cx="7772400" cy="10058400"/>
@@ -482,6 +487,90 @@
     </a:lvl9pPr>
   </p:notesStyle>
 </p:notesMaster>
+</file>
+
+<file path=ppt/notesSlides/notesSlide1.xml><?xml version="1.0" encoding="utf-8"?>
+<p:notes xmlns:a="http://schemas.openxmlformats.org/drawingml/2006/main" xmlns:r="http://schemas.openxmlformats.org/officeDocument/2006/relationships" xmlns:p="http://schemas.openxmlformats.org/presentationml/2006/main">
+  <p:cSld>
+    <p:spTree>
+      <p:nvGrpSpPr>
+        <p:cNvPr id="1" name=""/>
+        <p:cNvGrpSpPr/>
+        <p:nvPr/>
+      </p:nvGrpSpPr>
+      <p:grpSpPr>
+        <a:xfrm>
+          <a:off x="0" y="0"/>
+          <a:ext cx="0" cy="0"/>
+          <a:chOff x="0" y="0"/>
+          <a:chExt cx="0" cy="0"/>
+        </a:xfrm>
+      </p:grpSpPr>
+      <p:sp>
+        <p:nvSpPr>
+          <p:cNvPr id="2" name="Espace réservé de l'image des diapositives 1"/>
+          <p:cNvSpPr>
+            <a:spLocks noGrp="1" noRot="1" noChangeAspect="1"/>
+          </p:cNvSpPr>
+          <p:nvPr>
+            <p:ph type="sldImg"/>
+          </p:nvPr>
+        </p:nvSpPr>
+        <p:spPr/>
+      </p:sp>
+      <p:sp>
+        <p:nvSpPr>
+          <p:cNvPr id="3" name="Espace réservé des notes 2"/>
+          <p:cNvSpPr>
+            <a:spLocks noGrp="1"/>
+          </p:cNvSpPr>
+          <p:nvPr>
+            <p:ph type="body" idx="1"/>
+          </p:nvPr>
+        </p:nvSpPr>
+        <p:spPr/>
+        <p:txBody>
+          <a:bodyPr/>
+          <a:lstStyle/>
+          <a:p>
+            <a:endParaRPr lang="fr-FR" dirty="0"/>
+          </a:p>
+        </p:txBody>
+      </p:sp>
+      <p:sp>
+        <p:nvSpPr>
+          <p:cNvPr id="4" name="Espace réservé du numéro de diapositive 3"/>
+          <p:cNvSpPr>
+            <a:spLocks noGrp="1"/>
+          </p:cNvSpPr>
+          <p:nvPr>
+            <p:ph type="sldNum" sz="quarter" idx="5"/>
+          </p:nvPr>
+        </p:nvSpPr>
+        <p:spPr/>
+        <p:txBody>
+          <a:bodyPr/>
+          <a:lstStyle/>
+          <a:p>
+            <a:fld id="{22AD8080-6344-458A-8300-B4FD73C264E6}" type="slidenum">
+              <a:rPr lang="fr-FR" smtClean="0"/>
+              <a:t>10</a:t>
+            </a:fld>
+            <a:endParaRPr lang="fr-FR"/>
+          </a:p>
+        </p:txBody>
+      </p:sp>
+    </p:spTree>
+    <p:extLst>
+      <p:ext uri="{BB962C8B-B14F-4D97-AF65-F5344CB8AC3E}">
+        <p14:creationId xmlns:p14="http://schemas.microsoft.com/office/powerpoint/2010/main" val="4117992758"/>
+      </p:ext>
+    </p:extLst>
+  </p:cSld>
+  <p:clrMapOvr>
+    <a:masterClrMapping/>
+  </p:clrMapOvr>
+</p:notes>
 </file>
 
 <file path=ppt/slideLayouts/slideLayout1.xml><?xml version="1.0" encoding="utf-8"?>
@@ -4293,53 +4382,6 @@
           <a:chExt cx="0" cy="0"/>
         </a:xfrm>
       </p:grpSpPr>
-      <p:pic>
-        <p:nvPicPr>
-          <p:cNvPr id="2" name="Picture 2" descr="Polytech Tours - Polytech Tours, école d'ingénieurs">
-            <a:extLst>
-              <a:ext uri="{FF2B5EF4-FFF2-40B4-BE49-F238E27FC236}">
-                <a16:creationId xmlns:a16="http://schemas.microsoft.com/office/drawing/2014/main" id="{009710E4-4286-CDDE-E7EB-109C9DDAB24F}"/>
-              </a:ext>
-            </a:extLst>
-          </p:cNvPr>
-          <p:cNvPicPr>
-            <a:picLocks noChangeAspect="1" noChangeArrowheads="1"/>
-          </p:cNvPicPr>
-          <p:nvPr/>
-        </p:nvPicPr>
-        <p:blipFill>
-          <a:blip r:embed="rId2" cstate="print">
-            <a:extLst>
-              <a:ext uri="{28A0092B-C50C-407E-A947-70E740481C1C}">
-                <a14:useLocalDpi xmlns:a14="http://schemas.microsoft.com/office/drawing/2010/main" val="0"/>
-              </a:ext>
-            </a:extLst>
-          </a:blip>
-          <a:srcRect/>
-          <a:stretch>
-            <a:fillRect/>
-          </a:stretch>
-        </p:blipFill>
-        <p:spPr bwMode="auto">
-          <a:xfrm>
-            <a:off x="0" y="4852645"/>
-            <a:ext cx="3985897" cy="817905"/>
-          </a:xfrm>
-          <a:prstGeom prst="rect">
-            <a:avLst/>
-          </a:prstGeom>
-          <a:noFill/>
-          <a:extLst>
-            <a:ext uri="{909E8E84-426E-40DD-AFC4-6F175D3DCCD1}">
-              <a14:hiddenFill xmlns:a14="http://schemas.microsoft.com/office/drawing/2010/main">
-                <a:solidFill>
-                  <a:srgbClr val="FFFFFF"/>
-                </a:solidFill>
-              </a14:hiddenFill>
-            </a:ext>
-          </a:extLst>
-        </p:spPr>
-      </p:pic>
       <p:sp>
         <p:nvSpPr>
           <p:cNvPr id="3" name="Espace réservé du numéro de diapositive 2">
@@ -4383,7 +4425,7 @@
         </p:nvSpPr>
         <p:spPr>
           <a:xfrm>
-            <a:off x="1297680" y="796459"/>
+            <a:off x="760773" y="773599"/>
             <a:ext cx="1456471" cy="369332"/>
           </a:xfrm>
           <a:prstGeom prst="rect">
@@ -4399,17 +4441,17 @@
           <a:p>
             <a:r>
               <a:rPr lang="fr-FR" dirty="0"/>
-              <a:t>SF2D FP3 :</a:t>
+              <a:t>SF2D FP2 :</a:t>
             </a:r>
           </a:p>
         </p:txBody>
       </p:sp>
       <p:pic>
         <p:nvPicPr>
-          <p:cNvPr id="4" name="Image 3">
-            <a:extLst>
-              <a:ext uri="{FF2B5EF4-FFF2-40B4-BE49-F238E27FC236}">
-                <a16:creationId xmlns:a16="http://schemas.microsoft.com/office/drawing/2014/main" id="{23AB0F47-FC4A-8711-D557-27D09F16DFCD}"/>
+          <p:cNvPr id="5" name="Image 4">
+            <a:extLst>
+              <a:ext uri="{FF2B5EF4-FFF2-40B4-BE49-F238E27FC236}">
+                <a16:creationId xmlns:a16="http://schemas.microsoft.com/office/drawing/2014/main" id="{77985319-3AAF-EDF6-42F0-265E79D898B1}"/>
               </a:ext>
             </a:extLst>
           </p:cNvPr>
@@ -4418,58 +4460,21 @@
           </p:cNvPicPr>
           <p:nvPr/>
         </p:nvPicPr>
-        <p:blipFill>
-          <a:blip r:embed="rId3">
+        <p:blipFill rotWithShape="1">
+          <a:blip r:embed="rId3" cstate="print">
             <a:extLst>
               <a:ext uri="{28A0092B-C50C-407E-A947-70E740481C1C}">
                 <a14:useLocalDpi xmlns:a14="http://schemas.microsoft.com/office/drawing/2010/main" val="0"/>
               </a:ext>
             </a:extLst>
           </a:blip>
-          <a:stretch>
-            <a:fillRect/>
-          </a:stretch>
+          <a:srcRect t="4786" b="16782"/>
+          <a:stretch/>
         </p:blipFill>
         <p:spPr>
           <a:xfrm>
-            <a:off x="0" y="4847379"/>
-            <a:ext cx="4951220" cy="823171"/>
-          </a:xfrm>
-          <a:prstGeom prst="rect">
-            <a:avLst/>
-          </a:prstGeom>
-        </p:spPr>
-      </p:pic>
-      <p:pic>
-        <p:nvPicPr>
-          <p:cNvPr id="10" name="Image 9" descr="Une image contenant texte, diagramme, Police, nombre&#10;&#10;Description générée automatiquement">
-            <a:extLst>
-              <a:ext uri="{FF2B5EF4-FFF2-40B4-BE49-F238E27FC236}">
-                <a16:creationId xmlns:a16="http://schemas.microsoft.com/office/drawing/2014/main" id="{094439CC-E3C5-D0CD-CC7F-B4BEB7D49ACE}"/>
-              </a:ext>
-            </a:extLst>
-          </p:cNvPr>
-          <p:cNvPicPr>
-            <a:picLocks noChangeAspect="1"/>
-          </p:cNvPicPr>
-          <p:nvPr/>
-        </p:nvPicPr>
-        <p:blipFill>
-          <a:blip r:embed="rId4" cstate="print">
-            <a:extLst>
-              <a:ext uri="{28A0092B-C50C-407E-A947-70E740481C1C}">
-                <a14:useLocalDpi xmlns:a14="http://schemas.microsoft.com/office/drawing/2010/main" val="0"/>
-              </a:ext>
-            </a:extLst>
-          </a:blip>
-          <a:stretch>
-            <a:fillRect/>
-          </a:stretch>
-        </p:blipFill>
-        <p:spPr>
-          <a:xfrm>
-            <a:off x="5040312" y="0"/>
-            <a:ext cx="4252912" cy="5670550"/>
+            <a:off x="2003055" y="114670"/>
+            <a:ext cx="5837466" cy="5501270"/>
           </a:xfrm>
           <a:prstGeom prst="rect">
             <a:avLst/>
@@ -4479,7 +4484,7 @@
     </p:spTree>
     <p:extLst>
       <p:ext uri="{BB962C8B-B14F-4D97-AF65-F5344CB8AC3E}">
-        <p14:creationId xmlns:p14="http://schemas.microsoft.com/office/powerpoint/2010/main" val="2687304020"/>
+        <p14:creationId xmlns:p14="http://schemas.microsoft.com/office/powerpoint/2010/main" val="3080861358"/>
       </p:ext>
     </p:extLst>
   </p:cSld>
@@ -4508,38 +4513,10 @@
       </p:grpSpPr>
       <p:sp>
         <p:nvSpPr>
-          <p:cNvPr id="2" name="Titre 1">
-            <a:extLst>
-              <a:ext uri="{FF2B5EF4-FFF2-40B4-BE49-F238E27FC236}">
-                <a16:creationId xmlns:a16="http://schemas.microsoft.com/office/drawing/2014/main" id="{04953216-87F6-CFC5-9D09-62771E331C2F}"/>
-              </a:ext>
-            </a:extLst>
-          </p:cNvPr>
-          <p:cNvSpPr>
-            <a:spLocks noGrp="1"/>
-          </p:cNvSpPr>
-          <p:nvPr>
-            <p:ph type="title"/>
-          </p:nvPr>
-        </p:nvSpPr>
-        <p:spPr/>
-        <p:txBody>
-          <a:bodyPr/>
-          <a:lstStyle/>
-          <a:p>
-            <a:r>
-              <a:rPr lang="fr-FR" dirty="0"/>
-              <a:t>Analyse des fonctions et signaux</a:t>
-            </a:r>
-          </a:p>
-        </p:txBody>
-      </p:sp>
-      <p:sp>
-        <p:nvSpPr>
-          <p:cNvPr id="4" name="Espace réservé du numéro de diapositive 3">
-            <a:extLst>
-              <a:ext uri="{FF2B5EF4-FFF2-40B4-BE49-F238E27FC236}">
-                <a16:creationId xmlns:a16="http://schemas.microsoft.com/office/drawing/2014/main" id="{A518B64A-145D-D9A6-4FA6-69826DDF448C}"/>
+          <p:cNvPr id="3" name="Espace réservé du numéro de diapositive 2">
+            <a:extLst>
+              <a:ext uri="{FF2B5EF4-FFF2-40B4-BE49-F238E27FC236}">
+                <a16:creationId xmlns:a16="http://schemas.microsoft.com/office/drawing/2014/main" id="{FAF3CFF4-FC6E-8119-4D39-629CA185EBE3}"/>
               </a:ext>
             </a:extLst>
           </p:cNvPr>
@@ -4563,12 +4540,47 @@
           </a:p>
         </p:txBody>
       </p:sp>
+      <p:sp>
+        <p:nvSpPr>
+          <p:cNvPr id="8" name="ZoneTexte 7">
+            <a:extLst>
+              <a:ext uri="{FF2B5EF4-FFF2-40B4-BE49-F238E27FC236}">
+                <a16:creationId xmlns:a16="http://schemas.microsoft.com/office/drawing/2014/main" id="{385DE03A-E053-EA37-F152-FA34B3E3EBFE}"/>
+              </a:ext>
+            </a:extLst>
+          </p:cNvPr>
+          <p:cNvSpPr txBox="1"/>
+          <p:nvPr/>
+        </p:nvSpPr>
+        <p:spPr>
+          <a:xfrm>
+            <a:off x="1297680" y="796459"/>
+            <a:ext cx="1456471" cy="369332"/>
+          </a:xfrm>
+          <a:prstGeom prst="rect">
+            <a:avLst/>
+          </a:prstGeom>
+          <a:noFill/>
+        </p:spPr>
+        <p:txBody>
+          <a:bodyPr wrap="square" rtlCol="0">
+            <a:spAutoFit/>
+          </a:bodyPr>
+          <a:lstStyle/>
+          <a:p>
+            <a:r>
+              <a:rPr lang="fr-FR" dirty="0"/>
+              <a:t>SF2D FP3 :</a:t>
+            </a:r>
+          </a:p>
+        </p:txBody>
+      </p:sp>
       <p:pic>
         <p:nvPicPr>
-          <p:cNvPr id="6" name="Image 5" descr="Une image contenant texte, capture d’écran, nombre, Parallèle&#10;&#10;Description générée automatiquement">
-            <a:extLst>
-              <a:ext uri="{FF2B5EF4-FFF2-40B4-BE49-F238E27FC236}">
-                <a16:creationId xmlns:a16="http://schemas.microsoft.com/office/drawing/2014/main" id="{BDD9E20A-87F1-0B24-1C02-39773E04B169}"/>
+          <p:cNvPr id="6" name="Image 5">
+            <a:extLst>
+              <a:ext uri="{FF2B5EF4-FFF2-40B4-BE49-F238E27FC236}">
+                <a16:creationId xmlns:a16="http://schemas.microsoft.com/office/drawing/2014/main" id="{ACFA0521-D391-6620-74D1-C2EAD06A2D91}"/>
               </a:ext>
             </a:extLst>
           </p:cNvPr>
@@ -4577,7 +4589,7 @@
           </p:cNvPicPr>
           <p:nvPr/>
         </p:nvPicPr>
-        <p:blipFill>
+        <p:blipFill rotWithShape="1">
           <a:blip r:embed="rId2">
             <a:extLst>
               <a:ext uri="{28A0092B-C50C-407E-A947-70E740481C1C}">
@@ -4585,50 +4597,13 @@
               </a:ext>
             </a:extLst>
           </a:blip>
-          <a:stretch>
-            <a:fillRect/>
-          </a:stretch>
+          <a:srcRect t="4060"/>
+          <a:stretch/>
         </p:blipFill>
         <p:spPr>
           <a:xfrm>
-            <a:off x="2166749" y="2064173"/>
-            <a:ext cx="5859212" cy="3558867"/>
-          </a:xfrm>
-          <a:prstGeom prst="rect">
-            <a:avLst/>
-          </a:prstGeom>
-        </p:spPr>
-      </p:pic>
-      <p:pic>
-        <p:nvPicPr>
-          <p:cNvPr id="8" name="Image 7" descr="Une image contenant texte, capture d’écran, Police, ligne&#10;&#10;Description générée automatiquement">
-            <a:extLst>
-              <a:ext uri="{FF2B5EF4-FFF2-40B4-BE49-F238E27FC236}">
-                <a16:creationId xmlns:a16="http://schemas.microsoft.com/office/drawing/2014/main" id="{3C3A6D5C-05A5-E75C-EC64-15825B788F30}"/>
-              </a:ext>
-            </a:extLst>
-          </p:cNvPr>
-          <p:cNvPicPr>
-            <a:picLocks noChangeAspect="1"/>
-          </p:cNvPicPr>
-          <p:nvPr/>
-        </p:nvPicPr>
-        <p:blipFill>
-          <a:blip r:embed="rId3">
-            <a:extLst>
-              <a:ext uri="{28A0092B-C50C-407E-A947-70E740481C1C}">
-                <a14:useLocalDpi xmlns:a14="http://schemas.microsoft.com/office/drawing/2010/main" val="0"/>
-              </a:ext>
-            </a:extLst>
-          </a:blip>
-          <a:stretch>
-            <a:fillRect/>
-          </a:stretch>
-        </p:blipFill>
-        <p:spPr>
-          <a:xfrm>
-            <a:off x="2338753" y="972098"/>
-            <a:ext cx="7607056" cy="1092075"/>
+            <a:off x="2754151" y="114670"/>
+            <a:ext cx="4493000" cy="5744103"/>
           </a:xfrm>
           <a:prstGeom prst="rect">
             <a:avLst/>
@@ -4638,7 +4613,7 @@
     </p:spTree>
     <p:extLst>
       <p:ext uri="{BB962C8B-B14F-4D97-AF65-F5344CB8AC3E}">
-        <p14:creationId xmlns:p14="http://schemas.microsoft.com/office/powerpoint/2010/main" val="2694767133"/>
+        <p14:creationId xmlns:p14="http://schemas.microsoft.com/office/powerpoint/2010/main" val="2687304020"/>
       </p:ext>
     </p:extLst>
   </p:cSld>
@@ -4667,7 +4642,13 @@
       </p:grpSpPr>
       <p:sp>
         <p:nvSpPr>
-          <p:cNvPr id="42" name="PlaceHolder 1"/>
+          <p:cNvPr id="2" name="Titre 1">
+            <a:extLst>
+              <a:ext uri="{FF2B5EF4-FFF2-40B4-BE49-F238E27FC236}">
+                <a16:creationId xmlns:a16="http://schemas.microsoft.com/office/drawing/2014/main" id="{04953216-87F6-CFC5-9D09-62771E331C2F}"/>
+              </a:ext>
+            </a:extLst>
+          </p:cNvPr>
           <p:cNvSpPr>
             <a:spLocks noGrp="1"/>
           </p:cNvSpPr>
@@ -4675,95 +4656,24 @@
             <p:ph type="title"/>
           </p:nvPr>
         </p:nvSpPr>
-        <p:spPr>
-          <a:xfrm>
-            <a:off x="504492" y="201588"/>
-            <a:ext cx="9071640" cy="946440"/>
-          </a:xfrm>
-          <a:prstGeom prst="rect">
-            <a:avLst/>
-          </a:prstGeom>
-          <a:noFill/>
-          <a:ln w="0">
-            <a:noFill/>
-          </a:ln>
-        </p:spPr>
-        <p:txBody>
-          <a:bodyPr lIns="0" tIns="0" rIns="0" bIns="0" anchor="ctr">
-            <a:noAutofit/>
-          </a:bodyPr>
-          <a:lstStyle/>
-          <a:p>
-            <a:pPr algn="ctr"/>
-            <a:r>
-              <a:rPr lang="fr-FR" sz="4400" dirty="0"/>
-              <a:t>Choix des composants (1/2)</a:t>
-            </a:r>
-            <a:br>
-              <a:rPr lang="fr-FR" sz="4400" dirty="0"/>
-            </a:br>
-            <a:endParaRPr lang="en-US" sz="1800" b="0" strike="noStrike" spc="-1" dirty="0">
-              <a:solidFill>
-                <a:srgbClr val="000000"/>
-              </a:solidFill>
-              <a:latin typeface="Arial"/>
-            </a:endParaRPr>
-          </a:p>
-        </p:txBody>
-      </p:sp>
-      <p:pic>
-        <p:nvPicPr>
-          <p:cNvPr id="2" name="Picture 2" descr="Polytech Tours - Polytech Tours, école d'ingénieurs">
-            <a:extLst>
-              <a:ext uri="{FF2B5EF4-FFF2-40B4-BE49-F238E27FC236}">
-                <a16:creationId xmlns:a16="http://schemas.microsoft.com/office/drawing/2014/main" id="{009710E4-4286-CDDE-E7EB-109C9DDAB24F}"/>
-              </a:ext>
-            </a:extLst>
-          </p:cNvPr>
-          <p:cNvPicPr>
-            <a:picLocks noChangeAspect="1" noChangeArrowheads="1"/>
-          </p:cNvPicPr>
-          <p:nvPr/>
-        </p:nvPicPr>
-        <p:blipFill>
-          <a:blip r:embed="rId2" cstate="print">
-            <a:extLst>
-              <a:ext uri="{28A0092B-C50C-407E-A947-70E740481C1C}">
-                <a14:useLocalDpi xmlns:a14="http://schemas.microsoft.com/office/drawing/2010/main" val="0"/>
-              </a:ext>
-            </a:extLst>
-          </a:blip>
-          <a:srcRect/>
-          <a:stretch>
-            <a:fillRect/>
-          </a:stretch>
-        </p:blipFill>
-        <p:spPr bwMode="auto">
-          <a:xfrm>
-            <a:off x="0" y="4852645"/>
-            <a:ext cx="3985897" cy="817905"/>
-          </a:xfrm>
-          <a:prstGeom prst="rect">
-            <a:avLst/>
-          </a:prstGeom>
-          <a:noFill/>
-          <a:extLst>
-            <a:ext uri="{909E8E84-426E-40DD-AFC4-6F175D3DCCD1}">
-              <a14:hiddenFill xmlns:a14="http://schemas.microsoft.com/office/drawing/2010/main">
-                <a:solidFill>
-                  <a:srgbClr val="FFFFFF"/>
-                </a:solidFill>
-              </a14:hiddenFill>
-            </a:ext>
-          </a:extLst>
-        </p:spPr>
-      </p:pic>
-      <p:sp>
-        <p:nvSpPr>
-          <p:cNvPr id="3" name="Espace réservé du numéro de diapositive 2">
-            <a:extLst>
-              <a:ext uri="{FF2B5EF4-FFF2-40B4-BE49-F238E27FC236}">
-                <a16:creationId xmlns:a16="http://schemas.microsoft.com/office/drawing/2014/main" id="{FAF3CFF4-FC6E-8119-4D39-629CA185EBE3}"/>
+        <p:spPr/>
+        <p:txBody>
+          <a:bodyPr/>
+          <a:lstStyle/>
+          <a:p>
+            <a:r>
+              <a:rPr lang="fr-FR" dirty="0"/>
+              <a:t>Analyse des fonctions et signaux</a:t>
+            </a:r>
+          </a:p>
+        </p:txBody>
+      </p:sp>
+      <p:sp>
+        <p:nvSpPr>
+          <p:cNvPr id="4" name="Espace réservé du numéro de diapositive 3">
+            <a:extLst>
+              <a:ext uri="{FF2B5EF4-FFF2-40B4-BE49-F238E27FC236}">
+                <a16:creationId xmlns:a16="http://schemas.microsoft.com/office/drawing/2014/main" id="{A518B64A-145D-D9A6-4FA6-69826DDF448C}"/>
               </a:ext>
             </a:extLst>
           </p:cNvPr>
@@ -4789,10 +4699,10 @@
       </p:sp>
       <p:pic>
         <p:nvPicPr>
-          <p:cNvPr id="5" name="Image 4">
-            <a:extLst>
-              <a:ext uri="{FF2B5EF4-FFF2-40B4-BE49-F238E27FC236}">
-                <a16:creationId xmlns:a16="http://schemas.microsoft.com/office/drawing/2014/main" id="{AAAC9C84-7E5D-277A-D65D-2BB3EA87B289}"/>
+          <p:cNvPr id="6" name="Image 5" descr="Une image contenant texte, capture d’écran, nombre, Parallèle&#10;&#10;Description générée automatiquement">
+            <a:extLst>
+              <a:ext uri="{FF2B5EF4-FFF2-40B4-BE49-F238E27FC236}">
+                <a16:creationId xmlns:a16="http://schemas.microsoft.com/office/drawing/2014/main" id="{BDD9E20A-87F1-0B24-1C02-39773E04B169}"/>
               </a:ext>
             </a:extLst>
           </p:cNvPr>
@@ -4801,147 +4711,33 @@
           </p:cNvPicPr>
           <p:nvPr/>
         </p:nvPicPr>
-        <p:blipFill>
-          <a:blip r:embed="rId3">
+        <p:blipFill rotWithShape="1">
+          <a:blip r:embed="rId2">
             <a:extLst>
               <a:ext uri="{28A0092B-C50C-407E-A947-70E740481C1C}">
                 <a14:useLocalDpi xmlns:a14="http://schemas.microsoft.com/office/drawing/2010/main" val="0"/>
               </a:ext>
             </a:extLst>
           </a:blip>
-          <a:stretch>
-            <a:fillRect/>
-          </a:stretch>
+          <a:srcRect l="3823" t="1926"/>
+          <a:stretch/>
         </p:blipFill>
         <p:spPr>
           <a:xfrm>
-            <a:off x="0" y="4847379"/>
-            <a:ext cx="4951220" cy="823171"/>
+            <a:off x="504000" y="2065564"/>
+            <a:ext cx="5635237" cy="3490316"/>
           </a:xfrm>
           <a:prstGeom prst="rect">
             <a:avLst/>
           </a:prstGeom>
         </p:spPr>
       </p:pic>
-      <p:sp>
-        <p:nvSpPr>
-          <p:cNvPr id="9" name="ZoneTexte 8">
-            <a:extLst>
-              <a:ext uri="{FF2B5EF4-FFF2-40B4-BE49-F238E27FC236}">
-                <a16:creationId xmlns:a16="http://schemas.microsoft.com/office/drawing/2014/main" id="{C13F9275-F220-EAAC-4D21-3C5D15B15403}"/>
-              </a:ext>
-            </a:extLst>
-          </p:cNvPr>
-          <p:cNvSpPr txBox="1"/>
-          <p:nvPr/>
-        </p:nvSpPr>
-        <p:spPr>
-          <a:xfrm>
-            <a:off x="61762" y="724913"/>
-            <a:ext cx="9002485" cy="1477328"/>
-          </a:xfrm>
-          <a:prstGeom prst="rect">
-            <a:avLst/>
-          </a:prstGeom>
-          <a:noFill/>
-        </p:spPr>
-        <p:txBody>
-          <a:bodyPr wrap="square" rtlCol="0">
-            <a:spAutoFit/>
-          </a:bodyPr>
-          <a:lstStyle/>
-          <a:p>
-            <a:r>
-              <a:rPr lang="fr-FR" dirty="0"/>
-              <a:t>Commande initiale chez </a:t>
-            </a:r>
-            <a:r>
-              <a:rPr lang="fr-FR" dirty="0" err="1"/>
-              <a:t>Farnell</a:t>
-            </a:r>
-            <a:r>
-              <a:rPr lang="fr-FR" dirty="0"/>
-              <a:t> :</a:t>
-            </a:r>
-          </a:p>
-          <a:p>
-            <a:endParaRPr lang="fr-FR" dirty="0"/>
-          </a:p>
-          <a:p>
-            <a:pPr marL="285750" indent="-285750">
-              <a:buFontTx/>
-              <a:buChar char="-"/>
-            </a:pPr>
-            <a:r>
-              <a:rPr lang="fr-FR" dirty="0"/>
-              <a:t>Ecran LCD I2C : </a:t>
-            </a:r>
-            <a:r>
-              <a:rPr lang="fr-FR" sz="1800" b="0" i="0" u="none" strike="noStrike" dirty="0">
-                <a:effectLst/>
-                <a:latin typeface="Arial" panose="020B0604020202020204" pitchFamily="34" charset="0"/>
-              </a:rPr>
-              <a:t>MC21605C6W-BNMLWI-V2</a:t>
-            </a:r>
-            <a:r>
-              <a:rPr lang="fr-FR" dirty="0"/>
-              <a:t> </a:t>
-            </a:r>
-          </a:p>
-          <a:p>
-            <a:pPr marL="285750" indent="-285750">
-              <a:buFontTx/>
-              <a:buChar char="-"/>
-            </a:pPr>
-            <a:r>
-              <a:rPr lang="fr-FR" dirty="0"/>
-              <a:t>Afficheurs 7 segments : </a:t>
-            </a:r>
-            <a:r>
-              <a:rPr lang="fr-FR" sz="1800" b="0" i="0" u="none" strike="noStrike" dirty="0">
-                <a:effectLst/>
-                <a:latin typeface="Arial" panose="020B0604020202020204" pitchFamily="34" charset="0"/>
-              </a:rPr>
-              <a:t>HDSP-7513</a:t>
-            </a:r>
-            <a:r>
-              <a:rPr lang="fr-FR" dirty="0"/>
-              <a:t> </a:t>
-            </a:r>
-          </a:p>
-          <a:p>
-            <a:pPr marL="285750" indent="-285750">
-              <a:buFontTx/>
-              <a:buChar char="-"/>
-            </a:pPr>
-            <a:r>
-              <a:rPr lang="fr-FR" dirty="0" err="1"/>
-              <a:t>LEDs</a:t>
-            </a:r>
-            <a:r>
-              <a:rPr lang="fr-FR" dirty="0"/>
-              <a:t> RGB : </a:t>
-            </a:r>
-            <a:r>
-              <a:rPr lang="fr-FR" sz="1800" b="0" i="0" u="none" strike="noStrike" dirty="0">
-                <a:effectLst/>
-                <a:latin typeface="Arial" panose="020B0604020202020204" pitchFamily="34" charset="0"/>
-              </a:rPr>
-              <a:t>L-59EYC</a:t>
-            </a:r>
-            <a:r>
-              <a:rPr lang="fr-FR" dirty="0"/>
-              <a:t> </a:t>
-            </a:r>
-          </a:p>
-        </p:txBody>
-      </p:sp>
       <p:pic>
         <p:nvPicPr>
-          <p:cNvPr id="15" name="Image 14" descr="Une image contenant texte, capture d’écran, nombre, ligne&#10;&#10;Description générée automatiquement">
-            <a:extLst>
-              <a:ext uri="{FF2B5EF4-FFF2-40B4-BE49-F238E27FC236}">
-                <a16:creationId xmlns:a16="http://schemas.microsoft.com/office/drawing/2014/main" id="{BEB3920B-A464-1156-0397-EB74594DEA0F}"/>
+          <p:cNvPr id="8" name="Image 7" descr="Une image contenant texte, capture d’écran, Police, ligne&#10;&#10;Description générée automatiquement">
+            <a:extLst>
+              <a:ext uri="{FF2B5EF4-FFF2-40B4-BE49-F238E27FC236}">
+                <a16:creationId xmlns:a16="http://schemas.microsoft.com/office/drawing/2014/main" id="{3C3A6D5C-05A5-E75C-EC64-15825B788F30}"/>
               </a:ext>
             </a:extLst>
           </p:cNvPr>
@@ -4950,22 +4746,21 @@
           </p:cNvPicPr>
           <p:nvPr/>
         </p:nvPicPr>
-        <p:blipFill>
-          <a:blip r:embed="rId4">
+        <p:blipFill rotWithShape="1">
+          <a:blip r:embed="rId3">
             <a:extLst>
               <a:ext uri="{28A0092B-C50C-407E-A947-70E740481C1C}">
                 <a14:useLocalDpi xmlns:a14="http://schemas.microsoft.com/office/drawing/2010/main" val="0"/>
               </a:ext>
             </a:extLst>
           </a:blip>
-          <a:stretch>
-            <a:fillRect/>
-          </a:stretch>
+          <a:srcRect l="754" t="5930" r="23213" b="6150"/>
+          <a:stretch/>
         </p:blipFill>
         <p:spPr>
           <a:xfrm>
-            <a:off x="2889738" y="1913547"/>
-            <a:ext cx="7129125" cy="2891827"/>
+            <a:off x="3578905" y="1036864"/>
+            <a:ext cx="5761851" cy="960149"/>
           </a:xfrm>
           <a:prstGeom prst="rect">
             <a:avLst/>
@@ -4975,7 +4770,7 @@
     </p:spTree>
     <p:extLst>
       <p:ext uri="{BB962C8B-B14F-4D97-AF65-F5344CB8AC3E}">
-        <p14:creationId xmlns:p14="http://schemas.microsoft.com/office/powerpoint/2010/main" val="281832651"/>
+        <p14:creationId xmlns:p14="http://schemas.microsoft.com/office/powerpoint/2010/main" val="2694767133"/>
       </p:ext>
     </p:extLst>
   </p:cSld>
@@ -5004,14 +4799,18 @@
       </p:grpSpPr>
       <p:sp>
         <p:nvSpPr>
-          <p:cNvPr id="41" name="ZoneTexte 40"/>
-          <p:cNvSpPr txBox="1"/>
-          <p:nvPr/>
-        </p:nvSpPr>
-        <p:spPr>
-          <a:xfrm>
-            <a:off x="489889" y="1553308"/>
-            <a:ext cx="2465582" cy="473528"/>
+          <p:cNvPr id="42" name="PlaceHolder 1"/>
+          <p:cNvSpPr>
+            <a:spLocks noGrp="1"/>
+          </p:cNvSpPr>
+          <p:nvPr>
+            <p:ph type="title"/>
+          </p:nvPr>
+        </p:nvSpPr>
+        <p:spPr>
+          <a:xfrm>
+            <a:off x="504492" y="201588"/>
+            <a:ext cx="9071640" cy="946440"/>
           </a:xfrm>
           <a:prstGeom prst="rect">
             <a:avLst/>
@@ -5027,72 +4826,10 @@
           </a:bodyPr>
           <a:lstStyle/>
           <a:p>
-            <a:pPr marL="342900" indent="-342900">
-              <a:buFont typeface="Arial" panose="020B0604020202020204" pitchFamily="34" charset="0"/>
-              <a:buChar char="•"/>
-            </a:pPr>
-            <a:r>
-              <a:rPr lang="fr-FR" sz="1600" b="1" dirty="0">
-                <a:latin typeface="Calibri"/>
-                <a:ea typeface="Calibri"/>
-                <a:cs typeface="Times New Roman"/>
-              </a:rPr>
-              <a:t>Alimentation: 5V et 3.3V  </a:t>
-            </a:r>
-          </a:p>
-          <a:p>
-            <a:r>
-              <a:rPr lang="fr-FR" sz="1600" b="1" dirty="0">
-                <a:latin typeface="Calibri"/>
-                <a:ea typeface="Calibri"/>
-                <a:cs typeface="Times New Roman"/>
-              </a:rPr>
-              <a:t>-&gt; </a:t>
-            </a:r>
-            <a:r>
-              <a:rPr lang="en-US" sz="1600" b="1" dirty="0">
-                <a:latin typeface="Calibri"/>
-                <a:ea typeface="Calibri"/>
-                <a:cs typeface="Times New Roman"/>
-              </a:rPr>
-              <a:t>MB102 </a:t>
-            </a:r>
-          </a:p>
-        </p:txBody>
-      </p:sp>
-      <p:sp>
-        <p:nvSpPr>
-          <p:cNvPr id="42" name="PlaceHolder 1"/>
-          <p:cNvSpPr>
-            <a:spLocks noGrp="1"/>
-          </p:cNvSpPr>
-          <p:nvPr>
-            <p:ph type="title"/>
-          </p:nvPr>
-        </p:nvSpPr>
-        <p:spPr>
-          <a:xfrm>
-            <a:off x="504492" y="201588"/>
-            <a:ext cx="9071640" cy="946440"/>
-          </a:xfrm>
-          <a:prstGeom prst="rect">
-            <a:avLst/>
-          </a:prstGeom>
-          <a:noFill/>
-          <a:ln w="0">
-            <a:noFill/>
-          </a:ln>
-        </p:spPr>
-        <p:txBody>
-          <a:bodyPr lIns="0" tIns="0" rIns="0" bIns="0" anchor="ctr">
-            <a:noAutofit/>
-          </a:bodyPr>
-          <a:lstStyle/>
-          <a:p>
             <a:pPr algn="ctr"/>
             <a:r>
               <a:rPr lang="fr-FR" sz="4400" dirty="0"/>
-              <a:t>Choix des composants (2/2)</a:t>
+              <a:t>Choix des composants (1/2)</a:t>
             </a:r>
             <a:br>
               <a:rPr lang="fr-FR" sz="4400" dirty="0"/>
@@ -5184,10 +4921,10 @@
       </p:sp>
       <p:pic>
         <p:nvPicPr>
-          <p:cNvPr id="7" name="Image 6">
-            <a:extLst>
-              <a:ext uri="{FF2B5EF4-FFF2-40B4-BE49-F238E27FC236}">
-                <a16:creationId xmlns:a16="http://schemas.microsoft.com/office/drawing/2014/main" id="{64C7335A-B251-82AD-E539-C6F93A2BDC9B}"/>
+          <p:cNvPr id="5" name="Image 4">
+            <a:extLst>
+              <a:ext uri="{FF2B5EF4-FFF2-40B4-BE49-F238E27FC236}">
+                <a16:creationId xmlns:a16="http://schemas.microsoft.com/office/drawing/2014/main" id="{AAAC9C84-7E5D-277A-D65D-2BB3EA87B289}"/>
               </a:ext>
             </a:extLst>
           </p:cNvPr>
@@ -5210,8 +4947,8 @@
         </p:blipFill>
         <p:spPr>
           <a:xfrm>
-            <a:off x="389495" y="1909358"/>
-            <a:ext cx="1830493" cy="1619050"/>
+            <a:off x="0" y="4847379"/>
+            <a:ext cx="4951220" cy="823171"/>
           </a:xfrm>
           <a:prstGeom prst="rect">
             <a:avLst/>
@@ -5220,10 +4957,10 @@
       </p:pic>
       <p:sp>
         <p:nvSpPr>
-          <p:cNvPr id="4" name="ZoneTexte 3">
-            <a:extLst>
-              <a:ext uri="{FF2B5EF4-FFF2-40B4-BE49-F238E27FC236}">
-                <a16:creationId xmlns:a16="http://schemas.microsoft.com/office/drawing/2014/main" id="{D6AB959A-DCCA-DCB6-8B6A-CBC33CFD9DDA}"/>
+          <p:cNvPr id="9" name="ZoneTexte 8">
+            <a:extLst>
+              <a:ext uri="{FF2B5EF4-FFF2-40B4-BE49-F238E27FC236}">
+                <a16:creationId xmlns:a16="http://schemas.microsoft.com/office/drawing/2014/main" id="{C13F9275-F220-EAAC-4D21-3C5D15B15403}"/>
               </a:ext>
             </a:extLst>
           </p:cNvPr>
@@ -5232,50 +4969,111 @@
         </p:nvSpPr>
         <p:spPr>
           <a:xfrm>
-            <a:off x="5465871" y="3685204"/>
-            <a:ext cx="1155152" cy="344057"/>
+            <a:off x="61762" y="724913"/>
+            <a:ext cx="9002485" cy="1477328"/>
           </a:xfrm>
           <a:prstGeom prst="rect">
             <a:avLst/>
           </a:prstGeom>
           <a:noFill/>
-          <a:ln w="0">
-            <a:noFill/>
-          </a:ln>
-        </p:spPr>
-        <p:txBody>
-          <a:bodyPr lIns="0" tIns="0" rIns="0" bIns="0" anchor="ctr">
-            <a:noAutofit/>
+        </p:spPr>
+        <p:txBody>
+          <a:bodyPr wrap="square" rtlCol="0">
+            <a:spAutoFit/>
           </a:bodyPr>
           <a:lstStyle/>
           <a:p>
-            <a:pPr marL="342900" indent="-342900">
-              <a:buFont typeface="Arial" panose="020B0604020202020204" pitchFamily="34" charset="0"/>
-              <a:buChar char="•"/>
+            <a:r>
+              <a:rPr lang="fr-FR" dirty="0"/>
+              <a:t>Commande initiale chez </a:t>
+            </a:r>
+            <a:r>
+              <a:rPr lang="fr-FR" dirty="0" err="1"/>
+              <a:t>Farnell</a:t>
+            </a:r>
+            <a:r>
+              <a:rPr lang="fr-FR" dirty="0"/>
+              <a:t> :</a:t>
+            </a:r>
+          </a:p>
+          <a:p>
+            <a:endParaRPr lang="fr-FR" dirty="0"/>
+          </a:p>
+          <a:p>
+            <a:pPr marL="285750" indent="-285750">
+              <a:buFontTx/>
+              <a:buChar char="-"/>
             </a:pPr>
             <a:r>
-              <a:rPr lang="fr-FR" sz="1600" b="1" dirty="0">
-                <a:latin typeface="Calibri"/>
-                <a:ea typeface="Calibri"/>
-                <a:cs typeface="Times New Roman"/>
+              <a:rPr lang="fr-FR" dirty="0"/>
+              <a:t>Ecran LCD I2C : </a:t>
+            </a:r>
+            <a:r>
+              <a:rPr lang="fr-FR" sz="1800" b="0" i="0" u="none" strike="noStrike" dirty="0">
+                <a:effectLst/>
+                <a:latin typeface="Arial" panose="020B0604020202020204" pitchFamily="34" charset="0"/>
               </a:rPr>
-              <a:t>LED RGB</a:t>
-            </a:r>
-            <a:endParaRPr lang="en-US" sz="1600" b="0" strike="noStrike" spc="-1" dirty="0">
-              <a:solidFill>
-                <a:srgbClr val="000000"/>
-              </a:solidFill>
-              <a:latin typeface="Arial"/>
-            </a:endParaRPr>
+              <a:t>MC21605C6W-BNMLWI-V2</a:t>
+            </a:r>
+            <a:r>
+              <a:rPr lang="fr-FR" dirty="0"/>
+              <a:t> </a:t>
+            </a:r>
+          </a:p>
+          <a:p>
+            <a:pPr marL="285750" indent="-285750">
+              <a:buFontTx/>
+              <a:buChar char="-"/>
+            </a:pPr>
+            <a:r>
+              <a:rPr lang="fr-FR" dirty="0"/>
+              <a:t>Afficheurs 7 segments : </a:t>
+            </a:r>
+            <a:r>
+              <a:rPr lang="fr-FR" sz="1800" b="0" i="0" u="none" strike="noStrike" dirty="0">
+                <a:effectLst/>
+                <a:latin typeface="Arial" panose="020B0604020202020204" pitchFamily="34" charset="0"/>
+              </a:rPr>
+              <a:t>HDSP-7513</a:t>
+            </a:r>
+            <a:r>
+              <a:rPr lang="fr-FR" dirty="0"/>
+              <a:t> </a:t>
+            </a:r>
+          </a:p>
+          <a:p>
+            <a:pPr marL="285750" indent="-285750">
+              <a:buFontTx/>
+              <a:buChar char="-"/>
+            </a:pPr>
+            <a:r>
+              <a:rPr lang="fr-FR" dirty="0" err="1"/>
+              <a:t>LEDs</a:t>
+            </a:r>
+            <a:r>
+              <a:rPr lang="fr-FR" dirty="0"/>
+              <a:t> RGB : </a:t>
+            </a:r>
+            <a:r>
+              <a:rPr lang="fr-FR" sz="1800" b="0" i="0" u="none" strike="noStrike" dirty="0">
+                <a:effectLst/>
+                <a:latin typeface="Arial" panose="020B0604020202020204" pitchFamily="34" charset="0"/>
+              </a:rPr>
+              <a:t>L-59EYC</a:t>
+            </a:r>
+            <a:r>
+              <a:rPr lang="fr-FR" dirty="0"/>
+              <a:t> </a:t>
+            </a:r>
           </a:p>
         </p:txBody>
       </p:sp>
       <p:pic>
         <p:nvPicPr>
-          <p:cNvPr id="6" name="Image 5">
-            <a:extLst>
-              <a:ext uri="{FF2B5EF4-FFF2-40B4-BE49-F238E27FC236}">
-                <a16:creationId xmlns:a16="http://schemas.microsoft.com/office/drawing/2014/main" id="{2FE7EFF5-E61E-A379-58DC-2B660B19D244}"/>
+          <p:cNvPr id="15" name="Image 14" descr="Une image contenant texte, capture d’écran, nombre, ligne&#10;&#10;Description générée automatiquement">
+            <a:extLst>
+              <a:ext uri="{FF2B5EF4-FFF2-40B4-BE49-F238E27FC236}">
+                <a16:creationId xmlns:a16="http://schemas.microsoft.com/office/drawing/2014/main" id="{BEB3920B-A464-1156-0397-EB74594DEA0F}"/>
               </a:ext>
             </a:extLst>
           </p:cNvPr>
@@ -5298,516 +5096,18 @@
         </p:blipFill>
         <p:spPr>
           <a:xfrm>
-            <a:off x="3744415" y="2066742"/>
-            <a:ext cx="1658790" cy="1257188"/>
+            <a:off x="2889738" y="1913547"/>
+            <a:ext cx="7129125" cy="2891827"/>
           </a:xfrm>
           <a:prstGeom prst="rect">
             <a:avLst/>
           </a:prstGeom>
         </p:spPr>
       </p:pic>
-      <p:sp>
-        <p:nvSpPr>
-          <p:cNvPr id="8" name="ZoneTexte 7">
-            <a:extLst>
-              <a:ext uri="{FF2B5EF4-FFF2-40B4-BE49-F238E27FC236}">
-                <a16:creationId xmlns:a16="http://schemas.microsoft.com/office/drawing/2014/main" id="{73AB9138-85CE-2091-322D-AAD503737C81}"/>
-              </a:ext>
-            </a:extLst>
-          </p:cNvPr>
-          <p:cNvSpPr txBox="1"/>
-          <p:nvPr/>
-        </p:nvSpPr>
-        <p:spPr>
-          <a:xfrm>
-            <a:off x="3670651" y="1756699"/>
-            <a:ext cx="1546118" cy="372399"/>
-          </a:xfrm>
-          <a:prstGeom prst="rect">
-            <a:avLst/>
-          </a:prstGeom>
-          <a:noFill/>
-          <a:ln w="0">
-            <a:noFill/>
-          </a:ln>
-        </p:spPr>
-        <p:txBody>
-          <a:bodyPr lIns="0" tIns="0" rIns="0" bIns="0" anchor="ctr">
-            <a:noAutofit/>
-          </a:bodyPr>
-          <a:lstStyle/>
-          <a:p>
-            <a:pPr marL="342900" indent="-342900">
-              <a:buFont typeface="Arial" panose="020B0604020202020204" pitchFamily="34" charset="0"/>
-              <a:buChar char="•"/>
-            </a:pPr>
-            <a:r>
-              <a:rPr lang="fr-FR" sz="1600" b="1" dirty="0">
-                <a:latin typeface="Calibri"/>
-                <a:ea typeface="Calibri"/>
-                <a:cs typeface="Times New Roman"/>
-              </a:rPr>
-              <a:t>7 segments -&gt; HD1143G</a:t>
-            </a:r>
-          </a:p>
-        </p:txBody>
-      </p:sp>
-      <p:pic>
-        <p:nvPicPr>
-          <p:cNvPr id="10" name="Image 9">
-            <a:extLst>
-              <a:ext uri="{FF2B5EF4-FFF2-40B4-BE49-F238E27FC236}">
-                <a16:creationId xmlns:a16="http://schemas.microsoft.com/office/drawing/2014/main" id="{70F02FFB-FC63-9D6F-A8D8-4E345FDEADDC}"/>
-              </a:ext>
-            </a:extLst>
-          </p:cNvPr>
-          <p:cNvPicPr>
-            <a:picLocks noChangeAspect="1"/>
-          </p:cNvPicPr>
-          <p:nvPr/>
-        </p:nvPicPr>
-        <p:blipFill>
-          <a:blip r:embed="rId5">
-            <a:extLst>
-              <a:ext uri="{28A0092B-C50C-407E-A947-70E740481C1C}">
-                <a14:useLocalDpi xmlns:a14="http://schemas.microsoft.com/office/drawing/2010/main" val="0"/>
-              </a:ext>
-            </a:extLst>
-          </a:blip>
-          <a:stretch>
-            <a:fillRect/>
-          </a:stretch>
-        </p:blipFill>
-        <p:spPr>
-          <a:xfrm>
-            <a:off x="5811188" y="4051942"/>
-            <a:ext cx="464519" cy="1225816"/>
-          </a:xfrm>
-          <a:prstGeom prst="rect">
-            <a:avLst/>
-          </a:prstGeom>
-        </p:spPr>
-      </p:pic>
-      <p:sp>
-        <p:nvSpPr>
-          <p:cNvPr id="14" name="ZoneTexte 13">
-            <a:extLst>
-              <a:ext uri="{FF2B5EF4-FFF2-40B4-BE49-F238E27FC236}">
-                <a16:creationId xmlns:a16="http://schemas.microsoft.com/office/drawing/2014/main" id="{F2E03571-37C1-5064-A271-A1D7E31F6F3D}"/>
-              </a:ext>
-            </a:extLst>
-          </p:cNvPr>
-          <p:cNvSpPr txBox="1"/>
-          <p:nvPr/>
-        </p:nvSpPr>
-        <p:spPr>
-          <a:xfrm>
-            <a:off x="1715770" y="3875600"/>
-            <a:ext cx="2125409" cy="603092"/>
-          </a:xfrm>
-          <a:prstGeom prst="rect">
-            <a:avLst/>
-          </a:prstGeom>
-          <a:noFill/>
-          <a:ln w="0">
-            <a:noFill/>
-          </a:ln>
-        </p:spPr>
-        <p:txBody>
-          <a:bodyPr lIns="0" tIns="0" rIns="0" bIns="0" anchor="ctr">
-            <a:noAutofit/>
-          </a:bodyPr>
-          <a:lstStyle/>
-          <a:p>
-            <a:endParaRPr lang="fr-FR" sz="1600" b="1" dirty="0">
-              <a:latin typeface="Calibri"/>
-              <a:ea typeface="Calibri"/>
-              <a:cs typeface="Times New Roman"/>
-            </a:endParaRPr>
-          </a:p>
-        </p:txBody>
-      </p:sp>
-      <p:pic>
-        <p:nvPicPr>
-          <p:cNvPr id="16" name="Image 15">
-            <a:extLst>
-              <a:ext uri="{FF2B5EF4-FFF2-40B4-BE49-F238E27FC236}">
-                <a16:creationId xmlns:a16="http://schemas.microsoft.com/office/drawing/2014/main" id="{9C8C22AA-6FCD-649B-70DB-EC1111154E98}"/>
-              </a:ext>
-            </a:extLst>
-          </p:cNvPr>
-          <p:cNvPicPr>
-            <a:picLocks noChangeAspect="1"/>
-          </p:cNvPicPr>
-          <p:nvPr/>
-        </p:nvPicPr>
-        <p:blipFill>
-          <a:blip r:embed="rId6" cstate="print">
-            <a:extLst>
-              <a:ext uri="{28A0092B-C50C-407E-A947-70E740481C1C}">
-                <a14:useLocalDpi xmlns:a14="http://schemas.microsoft.com/office/drawing/2010/main" val="0"/>
-              </a:ext>
-            </a:extLst>
-          </a:blip>
-          <a:stretch>
-            <a:fillRect/>
-          </a:stretch>
-        </p:blipFill>
-        <p:spPr>
-          <a:xfrm>
-            <a:off x="5812289" y="1646008"/>
-            <a:ext cx="1431245" cy="1431245"/>
-          </a:xfrm>
-          <a:prstGeom prst="rect">
-            <a:avLst/>
-          </a:prstGeom>
-        </p:spPr>
-      </p:pic>
-      <p:sp>
-        <p:nvSpPr>
-          <p:cNvPr id="17" name="ZoneTexte 16">
-            <a:extLst>
-              <a:ext uri="{FF2B5EF4-FFF2-40B4-BE49-F238E27FC236}">
-                <a16:creationId xmlns:a16="http://schemas.microsoft.com/office/drawing/2014/main" id="{A4D4BFC7-4C11-0DAA-3F92-27A3A153A8AD}"/>
-              </a:ext>
-            </a:extLst>
-          </p:cNvPr>
-          <p:cNvSpPr txBox="1"/>
-          <p:nvPr/>
-        </p:nvSpPr>
-        <p:spPr>
-          <a:xfrm>
-            <a:off x="5800862" y="1386501"/>
-            <a:ext cx="1431246" cy="519015"/>
-          </a:xfrm>
-          <a:prstGeom prst="rect">
-            <a:avLst/>
-          </a:prstGeom>
-          <a:noFill/>
-          <a:ln w="0">
-            <a:noFill/>
-          </a:ln>
-        </p:spPr>
-        <p:txBody>
-          <a:bodyPr lIns="0" tIns="0" rIns="0" bIns="0" anchor="ctr">
-            <a:noAutofit/>
-          </a:bodyPr>
-          <a:lstStyle/>
-          <a:p>
-            <a:pPr marL="342900" indent="-342900">
-              <a:buFont typeface="Arial" panose="020B0604020202020204" pitchFamily="34" charset="0"/>
-              <a:buChar char="•"/>
-            </a:pPr>
-            <a:r>
-              <a:rPr lang="fr-FR" sz="1600" b="1" dirty="0" err="1">
-                <a:latin typeface="Calibri"/>
-                <a:ea typeface="Calibri"/>
-                <a:cs typeface="Times New Roman"/>
-              </a:rPr>
-              <a:t>Expander</a:t>
-            </a:r>
-            <a:r>
-              <a:rPr lang="fr-FR" sz="1600" b="1" dirty="0">
-                <a:latin typeface="Calibri"/>
-                <a:ea typeface="Calibri"/>
-                <a:cs typeface="Times New Roman"/>
-              </a:rPr>
-              <a:t> -&gt; MCP23017</a:t>
-            </a:r>
-          </a:p>
-        </p:txBody>
-      </p:sp>
-      <p:pic>
-        <p:nvPicPr>
-          <p:cNvPr id="19" name="Image 18">
-            <a:extLst>
-              <a:ext uri="{FF2B5EF4-FFF2-40B4-BE49-F238E27FC236}">
-                <a16:creationId xmlns:a16="http://schemas.microsoft.com/office/drawing/2014/main" id="{045FF819-757D-CE8C-18B7-71C4B1E1FD83}"/>
-              </a:ext>
-            </a:extLst>
-          </p:cNvPr>
-          <p:cNvPicPr>
-            <a:picLocks noChangeAspect="1"/>
-          </p:cNvPicPr>
-          <p:nvPr/>
-        </p:nvPicPr>
-        <p:blipFill>
-          <a:blip r:embed="rId7" cstate="print">
-            <a:extLst>
-              <a:ext uri="{28A0092B-C50C-407E-A947-70E740481C1C}">
-                <a14:useLocalDpi xmlns:a14="http://schemas.microsoft.com/office/drawing/2010/main" val="0"/>
-              </a:ext>
-            </a:extLst>
-          </a:blip>
-          <a:stretch>
-            <a:fillRect/>
-          </a:stretch>
-        </p:blipFill>
-        <p:spPr>
-          <a:xfrm>
-            <a:off x="7426917" y="2387189"/>
-            <a:ext cx="1970088" cy="1970088"/>
-          </a:xfrm>
-          <a:prstGeom prst="rect">
-            <a:avLst/>
-          </a:prstGeom>
-        </p:spPr>
-      </p:pic>
-      <p:sp>
-        <p:nvSpPr>
-          <p:cNvPr id="20" name="ZoneTexte 19">
-            <a:extLst>
-              <a:ext uri="{FF2B5EF4-FFF2-40B4-BE49-F238E27FC236}">
-                <a16:creationId xmlns:a16="http://schemas.microsoft.com/office/drawing/2014/main" id="{02F2DAC9-5330-EEAE-695F-9B844513D565}"/>
-              </a:ext>
-            </a:extLst>
-          </p:cNvPr>
-          <p:cNvSpPr txBox="1"/>
-          <p:nvPr/>
-        </p:nvSpPr>
-        <p:spPr>
-          <a:xfrm>
-            <a:off x="7557697" y="2430278"/>
-            <a:ext cx="1431246" cy="519015"/>
-          </a:xfrm>
-          <a:prstGeom prst="rect">
-            <a:avLst/>
-          </a:prstGeom>
-          <a:noFill/>
-          <a:ln w="0">
-            <a:noFill/>
-          </a:ln>
-        </p:spPr>
-        <p:txBody>
-          <a:bodyPr lIns="0" tIns="0" rIns="0" bIns="0" anchor="ctr">
-            <a:noAutofit/>
-          </a:bodyPr>
-          <a:lstStyle/>
-          <a:p>
-            <a:pPr marL="342900" indent="-342900">
-              <a:buFont typeface="Arial" panose="020B0604020202020204" pitchFamily="34" charset="0"/>
-              <a:buChar char="•"/>
-            </a:pPr>
-            <a:r>
-              <a:rPr lang="fr-FR" sz="1600" b="1" dirty="0">
-                <a:latin typeface="Calibri"/>
-                <a:ea typeface="Calibri"/>
-                <a:cs typeface="Times New Roman"/>
-              </a:rPr>
-              <a:t>Ecran LCD -&gt;</a:t>
-            </a:r>
-          </a:p>
-          <a:p>
-            <a:pPr algn="ctr"/>
-            <a:r>
-              <a:rPr lang="fr-FR" sz="1600" b="1" dirty="0">
-                <a:latin typeface="gg sans"/>
-              </a:rPr>
-              <a:t> </a:t>
-            </a:r>
-            <a:r>
-              <a:rPr lang="fr-FR" sz="1600" b="1" i="0" dirty="0">
-                <a:effectLst/>
-                <a:latin typeface="gg sans"/>
-              </a:rPr>
-              <a:t>HD1143G</a:t>
-            </a:r>
-            <a:endParaRPr lang="fr-FR" sz="1600" b="1" dirty="0">
-              <a:latin typeface="Calibri"/>
-              <a:ea typeface="Calibri"/>
-              <a:cs typeface="Times New Roman"/>
-            </a:endParaRPr>
-          </a:p>
-        </p:txBody>
-      </p:sp>
-      <p:pic>
-        <p:nvPicPr>
-          <p:cNvPr id="5" name="Image 4">
-            <a:extLst>
-              <a:ext uri="{FF2B5EF4-FFF2-40B4-BE49-F238E27FC236}">
-                <a16:creationId xmlns:a16="http://schemas.microsoft.com/office/drawing/2014/main" id="{AAAC9C84-7E5D-277A-D65D-2BB3EA87B289}"/>
-              </a:ext>
-            </a:extLst>
-          </p:cNvPr>
-          <p:cNvPicPr>
-            <a:picLocks noChangeAspect="1"/>
-          </p:cNvPicPr>
-          <p:nvPr/>
-        </p:nvPicPr>
-        <p:blipFill>
-          <a:blip r:embed="rId8">
-            <a:extLst>
-              <a:ext uri="{28A0092B-C50C-407E-A947-70E740481C1C}">
-                <a14:useLocalDpi xmlns:a14="http://schemas.microsoft.com/office/drawing/2010/main" val="0"/>
-              </a:ext>
-            </a:extLst>
-          </a:blip>
-          <a:stretch>
-            <a:fillRect/>
-          </a:stretch>
-        </p:blipFill>
-        <p:spPr>
-          <a:xfrm>
-            <a:off x="0" y="4847379"/>
-            <a:ext cx="4951220" cy="823171"/>
-          </a:xfrm>
-          <a:prstGeom prst="rect">
-            <a:avLst/>
-          </a:prstGeom>
-        </p:spPr>
-      </p:pic>
-      <p:pic>
-        <p:nvPicPr>
-          <p:cNvPr id="11" name="Image 10" descr="Une image contenant bracelet&#10;&#10;Description générée automatiquement avec une confiance moyenne">
-            <a:extLst>
-              <a:ext uri="{FF2B5EF4-FFF2-40B4-BE49-F238E27FC236}">
-                <a16:creationId xmlns:a16="http://schemas.microsoft.com/office/drawing/2014/main" id="{085E9615-51E4-12AC-FC1B-48F478F4DADB}"/>
-              </a:ext>
-            </a:extLst>
-          </p:cNvPr>
-          <p:cNvPicPr>
-            <a:picLocks noChangeAspect="1"/>
-          </p:cNvPicPr>
-          <p:nvPr/>
-        </p:nvPicPr>
-        <p:blipFill>
-          <a:blip r:embed="rId9" cstate="print">
-            <a:extLst>
-              <a:ext uri="{28A0092B-C50C-407E-A947-70E740481C1C}">
-                <a14:useLocalDpi xmlns:a14="http://schemas.microsoft.com/office/drawing/2010/main" val="0"/>
-              </a:ext>
-            </a:extLst>
-          </a:blip>
-          <a:stretch>
-            <a:fillRect/>
-          </a:stretch>
-        </p:blipFill>
-        <p:spPr>
-          <a:xfrm>
-            <a:off x="2857285" y="3429018"/>
-            <a:ext cx="1313273" cy="1313273"/>
-          </a:xfrm>
-          <a:prstGeom prst="rect">
-            <a:avLst/>
-          </a:prstGeom>
-        </p:spPr>
-      </p:pic>
-      <p:sp>
-        <p:nvSpPr>
-          <p:cNvPr id="13" name="ZoneTexte 12">
-            <a:extLst>
-              <a:ext uri="{FF2B5EF4-FFF2-40B4-BE49-F238E27FC236}">
-                <a16:creationId xmlns:a16="http://schemas.microsoft.com/office/drawing/2014/main" id="{195DD28B-52E1-F9A4-14AB-B39BF5521394}"/>
-              </a:ext>
-            </a:extLst>
-          </p:cNvPr>
-          <p:cNvSpPr txBox="1"/>
-          <p:nvPr/>
-        </p:nvSpPr>
-        <p:spPr>
-          <a:xfrm>
-            <a:off x="1819427" y="3203138"/>
-            <a:ext cx="1826265" cy="372399"/>
-          </a:xfrm>
-          <a:prstGeom prst="rect">
-            <a:avLst/>
-          </a:prstGeom>
-          <a:noFill/>
-          <a:ln w="0">
-            <a:noFill/>
-          </a:ln>
-        </p:spPr>
-        <p:txBody>
-          <a:bodyPr lIns="0" tIns="0" rIns="0" bIns="0" anchor="ctr">
-            <a:noAutofit/>
-          </a:bodyPr>
-          <a:lstStyle/>
-          <a:p>
-            <a:pPr marL="342900" indent="-342900">
-              <a:buFont typeface="Arial" panose="020B0604020202020204" pitchFamily="34" charset="0"/>
-              <a:buChar char="•"/>
-            </a:pPr>
-            <a:r>
-              <a:rPr lang="fr-FR" sz="1600" b="1" dirty="0">
-                <a:latin typeface="Calibri"/>
-                <a:ea typeface="Calibri"/>
-                <a:cs typeface="Times New Roman"/>
-              </a:rPr>
-              <a:t>Ruban de </a:t>
-            </a:r>
-            <a:r>
-              <a:rPr lang="fr-FR" sz="1600" b="1" dirty="0" err="1">
-                <a:latin typeface="Calibri"/>
-                <a:ea typeface="Calibri"/>
-                <a:cs typeface="Times New Roman"/>
-              </a:rPr>
-              <a:t>LEDs</a:t>
-            </a:r>
-            <a:r>
-              <a:rPr lang="fr-FR" sz="1600" b="1">
-                <a:latin typeface="Calibri"/>
-                <a:ea typeface="Calibri"/>
-                <a:cs typeface="Times New Roman"/>
-              </a:rPr>
-              <a:t> -&gt; </a:t>
-            </a:r>
-            <a:endParaRPr lang="fr-FR" sz="1600" b="1" dirty="0">
-              <a:latin typeface="Calibri"/>
-              <a:ea typeface="Calibri"/>
-              <a:cs typeface="Times New Roman"/>
-            </a:endParaRPr>
-          </a:p>
-          <a:p>
-            <a:r>
-              <a:rPr lang="fr-FR" sz="1600" b="1" dirty="0">
-                <a:latin typeface="Calibri"/>
-                <a:ea typeface="Calibri"/>
-                <a:cs typeface="Times New Roman"/>
-              </a:rPr>
-              <a:t>       SK9822</a:t>
-            </a:r>
-          </a:p>
-        </p:txBody>
-      </p:sp>
-      <p:sp>
-        <p:nvSpPr>
-          <p:cNvPr id="9" name="ZoneTexte 8">
-            <a:extLst>
-              <a:ext uri="{FF2B5EF4-FFF2-40B4-BE49-F238E27FC236}">
-                <a16:creationId xmlns:a16="http://schemas.microsoft.com/office/drawing/2014/main" id="{AF3EC83D-912E-EBBC-C1B3-E2042F745BFC}"/>
-              </a:ext>
-            </a:extLst>
-          </p:cNvPr>
-          <p:cNvSpPr txBox="1"/>
-          <p:nvPr/>
-        </p:nvSpPr>
-        <p:spPr>
-          <a:xfrm>
-            <a:off x="146957" y="881743"/>
-            <a:ext cx="2928257" cy="369332"/>
-          </a:xfrm>
-          <a:prstGeom prst="rect">
-            <a:avLst/>
-          </a:prstGeom>
-          <a:noFill/>
-        </p:spPr>
-        <p:txBody>
-          <a:bodyPr wrap="square" rtlCol="0">
-            <a:spAutoFit/>
-          </a:bodyPr>
-          <a:lstStyle/>
-          <a:p>
-            <a:r>
-              <a:rPr lang="fr-FR" dirty="0"/>
-              <a:t>Commande réelle chez RS</a:t>
-            </a:r>
-          </a:p>
-        </p:txBody>
-      </p:sp>
     </p:spTree>
     <p:extLst>
       <p:ext uri="{BB962C8B-B14F-4D97-AF65-F5344CB8AC3E}">
-        <p14:creationId xmlns:p14="http://schemas.microsoft.com/office/powerpoint/2010/main" val="1226233218"/>
+        <p14:creationId xmlns:p14="http://schemas.microsoft.com/office/powerpoint/2010/main" val="281832651"/>
       </p:ext>
     </p:extLst>
   </p:cSld>
@@ -5834,6 +5134,110 @@
           <a:chExt cx="0" cy="0"/>
         </a:xfrm>
       </p:grpSpPr>
+      <p:sp>
+        <p:nvSpPr>
+          <p:cNvPr id="41" name="ZoneTexte 40"/>
+          <p:cNvSpPr txBox="1"/>
+          <p:nvPr/>
+        </p:nvSpPr>
+        <p:spPr>
+          <a:xfrm>
+            <a:off x="489889" y="1553308"/>
+            <a:ext cx="2465582" cy="473528"/>
+          </a:xfrm>
+          <a:prstGeom prst="rect">
+            <a:avLst/>
+          </a:prstGeom>
+          <a:noFill/>
+          <a:ln w="0">
+            <a:noFill/>
+          </a:ln>
+        </p:spPr>
+        <p:txBody>
+          <a:bodyPr lIns="0" tIns="0" rIns="0" bIns="0" anchor="ctr">
+            <a:noAutofit/>
+          </a:bodyPr>
+          <a:lstStyle/>
+          <a:p>
+            <a:pPr marL="342900" indent="-342900">
+              <a:buFont typeface="Arial" panose="020B0604020202020204" pitchFamily="34" charset="0"/>
+              <a:buChar char="•"/>
+            </a:pPr>
+            <a:r>
+              <a:rPr lang="fr-FR" sz="1600" b="1" dirty="0">
+                <a:latin typeface="Calibri"/>
+                <a:ea typeface="Calibri"/>
+                <a:cs typeface="Times New Roman"/>
+              </a:rPr>
+              <a:t>Alimentation: 5V et 3.3V  </a:t>
+            </a:r>
+          </a:p>
+          <a:p>
+            <a:r>
+              <a:rPr lang="fr-FR" sz="1600" b="1" dirty="0">
+                <a:latin typeface="Calibri"/>
+                <a:ea typeface="Calibri"/>
+                <a:cs typeface="Times New Roman"/>
+              </a:rPr>
+              <a:t>-&gt; </a:t>
+            </a:r>
+            <a:r>
+              <a:rPr lang="en-US" sz="1600" b="1" dirty="0">
+                <a:latin typeface="Calibri"/>
+                <a:ea typeface="Calibri"/>
+                <a:cs typeface="Times New Roman"/>
+              </a:rPr>
+              <a:t>MB102 </a:t>
+            </a:r>
+          </a:p>
+        </p:txBody>
+      </p:sp>
+      <p:sp>
+        <p:nvSpPr>
+          <p:cNvPr id="42" name="PlaceHolder 1"/>
+          <p:cNvSpPr>
+            <a:spLocks noGrp="1"/>
+          </p:cNvSpPr>
+          <p:nvPr>
+            <p:ph type="title"/>
+          </p:nvPr>
+        </p:nvSpPr>
+        <p:spPr>
+          <a:xfrm>
+            <a:off x="504492" y="201588"/>
+            <a:ext cx="9071640" cy="946440"/>
+          </a:xfrm>
+          <a:prstGeom prst="rect">
+            <a:avLst/>
+          </a:prstGeom>
+          <a:noFill/>
+          <a:ln w="0">
+            <a:noFill/>
+          </a:ln>
+        </p:spPr>
+        <p:txBody>
+          <a:bodyPr lIns="0" tIns="0" rIns="0" bIns="0" anchor="ctr">
+            <a:noAutofit/>
+          </a:bodyPr>
+          <a:lstStyle/>
+          <a:p>
+            <a:pPr algn="ctr"/>
+            <a:r>
+              <a:rPr lang="fr-FR" sz="4400" dirty="0"/>
+              <a:t>Choix des composants (2/2)</a:t>
+            </a:r>
+            <a:br>
+              <a:rPr lang="fr-FR" sz="4400" dirty="0"/>
+            </a:br>
+            <a:endParaRPr lang="en-US" sz="1800" b="0" strike="noStrike" spc="-1" dirty="0">
+              <a:solidFill>
+                <a:srgbClr val="000000"/>
+              </a:solidFill>
+              <a:latin typeface="Arial"/>
+            </a:endParaRPr>
+          </a:p>
+        </p:txBody>
+      </p:sp>
       <p:pic>
         <p:nvPicPr>
           <p:cNvPr id="2" name="Picture 2" descr="Polytech Tours - Polytech Tours, école d'ingénieurs">
@@ -5910,46 +5314,12 @@
           </a:p>
         </p:txBody>
       </p:sp>
-      <p:sp>
-        <p:nvSpPr>
-          <p:cNvPr id="6" name="Titre 1">
-            <a:extLst>
-              <a:ext uri="{FF2B5EF4-FFF2-40B4-BE49-F238E27FC236}">
-                <a16:creationId xmlns:a16="http://schemas.microsoft.com/office/drawing/2014/main" id="{E1154083-59E6-3072-317F-08A5596E5B8E}"/>
-              </a:ext>
-            </a:extLst>
-          </p:cNvPr>
-          <p:cNvSpPr>
-            <a:spLocks noGrp="1"/>
-          </p:cNvSpPr>
-          <p:nvPr>
-            <p:ph type="title"/>
-          </p:nvPr>
-        </p:nvSpPr>
-        <p:spPr>
-          <a:xfrm>
-            <a:off x="895063" y="553024"/>
-            <a:ext cx="5625553" cy="775996"/>
-          </a:xfrm>
-        </p:spPr>
-        <p:txBody>
-          <a:bodyPr/>
-          <a:lstStyle/>
-          <a:p>
-            <a:r>
-              <a:rPr lang="fr-FR" sz="3200" dirty="0"/>
-              <a:t>PIC24FJ64GA002</a:t>
-            </a:r>
-            <a:endParaRPr lang="fr-FR" dirty="0"/>
-          </a:p>
-        </p:txBody>
-      </p:sp>
       <p:pic>
         <p:nvPicPr>
-          <p:cNvPr id="7" name="Image 3" descr="Une image contenant table&#10;&#10;Description générée automatiquement">
-            <a:extLst>
-              <a:ext uri="{FF2B5EF4-FFF2-40B4-BE49-F238E27FC236}">
-                <a16:creationId xmlns:a16="http://schemas.microsoft.com/office/drawing/2014/main" id="{D019A83F-51D2-C2CE-2E29-0CB09ADD73F6}"/>
+          <p:cNvPr id="7" name="Image 6">
+            <a:extLst>
+              <a:ext uri="{FF2B5EF4-FFF2-40B4-BE49-F238E27FC236}">
+                <a16:creationId xmlns:a16="http://schemas.microsoft.com/office/drawing/2014/main" id="{64C7335A-B251-82AD-E539-C6F93A2BDC9B}"/>
               </a:ext>
             </a:extLst>
           </p:cNvPr>
@@ -5959,7 +5329,934 @@
           <p:nvPr/>
         </p:nvPicPr>
         <p:blipFill>
-          <a:blip r:embed="rId3"/>
+          <a:blip r:embed="rId3">
+            <a:extLst>
+              <a:ext uri="{28A0092B-C50C-407E-A947-70E740481C1C}">
+                <a14:useLocalDpi xmlns:a14="http://schemas.microsoft.com/office/drawing/2010/main" val="0"/>
+              </a:ext>
+            </a:extLst>
+          </a:blip>
+          <a:stretch>
+            <a:fillRect/>
+          </a:stretch>
+        </p:blipFill>
+        <p:spPr>
+          <a:xfrm>
+            <a:off x="389495" y="1909358"/>
+            <a:ext cx="1830493" cy="1619050"/>
+          </a:xfrm>
+          <a:prstGeom prst="rect">
+            <a:avLst/>
+          </a:prstGeom>
+        </p:spPr>
+      </p:pic>
+      <p:sp>
+        <p:nvSpPr>
+          <p:cNvPr id="4" name="ZoneTexte 3">
+            <a:extLst>
+              <a:ext uri="{FF2B5EF4-FFF2-40B4-BE49-F238E27FC236}">
+                <a16:creationId xmlns:a16="http://schemas.microsoft.com/office/drawing/2014/main" id="{D6AB959A-DCCA-DCB6-8B6A-CBC33CFD9DDA}"/>
+              </a:ext>
+            </a:extLst>
+          </p:cNvPr>
+          <p:cNvSpPr txBox="1"/>
+          <p:nvPr/>
+        </p:nvSpPr>
+        <p:spPr>
+          <a:xfrm>
+            <a:off x="5465871" y="3685204"/>
+            <a:ext cx="1155152" cy="344057"/>
+          </a:xfrm>
+          <a:prstGeom prst="rect">
+            <a:avLst/>
+          </a:prstGeom>
+          <a:noFill/>
+          <a:ln w="0">
+            <a:noFill/>
+          </a:ln>
+        </p:spPr>
+        <p:txBody>
+          <a:bodyPr lIns="0" tIns="0" rIns="0" bIns="0" anchor="ctr">
+            <a:noAutofit/>
+          </a:bodyPr>
+          <a:lstStyle/>
+          <a:p>
+            <a:pPr marL="342900" indent="-342900">
+              <a:buFont typeface="Arial" panose="020B0604020202020204" pitchFamily="34" charset="0"/>
+              <a:buChar char="•"/>
+            </a:pPr>
+            <a:r>
+              <a:rPr lang="fr-FR" sz="1600" b="1" dirty="0">
+                <a:latin typeface="Calibri"/>
+                <a:ea typeface="Calibri"/>
+                <a:cs typeface="Times New Roman"/>
+              </a:rPr>
+              <a:t>LED RGB</a:t>
+            </a:r>
+            <a:endParaRPr lang="en-US" sz="1600" b="0" strike="noStrike" spc="-1" dirty="0">
+              <a:solidFill>
+                <a:srgbClr val="000000"/>
+              </a:solidFill>
+              <a:latin typeface="Arial"/>
+            </a:endParaRPr>
+          </a:p>
+        </p:txBody>
+      </p:sp>
+      <p:pic>
+        <p:nvPicPr>
+          <p:cNvPr id="6" name="Image 5">
+            <a:extLst>
+              <a:ext uri="{FF2B5EF4-FFF2-40B4-BE49-F238E27FC236}">
+                <a16:creationId xmlns:a16="http://schemas.microsoft.com/office/drawing/2014/main" id="{2FE7EFF5-E61E-A379-58DC-2B660B19D244}"/>
+              </a:ext>
+            </a:extLst>
+          </p:cNvPr>
+          <p:cNvPicPr>
+            <a:picLocks noChangeAspect="1"/>
+          </p:cNvPicPr>
+          <p:nvPr/>
+        </p:nvPicPr>
+        <p:blipFill>
+          <a:blip r:embed="rId4">
+            <a:extLst>
+              <a:ext uri="{28A0092B-C50C-407E-A947-70E740481C1C}">
+                <a14:useLocalDpi xmlns:a14="http://schemas.microsoft.com/office/drawing/2010/main" val="0"/>
+              </a:ext>
+            </a:extLst>
+          </a:blip>
+          <a:stretch>
+            <a:fillRect/>
+          </a:stretch>
+        </p:blipFill>
+        <p:spPr>
+          <a:xfrm>
+            <a:off x="3744415" y="2066742"/>
+            <a:ext cx="1658790" cy="1257188"/>
+          </a:xfrm>
+          <a:prstGeom prst="rect">
+            <a:avLst/>
+          </a:prstGeom>
+        </p:spPr>
+      </p:pic>
+      <p:sp>
+        <p:nvSpPr>
+          <p:cNvPr id="8" name="ZoneTexte 7">
+            <a:extLst>
+              <a:ext uri="{FF2B5EF4-FFF2-40B4-BE49-F238E27FC236}">
+                <a16:creationId xmlns:a16="http://schemas.microsoft.com/office/drawing/2014/main" id="{73AB9138-85CE-2091-322D-AAD503737C81}"/>
+              </a:ext>
+            </a:extLst>
+          </p:cNvPr>
+          <p:cNvSpPr txBox="1"/>
+          <p:nvPr/>
+        </p:nvSpPr>
+        <p:spPr>
+          <a:xfrm>
+            <a:off x="3670651" y="1756699"/>
+            <a:ext cx="1546118" cy="372399"/>
+          </a:xfrm>
+          <a:prstGeom prst="rect">
+            <a:avLst/>
+          </a:prstGeom>
+          <a:noFill/>
+          <a:ln w="0">
+            <a:noFill/>
+          </a:ln>
+        </p:spPr>
+        <p:txBody>
+          <a:bodyPr lIns="0" tIns="0" rIns="0" bIns="0" anchor="ctr">
+            <a:noAutofit/>
+          </a:bodyPr>
+          <a:lstStyle/>
+          <a:p>
+            <a:pPr marL="342900" indent="-342900">
+              <a:buFont typeface="Arial" panose="020B0604020202020204" pitchFamily="34" charset="0"/>
+              <a:buChar char="•"/>
+            </a:pPr>
+            <a:r>
+              <a:rPr lang="fr-FR" sz="1600" b="1" dirty="0">
+                <a:latin typeface="Calibri"/>
+                <a:ea typeface="Calibri"/>
+                <a:cs typeface="Times New Roman"/>
+              </a:rPr>
+              <a:t>7 segments -&gt; HD1143G</a:t>
+            </a:r>
+          </a:p>
+        </p:txBody>
+      </p:sp>
+      <p:pic>
+        <p:nvPicPr>
+          <p:cNvPr id="10" name="Image 9">
+            <a:extLst>
+              <a:ext uri="{FF2B5EF4-FFF2-40B4-BE49-F238E27FC236}">
+                <a16:creationId xmlns:a16="http://schemas.microsoft.com/office/drawing/2014/main" id="{70F02FFB-FC63-9D6F-A8D8-4E345FDEADDC}"/>
+              </a:ext>
+            </a:extLst>
+          </p:cNvPr>
+          <p:cNvPicPr>
+            <a:picLocks noChangeAspect="1"/>
+          </p:cNvPicPr>
+          <p:nvPr/>
+        </p:nvPicPr>
+        <p:blipFill>
+          <a:blip r:embed="rId5">
+            <a:extLst>
+              <a:ext uri="{28A0092B-C50C-407E-A947-70E740481C1C}">
+                <a14:useLocalDpi xmlns:a14="http://schemas.microsoft.com/office/drawing/2010/main" val="0"/>
+              </a:ext>
+            </a:extLst>
+          </a:blip>
+          <a:stretch>
+            <a:fillRect/>
+          </a:stretch>
+        </p:blipFill>
+        <p:spPr>
+          <a:xfrm>
+            <a:off x="5811188" y="4051942"/>
+            <a:ext cx="464519" cy="1225816"/>
+          </a:xfrm>
+          <a:prstGeom prst="rect">
+            <a:avLst/>
+          </a:prstGeom>
+        </p:spPr>
+      </p:pic>
+      <p:sp>
+        <p:nvSpPr>
+          <p:cNvPr id="14" name="ZoneTexte 13">
+            <a:extLst>
+              <a:ext uri="{FF2B5EF4-FFF2-40B4-BE49-F238E27FC236}">
+                <a16:creationId xmlns:a16="http://schemas.microsoft.com/office/drawing/2014/main" id="{F2E03571-37C1-5064-A271-A1D7E31F6F3D}"/>
+              </a:ext>
+            </a:extLst>
+          </p:cNvPr>
+          <p:cNvSpPr txBox="1"/>
+          <p:nvPr/>
+        </p:nvSpPr>
+        <p:spPr>
+          <a:xfrm>
+            <a:off x="1715770" y="3875600"/>
+            <a:ext cx="2125409" cy="603092"/>
+          </a:xfrm>
+          <a:prstGeom prst="rect">
+            <a:avLst/>
+          </a:prstGeom>
+          <a:noFill/>
+          <a:ln w="0">
+            <a:noFill/>
+          </a:ln>
+        </p:spPr>
+        <p:txBody>
+          <a:bodyPr lIns="0" tIns="0" rIns="0" bIns="0" anchor="ctr">
+            <a:noAutofit/>
+          </a:bodyPr>
+          <a:lstStyle/>
+          <a:p>
+            <a:endParaRPr lang="fr-FR" sz="1600" b="1" dirty="0">
+              <a:latin typeface="Calibri"/>
+              <a:ea typeface="Calibri"/>
+              <a:cs typeface="Times New Roman"/>
+            </a:endParaRPr>
+          </a:p>
+        </p:txBody>
+      </p:sp>
+      <p:pic>
+        <p:nvPicPr>
+          <p:cNvPr id="16" name="Image 15">
+            <a:extLst>
+              <a:ext uri="{FF2B5EF4-FFF2-40B4-BE49-F238E27FC236}">
+                <a16:creationId xmlns:a16="http://schemas.microsoft.com/office/drawing/2014/main" id="{9C8C22AA-6FCD-649B-70DB-EC1111154E98}"/>
+              </a:ext>
+            </a:extLst>
+          </p:cNvPr>
+          <p:cNvPicPr>
+            <a:picLocks noChangeAspect="1"/>
+          </p:cNvPicPr>
+          <p:nvPr/>
+        </p:nvPicPr>
+        <p:blipFill>
+          <a:blip r:embed="rId6" cstate="print">
+            <a:extLst>
+              <a:ext uri="{28A0092B-C50C-407E-A947-70E740481C1C}">
+                <a14:useLocalDpi xmlns:a14="http://schemas.microsoft.com/office/drawing/2010/main" val="0"/>
+              </a:ext>
+            </a:extLst>
+          </a:blip>
+          <a:stretch>
+            <a:fillRect/>
+          </a:stretch>
+        </p:blipFill>
+        <p:spPr>
+          <a:xfrm>
+            <a:off x="5812289" y="1646008"/>
+            <a:ext cx="1431245" cy="1431245"/>
+          </a:xfrm>
+          <a:prstGeom prst="rect">
+            <a:avLst/>
+          </a:prstGeom>
+        </p:spPr>
+      </p:pic>
+      <p:sp>
+        <p:nvSpPr>
+          <p:cNvPr id="17" name="ZoneTexte 16">
+            <a:extLst>
+              <a:ext uri="{FF2B5EF4-FFF2-40B4-BE49-F238E27FC236}">
+                <a16:creationId xmlns:a16="http://schemas.microsoft.com/office/drawing/2014/main" id="{A4D4BFC7-4C11-0DAA-3F92-27A3A153A8AD}"/>
+              </a:ext>
+            </a:extLst>
+          </p:cNvPr>
+          <p:cNvSpPr txBox="1"/>
+          <p:nvPr/>
+        </p:nvSpPr>
+        <p:spPr>
+          <a:xfrm>
+            <a:off x="5800862" y="1386501"/>
+            <a:ext cx="1431246" cy="519015"/>
+          </a:xfrm>
+          <a:prstGeom prst="rect">
+            <a:avLst/>
+          </a:prstGeom>
+          <a:noFill/>
+          <a:ln w="0">
+            <a:noFill/>
+          </a:ln>
+        </p:spPr>
+        <p:txBody>
+          <a:bodyPr lIns="0" tIns="0" rIns="0" bIns="0" anchor="ctr">
+            <a:noAutofit/>
+          </a:bodyPr>
+          <a:lstStyle/>
+          <a:p>
+            <a:pPr marL="342900" indent="-342900">
+              <a:buFont typeface="Arial" panose="020B0604020202020204" pitchFamily="34" charset="0"/>
+              <a:buChar char="•"/>
+            </a:pPr>
+            <a:r>
+              <a:rPr lang="fr-FR" sz="1600" b="1" dirty="0" err="1">
+                <a:latin typeface="Calibri"/>
+                <a:ea typeface="Calibri"/>
+                <a:cs typeface="Times New Roman"/>
+              </a:rPr>
+              <a:t>Expander</a:t>
+            </a:r>
+            <a:r>
+              <a:rPr lang="fr-FR" sz="1600" b="1" dirty="0">
+                <a:latin typeface="Calibri"/>
+                <a:ea typeface="Calibri"/>
+                <a:cs typeface="Times New Roman"/>
+              </a:rPr>
+              <a:t> -&gt; MCP23017</a:t>
+            </a:r>
+          </a:p>
+        </p:txBody>
+      </p:sp>
+      <p:pic>
+        <p:nvPicPr>
+          <p:cNvPr id="19" name="Image 18">
+            <a:extLst>
+              <a:ext uri="{FF2B5EF4-FFF2-40B4-BE49-F238E27FC236}">
+                <a16:creationId xmlns:a16="http://schemas.microsoft.com/office/drawing/2014/main" id="{045FF819-757D-CE8C-18B7-71C4B1E1FD83}"/>
+              </a:ext>
+            </a:extLst>
+          </p:cNvPr>
+          <p:cNvPicPr>
+            <a:picLocks noChangeAspect="1"/>
+          </p:cNvPicPr>
+          <p:nvPr/>
+        </p:nvPicPr>
+        <p:blipFill>
+          <a:blip r:embed="rId7" cstate="print">
+            <a:extLst>
+              <a:ext uri="{28A0092B-C50C-407E-A947-70E740481C1C}">
+                <a14:useLocalDpi xmlns:a14="http://schemas.microsoft.com/office/drawing/2010/main" val="0"/>
+              </a:ext>
+            </a:extLst>
+          </a:blip>
+          <a:stretch>
+            <a:fillRect/>
+          </a:stretch>
+        </p:blipFill>
+        <p:spPr>
+          <a:xfrm>
+            <a:off x="7426917" y="2387189"/>
+            <a:ext cx="1970088" cy="1970088"/>
+          </a:xfrm>
+          <a:prstGeom prst="rect">
+            <a:avLst/>
+          </a:prstGeom>
+        </p:spPr>
+      </p:pic>
+      <p:sp>
+        <p:nvSpPr>
+          <p:cNvPr id="20" name="ZoneTexte 19">
+            <a:extLst>
+              <a:ext uri="{FF2B5EF4-FFF2-40B4-BE49-F238E27FC236}">
+                <a16:creationId xmlns:a16="http://schemas.microsoft.com/office/drawing/2014/main" id="{02F2DAC9-5330-EEAE-695F-9B844513D565}"/>
+              </a:ext>
+            </a:extLst>
+          </p:cNvPr>
+          <p:cNvSpPr txBox="1"/>
+          <p:nvPr/>
+        </p:nvSpPr>
+        <p:spPr>
+          <a:xfrm>
+            <a:off x="7557697" y="2430278"/>
+            <a:ext cx="1431246" cy="519015"/>
+          </a:xfrm>
+          <a:prstGeom prst="rect">
+            <a:avLst/>
+          </a:prstGeom>
+          <a:noFill/>
+          <a:ln w="0">
+            <a:noFill/>
+          </a:ln>
+        </p:spPr>
+        <p:txBody>
+          <a:bodyPr lIns="0" tIns="0" rIns="0" bIns="0" anchor="ctr">
+            <a:noAutofit/>
+          </a:bodyPr>
+          <a:lstStyle/>
+          <a:p>
+            <a:pPr marL="342900" indent="-342900">
+              <a:buFont typeface="Arial" panose="020B0604020202020204" pitchFamily="34" charset="0"/>
+              <a:buChar char="•"/>
+            </a:pPr>
+            <a:r>
+              <a:rPr lang="fr-FR" sz="1600" b="1" dirty="0">
+                <a:latin typeface="Calibri"/>
+                <a:ea typeface="Calibri"/>
+                <a:cs typeface="Times New Roman"/>
+              </a:rPr>
+              <a:t>Ecran LCD -&gt;</a:t>
+            </a:r>
+          </a:p>
+          <a:p>
+            <a:pPr algn="ctr"/>
+            <a:r>
+              <a:rPr lang="fr-FR" sz="1600" b="1" dirty="0">
+                <a:latin typeface="gg sans"/>
+              </a:rPr>
+              <a:t> </a:t>
+            </a:r>
+            <a:r>
+              <a:rPr lang="fr-FR" sz="1600" b="1" i="0" dirty="0">
+                <a:effectLst/>
+                <a:latin typeface="gg sans"/>
+              </a:rPr>
+              <a:t>HD1143G</a:t>
+            </a:r>
+            <a:endParaRPr lang="fr-FR" sz="1600" b="1" dirty="0">
+              <a:latin typeface="Calibri"/>
+              <a:ea typeface="Calibri"/>
+              <a:cs typeface="Times New Roman"/>
+            </a:endParaRPr>
+          </a:p>
+        </p:txBody>
+      </p:sp>
+      <p:pic>
+        <p:nvPicPr>
+          <p:cNvPr id="5" name="Image 4">
+            <a:extLst>
+              <a:ext uri="{FF2B5EF4-FFF2-40B4-BE49-F238E27FC236}">
+                <a16:creationId xmlns:a16="http://schemas.microsoft.com/office/drawing/2014/main" id="{AAAC9C84-7E5D-277A-D65D-2BB3EA87B289}"/>
+              </a:ext>
+            </a:extLst>
+          </p:cNvPr>
+          <p:cNvPicPr>
+            <a:picLocks noChangeAspect="1"/>
+          </p:cNvPicPr>
+          <p:nvPr/>
+        </p:nvPicPr>
+        <p:blipFill>
+          <a:blip r:embed="rId8">
+            <a:extLst>
+              <a:ext uri="{28A0092B-C50C-407E-A947-70E740481C1C}">
+                <a14:useLocalDpi xmlns:a14="http://schemas.microsoft.com/office/drawing/2010/main" val="0"/>
+              </a:ext>
+            </a:extLst>
+          </a:blip>
+          <a:stretch>
+            <a:fillRect/>
+          </a:stretch>
+        </p:blipFill>
+        <p:spPr>
+          <a:xfrm>
+            <a:off x="0" y="4847379"/>
+            <a:ext cx="4951220" cy="823171"/>
+          </a:xfrm>
+          <a:prstGeom prst="rect">
+            <a:avLst/>
+          </a:prstGeom>
+        </p:spPr>
+      </p:pic>
+      <p:sp>
+        <p:nvSpPr>
+          <p:cNvPr id="13" name="ZoneTexte 12">
+            <a:extLst>
+              <a:ext uri="{FF2B5EF4-FFF2-40B4-BE49-F238E27FC236}">
+                <a16:creationId xmlns:a16="http://schemas.microsoft.com/office/drawing/2014/main" id="{195DD28B-52E1-F9A4-14AB-B39BF5521394}"/>
+              </a:ext>
+            </a:extLst>
+          </p:cNvPr>
+          <p:cNvSpPr txBox="1"/>
+          <p:nvPr/>
+        </p:nvSpPr>
+        <p:spPr>
+          <a:xfrm>
+            <a:off x="1819427" y="3203138"/>
+            <a:ext cx="1826265" cy="372399"/>
+          </a:xfrm>
+          <a:prstGeom prst="rect">
+            <a:avLst/>
+          </a:prstGeom>
+          <a:noFill/>
+          <a:ln w="0">
+            <a:noFill/>
+          </a:ln>
+        </p:spPr>
+        <p:txBody>
+          <a:bodyPr lIns="0" tIns="0" rIns="0" bIns="0" anchor="ctr">
+            <a:noAutofit/>
+          </a:bodyPr>
+          <a:lstStyle/>
+          <a:p>
+            <a:pPr marL="342900" indent="-342900">
+              <a:buFont typeface="Arial" panose="020B0604020202020204" pitchFamily="34" charset="0"/>
+              <a:buChar char="•"/>
+            </a:pPr>
+            <a:r>
+              <a:rPr lang="fr-FR" sz="1600" b="1" dirty="0">
+                <a:latin typeface="Calibri"/>
+                <a:ea typeface="Calibri"/>
+                <a:cs typeface="Times New Roman"/>
+              </a:rPr>
+              <a:t>Ruban de </a:t>
+            </a:r>
+            <a:r>
+              <a:rPr lang="fr-FR" sz="1600" b="1" dirty="0" err="1">
+                <a:latin typeface="Calibri"/>
+                <a:ea typeface="Calibri"/>
+                <a:cs typeface="Times New Roman"/>
+              </a:rPr>
+              <a:t>LEDs</a:t>
+            </a:r>
+            <a:r>
+              <a:rPr lang="fr-FR" sz="1600" b="1">
+                <a:latin typeface="Calibri"/>
+                <a:ea typeface="Calibri"/>
+                <a:cs typeface="Times New Roman"/>
+              </a:rPr>
+              <a:t> -&gt; </a:t>
+            </a:r>
+            <a:endParaRPr lang="fr-FR" sz="1600" b="1" dirty="0">
+              <a:latin typeface="Calibri"/>
+              <a:ea typeface="Calibri"/>
+              <a:cs typeface="Times New Roman"/>
+            </a:endParaRPr>
+          </a:p>
+          <a:p>
+            <a:r>
+              <a:rPr lang="fr-FR" sz="1600" b="1" dirty="0">
+                <a:latin typeface="Calibri"/>
+                <a:ea typeface="Calibri"/>
+                <a:cs typeface="Times New Roman"/>
+              </a:rPr>
+              <a:t>       SK9822</a:t>
+            </a:r>
+          </a:p>
+        </p:txBody>
+      </p:sp>
+      <p:sp>
+        <p:nvSpPr>
+          <p:cNvPr id="9" name="ZoneTexte 8">
+            <a:extLst>
+              <a:ext uri="{FF2B5EF4-FFF2-40B4-BE49-F238E27FC236}">
+                <a16:creationId xmlns:a16="http://schemas.microsoft.com/office/drawing/2014/main" id="{AF3EC83D-912E-EBBC-C1B3-E2042F745BFC}"/>
+              </a:ext>
+            </a:extLst>
+          </p:cNvPr>
+          <p:cNvSpPr txBox="1"/>
+          <p:nvPr/>
+        </p:nvSpPr>
+        <p:spPr>
+          <a:xfrm>
+            <a:off x="146957" y="881743"/>
+            <a:ext cx="2928257" cy="369332"/>
+          </a:xfrm>
+          <a:prstGeom prst="rect">
+            <a:avLst/>
+          </a:prstGeom>
+          <a:noFill/>
+        </p:spPr>
+        <p:txBody>
+          <a:bodyPr wrap="square" rtlCol="0">
+            <a:spAutoFit/>
+          </a:bodyPr>
+          <a:lstStyle/>
+          <a:p>
+            <a:r>
+              <a:rPr lang="fr-FR" dirty="0"/>
+              <a:t>Commande réelle chez RS</a:t>
+            </a:r>
+          </a:p>
+        </p:txBody>
+      </p:sp>
+      <p:pic>
+        <p:nvPicPr>
+          <p:cNvPr id="15" name="Image 14">
+            <a:extLst>
+              <a:ext uri="{FF2B5EF4-FFF2-40B4-BE49-F238E27FC236}">
+                <a16:creationId xmlns:a16="http://schemas.microsoft.com/office/drawing/2014/main" id="{7F51FD21-648C-30A5-3430-617D55CFF864}"/>
+              </a:ext>
+            </a:extLst>
+          </p:cNvPr>
+          <p:cNvPicPr>
+            <a:picLocks noChangeAspect="1"/>
+          </p:cNvPicPr>
+          <p:nvPr/>
+        </p:nvPicPr>
+        <p:blipFill>
+          <a:blip r:embed="rId9">
+            <a:extLst>
+              <a:ext uri="{28A0092B-C50C-407E-A947-70E740481C1C}">
+                <a14:useLocalDpi xmlns:a14="http://schemas.microsoft.com/office/drawing/2010/main" val="0"/>
+              </a:ext>
+            </a:extLst>
+          </a:blip>
+          <a:stretch>
+            <a:fillRect/>
+          </a:stretch>
+        </p:blipFill>
+        <p:spPr>
+          <a:xfrm>
+            <a:off x="2094473" y="3232827"/>
+            <a:ext cx="1613060" cy="1628065"/>
+          </a:xfrm>
+          <a:prstGeom prst="rect">
+            <a:avLst/>
+          </a:prstGeom>
+        </p:spPr>
+      </p:pic>
+    </p:spTree>
+    <p:extLst>
+      <p:ext uri="{BB962C8B-B14F-4D97-AF65-F5344CB8AC3E}">
+        <p14:creationId xmlns:p14="http://schemas.microsoft.com/office/powerpoint/2010/main" val="1226233218"/>
+      </p:ext>
+    </p:extLst>
+  </p:cSld>
+  <p:clrMapOvr>
+    <a:masterClrMapping/>
+  </p:clrMapOvr>
+</p:sld>
+</file>
+
+<file path=ppt/slides/slide15.xml><?xml version="1.0" encoding="utf-8"?>
+<p:sld xmlns:a="http://schemas.openxmlformats.org/drawingml/2006/main" xmlns:r="http://schemas.openxmlformats.org/officeDocument/2006/relationships" xmlns:p="http://schemas.openxmlformats.org/presentationml/2006/main">
+  <p:cSld>
+    <p:spTree>
+      <p:nvGrpSpPr>
+        <p:cNvPr id="1" name=""/>
+        <p:cNvGrpSpPr/>
+        <p:nvPr/>
+      </p:nvGrpSpPr>
+      <p:grpSpPr>
+        <a:xfrm>
+          <a:off x="0" y="0"/>
+          <a:ext cx="0" cy="0"/>
+          <a:chOff x="0" y="0"/>
+          <a:chExt cx="0" cy="0"/>
+        </a:xfrm>
+      </p:grpSpPr>
+      <p:pic>
+        <p:nvPicPr>
+          <p:cNvPr id="2" name="Picture 2" descr="Polytech Tours - Polytech Tours, école d'ingénieurs">
+            <a:extLst>
+              <a:ext uri="{FF2B5EF4-FFF2-40B4-BE49-F238E27FC236}">
+                <a16:creationId xmlns:a16="http://schemas.microsoft.com/office/drawing/2014/main" id="{009710E4-4286-CDDE-E7EB-109C9DDAB24F}"/>
+              </a:ext>
+            </a:extLst>
+          </p:cNvPr>
+          <p:cNvPicPr>
+            <a:picLocks noChangeAspect="1" noChangeArrowheads="1"/>
+          </p:cNvPicPr>
+          <p:nvPr/>
+        </p:nvPicPr>
+        <p:blipFill>
+          <a:blip r:embed="rId2" cstate="print">
+            <a:extLst>
+              <a:ext uri="{28A0092B-C50C-407E-A947-70E740481C1C}">
+                <a14:useLocalDpi xmlns:a14="http://schemas.microsoft.com/office/drawing/2010/main" val="0"/>
+              </a:ext>
+            </a:extLst>
+          </a:blip>
+          <a:srcRect/>
+          <a:stretch>
+            <a:fillRect/>
+          </a:stretch>
+        </p:blipFill>
+        <p:spPr bwMode="auto">
+          <a:xfrm>
+            <a:off x="0" y="4852645"/>
+            <a:ext cx="3985897" cy="817905"/>
+          </a:xfrm>
+          <a:prstGeom prst="rect">
+            <a:avLst/>
+          </a:prstGeom>
+          <a:noFill/>
+          <a:extLst>
+            <a:ext uri="{909E8E84-426E-40DD-AFC4-6F175D3DCCD1}">
+              <a14:hiddenFill xmlns:a14="http://schemas.microsoft.com/office/drawing/2010/main">
+                <a:solidFill>
+                  <a:srgbClr val="FFFFFF"/>
+                </a:solidFill>
+              </a14:hiddenFill>
+            </a:ext>
+          </a:extLst>
+        </p:spPr>
+      </p:pic>
+      <p:sp>
+        <p:nvSpPr>
+          <p:cNvPr id="3" name="Espace réservé du numéro de diapositive 2">
+            <a:extLst>
+              <a:ext uri="{FF2B5EF4-FFF2-40B4-BE49-F238E27FC236}">
+                <a16:creationId xmlns:a16="http://schemas.microsoft.com/office/drawing/2014/main" id="{FAF3CFF4-FC6E-8119-4D39-629CA185EBE3}"/>
+              </a:ext>
+            </a:extLst>
+          </p:cNvPr>
+          <p:cNvSpPr>
+            <a:spLocks noGrp="1"/>
+          </p:cNvSpPr>
+          <p:nvPr>
+            <p:ph type="sldNum" idx="3"/>
+          </p:nvPr>
+        </p:nvSpPr>
+        <p:spPr/>
+        <p:txBody>
+          <a:bodyPr/>
+          <a:lstStyle/>
+          <a:p>
+            <a:fld id="{74A1DB29-52D7-44FB-91A6-D4FF9B58DED1}" type="slidenum">
+              <a:rPr lang="fr-FR" smtClean="0"/>
+              <a:t>15</a:t>
+            </a:fld>
+            <a:endParaRPr lang="fr-FR"/>
+          </a:p>
+        </p:txBody>
+      </p:sp>
+      <p:sp>
+        <p:nvSpPr>
+          <p:cNvPr id="6" name="Titre 1">
+            <a:extLst>
+              <a:ext uri="{FF2B5EF4-FFF2-40B4-BE49-F238E27FC236}">
+                <a16:creationId xmlns:a16="http://schemas.microsoft.com/office/drawing/2014/main" id="{E1154083-59E6-3072-317F-08A5596E5B8E}"/>
+              </a:ext>
+            </a:extLst>
+          </p:cNvPr>
+          <p:cNvSpPr>
+            <a:spLocks noGrp="1"/>
+          </p:cNvSpPr>
+          <p:nvPr>
+            <p:ph type="title"/>
+          </p:nvPr>
+        </p:nvSpPr>
+        <p:spPr>
+          <a:xfrm>
+            <a:off x="895063" y="553024"/>
+            <a:ext cx="5625553" cy="775996"/>
+          </a:xfrm>
+        </p:spPr>
+        <p:txBody>
+          <a:bodyPr/>
+          <a:lstStyle/>
+          <a:p>
+            <a:r>
+              <a:rPr lang="fr-FR" sz="3200" dirty="0"/>
+              <a:t>PIC24FJ64GA002</a:t>
+            </a:r>
+            <a:endParaRPr lang="fr-FR" dirty="0"/>
+          </a:p>
+        </p:txBody>
+      </p:sp>
+      <p:pic>
+        <p:nvPicPr>
+          <p:cNvPr id="10" name="Image 9">
+            <a:extLst>
+              <a:ext uri="{FF2B5EF4-FFF2-40B4-BE49-F238E27FC236}">
+                <a16:creationId xmlns:a16="http://schemas.microsoft.com/office/drawing/2014/main" id="{353E23B0-DDE4-AB8D-398C-40A2956D2FEE}"/>
+              </a:ext>
+            </a:extLst>
+          </p:cNvPr>
+          <p:cNvPicPr>
+            <a:picLocks noChangeAspect="1"/>
+          </p:cNvPicPr>
+          <p:nvPr/>
+        </p:nvPicPr>
+        <p:blipFill>
+          <a:blip r:embed="rId3">
+            <a:extLst>
+              <a:ext uri="{28A0092B-C50C-407E-A947-70E740481C1C}">
+                <a14:useLocalDpi xmlns:a14="http://schemas.microsoft.com/office/drawing/2010/main" val="0"/>
+              </a:ext>
+            </a:extLst>
+          </a:blip>
+          <a:stretch>
+            <a:fillRect/>
+          </a:stretch>
+        </p:blipFill>
+        <p:spPr>
+          <a:xfrm>
+            <a:off x="6520616" y="1258379"/>
+            <a:ext cx="2876997" cy="1576896"/>
+          </a:xfrm>
+          <a:prstGeom prst="rect">
+            <a:avLst/>
+          </a:prstGeom>
+        </p:spPr>
+      </p:pic>
+      <p:pic>
+        <p:nvPicPr>
+          <p:cNvPr id="4" name="Image 3">
+            <a:extLst>
+              <a:ext uri="{FF2B5EF4-FFF2-40B4-BE49-F238E27FC236}">
+                <a16:creationId xmlns:a16="http://schemas.microsoft.com/office/drawing/2014/main" id="{CD4A293F-84A0-798E-CD86-91DA0E5F0CC7}"/>
+              </a:ext>
+            </a:extLst>
+          </p:cNvPr>
+          <p:cNvPicPr>
+            <a:picLocks noChangeAspect="1"/>
+          </p:cNvPicPr>
+          <p:nvPr/>
+        </p:nvPicPr>
+        <p:blipFill>
+          <a:blip r:embed="rId4">
+            <a:extLst>
+              <a:ext uri="{28A0092B-C50C-407E-A947-70E740481C1C}">
+                <a14:useLocalDpi xmlns:a14="http://schemas.microsoft.com/office/drawing/2010/main" val="0"/>
+              </a:ext>
+            </a:extLst>
+          </a:blip>
+          <a:stretch>
+            <a:fillRect/>
+          </a:stretch>
+        </p:blipFill>
+        <p:spPr>
+          <a:xfrm>
+            <a:off x="0" y="4847379"/>
+            <a:ext cx="4951220" cy="823171"/>
+          </a:xfrm>
+          <a:prstGeom prst="rect">
+            <a:avLst/>
+          </a:prstGeom>
+        </p:spPr>
+      </p:pic>
+      <p:sp>
+        <p:nvSpPr>
+          <p:cNvPr id="5" name="ZoneTexte 4">
+            <a:extLst>
+              <a:ext uri="{FF2B5EF4-FFF2-40B4-BE49-F238E27FC236}">
+                <a16:creationId xmlns:a16="http://schemas.microsoft.com/office/drawing/2014/main" id="{B99EC902-71D5-B17C-D2B5-05CB02981B29}"/>
+              </a:ext>
+            </a:extLst>
+          </p:cNvPr>
+          <p:cNvSpPr txBox="1"/>
+          <p:nvPr/>
+        </p:nvSpPr>
+        <p:spPr>
+          <a:xfrm>
+            <a:off x="334735" y="1782082"/>
+            <a:ext cx="5045035" cy="1477328"/>
+          </a:xfrm>
+          <a:prstGeom prst="rect">
+            <a:avLst/>
+          </a:prstGeom>
+          <a:noFill/>
+        </p:spPr>
+        <p:txBody>
+          <a:bodyPr wrap="none" rtlCol="0">
+            <a:spAutoFit/>
+          </a:bodyPr>
+          <a:lstStyle/>
+          <a:p>
+            <a:pPr marL="342900" indent="-342900" algn="l">
+              <a:buFont typeface="Arial" panose="020B0604020202020204" pitchFamily="34" charset="0"/>
+              <a:buChar char="•"/>
+            </a:pPr>
+            <a:r>
+              <a:rPr lang="fr-FR" sz="1800" b="1" dirty="0">
+                <a:latin typeface="Calibri"/>
+                <a:ea typeface="Calibri"/>
+                <a:cs typeface="Times New Roman"/>
+              </a:rPr>
+              <a:t>Nombre de broches : 28 broches (26, 2 cassées)</a:t>
+            </a:r>
+          </a:p>
+          <a:p>
+            <a:pPr marL="342900" indent="-342900" algn="l">
+              <a:buFont typeface="Arial" panose="020B0604020202020204" pitchFamily="34" charset="0"/>
+              <a:buChar char="•"/>
+            </a:pPr>
+            <a:r>
+              <a:rPr lang="fr-FR" sz="1800" b="1" dirty="0">
+                <a:latin typeface="Calibri"/>
+                <a:ea typeface="Calibri"/>
+                <a:cs typeface="Times New Roman"/>
+              </a:rPr>
+              <a:t>Nb E/S analogiques : 10 bits (16 max)</a:t>
+            </a:r>
+          </a:p>
+          <a:p>
+            <a:pPr marL="342900" indent="-342900" algn="l">
+              <a:buFont typeface="Arial" panose="020B0604020202020204" pitchFamily="34" charset="0"/>
+              <a:buChar char="•"/>
+            </a:pPr>
+            <a:r>
+              <a:rPr lang="fr-FR" sz="1800" b="1" dirty="0">
+                <a:latin typeface="Calibri"/>
+                <a:ea typeface="Calibri"/>
+                <a:cs typeface="Times New Roman"/>
+              </a:rPr>
+              <a:t>Nb d'interfaces série : 1 x UART, 2 x SPI, 2 x I2C</a:t>
+            </a:r>
+          </a:p>
+          <a:p>
+            <a:pPr marL="342900" indent="-342900" algn="l">
+              <a:buFont typeface="Arial" panose="020B0604020202020204" pitchFamily="34" charset="0"/>
+              <a:buChar char="•"/>
+            </a:pPr>
+            <a:r>
+              <a:rPr lang="fr-FR" sz="1800" b="1" dirty="0">
+                <a:latin typeface="Calibri"/>
+                <a:ea typeface="Calibri"/>
+                <a:cs typeface="Calibri"/>
+              </a:rPr>
+              <a:t>Fréquence maximale d'horloge : 32 MHz</a:t>
+            </a:r>
+            <a:endParaRPr lang="fr-FR" sz="1800" b="1" dirty="0">
+              <a:latin typeface="Calibri"/>
+              <a:ea typeface="Calibri"/>
+              <a:cs typeface="Times New Roman"/>
+            </a:endParaRPr>
+          </a:p>
+          <a:p>
+            <a:endParaRPr lang="fr-FR" dirty="0"/>
+          </a:p>
+        </p:txBody>
+      </p:sp>
+      <p:pic>
+        <p:nvPicPr>
+          <p:cNvPr id="8" name="Image 3" descr="Une image contenant table&#10;&#10;Description générée automatiquement">
+            <a:extLst>
+              <a:ext uri="{FF2B5EF4-FFF2-40B4-BE49-F238E27FC236}">
+                <a16:creationId xmlns:a16="http://schemas.microsoft.com/office/drawing/2014/main" id="{D019A83F-51D2-C2CE-2E29-0CB09ADD73F6}"/>
+              </a:ext>
+            </a:extLst>
+          </p:cNvPr>
+          <p:cNvPicPr>
+            <a:picLocks noChangeAspect="1"/>
+          </p:cNvPicPr>
+          <p:nvPr/>
+        </p:nvPicPr>
+        <p:blipFill>
+          <a:blip r:embed="rId5"/>
           <a:stretch>
             <a:fillRect/>
           </a:stretch>
@@ -5983,268 +6280,6 @@
               </a:srgbClr>
             </a:outerShdw>
           </a:effectLst>
-        </p:spPr>
-      </p:pic>
-      <p:pic>
-        <p:nvPicPr>
-          <p:cNvPr id="10" name="Image 9">
-            <a:extLst>
-              <a:ext uri="{FF2B5EF4-FFF2-40B4-BE49-F238E27FC236}">
-                <a16:creationId xmlns:a16="http://schemas.microsoft.com/office/drawing/2014/main" id="{353E23B0-DDE4-AB8D-398C-40A2956D2FEE}"/>
-              </a:ext>
-            </a:extLst>
-          </p:cNvPr>
-          <p:cNvPicPr>
-            <a:picLocks noChangeAspect="1"/>
-          </p:cNvPicPr>
-          <p:nvPr/>
-        </p:nvPicPr>
-        <p:blipFill>
-          <a:blip r:embed="rId4">
-            <a:extLst>
-              <a:ext uri="{28A0092B-C50C-407E-A947-70E740481C1C}">
-                <a14:useLocalDpi xmlns:a14="http://schemas.microsoft.com/office/drawing/2010/main" val="0"/>
-              </a:ext>
-            </a:extLst>
-          </a:blip>
-          <a:stretch>
-            <a:fillRect/>
-          </a:stretch>
-        </p:blipFill>
-        <p:spPr>
-          <a:xfrm>
-            <a:off x="6520616" y="1258379"/>
-            <a:ext cx="2876997" cy="1576896"/>
-          </a:xfrm>
-          <a:prstGeom prst="rect">
-            <a:avLst/>
-          </a:prstGeom>
-        </p:spPr>
-      </p:pic>
-      <p:sp>
-        <p:nvSpPr>
-          <p:cNvPr id="11" name="Espace réservé du texte 3">
-            <a:extLst>
-              <a:ext uri="{FF2B5EF4-FFF2-40B4-BE49-F238E27FC236}">
-                <a16:creationId xmlns:a16="http://schemas.microsoft.com/office/drawing/2014/main" id="{D8A06F3F-C819-A58E-F369-79E3954A90F4}"/>
-              </a:ext>
-            </a:extLst>
-          </p:cNvPr>
-          <p:cNvSpPr txBox="1">
-            <a:spLocks/>
-          </p:cNvSpPr>
-          <p:nvPr/>
-        </p:nvSpPr>
-        <p:spPr>
-          <a:xfrm>
-            <a:off x="160019" y="2141682"/>
-            <a:ext cx="5280082" cy="1576897"/>
-          </a:xfrm>
-          <a:prstGeom prst="rect">
-            <a:avLst/>
-          </a:prstGeom>
-          <a:noFill/>
-          <a:ln w="0">
-            <a:noFill/>
-          </a:ln>
-        </p:spPr>
-        <p:txBody>
-          <a:bodyPr vert="horz" lIns="91440" tIns="45720" rIns="91440" bIns="45720" rtlCol="0" anchor="t">
-            <a:normAutofit/>
-          </a:bodyPr>
-          <a:lstStyle>
-            <a:defPPr>
-              <a:defRPr lang="fr-FR"/>
-            </a:defPPr>
-            <a:lvl1pPr marL="0" indent="0" algn="ctr" defTabSz="914400" rtl="0" eaLnBrk="1" latinLnBrk="0" hangingPunct="1">
-              <a:buNone/>
-              <a:defRPr lang="en-US" sz="1400" b="0" strike="noStrike" kern="1200" spc="-1">
-                <a:solidFill>
-                  <a:srgbClr val="000000"/>
-                </a:solidFill>
-                <a:latin typeface="Times New Roman"/>
-                <a:ea typeface="+mn-ea"/>
-                <a:cs typeface="+mn-cs"/>
-              </a:defRPr>
-            </a:lvl1pPr>
-            <a:lvl2pPr marL="457200" algn="l" defTabSz="914400" rtl="0" eaLnBrk="1" latinLnBrk="0" hangingPunct="1">
-              <a:defRPr sz="1800" kern="1200">
-                <a:solidFill>
-                  <a:schemeClr val="tx1"/>
-                </a:solidFill>
-                <a:latin typeface="+mn-lt"/>
-                <a:ea typeface="+mn-ea"/>
-                <a:cs typeface="+mn-cs"/>
-              </a:defRPr>
-            </a:lvl2pPr>
-            <a:lvl3pPr marL="914400" algn="l" defTabSz="914400" rtl="0" eaLnBrk="1" latinLnBrk="0" hangingPunct="1">
-              <a:defRPr sz="1800" kern="1200">
-                <a:solidFill>
-                  <a:schemeClr val="tx1"/>
-                </a:solidFill>
-                <a:latin typeface="+mn-lt"/>
-                <a:ea typeface="+mn-ea"/>
-                <a:cs typeface="+mn-cs"/>
-              </a:defRPr>
-            </a:lvl3pPr>
-            <a:lvl4pPr marL="1371600" algn="l" defTabSz="914400" rtl="0" eaLnBrk="1" latinLnBrk="0" hangingPunct="1">
-              <a:defRPr sz="1800" kern="1200">
-                <a:solidFill>
-                  <a:schemeClr val="tx1"/>
-                </a:solidFill>
-                <a:latin typeface="+mn-lt"/>
-                <a:ea typeface="+mn-ea"/>
-                <a:cs typeface="+mn-cs"/>
-              </a:defRPr>
-            </a:lvl4pPr>
-            <a:lvl5pPr marL="1828800" algn="l" defTabSz="914400" rtl="0" eaLnBrk="1" latinLnBrk="0" hangingPunct="1">
-              <a:defRPr sz="1800" kern="1200">
-                <a:solidFill>
-                  <a:schemeClr val="tx1"/>
-                </a:solidFill>
-                <a:latin typeface="+mn-lt"/>
-                <a:ea typeface="+mn-ea"/>
-                <a:cs typeface="+mn-cs"/>
-              </a:defRPr>
-            </a:lvl5pPr>
-            <a:lvl6pPr marL="2286000" algn="l" defTabSz="914400" rtl="0" eaLnBrk="1" latinLnBrk="0" hangingPunct="1">
-              <a:defRPr sz="1800" kern="1200">
-                <a:solidFill>
-                  <a:schemeClr val="tx1"/>
-                </a:solidFill>
-                <a:latin typeface="+mn-lt"/>
-                <a:ea typeface="+mn-ea"/>
-                <a:cs typeface="+mn-cs"/>
-              </a:defRPr>
-            </a:lvl6pPr>
-            <a:lvl7pPr marL="2743200" algn="l" defTabSz="914400" rtl="0" eaLnBrk="1" latinLnBrk="0" hangingPunct="1">
-              <a:defRPr sz="1800" kern="1200">
-                <a:solidFill>
-                  <a:schemeClr val="tx1"/>
-                </a:solidFill>
-                <a:latin typeface="+mn-lt"/>
-                <a:ea typeface="+mn-ea"/>
-                <a:cs typeface="+mn-cs"/>
-              </a:defRPr>
-            </a:lvl7pPr>
-            <a:lvl8pPr marL="3200400" algn="l" defTabSz="914400" rtl="0" eaLnBrk="1" latinLnBrk="0" hangingPunct="1">
-              <a:defRPr sz="1800" kern="1200">
-                <a:solidFill>
-                  <a:schemeClr val="tx1"/>
-                </a:solidFill>
-                <a:latin typeface="+mn-lt"/>
-                <a:ea typeface="+mn-ea"/>
-                <a:cs typeface="+mn-cs"/>
-              </a:defRPr>
-            </a:lvl8pPr>
-            <a:lvl9pPr marL="3657600" algn="l" defTabSz="914400" rtl="0" eaLnBrk="1" latinLnBrk="0" hangingPunct="1">
-              <a:defRPr sz="1800" kern="1200">
-                <a:solidFill>
-                  <a:schemeClr val="tx1"/>
-                </a:solidFill>
-                <a:latin typeface="+mn-lt"/>
-                <a:ea typeface="+mn-ea"/>
-                <a:cs typeface="+mn-cs"/>
-              </a:defRPr>
-            </a:lvl9pPr>
-          </a:lstStyle>
-          <a:p>
-            <a:pPr marL="342900" indent="-342900" algn="l">
-              <a:buFont typeface="Arial" panose="020B0604020202020204" pitchFamily="34" charset="0"/>
-              <a:buChar char="•"/>
-            </a:pPr>
-            <a:r>
-              <a:rPr lang="fr-FR" sz="1800" b="1" dirty="0">
-                <a:latin typeface="Calibri"/>
-                <a:ea typeface="Calibri"/>
-                <a:cs typeface="Times New Roman"/>
-              </a:rPr>
-              <a:t>Nombre de broches : 28 broches (26, 2 cassées)</a:t>
-            </a:r>
-          </a:p>
-          <a:p>
-            <a:pPr marL="342900" indent="-342900" algn="l">
-              <a:buFont typeface="Arial" panose="020B0604020202020204" pitchFamily="34" charset="0"/>
-              <a:buChar char="•"/>
-            </a:pPr>
-            <a:r>
-              <a:rPr lang="fr-FR" sz="1800" b="1" dirty="0">
-                <a:latin typeface="Calibri"/>
-                <a:ea typeface="Calibri"/>
-                <a:cs typeface="Times New Roman"/>
-              </a:rPr>
-              <a:t>Nb E/S analogiques : 10 bits (16 max)</a:t>
-            </a:r>
-          </a:p>
-          <a:p>
-            <a:pPr marL="342900" indent="-342900" algn="l">
-              <a:buFont typeface="Arial" panose="020B0604020202020204" pitchFamily="34" charset="0"/>
-              <a:buChar char="•"/>
-            </a:pPr>
-            <a:r>
-              <a:rPr lang="fr-FR" sz="1800" b="1" dirty="0">
-                <a:latin typeface="Calibri"/>
-                <a:ea typeface="Calibri"/>
-                <a:cs typeface="Times New Roman"/>
-              </a:rPr>
-              <a:t>Nb d'interfaces série : 1 x UART, 2 x SPI, 2 x I2C</a:t>
-            </a:r>
-          </a:p>
-          <a:p>
-            <a:pPr marL="342900" indent="-342900" algn="l">
-              <a:buFont typeface="Arial" panose="020B0604020202020204" pitchFamily="34" charset="0"/>
-              <a:buChar char="•"/>
-            </a:pPr>
-            <a:r>
-              <a:rPr lang="fr-FR" sz="1800" b="1" dirty="0">
-                <a:latin typeface="Calibri"/>
-                <a:ea typeface="Calibri"/>
-                <a:cs typeface="Calibri"/>
-              </a:rPr>
-              <a:t>Fréquence maximale d'horloge : 32 MHz</a:t>
-            </a:r>
-            <a:endParaRPr lang="fr-FR" sz="1800" b="1" dirty="0">
-              <a:latin typeface="Calibri"/>
-              <a:ea typeface="Calibri"/>
-              <a:cs typeface="Times New Roman"/>
-            </a:endParaRPr>
-          </a:p>
-        </p:txBody>
-      </p:sp>
-      <p:pic>
-        <p:nvPicPr>
-          <p:cNvPr id="4" name="Image 3">
-            <a:extLst>
-              <a:ext uri="{FF2B5EF4-FFF2-40B4-BE49-F238E27FC236}">
-                <a16:creationId xmlns:a16="http://schemas.microsoft.com/office/drawing/2014/main" id="{CD4A293F-84A0-798E-CD86-91DA0E5F0CC7}"/>
-              </a:ext>
-            </a:extLst>
-          </p:cNvPr>
-          <p:cNvPicPr>
-            <a:picLocks noChangeAspect="1"/>
-          </p:cNvPicPr>
-          <p:nvPr/>
-        </p:nvPicPr>
-        <p:blipFill>
-          <a:blip r:embed="rId5">
-            <a:extLst>
-              <a:ext uri="{28A0092B-C50C-407E-A947-70E740481C1C}">
-                <a14:useLocalDpi xmlns:a14="http://schemas.microsoft.com/office/drawing/2010/main" val="0"/>
-              </a:ext>
-            </a:extLst>
-          </a:blip>
-          <a:stretch>
-            <a:fillRect/>
-          </a:stretch>
-        </p:blipFill>
-        <p:spPr>
-          <a:xfrm>
-            <a:off x="0" y="4847379"/>
-            <a:ext cx="4951220" cy="823171"/>
-          </a:xfrm>
-          <a:prstGeom prst="rect">
-            <a:avLst/>
-          </a:prstGeom>
         </p:spPr>
       </p:pic>
     </p:spTree>
@@ -6291,7 +6326,7 @@
                                           </p:stCondLst>
                                         </p:cTn>
                                         <p:tgtEl>
-                                          <p:spTgt spid="7"/>
+                                          <p:spTgt spid="8"/>
                                         </p:tgtEl>
                                         <p:attrNameLst>
                                           <p:attrName>style.visibility</p:attrName>
@@ -6305,224 +6340,7 @@
                                       <p:cBhvr>
                                         <p:cTn id="7" dur="500"/>
                                         <p:tgtEl>
-                                          <p:spTgt spid="7"/>
-                                        </p:tgtEl>
-                                      </p:cBhvr>
-                                    </p:animEffect>
-                                  </p:childTnLst>
-                                </p:cTn>
-                              </p:par>
-                            </p:childTnLst>
-                          </p:cTn>
-                        </p:par>
-                      </p:childTnLst>
-                    </p:cTn>
-                  </p:par>
-                  <p:par>
-                    <p:cTn id="8" fill="hold">
-                      <p:stCondLst>
-                        <p:cond delay="indefinite"/>
-                      </p:stCondLst>
-                      <p:childTnLst>
-                        <p:par>
-                          <p:cTn id="9" fill="hold">
-                            <p:stCondLst>
-                              <p:cond delay="0"/>
-                            </p:stCondLst>
-                            <p:childTnLst>
-                              <p:par>
-                                <p:cTn id="10" presetID="10" presetClass="entr" presetSubtype="0" fill="hold" grpId="0" nodeType="clickEffect">
-                                  <p:stCondLst>
-                                    <p:cond delay="0"/>
-                                  </p:stCondLst>
-                                  <p:childTnLst>
-                                    <p:set>
-                                      <p:cBhvr>
-                                        <p:cTn id="11" dur="1" fill="hold">
-                                          <p:stCondLst>
-                                            <p:cond delay="0"/>
-                                          </p:stCondLst>
-                                        </p:cTn>
-                                        <p:tgtEl>
-                                          <p:spTgt spid="11">
-                                            <p:txEl>
-                                              <p:pRg st="0" end="0"/>
-                                            </p:txEl>
-                                          </p:spTgt>
-                                        </p:tgtEl>
-                                        <p:attrNameLst>
-                                          <p:attrName>style.visibility</p:attrName>
-                                        </p:attrNameLst>
-                                      </p:cBhvr>
-                                      <p:to>
-                                        <p:strVal val="visible"/>
-                                      </p:to>
-                                    </p:set>
-                                    <p:animEffect transition="in" filter="fade">
-                                      <p:cBhvr>
-                                        <p:cTn id="12" dur="500"/>
-                                        <p:tgtEl>
-                                          <p:spTgt spid="11">
-                                            <p:txEl>
-                                              <p:pRg st="0" end="0"/>
-                                            </p:txEl>
-                                          </p:spTgt>
-                                        </p:tgtEl>
-                                      </p:cBhvr>
-                                    </p:animEffect>
-                                  </p:childTnLst>
-                                </p:cTn>
-                              </p:par>
-                            </p:childTnLst>
-                          </p:cTn>
-                        </p:par>
-                        <p:par>
-                          <p:cTn id="13" fill="hold">
-                            <p:stCondLst>
-                              <p:cond delay="500"/>
-                            </p:stCondLst>
-                            <p:childTnLst>
-                              <p:par>
-                                <p:cTn id="14" presetID="10" presetClass="entr" presetSubtype="0" fill="hold" grpId="0" nodeType="afterEffect">
-                                  <p:stCondLst>
-                                    <p:cond delay="0"/>
-                                  </p:stCondLst>
-                                  <p:childTnLst>
-                                    <p:set>
-                                      <p:cBhvr>
-                                        <p:cTn id="15" dur="1" fill="hold">
-                                          <p:stCondLst>
-                                            <p:cond delay="0"/>
-                                          </p:stCondLst>
-                                        </p:cTn>
-                                        <p:tgtEl>
-                                          <p:spTgt spid="11">
-                                            <p:txEl>
-                                              <p:pRg st="1" end="1"/>
-                                            </p:txEl>
-                                          </p:spTgt>
-                                        </p:tgtEl>
-                                        <p:attrNameLst>
-                                          <p:attrName>style.visibility</p:attrName>
-                                        </p:attrNameLst>
-                                      </p:cBhvr>
-                                      <p:to>
-                                        <p:strVal val="visible"/>
-                                      </p:to>
-                                    </p:set>
-                                    <p:animEffect transition="in" filter="fade">
-                                      <p:cBhvr>
-                                        <p:cTn id="16" dur="500"/>
-                                        <p:tgtEl>
-                                          <p:spTgt spid="11">
-                                            <p:txEl>
-                                              <p:pRg st="1" end="1"/>
-                                            </p:txEl>
-                                          </p:spTgt>
-                                        </p:tgtEl>
-                                      </p:cBhvr>
-                                    </p:animEffect>
-                                  </p:childTnLst>
-                                </p:cTn>
-                              </p:par>
-                            </p:childTnLst>
-                          </p:cTn>
-                        </p:par>
-                        <p:par>
-                          <p:cTn id="17" fill="hold">
-                            <p:stCondLst>
-                              <p:cond delay="1000"/>
-                            </p:stCondLst>
-                            <p:childTnLst>
-                              <p:par>
-                                <p:cTn id="18" presetID="10" presetClass="entr" presetSubtype="0" fill="hold" grpId="0" nodeType="afterEffect">
-                                  <p:stCondLst>
-                                    <p:cond delay="0"/>
-                                  </p:stCondLst>
-                                  <p:childTnLst>
-                                    <p:set>
-                                      <p:cBhvr>
-                                        <p:cTn id="19" dur="1" fill="hold">
-                                          <p:stCondLst>
-                                            <p:cond delay="0"/>
-                                          </p:stCondLst>
-                                        </p:cTn>
-                                        <p:tgtEl>
-                                          <p:spTgt spid="11">
-                                            <p:txEl>
-                                              <p:pRg st="2" end="2"/>
-                                            </p:txEl>
-                                          </p:spTgt>
-                                        </p:tgtEl>
-                                        <p:attrNameLst>
-                                          <p:attrName>style.visibility</p:attrName>
-                                        </p:attrNameLst>
-                                      </p:cBhvr>
-                                      <p:to>
-                                        <p:strVal val="visible"/>
-                                      </p:to>
-                                    </p:set>
-                                    <p:animEffect transition="in" filter="fade">
-                                      <p:cBhvr>
-                                        <p:cTn id="20" dur="500"/>
-                                        <p:tgtEl>
-                                          <p:spTgt spid="11">
-                                            <p:txEl>
-                                              <p:pRg st="2" end="2"/>
-                                            </p:txEl>
-                                          </p:spTgt>
-                                        </p:tgtEl>
-                                      </p:cBhvr>
-                                    </p:animEffect>
-                                  </p:childTnLst>
-                                </p:cTn>
-                              </p:par>
-                            </p:childTnLst>
-                          </p:cTn>
-                        </p:par>
-                        <p:par>
-                          <p:cTn id="21" fill="hold">
-                            <p:stCondLst>
-                              <p:cond delay="1500"/>
-                            </p:stCondLst>
-                            <p:childTnLst>
-                              <p:par>
-                                <p:cTn id="22" presetID="10" presetClass="entr" presetSubtype="0" fill="hold" grpId="0" nodeType="afterEffect">
-                                  <p:stCondLst>
-                                    <p:cond delay="0"/>
-                                  </p:stCondLst>
-                                  <p:childTnLst>
-                                    <p:set>
-                                      <p:cBhvr>
-                                        <p:cTn id="23" dur="1" fill="hold">
-                                          <p:stCondLst>
-                                            <p:cond delay="0"/>
-                                          </p:stCondLst>
-                                        </p:cTn>
-                                        <p:tgtEl>
-                                          <p:spTgt spid="11">
-                                            <p:txEl>
-                                              <p:pRg st="3" end="3"/>
-                                            </p:txEl>
-                                          </p:spTgt>
-                                        </p:tgtEl>
-                                        <p:attrNameLst>
-                                          <p:attrName>style.visibility</p:attrName>
-                                        </p:attrNameLst>
-                                      </p:cBhvr>
-                                      <p:to>
-                                        <p:strVal val="visible"/>
-                                      </p:to>
-                                    </p:set>
-                                    <p:animEffect transition="in" filter="fade">
-                                      <p:cBhvr>
-                                        <p:cTn id="24" dur="500"/>
-                                        <p:tgtEl>
-                                          <p:spTgt spid="11">
-                                            <p:txEl>
-                                              <p:pRg st="3" end="3"/>
-                                            </p:txEl>
-                                          </p:spTgt>
+                                          <p:spTgt spid="8"/>
                                         </p:tgtEl>
                                       </p:cBhvr>
                                     </p:animEffect>
@@ -6556,195 +6374,7 @@
         </p:cTn>
       </p:par>
     </p:tnLst>
-    <p:bldLst>
-      <p:bldP spid="11" grpId="0" build="p"/>
-    </p:bldLst>
   </p:timing>
-</p:sld>
-</file>
-
-<file path=ppt/slides/slide15.xml><?xml version="1.0" encoding="utf-8"?>
-<p:sld xmlns:a="http://schemas.openxmlformats.org/drawingml/2006/main" xmlns:r="http://schemas.openxmlformats.org/officeDocument/2006/relationships" xmlns:p="http://schemas.openxmlformats.org/presentationml/2006/main">
-  <p:cSld>
-    <p:spTree>
-      <p:nvGrpSpPr>
-        <p:cNvPr id="1" name=""/>
-        <p:cNvGrpSpPr/>
-        <p:nvPr/>
-      </p:nvGrpSpPr>
-      <p:grpSpPr>
-        <a:xfrm>
-          <a:off x="0" y="0"/>
-          <a:ext cx="0" cy="0"/>
-          <a:chOff x="0" y="0"/>
-          <a:chExt cx="0" cy="0"/>
-        </a:xfrm>
-      </p:grpSpPr>
-      <p:sp>
-        <p:nvSpPr>
-          <p:cNvPr id="42" name="PlaceHolder 1"/>
-          <p:cNvSpPr>
-            <a:spLocks noGrp="1"/>
-          </p:cNvSpPr>
-          <p:nvPr>
-            <p:ph type="title"/>
-          </p:nvPr>
-        </p:nvSpPr>
-        <p:spPr>
-          <a:xfrm>
-            <a:off x="504492" y="201588"/>
-            <a:ext cx="9071640" cy="946440"/>
-          </a:xfrm>
-          <a:prstGeom prst="rect">
-            <a:avLst/>
-          </a:prstGeom>
-          <a:noFill/>
-          <a:ln w="0">
-            <a:noFill/>
-          </a:ln>
-        </p:spPr>
-        <p:txBody>
-          <a:bodyPr lIns="0" tIns="0" rIns="0" bIns="0" anchor="ctr">
-            <a:noAutofit/>
-          </a:bodyPr>
-          <a:lstStyle/>
-          <a:p>
-            <a:pPr algn="ctr"/>
-            <a:r>
-              <a:rPr lang="fr-FR" dirty="0"/>
-              <a:t>Schéma électrique </a:t>
-            </a:r>
-            <a:endParaRPr lang="en-US" sz="1800" b="0" strike="noStrike" spc="-1" dirty="0">
-              <a:solidFill>
-                <a:srgbClr val="000000"/>
-              </a:solidFill>
-              <a:latin typeface="Arial"/>
-            </a:endParaRPr>
-          </a:p>
-        </p:txBody>
-      </p:sp>
-      <p:pic>
-        <p:nvPicPr>
-          <p:cNvPr id="2" name="Picture 2" descr="Polytech Tours - Polytech Tours, école d'ingénieurs">
-            <a:extLst>
-              <a:ext uri="{FF2B5EF4-FFF2-40B4-BE49-F238E27FC236}">
-                <a16:creationId xmlns:a16="http://schemas.microsoft.com/office/drawing/2014/main" id="{009710E4-4286-CDDE-E7EB-109C9DDAB24F}"/>
-              </a:ext>
-            </a:extLst>
-          </p:cNvPr>
-          <p:cNvPicPr>
-            <a:picLocks noChangeAspect="1" noChangeArrowheads="1"/>
-          </p:cNvPicPr>
-          <p:nvPr/>
-        </p:nvPicPr>
-        <p:blipFill>
-          <a:blip r:embed="rId2" cstate="print">
-            <a:extLst>
-              <a:ext uri="{28A0092B-C50C-407E-A947-70E740481C1C}">
-                <a14:useLocalDpi xmlns:a14="http://schemas.microsoft.com/office/drawing/2010/main" val="0"/>
-              </a:ext>
-            </a:extLst>
-          </a:blip>
-          <a:srcRect/>
-          <a:stretch>
-            <a:fillRect/>
-          </a:stretch>
-        </p:blipFill>
-        <p:spPr bwMode="auto">
-          <a:xfrm>
-            <a:off x="0" y="4852645"/>
-            <a:ext cx="3985897" cy="817905"/>
-          </a:xfrm>
-          <a:prstGeom prst="rect">
-            <a:avLst/>
-          </a:prstGeom>
-          <a:noFill/>
-          <a:extLst>
-            <a:ext uri="{909E8E84-426E-40DD-AFC4-6F175D3DCCD1}">
-              <a14:hiddenFill xmlns:a14="http://schemas.microsoft.com/office/drawing/2010/main">
-                <a:solidFill>
-                  <a:srgbClr val="FFFFFF"/>
-                </a:solidFill>
-              </a14:hiddenFill>
-            </a:ext>
-          </a:extLst>
-        </p:spPr>
-      </p:pic>
-      <p:sp>
-        <p:nvSpPr>
-          <p:cNvPr id="3" name="Espace réservé du numéro de diapositive 2">
-            <a:extLst>
-              <a:ext uri="{FF2B5EF4-FFF2-40B4-BE49-F238E27FC236}">
-                <a16:creationId xmlns:a16="http://schemas.microsoft.com/office/drawing/2014/main" id="{FAF3CFF4-FC6E-8119-4D39-629CA185EBE3}"/>
-              </a:ext>
-            </a:extLst>
-          </p:cNvPr>
-          <p:cNvSpPr>
-            <a:spLocks noGrp="1"/>
-          </p:cNvSpPr>
-          <p:nvPr>
-            <p:ph type="sldNum" idx="3"/>
-          </p:nvPr>
-        </p:nvSpPr>
-        <p:spPr/>
-        <p:txBody>
-          <a:bodyPr/>
-          <a:lstStyle/>
-          <a:p>
-            <a:fld id="{74A1DB29-52D7-44FB-91A6-D4FF9B58DED1}" type="slidenum">
-              <a:rPr lang="fr-FR" smtClean="0"/>
-              <a:t>15</a:t>
-            </a:fld>
-            <a:endParaRPr lang="fr-FR"/>
-          </a:p>
-        </p:txBody>
-      </p:sp>
-      <p:pic>
-        <p:nvPicPr>
-          <p:cNvPr id="4" name="Image 3">
-            <a:extLst>
-              <a:ext uri="{FF2B5EF4-FFF2-40B4-BE49-F238E27FC236}">
-                <a16:creationId xmlns:a16="http://schemas.microsoft.com/office/drawing/2014/main" id="{1303AD38-44C5-CF84-2FA2-4CB271CD32C8}"/>
-              </a:ext>
-            </a:extLst>
-          </p:cNvPr>
-          <p:cNvPicPr>
-            <a:picLocks noChangeAspect="1"/>
-          </p:cNvPicPr>
-          <p:nvPr/>
-        </p:nvPicPr>
-        <p:blipFill>
-          <a:blip r:embed="rId3">
-            <a:extLst>
-              <a:ext uri="{28A0092B-C50C-407E-A947-70E740481C1C}">
-                <a14:useLocalDpi xmlns:a14="http://schemas.microsoft.com/office/drawing/2010/main" val="0"/>
-              </a:ext>
-            </a:extLst>
-          </a:blip>
-          <a:stretch>
-            <a:fillRect/>
-          </a:stretch>
-        </p:blipFill>
-        <p:spPr>
-          <a:xfrm>
-            <a:off x="0" y="4847379"/>
-            <a:ext cx="4951220" cy="823171"/>
-          </a:xfrm>
-          <a:prstGeom prst="rect">
-            <a:avLst/>
-          </a:prstGeom>
-        </p:spPr>
-      </p:pic>
-    </p:spTree>
-    <p:extLst>
-      <p:ext uri="{BB962C8B-B14F-4D97-AF65-F5344CB8AC3E}">
-        <p14:creationId xmlns:p14="http://schemas.microsoft.com/office/powerpoint/2010/main" val="1674804626"/>
-      </p:ext>
-    </p:extLst>
-  </p:cSld>
-  <p:clrMapOvr>
-    <a:masterClrMapping/>
-  </p:clrMapOvr>
 </p:sld>
 </file>
 
@@ -6767,13 +6397,7 @@
       </p:grpSpPr>
       <p:sp>
         <p:nvSpPr>
-          <p:cNvPr id="2" name="Titre 1">
-            <a:extLst>
-              <a:ext uri="{FF2B5EF4-FFF2-40B4-BE49-F238E27FC236}">
-                <a16:creationId xmlns:a16="http://schemas.microsoft.com/office/drawing/2014/main" id="{7886289B-8DAC-FFD5-13CB-29486211041E}"/>
-              </a:ext>
-            </a:extLst>
-          </p:cNvPr>
+          <p:cNvPr id="42" name="PlaceHolder 1"/>
           <p:cNvSpPr>
             <a:spLocks noGrp="1"/>
           </p:cNvSpPr>
@@ -6781,71 +6405,92 @@
             <p:ph type="title"/>
           </p:nvPr>
         </p:nvSpPr>
-        <p:spPr/>
-        <p:txBody>
-          <a:bodyPr/>
-          <a:lstStyle/>
-          <a:p>
+        <p:spPr>
+          <a:xfrm>
+            <a:off x="504492" y="201588"/>
+            <a:ext cx="9071640" cy="946440"/>
+          </a:xfrm>
+          <a:prstGeom prst="rect">
+            <a:avLst/>
+          </a:prstGeom>
+          <a:noFill/>
+          <a:ln w="0">
+            <a:noFill/>
+          </a:ln>
+        </p:spPr>
+        <p:txBody>
+          <a:bodyPr lIns="0" tIns="0" rIns="0" bIns="0" anchor="ctr">
+            <a:noAutofit/>
+          </a:bodyPr>
+          <a:lstStyle/>
+          <a:p>
+            <a:pPr algn="ctr"/>
             <a:r>
               <a:rPr lang="fr-FR" dirty="0"/>
-              <a:t>Conception Logicielle</a:t>
-            </a:r>
-          </a:p>
-        </p:txBody>
-      </p:sp>
-      <p:sp>
-        <p:nvSpPr>
-          <p:cNvPr id="3" name="Sous-titre 2">
-            <a:extLst>
-              <a:ext uri="{FF2B5EF4-FFF2-40B4-BE49-F238E27FC236}">
-                <a16:creationId xmlns:a16="http://schemas.microsoft.com/office/drawing/2014/main" id="{98AE0FF7-3F10-F183-9AE1-587A1ACF6908}"/>
-              </a:ext>
-            </a:extLst>
-          </p:cNvPr>
-          <p:cNvSpPr>
-            <a:spLocks noGrp="1"/>
-          </p:cNvSpPr>
-          <p:nvPr>
-            <p:ph type="subTitle"/>
-          </p:nvPr>
-        </p:nvSpPr>
-        <p:spPr>
-          <a:xfrm>
-            <a:off x="504000" y="1102231"/>
-            <a:ext cx="9071640" cy="1460280"/>
-          </a:xfrm>
-        </p:spPr>
-        <p:txBody>
-          <a:bodyPr/>
-          <a:lstStyle/>
-          <a:p>
-            <a:pPr>
-              <a:buFontTx/>
-              <a:buChar char="-"/>
-            </a:pPr>
-            <a:r>
-              <a:rPr lang="fr-FR" dirty="0"/>
-              <a:t>Diagrammes de Séquences</a:t>
-            </a:r>
-          </a:p>
-          <a:p>
-            <a:pPr>
-              <a:buFontTx/>
-              <a:buChar char="-"/>
-            </a:pPr>
-            <a:r>
-              <a:rPr lang="fr-FR" dirty="0"/>
-              <a:t>Algorithmes</a:t>
-            </a:r>
-          </a:p>
-        </p:txBody>
-      </p:sp>
-      <p:sp>
-        <p:nvSpPr>
-          <p:cNvPr id="4" name="Espace réservé du numéro de diapositive 3">
-            <a:extLst>
-              <a:ext uri="{FF2B5EF4-FFF2-40B4-BE49-F238E27FC236}">
-                <a16:creationId xmlns:a16="http://schemas.microsoft.com/office/drawing/2014/main" id="{66459D19-04A2-312A-7FE7-1E47C2A1B9B0}"/>
+              <a:t>Schéma électrique </a:t>
+            </a:r>
+            <a:endParaRPr lang="en-US" sz="1800" b="0" strike="noStrike" spc="-1" dirty="0">
+              <a:solidFill>
+                <a:srgbClr val="000000"/>
+              </a:solidFill>
+              <a:latin typeface="Arial"/>
+            </a:endParaRPr>
+          </a:p>
+        </p:txBody>
+      </p:sp>
+      <p:pic>
+        <p:nvPicPr>
+          <p:cNvPr id="2" name="Picture 2" descr="Polytech Tours - Polytech Tours, école d'ingénieurs">
+            <a:extLst>
+              <a:ext uri="{FF2B5EF4-FFF2-40B4-BE49-F238E27FC236}">
+                <a16:creationId xmlns:a16="http://schemas.microsoft.com/office/drawing/2014/main" id="{009710E4-4286-CDDE-E7EB-109C9DDAB24F}"/>
+              </a:ext>
+            </a:extLst>
+          </p:cNvPr>
+          <p:cNvPicPr>
+            <a:picLocks noChangeAspect="1" noChangeArrowheads="1"/>
+          </p:cNvPicPr>
+          <p:nvPr/>
+        </p:nvPicPr>
+        <p:blipFill>
+          <a:blip r:embed="rId2" cstate="print">
+            <a:extLst>
+              <a:ext uri="{28A0092B-C50C-407E-A947-70E740481C1C}">
+                <a14:useLocalDpi xmlns:a14="http://schemas.microsoft.com/office/drawing/2010/main" val="0"/>
+              </a:ext>
+            </a:extLst>
+          </a:blip>
+          <a:srcRect/>
+          <a:stretch>
+            <a:fillRect/>
+          </a:stretch>
+        </p:blipFill>
+        <p:spPr bwMode="auto">
+          <a:xfrm>
+            <a:off x="0" y="4852645"/>
+            <a:ext cx="3985897" cy="817905"/>
+          </a:xfrm>
+          <a:prstGeom prst="rect">
+            <a:avLst/>
+          </a:prstGeom>
+          <a:noFill/>
+          <a:extLst>
+            <a:ext uri="{909E8E84-426E-40DD-AFC4-6F175D3DCCD1}">
+              <a14:hiddenFill xmlns:a14="http://schemas.microsoft.com/office/drawing/2010/main">
+                <a:solidFill>
+                  <a:srgbClr val="FFFFFF"/>
+                </a:solidFill>
+              </a14:hiddenFill>
+            </a:ext>
+          </a:extLst>
+        </p:spPr>
+      </p:pic>
+      <p:sp>
+        <p:nvSpPr>
+          <p:cNvPr id="3" name="Espace réservé du numéro de diapositive 2">
+            <a:extLst>
+              <a:ext uri="{FF2B5EF4-FFF2-40B4-BE49-F238E27FC236}">
+                <a16:creationId xmlns:a16="http://schemas.microsoft.com/office/drawing/2014/main" id="{FAF3CFF4-FC6E-8119-4D39-629CA185EBE3}"/>
               </a:ext>
             </a:extLst>
           </p:cNvPr>
@@ -6869,10 +6514,82 @@
           </a:p>
         </p:txBody>
       </p:sp>
+      <p:pic>
+        <p:nvPicPr>
+          <p:cNvPr id="4" name="Image 3">
+            <a:extLst>
+              <a:ext uri="{FF2B5EF4-FFF2-40B4-BE49-F238E27FC236}">
+                <a16:creationId xmlns:a16="http://schemas.microsoft.com/office/drawing/2014/main" id="{1303AD38-44C5-CF84-2FA2-4CB271CD32C8}"/>
+              </a:ext>
+            </a:extLst>
+          </p:cNvPr>
+          <p:cNvPicPr>
+            <a:picLocks noChangeAspect="1"/>
+          </p:cNvPicPr>
+          <p:nvPr/>
+        </p:nvPicPr>
+        <p:blipFill>
+          <a:blip r:embed="rId3">
+            <a:extLst>
+              <a:ext uri="{28A0092B-C50C-407E-A947-70E740481C1C}">
+                <a14:useLocalDpi xmlns:a14="http://schemas.microsoft.com/office/drawing/2010/main" val="0"/>
+              </a:ext>
+            </a:extLst>
+          </a:blip>
+          <a:stretch>
+            <a:fillRect/>
+          </a:stretch>
+        </p:blipFill>
+        <p:spPr>
+          <a:xfrm>
+            <a:off x="0" y="4847379"/>
+            <a:ext cx="4951220" cy="823171"/>
+          </a:xfrm>
+          <a:prstGeom prst="rect">
+            <a:avLst/>
+          </a:prstGeom>
+        </p:spPr>
+      </p:pic>
+      <p:pic>
+        <p:nvPicPr>
+          <p:cNvPr id="6" name="Image 5">
+            <a:extLst>
+              <a:ext uri="{FF2B5EF4-FFF2-40B4-BE49-F238E27FC236}">
+                <a16:creationId xmlns:a16="http://schemas.microsoft.com/office/drawing/2014/main" id="{4B838EB0-A03A-570B-F5B1-168F9450A50B}"/>
+              </a:ext>
+            </a:extLst>
+          </p:cNvPr>
+          <p:cNvPicPr>
+            <a:picLocks noChangeAspect="1"/>
+          </p:cNvPicPr>
+          <p:nvPr/>
+        </p:nvPicPr>
+        <p:blipFill>
+          <a:blip r:embed="rId4">
+            <a:extLst>
+              <a:ext uri="{28A0092B-C50C-407E-A947-70E740481C1C}">
+                <a14:useLocalDpi xmlns:a14="http://schemas.microsoft.com/office/drawing/2010/main" val="0"/>
+              </a:ext>
+            </a:extLst>
+          </a:blip>
+          <a:stretch>
+            <a:fillRect/>
+          </a:stretch>
+        </p:blipFill>
+        <p:spPr>
+          <a:xfrm>
+            <a:off x="820978" y="1179739"/>
+            <a:ext cx="5329500" cy="3311071"/>
+          </a:xfrm>
+          <a:prstGeom prst="rect">
+            <a:avLst/>
+          </a:prstGeom>
+        </p:spPr>
+      </p:pic>
     </p:spTree>
     <p:extLst>
       <p:ext uri="{BB962C8B-B14F-4D97-AF65-F5344CB8AC3E}">
-        <p14:creationId xmlns:p14="http://schemas.microsoft.com/office/powerpoint/2010/main" val="3093776263"/>
+        <p14:creationId xmlns:p14="http://schemas.microsoft.com/office/powerpoint/2010/main" val="1674804626"/>
       </p:ext>
     </p:extLst>
   </p:cSld>
@@ -6901,10 +6618,100 @@
       </p:grpSpPr>
       <p:sp>
         <p:nvSpPr>
-          <p:cNvPr id="4" name="Espace réservé du numéro de diapositive 3">
-            <a:extLst>
-              <a:ext uri="{FF2B5EF4-FFF2-40B4-BE49-F238E27FC236}">
-                <a16:creationId xmlns:a16="http://schemas.microsoft.com/office/drawing/2014/main" id="{8A7311DC-7942-FBAE-5E93-0D9AA5D0BEA4}"/>
+          <p:cNvPr id="42" name="PlaceHolder 1"/>
+          <p:cNvSpPr>
+            <a:spLocks noGrp="1"/>
+          </p:cNvSpPr>
+          <p:nvPr>
+            <p:ph type="title"/>
+          </p:nvPr>
+        </p:nvSpPr>
+        <p:spPr>
+          <a:xfrm>
+            <a:off x="504492" y="201588"/>
+            <a:ext cx="9071640" cy="946440"/>
+          </a:xfrm>
+          <a:prstGeom prst="rect">
+            <a:avLst/>
+          </a:prstGeom>
+          <a:noFill/>
+          <a:ln w="0">
+            <a:noFill/>
+          </a:ln>
+        </p:spPr>
+        <p:txBody>
+          <a:bodyPr lIns="0" tIns="0" rIns="0" bIns="0" anchor="ctr">
+            <a:noAutofit/>
+          </a:bodyPr>
+          <a:lstStyle/>
+          <a:p>
+            <a:pPr algn="ctr"/>
+            <a:r>
+              <a:rPr lang="fr-FR" dirty="0"/>
+              <a:t>Schéma électrique </a:t>
+            </a:r>
+            <a:endParaRPr lang="en-US" sz="1800" b="0" strike="noStrike" spc="-1" dirty="0">
+              <a:solidFill>
+                <a:srgbClr val="000000"/>
+              </a:solidFill>
+              <a:latin typeface="Arial"/>
+            </a:endParaRPr>
+          </a:p>
+        </p:txBody>
+      </p:sp>
+      <p:pic>
+        <p:nvPicPr>
+          <p:cNvPr id="2" name="Picture 2" descr="Polytech Tours - Polytech Tours, école d'ingénieurs">
+            <a:extLst>
+              <a:ext uri="{FF2B5EF4-FFF2-40B4-BE49-F238E27FC236}">
+                <a16:creationId xmlns:a16="http://schemas.microsoft.com/office/drawing/2014/main" id="{009710E4-4286-CDDE-E7EB-109C9DDAB24F}"/>
+              </a:ext>
+            </a:extLst>
+          </p:cNvPr>
+          <p:cNvPicPr>
+            <a:picLocks noChangeAspect="1" noChangeArrowheads="1"/>
+          </p:cNvPicPr>
+          <p:nvPr/>
+        </p:nvPicPr>
+        <p:blipFill>
+          <a:blip r:embed="rId2" cstate="print">
+            <a:extLst>
+              <a:ext uri="{28A0092B-C50C-407E-A947-70E740481C1C}">
+                <a14:useLocalDpi xmlns:a14="http://schemas.microsoft.com/office/drawing/2010/main" val="0"/>
+              </a:ext>
+            </a:extLst>
+          </a:blip>
+          <a:srcRect/>
+          <a:stretch>
+            <a:fillRect/>
+          </a:stretch>
+        </p:blipFill>
+        <p:spPr bwMode="auto">
+          <a:xfrm>
+            <a:off x="0" y="4852645"/>
+            <a:ext cx="3985897" cy="817905"/>
+          </a:xfrm>
+          <a:prstGeom prst="rect">
+            <a:avLst/>
+          </a:prstGeom>
+          <a:noFill/>
+          <a:extLst>
+            <a:ext uri="{909E8E84-426E-40DD-AFC4-6F175D3DCCD1}">
+              <a14:hiddenFill xmlns:a14="http://schemas.microsoft.com/office/drawing/2010/main">
+                <a:solidFill>
+                  <a:srgbClr val="FFFFFF"/>
+                </a:solidFill>
+              </a14:hiddenFill>
+            </a:ext>
+          </a:extLst>
+        </p:spPr>
+      </p:pic>
+      <p:sp>
+        <p:nvSpPr>
+          <p:cNvPr id="3" name="Espace réservé du numéro de diapositive 2">
+            <a:extLst>
+              <a:ext uri="{FF2B5EF4-FFF2-40B4-BE49-F238E27FC236}">
+                <a16:creationId xmlns:a16="http://schemas.microsoft.com/office/drawing/2014/main" id="{FAF3CFF4-FC6E-8119-4D39-629CA185EBE3}"/>
               </a:ext>
             </a:extLst>
           </p:cNvPr>
@@ -6930,10 +6737,10 @@
       </p:sp>
       <p:pic>
         <p:nvPicPr>
-          <p:cNvPr id="8" name="Image 7" descr="Une image contenant capture d’écran, motif, art, monochrome&#10;&#10;Description générée automatiquement">
-            <a:extLst>
-              <a:ext uri="{FF2B5EF4-FFF2-40B4-BE49-F238E27FC236}">
-                <a16:creationId xmlns:a16="http://schemas.microsoft.com/office/drawing/2014/main" id="{AA6C20DE-12B5-A2D1-7087-B4983F30980C}"/>
+          <p:cNvPr id="4" name="Image 3">
+            <a:extLst>
+              <a:ext uri="{FF2B5EF4-FFF2-40B4-BE49-F238E27FC236}">
+                <a16:creationId xmlns:a16="http://schemas.microsoft.com/office/drawing/2014/main" id="{1303AD38-44C5-CF84-2FA2-4CB271CD32C8}"/>
               </a:ext>
             </a:extLst>
           </p:cNvPr>
@@ -6943,7 +6750,7 @@
           <p:nvPr/>
         </p:nvPicPr>
         <p:blipFill>
-          <a:blip r:embed="rId2">
+          <a:blip r:embed="rId3">
             <a:extLst>
               <a:ext uri="{28A0092B-C50C-407E-A947-70E740481C1C}">
                 <a14:useLocalDpi xmlns:a14="http://schemas.microsoft.com/office/drawing/2010/main" val="0"/>
@@ -6956,8 +6763,8 @@
         </p:blipFill>
         <p:spPr>
           <a:xfrm>
-            <a:off x="217093" y="-1"/>
-            <a:ext cx="9246493" cy="5832231"/>
+            <a:off x="0" y="4847379"/>
+            <a:ext cx="4951220" cy="823171"/>
           </a:xfrm>
           <a:prstGeom prst="rect">
             <a:avLst/>
@@ -6966,10 +6773,10 @@
       </p:pic>
       <p:pic>
         <p:nvPicPr>
-          <p:cNvPr id="5" name="Image 4">
-            <a:extLst>
-              <a:ext uri="{FF2B5EF4-FFF2-40B4-BE49-F238E27FC236}">
-                <a16:creationId xmlns:a16="http://schemas.microsoft.com/office/drawing/2014/main" id="{B84CC7CE-313B-274E-A037-FE85F89B2483}"/>
+          <p:cNvPr id="6" name="Image 5">
+            <a:extLst>
+              <a:ext uri="{FF2B5EF4-FFF2-40B4-BE49-F238E27FC236}">
+                <a16:creationId xmlns:a16="http://schemas.microsoft.com/office/drawing/2014/main" id="{EF73D1EF-C1A2-1815-A06F-A860A6D84760}"/>
               </a:ext>
             </a:extLst>
           </p:cNvPr>
@@ -6979,15 +6786,21 @@
           <p:nvPr/>
         </p:nvPicPr>
         <p:blipFill>
-          <a:blip r:embed="rId3"/>
+          <a:blip r:embed="rId4">
+            <a:extLst>
+              <a:ext uri="{28A0092B-C50C-407E-A947-70E740481C1C}">
+                <a14:useLocalDpi xmlns:a14="http://schemas.microsoft.com/office/drawing/2010/main" val="0"/>
+              </a:ext>
+            </a:extLst>
+          </a:blip>
           <a:stretch>
             <a:fillRect/>
           </a:stretch>
         </p:blipFill>
         <p:spPr>
           <a:xfrm>
-            <a:off x="544122" y="389"/>
-            <a:ext cx="8992379" cy="5669771"/>
+            <a:off x="504492" y="1148028"/>
+            <a:ext cx="5554981" cy="3577697"/>
           </a:xfrm>
           <a:prstGeom prst="rect">
             <a:avLst/>
@@ -6997,7 +6810,7 @@
     </p:spTree>
     <p:extLst>
       <p:ext uri="{BB962C8B-B14F-4D97-AF65-F5344CB8AC3E}">
-        <p14:creationId xmlns:p14="http://schemas.microsoft.com/office/powerpoint/2010/main" val="1951810780"/>
+        <p14:creationId xmlns:p14="http://schemas.microsoft.com/office/powerpoint/2010/main" val="95387316"/>
       </p:ext>
     </p:extLst>
   </p:cSld>
@@ -7024,12 +6837,59 @@
           <a:chExt cx="0" cy="0"/>
         </a:xfrm>
       </p:grpSpPr>
-      <p:sp>
-        <p:nvSpPr>
-          <p:cNvPr id="4" name="Espace réservé du numéro de diapositive 3">
-            <a:extLst>
-              <a:ext uri="{FF2B5EF4-FFF2-40B4-BE49-F238E27FC236}">
-                <a16:creationId xmlns:a16="http://schemas.microsoft.com/office/drawing/2014/main" id="{07F01449-2E6D-27ED-86D0-C4621E7EA262}"/>
+      <p:pic>
+        <p:nvPicPr>
+          <p:cNvPr id="2" name="Picture 2" descr="Polytech Tours - Polytech Tours, école d'ingénieurs">
+            <a:extLst>
+              <a:ext uri="{FF2B5EF4-FFF2-40B4-BE49-F238E27FC236}">
+                <a16:creationId xmlns:a16="http://schemas.microsoft.com/office/drawing/2014/main" id="{009710E4-4286-CDDE-E7EB-109C9DDAB24F}"/>
+              </a:ext>
+            </a:extLst>
+          </p:cNvPr>
+          <p:cNvPicPr>
+            <a:picLocks noChangeAspect="1" noChangeArrowheads="1"/>
+          </p:cNvPicPr>
+          <p:nvPr/>
+        </p:nvPicPr>
+        <p:blipFill>
+          <a:blip r:embed="rId2" cstate="print">
+            <a:extLst>
+              <a:ext uri="{28A0092B-C50C-407E-A947-70E740481C1C}">
+                <a14:useLocalDpi xmlns:a14="http://schemas.microsoft.com/office/drawing/2010/main" val="0"/>
+              </a:ext>
+            </a:extLst>
+          </a:blip>
+          <a:srcRect/>
+          <a:stretch>
+            <a:fillRect/>
+          </a:stretch>
+        </p:blipFill>
+        <p:spPr bwMode="auto">
+          <a:xfrm>
+            <a:off x="0" y="4852645"/>
+            <a:ext cx="3985897" cy="817905"/>
+          </a:xfrm>
+          <a:prstGeom prst="rect">
+            <a:avLst/>
+          </a:prstGeom>
+          <a:noFill/>
+          <a:extLst>
+            <a:ext uri="{909E8E84-426E-40DD-AFC4-6F175D3DCCD1}">
+              <a14:hiddenFill xmlns:a14="http://schemas.microsoft.com/office/drawing/2010/main">
+                <a:solidFill>
+                  <a:srgbClr val="FFFFFF"/>
+                </a:solidFill>
+              </a14:hiddenFill>
+            </a:ext>
+          </a:extLst>
+        </p:spPr>
+      </p:pic>
+      <p:sp>
+        <p:nvSpPr>
+          <p:cNvPr id="3" name="Espace réservé du numéro de diapositive 2">
+            <a:extLst>
+              <a:ext uri="{FF2B5EF4-FFF2-40B4-BE49-F238E27FC236}">
+                <a16:creationId xmlns:a16="http://schemas.microsoft.com/office/drawing/2014/main" id="{FAF3CFF4-FC6E-8119-4D39-629CA185EBE3}"/>
               </a:ext>
             </a:extLst>
           </p:cNvPr>
@@ -7055,10 +6915,10 @@
       </p:sp>
       <p:pic>
         <p:nvPicPr>
-          <p:cNvPr id="6" name="Image 5" descr="Une image contenant capture d’écran, texte&#10;&#10;Description générée automatiquement">
-            <a:extLst>
-              <a:ext uri="{FF2B5EF4-FFF2-40B4-BE49-F238E27FC236}">
-                <a16:creationId xmlns:a16="http://schemas.microsoft.com/office/drawing/2014/main" id="{1884ECC4-411C-0BBF-F14B-819B89CD3AFD}"/>
+          <p:cNvPr id="4" name="Image 3">
+            <a:extLst>
+              <a:ext uri="{FF2B5EF4-FFF2-40B4-BE49-F238E27FC236}">
+                <a16:creationId xmlns:a16="http://schemas.microsoft.com/office/drawing/2014/main" id="{1303AD38-44C5-CF84-2FA2-4CB271CD32C8}"/>
               </a:ext>
             </a:extLst>
           </p:cNvPr>
@@ -7068,7 +6928,7 @@
           <p:nvPr/>
         </p:nvPicPr>
         <p:blipFill>
-          <a:blip r:embed="rId2" cstate="print">
+          <a:blip r:embed="rId3">
             <a:extLst>
               <a:ext uri="{28A0092B-C50C-407E-A947-70E740481C1C}">
                 <a14:useLocalDpi xmlns:a14="http://schemas.microsoft.com/office/drawing/2010/main" val="0"/>
@@ -7081,8 +6941,44 @@
         </p:blipFill>
         <p:spPr>
           <a:xfrm>
-            <a:off x="2096093" y="0"/>
-            <a:ext cx="6106593" cy="5880632"/>
+            <a:off x="0" y="4847379"/>
+            <a:ext cx="4951220" cy="823171"/>
+          </a:xfrm>
+          <a:prstGeom prst="rect">
+            <a:avLst/>
+          </a:prstGeom>
+        </p:spPr>
+      </p:pic>
+      <p:pic>
+        <p:nvPicPr>
+          <p:cNvPr id="12" name="Image 11">
+            <a:extLst>
+              <a:ext uri="{FF2B5EF4-FFF2-40B4-BE49-F238E27FC236}">
+                <a16:creationId xmlns:a16="http://schemas.microsoft.com/office/drawing/2014/main" id="{5D545C9F-6867-F63A-2E12-A2A58769F0E3}"/>
+              </a:ext>
+            </a:extLst>
+          </p:cNvPr>
+          <p:cNvPicPr>
+            <a:picLocks noChangeAspect="1"/>
+          </p:cNvPicPr>
+          <p:nvPr/>
+        </p:nvPicPr>
+        <p:blipFill>
+          <a:blip r:embed="rId4">
+            <a:extLst>
+              <a:ext uri="{28A0092B-C50C-407E-A947-70E740481C1C}">
+                <a14:useLocalDpi xmlns:a14="http://schemas.microsoft.com/office/drawing/2010/main" val="0"/>
+              </a:ext>
+            </a:extLst>
+          </a:blip>
+          <a:stretch>
+            <a:fillRect/>
+          </a:stretch>
+        </p:blipFill>
+        <p:spPr>
+          <a:xfrm>
+            <a:off x="271611" y="283059"/>
+            <a:ext cx="7386489" cy="4460303"/>
           </a:xfrm>
           <a:prstGeom prst="rect">
             <a:avLst/>
@@ -7092,7 +6988,7 @@
     </p:spTree>
     <p:extLst>
       <p:ext uri="{BB962C8B-B14F-4D97-AF65-F5344CB8AC3E}">
-        <p14:creationId xmlns:p14="http://schemas.microsoft.com/office/powerpoint/2010/main" val="2709437753"/>
+        <p14:creationId xmlns:p14="http://schemas.microsoft.com/office/powerpoint/2010/main" val="2309905631"/>
       </p:ext>
     </p:extLst>
   </p:cSld>
@@ -7121,13 +7017,7 @@
       </p:grpSpPr>
       <p:sp>
         <p:nvSpPr>
-          <p:cNvPr id="2" name="Titre 1">
-            <a:extLst>
-              <a:ext uri="{FF2B5EF4-FFF2-40B4-BE49-F238E27FC236}">
-                <a16:creationId xmlns:a16="http://schemas.microsoft.com/office/drawing/2014/main" id="{87C1232E-E033-F90A-D288-028D816234A5}"/>
-              </a:ext>
-            </a:extLst>
-          </p:cNvPr>
+          <p:cNvPr id="42" name="PlaceHolder 1"/>
           <p:cNvSpPr>
             <a:spLocks noGrp="1"/>
           </p:cNvSpPr>
@@ -7135,81 +7025,92 @@
             <p:ph type="title"/>
           </p:nvPr>
         </p:nvSpPr>
-        <p:spPr/>
-        <p:txBody>
-          <a:bodyPr/>
-          <a:lstStyle/>
-          <a:p>
+        <p:spPr>
+          <a:xfrm>
+            <a:off x="504492" y="201588"/>
+            <a:ext cx="9071640" cy="946440"/>
+          </a:xfrm>
+          <a:prstGeom prst="rect">
+            <a:avLst/>
+          </a:prstGeom>
+          <a:noFill/>
+          <a:ln w="0">
+            <a:noFill/>
+          </a:ln>
+        </p:spPr>
+        <p:txBody>
+          <a:bodyPr lIns="0" tIns="0" rIns="0" bIns="0" anchor="ctr">
+            <a:noAutofit/>
+          </a:bodyPr>
+          <a:lstStyle/>
+          <a:p>
+            <a:pPr algn="ctr"/>
             <a:r>
               <a:rPr lang="fr-FR" dirty="0"/>
-              <a:t>Implémentation</a:t>
-            </a:r>
-          </a:p>
-        </p:txBody>
-      </p:sp>
-      <p:sp>
-        <p:nvSpPr>
-          <p:cNvPr id="3" name="Sous-titre 2">
-            <a:extLst>
-              <a:ext uri="{FF2B5EF4-FFF2-40B4-BE49-F238E27FC236}">
-                <a16:creationId xmlns:a16="http://schemas.microsoft.com/office/drawing/2014/main" id="{2BA9A0C3-7E0A-A3D8-B577-A45C27ACAA36}"/>
-              </a:ext>
-            </a:extLst>
-          </p:cNvPr>
-          <p:cNvSpPr>
-            <a:spLocks noGrp="1"/>
-          </p:cNvSpPr>
-          <p:nvPr>
-            <p:ph type="subTitle"/>
-          </p:nvPr>
-        </p:nvSpPr>
-        <p:spPr>
-          <a:xfrm>
-            <a:off x="503999" y="1326600"/>
-            <a:ext cx="9362760" cy="3288240"/>
-          </a:xfrm>
-        </p:spPr>
-        <p:txBody>
-          <a:bodyPr/>
-          <a:lstStyle/>
-          <a:p>
-            <a:r>
-              <a:rPr lang="fr-FR" dirty="0"/>
-              <a:t>Librairie MCP23017</a:t>
-            </a:r>
-          </a:p>
-          <a:p>
-            <a:r>
-              <a:rPr lang="fr-FR" dirty="0"/>
-              <a:t>Librairie SK9822</a:t>
-            </a:r>
-          </a:p>
-          <a:p>
-            <a:r>
-              <a:rPr lang="fr-FR" dirty="0"/>
-              <a:t>Librairies I2C, SPI</a:t>
-            </a:r>
-          </a:p>
-          <a:p>
-            <a:r>
-              <a:rPr lang="fr-FR" dirty="0"/>
-              <a:t>Librairie « générale »</a:t>
-            </a:r>
-          </a:p>
-          <a:p>
-            <a:r>
-              <a:rPr lang="fr-FR" dirty="0"/>
-              <a:t>Librairie de calculs (table de transition, conversions, etc.)</a:t>
-            </a:r>
-          </a:p>
-        </p:txBody>
-      </p:sp>
-      <p:sp>
-        <p:nvSpPr>
-          <p:cNvPr id="4" name="Espace réservé du numéro de diapositive 3">
-            <a:extLst>
-              <a:ext uri="{FF2B5EF4-FFF2-40B4-BE49-F238E27FC236}">
-                <a16:creationId xmlns:a16="http://schemas.microsoft.com/office/drawing/2014/main" id="{20A33261-C22A-B2ED-0BB1-8A1AAF26C63B}"/>
+              <a:t>Schéma électrique </a:t>
+            </a:r>
+            <a:endParaRPr lang="en-US" sz="1800" b="0" strike="noStrike" spc="-1" dirty="0">
+              <a:solidFill>
+                <a:srgbClr val="000000"/>
+              </a:solidFill>
+              <a:latin typeface="Arial"/>
+            </a:endParaRPr>
+          </a:p>
+        </p:txBody>
+      </p:sp>
+      <p:pic>
+        <p:nvPicPr>
+          <p:cNvPr id="2" name="Picture 2" descr="Polytech Tours - Polytech Tours, école d'ingénieurs">
+            <a:extLst>
+              <a:ext uri="{FF2B5EF4-FFF2-40B4-BE49-F238E27FC236}">
+                <a16:creationId xmlns:a16="http://schemas.microsoft.com/office/drawing/2014/main" id="{009710E4-4286-CDDE-E7EB-109C9DDAB24F}"/>
+              </a:ext>
+            </a:extLst>
+          </p:cNvPr>
+          <p:cNvPicPr>
+            <a:picLocks noChangeAspect="1" noChangeArrowheads="1"/>
+          </p:cNvPicPr>
+          <p:nvPr/>
+        </p:nvPicPr>
+        <p:blipFill>
+          <a:blip r:embed="rId2" cstate="print">
+            <a:extLst>
+              <a:ext uri="{28A0092B-C50C-407E-A947-70E740481C1C}">
+                <a14:useLocalDpi xmlns:a14="http://schemas.microsoft.com/office/drawing/2010/main" val="0"/>
+              </a:ext>
+            </a:extLst>
+          </a:blip>
+          <a:srcRect/>
+          <a:stretch>
+            <a:fillRect/>
+          </a:stretch>
+        </p:blipFill>
+        <p:spPr bwMode="auto">
+          <a:xfrm>
+            <a:off x="0" y="4852645"/>
+            <a:ext cx="3985897" cy="817905"/>
+          </a:xfrm>
+          <a:prstGeom prst="rect">
+            <a:avLst/>
+          </a:prstGeom>
+          <a:noFill/>
+          <a:extLst>
+            <a:ext uri="{909E8E84-426E-40DD-AFC4-6F175D3DCCD1}">
+              <a14:hiddenFill xmlns:a14="http://schemas.microsoft.com/office/drawing/2010/main">
+                <a:solidFill>
+                  <a:srgbClr val="FFFFFF"/>
+                </a:solidFill>
+              </a14:hiddenFill>
+            </a:ext>
+          </a:extLst>
+        </p:spPr>
+      </p:pic>
+      <p:sp>
+        <p:nvSpPr>
+          <p:cNvPr id="3" name="Espace réservé du numéro de diapositive 2">
+            <a:extLst>
+              <a:ext uri="{FF2B5EF4-FFF2-40B4-BE49-F238E27FC236}">
+                <a16:creationId xmlns:a16="http://schemas.microsoft.com/office/drawing/2014/main" id="{FAF3CFF4-FC6E-8119-4D39-629CA185EBE3}"/>
               </a:ext>
             </a:extLst>
           </p:cNvPr>
@@ -7233,10 +7134,82 @@
           </a:p>
         </p:txBody>
       </p:sp>
+      <p:pic>
+        <p:nvPicPr>
+          <p:cNvPr id="4" name="Image 3">
+            <a:extLst>
+              <a:ext uri="{FF2B5EF4-FFF2-40B4-BE49-F238E27FC236}">
+                <a16:creationId xmlns:a16="http://schemas.microsoft.com/office/drawing/2014/main" id="{1303AD38-44C5-CF84-2FA2-4CB271CD32C8}"/>
+              </a:ext>
+            </a:extLst>
+          </p:cNvPr>
+          <p:cNvPicPr>
+            <a:picLocks noChangeAspect="1"/>
+          </p:cNvPicPr>
+          <p:nvPr/>
+        </p:nvPicPr>
+        <p:blipFill>
+          <a:blip r:embed="rId3">
+            <a:extLst>
+              <a:ext uri="{28A0092B-C50C-407E-A947-70E740481C1C}">
+                <a14:useLocalDpi xmlns:a14="http://schemas.microsoft.com/office/drawing/2010/main" val="0"/>
+              </a:ext>
+            </a:extLst>
+          </a:blip>
+          <a:stretch>
+            <a:fillRect/>
+          </a:stretch>
+        </p:blipFill>
+        <p:spPr>
+          <a:xfrm>
+            <a:off x="0" y="4847379"/>
+            <a:ext cx="4951220" cy="823171"/>
+          </a:xfrm>
+          <a:prstGeom prst="rect">
+            <a:avLst/>
+          </a:prstGeom>
+        </p:spPr>
+      </p:pic>
+      <p:pic>
+        <p:nvPicPr>
+          <p:cNvPr id="6" name="Image 5">
+            <a:extLst>
+              <a:ext uri="{FF2B5EF4-FFF2-40B4-BE49-F238E27FC236}">
+                <a16:creationId xmlns:a16="http://schemas.microsoft.com/office/drawing/2014/main" id="{CE80AE12-9B48-9DE1-C2B6-59557907111D}"/>
+              </a:ext>
+            </a:extLst>
+          </p:cNvPr>
+          <p:cNvPicPr>
+            <a:picLocks noChangeAspect="1"/>
+          </p:cNvPicPr>
+          <p:nvPr/>
+        </p:nvPicPr>
+        <p:blipFill>
+          <a:blip r:embed="rId4">
+            <a:extLst>
+              <a:ext uri="{28A0092B-C50C-407E-A947-70E740481C1C}">
+                <a14:useLocalDpi xmlns:a14="http://schemas.microsoft.com/office/drawing/2010/main" val="0"/>
+              </a:ext>
+            </a:extLst>
+          </a:blip>
+          <a:stretch>
+            <a:fillRect/>
+          </a:stretch>
+        </p:blipFill>
+        <p:spPr>
+          <a:xfrm>
+            <a:off x="416429" y="982728"/>
+            <a:ext cx="5334493" cy="3862018"/>
+          </a:xfrm>
+          <a:prstGeom prst="rect">
+            <a:avLst/>
+          </a:prstGeom>
+        </p:spPr>
+      </p:pic>
     </p:spTree>
     <p:extLst>
       <p:ext uri="{BB962C8B-B14F-4D97-AF65-F5344CB8AC3E}">
-        <p14:creationId xmlns:p14="http://schemas.microsoft.com/office/powerpoint/2010/main" val="2852072325"/>
+        <p14:creationId xmlns:p14="http://schemas.microsoft.com/office/powerpoint/2010/main" val="1847238486"/>
       </p:ext>
     </p:extLst>
   </p:cSld>
@@ -7414,18 +7387,6 @@
   <p:clrMapOvr>
     <a:masterClrMapping/>
   </p:clrMapOvr>
-  <mc:AlternateContent xmlns:mc="http://schemas.openxmlformats.org/markup-compatibility/2006" xmlns:p14="http://schemas.microsoft.com/office/powerpoint/2010/main">
-    <mc:Choice Requires="p14">
-      <p:transition spd="med" p14:dur="700">
-        <p:fade/>
-      </p:transition>
-    </mc:Choice>
-    <mc:Fallback xmlns="">
-      <p:transition spd="med">
-        <p:fade/>
-      </p:transition>
-    </mc:Fallback>
-  </mc:AlternateContent>
 </p:sld>
 </file>
 
@@ -7448,13 +7409,7 @@
       </p:grpSpPr>
       <p:sp>
         <p:nvSpPr>
-          <p:cNvPr id="2" name="Titre 1">
-            <a:extLst>
-              <a:ext uri="{FF2B5EF4-FFF2-40B4-BE49-F238E27FC236}">
-                <a16:creationId xmlns:a16="http://schemas.microsoft.com/office/drawing/2014/main" id="{13D39F2D-082B-714D-C7C7-5F676F48C8CC}"/>
-              </a:ext>
-            </a:extLst>
-          </p:cNvPr>
+          <p:cNvPr id="42" name="PlaceHolder 1"/>
           <p:cNvSpPr>
             <a:spLocks noGrp="1"/>
           </p:cNvSpPr>
@@ -7462,58 +7417,92 @@
             <p:ph type="title"/>
           </p:nvPr>
         </p:nvSpPr>
-        <p:spPr/>
-        <p:txBody>
-          <a:bodyPr/>
-          <a:lstStyle/>
-          <a:p>
+        <p:spPr>
+          <a:xfrm>
+            <a:off x="504492" y="201588"/>
+            <a:ext cx="9071640" cy="946440"/>
+          </a:xfrm>
+          <a:prstGeom prst="rect">
+            <a:avLst/>
+          </a:prstGeom>
+          <a:noFill/>
+          <a:ln w="0">
+            <a:noFill/>
+          </a:ln>
+        </p:spPr>
+        <p:txBody>
+          <a:bodyPr lIns="0" tIns="0" rIns="0" bIns="0" anchor="ctr">
+            <a:noAutofit/>
+          </a:bodyPr>
+          <a:lstStyle/>
+          <a:p>
+            <a:pPr algn="ctr"/>
             <a:r>
               <a:rPr lang="fr-FR" dirty="0"/>
-              <a:t>Conclusion et Points d’amélioration</a:t>
-            </a:r>
-          </a:p>
-        </p:txBody>
-      </p:sp>
-      <p:sp>
-        <p:nvSpPr>
-          <p:cNvPr id="3" name="Sous-titre 2">
-            <a:extLst>
-              <a:ext uri="{FF2B5EF4-FFF2-40B4-BE49-F238E27FC236}">
-                <a16:creationId xmlns:a16="http://schemas.microsoft.com/office/drawing/2014/main" id="{98C5E43B-6A6D-A028-013F-B79708B1D731}"/>
-              </a:ext>
-            </a:extLst>
-          </p:cNvPr>
-          <p:cNvSpPr>
-            <a:spLocks noGrp="1"/>
-          </p:cNvSpPr>
-          <p:nvPr>
-            <p:ph type="subTitle"/>
-          </p:nvPr>
-        </p:nvSpPr>
-        <p:spPr/>
-        <p:txBody>
-          <a:bodyPr/>
-          <a:lstStyle/>
-          <a:p>
-            <a:r>
-              <a:rPr lang="fr-FR" dirty="0"/>
-              <a:t>Mauvaise gestion du temps</a:t>
-            </a:r>
-          </a:p>
-          <a:p>
-            <a:endParaRPr lang="fr-FR" dirty="0"/>
-          </a:p>
-          <a:p>
-            <a:endParaRPr lang="fr-FR" dirty="0"/>
-          </a:p>
-        </p:txBody>
-      </p:sp>
-      <p:sp>
-        <p:nvSpPr>
-          <p:cNvPr id="4" name="Espace réservé du numéro de diapositive 3">
-            <a:extLst>
-              <a:ext uri="{FF2B5EF4-FFF2-40B4-BE49-F238E27FC236}">
-                <a16:creationId xmlns:a16="http://schemas.microsoft.com/office/drawing/2014/main" id="{0C044F6A-DAC0-7D84-29D2-4FE35DA91AFC}"/>
+              <a:t>Schéma électrique </a:t>
+            </a:r>
+            <a:endParaRPr lang="en-US" sz="1800" b="0" strike="noStrike" spc="-1" dirty="0">
+              <a:solidFill>
+                <a:srgbClr val="000000"/>
+              </a:solidFill>
+              <a:latin typeface="Arial"/>
+            </a:endParaRPr>
+          </a:p>
+        </p:txBody>
+      </p:sp>
+      <p:pic>
+        <p:nvPicPr>
+          <p:cNvPr id="2" name="Picture 2" descr="Polytech Tours - Polytech Tours, école d'ingénieurs">
+            <a:extLst>
+              <a:ext uri="{FF2B5EF4-FFF2-40B4-BE49-F238E27FC236}">
+                <a16:creationId xmlns:a16="http://schemas.microsoft.com/office/drawing/2014/main" id="{009710E4-4286-CDDE-E7EB-109C9DDAB24F}"/>
+              </a:ext>
+            </a:extLst>
+          </p:cNvPr>
+          <p:cNvPicPr>
+            <a:picLocks noChangeAspect="1" noChangeArrowheads="1"/>
+          </p:cNvPicPr>
+          <p:nvPr/>
+        </p:nvPicPr>
+        <p:blipFill>
+          <a:blip r:embed="rId2" cstate="print">
+            <a:extLst>
+              <a:ext uri="{28A0092B-C50C-407E-A947-70E740481C1C}">
+                <a14:useLocalDpi xmlns:a14="http://schemas.microsoft.com/office/drawing/2010/main" val="0"/>
+              </a:ext>
+            </a:extLst>
+          </a:blip>
+          <a:srcRect/>
+          <a:stretch>
+            <a:fillRect/>
+          </a:stretch>
+        </p:blipFill>
+        <p:spPr bwMode="auto">
+          <a:xfrm>
+            <a:off x="0" y="4852645"/>
+            <a:ext cx="3985897" cy="817905"/>
+          </a:xfrm>
+          <a:prstGeom prst="rect">
+            <a:avLst/>
+          </a:prstGeom>
+          <a:noFill/>
+          <a:extLst>
+            <a:ext uri="{909E8E84-426E-40DD-AFC4-6F175D3DCCD1}">
+              <a14:hiddenFill xmlns:a14="http://schemas.microsoft.com/office/drawing/2010/main">
+                <a:solidFill>
+                  <a:srgbClr val="FFFFFF"/>
+                </a:solidFill>
+              </a14:hiddenFill>
+            </a:ext>
+          </a:extLst>
+        </p:spPr>
+      </p:pic>
+      <p:sp>
+        <p:nvSpPr>
+          <p:cNvPr id="3" name="Espace réservé du numéro de diapositive 2">
+            <a:extLst>
+              <a:ext uri="{FF2B5EF4-FFF2-40B4-BE49-F238E27FC236}">
+                <a16:creationId xmlns:a16="http://schemas.microsoft.com/office/drawing/2014/main" id="{FAF3CFF4-FC6E-8119-4D39-629CA185EBE3}"/>
               </a:ext>
             </a:extLst>
           </p:cNvPr>
@@ -7537,10 +7526,82 @@
           </a:p>
         </p:txBody>
       </p:sp>
+      <p:pic>
+        <p:nvPicPr>
+          <p:cNvPr id="4" name="Image 3">
+            <a:extLst>
+              <a:ext uri="{FF2B5EF4-FFF2-40B4-BE49-F238E27FC236}">
+                <a16:creationId xmlns:a16="http://schemas.microsoft.com/office/drawing/2014/main" id="{1303AD38-44C5-CF84-2FA2-4CB271CD32C8}"/>
+              </a:ext>
+            </a:extLst>
+          </p:cNvPr>
+          <p:cNvPicPr>
+            <a:picLocks noChangeAspect="1"/>
+          </p:cNvPicPr>
+          <p:nvPr/>
+        </p:nvPicPr>
+        <p:blipFill>
+          <a:blip r:embed="rId3">
+            <a:extLst>
+              <a:ext uri="{28A0092B-C50C-407E-A947-70E740481C1C}">
+                <a14:useLocalDpi xmlns:a14="http://schemas.microsoft.com/office/drawing/2010/main" val="0"/>
+              </a:ext>
+            </a:extLst>
+          </a:blip>
+          <a:stretch>
+            <a:fillRect/>
+          </a:stretch>
+        </p:blipFill>
+        <p:spPr>
+          <a:xfrm>
+            <a:off x="0" y="4847379"/>
+            <a:ext cx="4951220" cy="823171"/>
+          </a:xfrm>
+          <a:prstGeom prst="rect">
+            <a:avLst/>
+          </a:prstGeom>
+        </p:spPr>
+      </p:pic>
+      <p:pic>
+        <p:nvPicPr>
+          <p:cNvPr id="6" name="Image 5">
+            <a:extLst>
+              <a:ext uri="{FF2B5EF4-FFF2-40B4-BE49-F238E27FC236}">
+                <a16:creationId xmlns:a16="http://schemas.microsoft.com/office/drawing/2014/main" id="{EC1C9E64-0A8A-5755-BA70-D6B8B8D38990}"/>
+              </a:ext>
+            </a:extLst>
+          </p:cNvPr>
+          <p:cNvPicPr>
+            <a:picLocks noChangeAspect="1"/>
+          </p:cNvPicPr>
+          <p:nvPr/>
+        </p:nvPicPr>
+        <p:blipFill>
+          <a:blip r:embed="rId4">
+            <a:extLst>
+              <a:ext uri="{28A0092B-C50C-407E-A947-70E740481C1C}">
+                <a14:useLocalDpi xmlns:a14="http://schemas.microsoft.com/office/drawing/2010/main" val="0"/>
+              </a:ext>
+            </a:extLst>
+          </a:blip>
+          <a:stretch>
+            <a:fillRect/>
+          </a:stretch>
+        </p:blipFill>
+        <p:spPr>
+          <a:xfrm>
+            <a:off x="5362040" y="928454"/>
+            <a:ext cx="3730639" cy="4681030"/>
+          </a:xfrm>
+          <a:prstGeom prst="rect">
+            <a:avLst/>
+          </a:prstGeom>
+        </p:spPr>
+      </p:pic>
     </p:spTree>
     <p:extLst>
       <p:ext uri="{BB962C8B-B14F-4D97-AF65-F5344CB8AC3E}">
-        <p14:creationId xmlns:p14="http://schemas.microsoft.com/office/powerpoint/2010/main" val="1791122186"/>
+        <p14:creationId xmlns:p14="http://schemas.microsoft.com/office/powerpoint/2010/main" val="2373790543"/>
       </p:ext>
     </p:extLst>
   </p:cSld>
@@ -7569,10 +7630,38 @@
       </p:grpSpPr>
       <p:sp>
         <p:nvSpPr>
+          <p:cNvPr id="2" name="Titre 1">
+            <a:extLst>
+              <a:ext uri="{FF2B5EF4-FFF2-40B4-BE49-F238E27FC236}">
+                <a16:creationId xmlns:a16="http://schemas.microsoft.com/office/drawing/2014/main" id="{7886289B-8DAC-FFD5-13CB-29486211041E}"/>
+              </a:ext>
+            </a:extLst>
+          </p:cNvPr>
+          <p:cNvSpPr>
+            <a:spLocks noGrp="1"/>
+          </p:cNvSpPr>
+          <p:nvPr>
+            <p:ph type="title"/>
+          </p:nvPr>
+        </p:nvSpPr>
+        <p:spPr/>
+        <p:txBody>
+          <a:bodyPr/>
+          <a:lstStyle/>
+          <a:p>
+            <a:r>
+              <a:rPr lang="fr-FR" dirty="0"/>
+              <a:t>Conception Logicielle</a:t>
+            </a:r>
+          </a:p>
+        </p:txBody>
+      </p:sp>
+      <p:sp>
+        <p:nvSpPr>
           <p:cNvPr id="3" name="Sous-titre 2">
             <a:extLst>
               <a:ext uri="{FF2B5EF4-FFF2-40B4-BE49-F238E27FC236}">
-                <a16:creationId xmlns:a16="http://schemas.microsoft.com/office/drawing/2014/main" id="{74C87142-58F2-AFEA-5C59-E03C0EE8B5FF}"/>
+                <a16:creationId xmlns:a16="http://schemas.microsoft.com/office/drawing/2014/main" id="{98AE0FF7-3F10-F183-9AE1-587A1ACF6908}"/>
               </a:ext>
             </a:extLst>
           </p:cNvPr>
@@ -7583,17 +7672,33 @@
             <p:ph type="subTitle"/>
           </p:nvPr>
         </p:nvSpPr>
-        <p:spPr/>
+        <p:spPr>
+          <a:xfrm>
+            <a:off x="504000" y="1102231"/>
+            <a:ext cx="9071640" cy="1460280"/>
+          </a:xfrm>
+        </p:spPr>
         <p:txBody>
           <a:bodyPr/>
           <a:lstStyle/>
           <a:p>
-            <a:pPr marL="0" indent="0">
-              <a:buNone/>
+            <a:pPr>
+              <a:buFontTx/>
+              <a:buChar char="-"/>
             </a:pPr>
             <a:r>
-              <a:rPr lang="fr-FR" sz="6600" dirty="0"/>
-              <a:t>Des questions ?</a:t>
+              <a:rPr lang="fr-FR" sz="2800" dirty="0"/>
+              <a:t>Diagrammes de Séquences</a:t>
+            </a:r>
+          </a:p>
+          <a:p>
+            <a:pPr>
+              <a:buFontTx/>
+              <a:buChar char="-"/>
+            </a:pPr>
+            <a:r>
+              <a:rPr lang="fr-FR" sz="2800" dirty="0"/>
+              <a:t>Algorithmes</a:t>
             </a:r>
           </a:p>
         </p:txBody>
@@ -7603,7 +7708,7 @@
           <p:cNvPr id="4" name="Espace réservé du numéro de diapositive 3">
             <a:extLst>
               <a:ext uri="{FF2B5EF4-FFF2-40B4-BE49-F238E27FC236}">
-                <a16:creationId xmlns:a16="http://schemas.microsoft.com/office/drawing/2014/main" id="{00E63A6B-C229-C6EC-083A-C83DE7B82478}"/>
+                <a16:creationId xmlns:a16="http://schemas.microsoft.com/office/drawing/2014/main" id="{66459D19-04A2-312A-7FE7-1E47C2A1B9B0}"/>
               </a:ext>
             </a:extLst>
           </p:cNvPr>
@@ -7627,6 +7732,671 @@
           </a:p>
         </p:txBody>
       </p:sp>
+      <p:pic>
+        <p:nvPicPr>
+          <p:cNvPr id="5" name="Image 4">
+            <a:extLst>
+              <a:ext uri="{FF2B5EF4-FFF2-40B4-BE49-F238E27FC236}">
+                <a16:creationId xmlns:a16="http://schemas.microsoft.com/office/drawing/2014/main" id="{8B41EEFD-AD6D-7755-226B-EA06F84F101F}"/>
+              </a:ext>
+            </a:extLst>
+          </p:cNvPr>
+          <p:cNvPicPr>
+            <a:picLocks noChangeAspect="1"/>
+          </p:cNvPicPr>
+          <p:nvPr/>
+        </p:nvPicPr>
+        <p:blipFill>
+          <a:blip r:embed="rId2">
+            <a:extLst>
+              <a:ext uri="{28A0092B-C50C-407E-A947-70E740481C1C}">
+                <a14:useLocalDpi xmlns:a14="http://schemas.microsoft.com/office/drawing/2010/main" val="0"/>
+              </a:ext>
+            </a:extLst>
+          </a:blip>
+          <a:stretch>
+            <a:fillRect/>
+          </a:stretch>
+        </p:blipFill>
+        <p:spPr>
+          <a:xfrm>
+            <a:off x="0" y="4847379"/>
+            <a:ext cx="4951220" cy="823171"/>
+          </a:xfrm>
+          <a:prstGeom prst="rect">
+            <a:avLst/>
+          </a:prstGeom>
+        </p:spPr>
+      </p:pic>
+    </p:spTree>
+    <p:extLst>
+      <p:ext uri="{BB962C8B-B14F-4D97-AF65-F5344CB8AC3E}">
+        <p14:creationId xmlns:p14="http://schemas.microsoft.com/office/powerpoint/2010/main" val="3093776263"/>
+      </p:ext>
+    </p:extLst>
+  </p:cSld>
+  <p:clrMapOvr>
+    <a:masterClrMapping/>
+  </p:clrMapOvr>
+</p:sld>
+</file>
+
+<file path=ppt/slides/slide22.xml><?xml version="1.0" encoding="utf-8"?>
+<p:sld xmlns:a="http://schemas.openxmlformats.org/drawingml/2006/main" xmlns:r="http://schemas.openxmlformats.org/officeDocument/2006/relationships" xmlns:p="http://schemas.openxmlformats.org/presentationml/2006/main">
+  <p:cSld>
+    <p:spTree>
+      <p:nvGrpSpPr>
+        <p:cNvPr id="1" name=""/>
+        <p:cNvGrpSpPr/>
+        <p:nvPr/>
+      </p:nvGrpSpPr>
+      <p:grpSpPr>
+        <a:xfrm>
+          <a:off x="0" y="0"/>
+          <a:ext cx="0" cy="0"/>
+          <a:chOff x="0" y="0"/>
+          <a:chExt cx="0" cy="0"/>
+        </a:xfrm>
+      </p:grpSpPr>
+      <p:sp>
+        <p:nvSpPr>
+          <p:cNvPr id="4" name="Espace réservé du numéro de diapositive 3">
+            <a:extLst>
+              <a:ext uri="{FF2B5EF4-FFF2-40B4-BE49-F238E27FC236}">
+                <a16:creationId xmlns:a16="http://schemas.microsoft.com/office/drawing/2014/main" id="{8A7311DC-7942-FBAE-5E93-0D9AA5D0BEA4}"/>
+              </a:ext>
+            </a:extLst>
+          </p:cNvPr>
+          <p:cNvSpPr>
+            <a:spLocks noGrp="1"/>
+          </p:cNvSpPr>
+          <p:nvPr>
+            <p:ph type="sldNum" idx="3"/>
+          </p:nvPr>
+        </p:nvSpPr>
+        <p:spPr/>
+        <p:txBody>
+          <a:bodyPr/>
+          <a:lstStyle/>
+          <a:p>
+            <a:fld id="{74A1DB29-52D7-44FB-91A6-D4FF9B58DED1}" type="slidenum">
+              <a:rPr lang="fr-FR" smtClean="0"/>
+              <a:t>22</a:t>
+            </a:fld>
+            <a:endParaRPr lang="fr-FR"/>
+          </a:p>
+        </p:txBody>
+      </p:sp>
+      <p:pic>
+        <p:nvPicPr>
+          <p:cNvPr id="8" name="Image 7" descr="Une image contenant capture d’écran, motif, art, monochrome&#10;&#10;Description générée automatiquement">
+            <a:extLst>
+              <a:ext uri="{FF2B5EF4-FFF2-40B4-BE49-F238E27FC236}">
+                <a16:creationId xmlns:a16="http://schemas.microsoft.com/office/drawing/2014/main" id="{AA6C20DE-12B5-A2D1-7087-B4983F30980C}"/>
+              </a:ext>
+            </a:extLst>
+          </p:cNvPr>
+          <p:cNvPicPr>
+            <a:picLocks noChangeAspect="1"/>
+          </p:cNvPicPr>
+          <p:nvPr/>
+        </p:nvPicPr>
+        <p:blipFill>
+          <a:blip r:embed="rId2">
+            <a:extLst>
+              <a:ext uri="{28A0092B-C50C-407E-A947-70E740481C1C}">
+                <a14:useLocalDpi xmlns:a14="http://schemas.microsoft.com/office/drawing/2010/main" val="0"/>
+              </a:ext>
+            </a:extLst>
+          </a:blip>
+          <a:stretch>
+            <a:fillRect/>
+          </a:stretch>
+        </p:blipFill>
+        <p:spPr>
+          <a:xfrm>
+            <a:off x="217093" y="-1"/>
+            <a:ext cx="9246493" cy="5832231"/>
+          </a:xfrm>
+          <a:prstGeom prst="rect">
+            <a:avLst/>
+          </a:prstGeom>
+        </p:spPr>
+      </p:pic>
+    </p:spTree>
+    <p:extLst>
+      <p:ext uri="{BB962C8B-B14F-4D97-AF65-F5344CB8AC3E}">
+        <p14:creationId xmlns:p14="http://schemas.microsoft.com/office/powerpoint/2010/main" val="1951810780"/>
+      </p:ext>
+    </p:extLst>
+  </p:cSld>
+  <p:clrMapOvr>
+    <a:masterClrMapping/>
+  </p:clrMapOvr>
+</p:sld>
+</file>
+
+<file path=ppt/slides/slide23.xml><?xml version="1.0" encoding="utf-8"?>
+<p:sld xmlns:a="http://schemas.openxmlformats.org/drawingml/2006/main" xmlns:r="http://schemas.openxmlformats.org/officeDocument/2006/relationships" xmlns:p="http://schemas.openxmlformats.org/presentationml/2006/main">
+  <p:cSld>
+    <p:spTree>
+      <p:nvGrpSpPr>
+        <p:cNvPr id="1" name=""/>
+        <p:cNvGrpSpPr/>
+        <p:nvPr/>
+      </p:nvGrpSpPr>
+      <p:grpSpPr>
+        <a:xfrm>
+          <a:off x="0" y="0"/>
+          <a:ext cx="0" cy="0"/>
+          <a:chOff x="0" y="0"/>
+          <a:chExt cx="0" cy="0"/>
+        </a:xfrm>
+      </p:grpSpPr>
+      <p:sp>
+        <p:nvSpPr>
+          <p:cNvPr id="4" name="Espace réservé du numéro de diapositive 3">
+            <a:extLst>
+              <a:ext uri="{FF2B5EF4-FFF2-40B4-BE49-F238E27FC236}">
+                <a16:creationId xmlns:a16="http://schemas.microsoft.com/office/drawing/2014/main" id="{07F01449-2E6D-27ED-86D0-C4621E7EA262}"/>
+              </a:ext>
+            </a:extLst>
+          </p:cNvPr>
+          <p:cNvSpPr>
+            <a:spLocks noGrp="1"/>
+          </p:cNvSpPr>
+          <p:nvPr>
+            <p:ph type="sldNum" idx="3"/>
+          </p:nvPr>
+        </p:nvSpPr>
+        <p:spPr/>
+        <p:txBody>
+          <a:bodyPr/>
+          <a:lstStyle/>
+          <a:p>
+            <a:fld id="{74A1DB29-52D7-44FB-91A6-D4FF9B58DED1}" type="slidenum">
+              <a:rPr lang="fr-FR" smtClean="0"/>
+              <a:t>23</a:t>
+            </a:fld>
+            <a:endParaRPr lang="fr-FR"/>
+          </a:p>
+        </p:txBody>
+      </p:sp>
+      <p:pic>
+        <p:nvPicPr>
+          <p:cNvPr id="6" name="Image 5" descr="Une image contenant capture d’écran, texte&#10;&#10;Description générée automatiquement">
+            <a:extLst>
+              <a:ext uri="{FF2B5EF4-FFF2-40B4-BE49-F238E27FC236}">
+                <a16:creationId xmlns:a16="http://schemas.microsoft.com/office/drawing/2014/main" id="{1884ECC4-411C-0BBF-F14B-819B89CD3AFD}"/>
+              </a:ext>
+            </a:extLst>
+          </p:cNvPr>
+          <p:cNvPicPr>
+            <a:picLocks noChangeAspect="1"/>
+          </p:cNvPicPr>
+          <p:nvPr/>
+        </p:nvPicPr>
+        <p:blipFill>
+          <a:blip r:embed="rId2" cstate="print">
+            <a:extLst>
+              <a:ext uri="{28A0092B-C50C-407E-A947-70E740481C1C}">
+                <a14:useLocalDpi xmlns:a14="http://schemas.microsoft.com/office/drawing/2010/main" val="0"/>
+              </a:ext>
+            </a:extLst>
+          </a:blip>
+          <a:stretch>
+            <a:fillRect/>
+          </a:stretch>
+        </p:blipFill>
+        <p:spPr>
+          <a:xfrm>
+            <a:off x="2096093" y="0"/>
+            <a:ext cx="6106593" cy="5880632"/>
+          </a:xfrm>
+          <a:prstGeom prst="rect">
+            <a:avLst/>
+          </a:prstGeom>
+        </p:spPr>
+      </p:pic>
+    </p:spTree>
+    <p:extLst>
+      <p:ext uri="{BB962C8B-B14F-4D97-AF65-F5344CB8AC3E}">
+        <p14:creationId xmlns:p14="http://schemas.microsoft.com/office/powerpoint/2010/main" val="2709437753"/>
+      </p:ext>
+    </p:extLst>
+  </p:cSld>
+  <p:clrMapOvr>
+    <a:masterClrMapping/>
+  </p:clrMapOvr>
+</p:sld>
+</file>
+
+<file path=ppt/slides/slide24.xml><?xml version="1.0" encoding="utf-8"?>
+<p:sld xmlns:a="http://schemas.openxmlformats.org/drawingml/2006/main" xmlns:r="http://schemas.openxmlformats.org/officeDocument/2006/relationships" xmlns:p="http://schemas.openxmlformats.org/presentationml/2006/main">
+  <p:cSld>
+    <p:spTree>
+      <p:nvGrpSpPr>
+        <p:cNvPr id="1" name=""/>
+        <p:cNvGrpSpPr/>
+        <p:nvPr/>
+      </p:nvGrpSpPr>
+      <p:grpSpPr>
+        <a:xfrm>
+          <a:off x="0" y="0"/>
+          <a:ext cx="0" cy="0"/>
+          <a:chOff x="0" y="0"/>
+          <a:chExt cx="0" cy="0"/>
+        </a:xfrm>
+      </p:grpSpPr>
+      <p:sp>
+        <p:nvSpPr>
+          <p:cNvPr id="2" name="Titre 1">
+            <a:extLst>
+              <a:ext uri="{FF2B5EF4-FFF2-40B4-BE49-F238E27FC236}">
+                <a16:creationId xmlns:a16="http://schemas.microsoft.com/office/drawing/2014/main" id="{87C1232E-E033-F90A-D288-028D816234A5}"/>
+              </a:ext>
+            </a:extLst>
+          </p:cNvPr>
+          <p:cNvSpPr>
+            <a:spLocks noGrp="1"/>
+          </p:cNvSpPr>
+          <p:nvPr>
+            <p:ph type="title"/>
+          </p:nvPr>
+        </p:nvSpPr>
+        <p:spPr/>
+        <p:txBody>
+          <a:bodyPr/>
+          <a:lstStyle/>
+          <a:p>
+            <a:r>
+              <a:rPr lang="fr-FR" dirty="0"/>
+              <a:t>Implémentation</a:t>
+            </a:r>
+          </a:p>
+        </p:txBody>
+      </p:sp>
+      <p:sp>
+        <p:nvSpPr>
+          <p:cNvPr id="3" name="Sous-titre 2">
+            <a:extLst>
+              <a:ext uri="{FF2B5EF4-FFF2-40B4-BE49-F238E27FC236}">
+                <a16:creationId xmlns:a16="http://schemas.microsoft.com/office/drawing/2014/main" id="{2BA9A0C3-7E0A-A3D8-B577-A45C27ACAA36}"/>
+              </a:ext>
+            </a:extLst>
+          </p:cNvPr>
+          <p:cNvSpPr>
+            <a:spLocks noGrp="1"/>
+          </p:cNvSpPr>
+          <p:nvPr>
+            <p:ph type="subTitle"/>
+          </p:nvPr>
+        </p:nvSpPr>
+        <p:spPr>
+          <a:xfrm>
+            <a:off x="503999" y="1326600"/>
+            <a:ext cx="9362760" cy="3288240"/>
+          </a:xfrm>
+        </p:spPr>
+        <p:txBody>
+          <a:bodyPr/>
+          <a:lstStyle/>
+          <a:p>
+            <a:r>
+              <a:rPr lang="fr-FR" sz="2800" dirty="0"/>
+              <a:t>Librairie MCP23017</a:t>
+            </a:r>
+          </a:p>
+          <a:p>
+            <a:r>
+              <a:rPr lang="fr-FR" sz="2800" dirty="0"/>
+              <a:t>Librairie SK9822</a:t>
+            </a:r>
+          </a:p>
+          <a:p>
+            <a:r>
+              <a:rPr lang="fr-FR" sz="2800" dirty="0"/>
+              <a:t>Librairies I2C, SPI</a:t>
+            </a:r>
+          </a:p>
+          <a:p>
+            <a:r>
+              <a:rPr lang="fr-FR" sz="2800" dirty="0"/>
+              <a:t>Librairie « générale »</a:t>
+            </a:r>
+          </a:p>
+          <a:p>
+            <a:r>
+              <a:rPr lang="fr-FR" sz="2800" dirty="0"/>
+              <a:t>Librairie de calculs (table de transition, conversions, etc.)</a:t>
+            </a:r>
+          </a:p>
+        </p:txBody>
+      </p:sp>
+      <p:sp>
+        <p:nvSpPr>
+          <p:cNvPr id="4" name="Espace réservé du numéro de diapositive 3">
+            <a:extLst>
+              <a:ext uri="{FF2B5EF4-FFF2-40B4-BE49-F238E27FC236}">
+                <a16:creationId xmlns:a16="http://schemas.microsoft.com/office/drawing/2014/main" id="{20A33261-C22A-B2ED-0BB1-8A1AAF26C63B}"/>
+              </a:ext>
+            </a:extLst>
+          </p:cNvPr>
+          <p:cNvSpPr>
+            <a:spLocks noGrp="1"/>
+          </p:cNvSpPr>
+          <p:nvPr>
+            <p:ph type="sldNum" idx="3"/>
+          </p:nvPr>
+        </p:nvSpPr>
+        <p:spPr/>
+        <p:txBody>
+          <a:bodyPr/>
+          <a:lstStyle/>
+          <a:p>
+            <a:fld id="{74A1DB29-52D7-44FB-91A6-D4FF9B58DED1}" type="slidenum">
+              <a:rPr lang="fr-FR" smtClean="0"/>
+              <a:t>24</a:t>
+            </a:fld>
+            <a:endParaRPr lang="fr-FR"/>
+          </a:p>
+        </p:txBody>
+      </p:sp>
+      <p:pic>
+        <p:nvPicPr>
+          <p:cNvPr id="5" name="Image 4">
+            <a:extLst>
+              <a:ext uri="{FF2B5EF4-FFF2-40B4-BE49-F238E27FC236}">
+                <a16:creationId xmlns:a16="http://schemas.microsoft.com/office/drawing/2014/main" id="{6295FB5A-550A-C5ED-F684-51D314B3443F}"/>
+              </a:ext>
+            </a:extLst>
+          </p:cNvPr>
+          <p:cNvPicPr>
+            <a:picLocks noChangeAspect="1"/>
+          </p:cNvPicPr>
+          <p:nvPr/>
+        </p:nvPicPr>
+        <p:blipFill>
+          <a:blip r:embed="rId2">
+            <a:extLst>
+              <a:ext uri="{28A0092B-C50C-407E-A947-70E740481C1C}">
+                <a14:useLocalDpi xmlns:a14="http://schemas.microsoft.com/office/drawing/2010/main" val="0"/>
+              </a:ext>
+            </a:extLst>
+          </a:blip>
+          <a:stretch>
+            <a:fillRect/>
+          </a:stretch>
+        </p:blipFill>
+        <p:spPr>
+          <a:xfrm>
+            <a:off x="0" y="4847379"/>
+            <a:ext cx="4951220" cy="823171"/>
+          </a:xfrm>
+          <a:prstGeom prst="rect">
+            <a:avLst/>
+          </a:prstGeom>
+        </p:spPr>
+      </p:pic>
+    </p:spTree>
+    <p:extLst>
+      <p:ext uri="{BB962C8B-B14F-4D97-AF65-F5344CB8AC3E}">
+        <p14:creationId xmlns:p14="http://schemas.microsoft.com/office/powerpoint/2010/main" val="2852072325"/>
+      </p:ext>
+    </p:extLst>
+  </p:cSld>
+  <p:clrMapOvr>
+    <a:masterClrMapping/>
+  </p:clrMapOvr>
+</p:sld>
+</file>
+
+<file path=ppt/slides/slide25.xml><?xml version="1.0" encoding="utf-8"?>
+<p:sld xmlns:a="http://schemas.openxmlformats.org/drawingml/2006/main" xmlns:r="http://schemas.openxmlformats.org/officeDocument/2006/relationships" xmlns:p="http://schemas.openxmlformats.org/presentationml/2006/main">
+  <p:cSld>
+    <p:spTree>
+      <p:nvGrpSpPr>
+        <p:cNvPr id="1" name=""/>
+        <p:cNvGrpSpPr/>
+        <p:nvPr/>
+      </p:nvGrpSpPr>
+      <p:grpSpPr>
+        <a:xfrm>
+          <a:off x="0" y="0"/>
+          <a:ext cx="0" cy="0"/>
+          <a:chOff x="0" y="0"/>
+          <a:chExt cx="0" cy="0"/>
+        </a:xfrm>
+      </p:grpSpPr>
+      <p:sp>
+        <p:nvSpPr>
+          <p:cNvPr id="2" name="Titre 1">
+            <a:extLst>
+              <a:ext uri="{FF2B5EF4-FFF2-40B4-BE49-F238E27FC236}">
+                <a16:creationId xmlns:a16="http://schemas.microsoft.com/office/drawing/2014/main" id="{13D39F2D-082B-714D-C7C7-5F676F48C8CC}"/>
+              </a:ext>
+            </a:extLst>
+          </p:cNvPr>
+          <p:cNvSpPr>
+            <a:spLocks noGrp="1"/>
+          </p:cNvSpPr>
+          <p:nvPr>
+            <p:ph type="title"/>
+          </p:nvPr>
+        </p:nvSpPr>
+        <p:spPr>
+          <a:xfrm>
+            <a:off x="4370292" y="858540"/>
+            <a:ext cx="1340040" cy="946440"/>
+          </a:xfrm>
+        </p:spPr>
+        <p:txBody>
+          <a:bodyPr/>
+          <a:lstStyle/>
+          <a:p>
+            <a:r>
+              <a:rPr lang="fr-FR" dirty="0"/>
+              <a:t>Bilan</a:t>
+            </a:r>
+          </a:p>
+        </p:txBody>
+      </p:sp>
+      <p:sp>
+        <p:nvSpPr>
+          <p:cNvPr id="4" name="Espace réservé du numéro de diapositive 3">
+            <a:extLst>
+              <a:ext uri="{FF2B5EF4-FFF2-40B4-BE49-F238E27FC236}">
+                <a16:creationId xmlns:a16="http://schemas.microsoft.com/office/drawing/2014/main" id="{0C044F6A-DAC0-7D84-29D2-4FE35DA91AFC}"/>
+              </a:ext>
+            </a:extLst>
+          </p:cNvPr>
+          <p:cNvSpPr>
+            <a:spLocks noGrp="1"/>
+          </p:cNvSpPr>
+          <p:nvPr>
+            <p:ph type="sldNum" idx="3"/>
+          </p:nvPr>
+        </p:nvSpPr>
+        <p:spPr/>
+        <p:txBody>
+          <a:bodyPr/>
+          <a:lstStyle/>
+          <a:p>
+            <a:fld id="{74A1DB29-52D7-44FB-91A6-D4FF9B58DED1}" type="slidenum">
+              <a:rPr lang="fr-FR" smtClean="0"/>
+              <a:t>25</a:t>
+            </a:fld>
+            <a:endParaRPr lang="fr-FR"/>
+          </a:p>
+        </p:txBody>
+      </p:sp>
+      <p:pic>
+        <p:nvPicPr>
+          <p:cNvPr id="7" name="Image 6">
+            <a:extLst>
+              <a:ext uri="{FF2B5EF4-FFF2-40B4-BE49-F238E27FC236}">
+                <a16:creationId xmlns:a16="http://schemas.microsoft.com/office/drawing/2014/main" id="{6A12A0B6-F148-CE1F-633A-B4D83315EE8D}"/>
+              </a:ext>
+            </a:extLst>
+          </p:cNvPr>
+          <p:cNvPicPr>
+            <a:picLocks noChangeAspect="1"/>
+          </p:cNvPicPr>
+          <p:nvPr/>
+        </p:nvPicPr>
+        <p:blipFill>
+          <a:blip r:embed="rId2">
+            <a:extLst>
+              <a:ext uri="{28A0092B-C50C-407E-A947-70E740481C1C}">
+                <a14:useLocalDpi xmlns:a14="http://schemas.microsoft.com/office/drawing/2010/main" val="0"/>
+              </a:ext>
+            </a:extLst>
+          </a:blip>
+          <a:stretch>
+            <a:fillRect/>
+          </a:stretch>
+        </p:blipFill>
+        <p:spPr>
+          <a:xfrm>
+            <a:off x="0" y="4847379"/>
+            <a:ext cx="4951220" cy="823171"/>
+          </a:xfrm>
+          <a:prstGeom prst="rect">
+            <a:avLst/>
+          </a:prstGeom>
+        </p:spPr>
+      </p:pic>
+    </p:spTree>
+    <p:extLst>
+      <p:ext uri="{BB962C8B-B14F-4D97-AF65-F5344CB8AC3E}">
+        <p14:creationId xmlns:p14="http://schemas.microsoft.com/office/powerpoint/2010/main" val="1791122186"/>
+      </p:ext>
+    </p:extLst>
+  </p:cSld>
+  <p:clrMapOvr>
+    <a:masterClrMapping/>
+  </p:clrMapOvr>
+</p:sld>
+</file>
+
+<file path=ppt/slides/slide26.xml><?xml version="1.0" encoding="utf-8"?>
+<p:sld xmlns:a="http://schemas.openxmlformats.org/drawingml/2006/main" xmlns:r="http://schemas.openxmlformats.org/officeDocument/2006/relationships" xmlns:p="http://schemas.openxmlformats.org/presentationml/2006/main">
+  <p:cSld>
+    <p:spTree>
+      <p:nvGrpSpPr>
+        <p:cNvPr id="1" name=""/>
+        <p:cNvGrpSpPr/>
+        <p:nvPr/>
+      </p:nvGrpSpPr>
+      <p:grpSpPr>
+        <a:xfrm>
+          <a:off x="0" y="0"/>
+          <a:ext cx="0" cy="0"/>
+          <a:chOff x="0" y="0"/>
+          <a:chExt cx="0" cy="0"/>
+        </a:xfrm>
+      </p:grpSpPr>
+      <p:sp>
+        <p:nvSpPr>
+          <p:cNvPr id="3" name="Sous-titre 2">
+            <a:extLst>
+              <a:ext uri="{FF2B5EF4-FFF2-40B4-BE49-F238E27FC236}">
+                <a16:creationId xmlns:a16="http://schemas.microsoft.com/office/drawing/2014/main" id="{74C87142-58F2-AFEA-5C59-E03C0EE8B5FF}"/>
+              </a:ext>
+            </a:extLst>
+          </p:cNvPr>
+          <p:cNvSpPr>
+            <a:spLocks noGrp="1"/>
+          </p:cNvSpPr>
+          <p:nvPr>
+            <p:ph type="subTitle"/>
+          </p:nvPr>
+        </p:nvSpPr>
+        <p:spPr>
+          <a:xfrm>
+            <a:off x="504492" y="1156808"/>
+            <a:ext cx="9071640" cy="946440"/>
+          </a:xfrm>
+        </p:spPr>
+        <p:txBody>
+          <a:bodyPr/>
+          <a:lstStyle/>
+          <a:p>
+            <a:pPr marL="0" indent="0" algn="ctr">
+              <a:buNone/>
+            </a:pPr>
+            <a:r>
+              <a:rPr lang="fr-FR" sz="6000" dirty="0"/>
+              <a:t>Avez-vous des questions?</a:t>
+            </a:r>
+          </a:p>
+        </p:txBody>
+      </p:sp>
+      <p:sp>
+        <p:nvSpPr>
+          <p:cNvPr id="4" name="Espace réservé du numéro de diapositive 3">
+            <a:extLst>
+              <a:ext uri="{FF2B5EF4-FFF2-40B4-BE49-F238E27FC236}">
+                <a16:creationId xmlns:a16="http://schemas.microsoft.com/office/drawing/2014/main" id="{00E63A6B-C229-C6EC-083A-C83DE7B82478}"/>
+              </a:ext>
+            </a:extLst>
+          </p:cNvPr>
+          <p:cNvSpPr>
+            <a:spLocks noGrp="1"/>
+          </p:cNvSpPr>
+          <p:nvPr>
+            <p:ph type="sldNum" idx="3"/>
+          </p:nvPr>
+        </p:nvSpPr>
+        <p:spPr/>
+        <p:txBody>
+          <a:bodyPr/>
+          <a:lstStyle/>
+          <a:p>
+            <a:fld id="{74A1DB29-52D7-44FB-91A6-D4FF9B58DED1}" type="slidenum">
+              <a:rPr lang="fr-FR" smtClean="0"/>
+              <a:t>26</a:t>
+            </a:fld>
+            <a:endParaRPr lang="fr-FR"/>
+          </a:p>
+        </p:txBody>
+      </p:sp>
+      <p:pic>
+        <p:nvPicPr>
+          <p:cNvPr id="2" name="Image 1">
+            <a:extLst>
+              <a:ext uri="{FF2B5EF4-FFF2-40B4-BE49-F238E27FC236}">
+                <a16:creationId xmlns:a16="http://schemas.microsoft.com/office/drawing/2014/main" id="{1DBA2E8B-BDBA-159C-B67F-25E4A34F7D73}"/>
+              </a:ext>
+            </a:extLst>
+          </p:cNvPr>
+          <p:cNvPicPr>
+            <a:picLocks noChangeAspect="1"/>
+          </p:cNvPicPr>
+          <p:nvPr/>
+        </p:nvPicPr>
+        <p:blipFill>
+          <a:blip r:embed="rId2">
+            <a:extLst>
+              <a:ext uri="{28A0092B-C50C-407E-A947-70E740481C1C}">
+                <a14:useLocalDpi xmlns:a14="http://schemas.microsoft.com/office/drawing/2010/main" val="0"/>
+              </a:ext>
+            </a:extLst>
+          </a:blip>
+          <a:stretch>
+            <a:fillRect/>
+          </a:stretch>
+        </p:blipFill>
+        <p:spPr>
+          <a:xfrm>
+            <a:off x="0" y="4847379"/>
+            <a:ext cx="4951220" cy="823171"/>
+          </a:xfrm>
+          <a:prstGeom prst="rect">
+            <a:avLst/>
+          </a:prstGeom>
+        </p:spPr>
+      </p:pic>
     </p:spTree>
     <p:extLst>
       <p:ext uri="{BB962C8B-B14F-4D97-AF65-F5344CB8AC3E}">
@@ -7683,154 +8453,14 @@
           <a:lstStyle/>
           <a:p>
             <a:r>
-              <a:rPr lang="en-US" sz="1600" spc="-1" dirty="0" err="1">
-                <a:solidFill>
-                  <a:srgbClr val="000000"/>
-                </a:solidFill>
-                <a:latin typeface="Arial"/>
-              </a:rPr>
-              <a:t>Fonctionnement</a:t>
-            </a:r>
-            <a:r>
               <a:rPr lang="en-US" sz="1600" spc="-1" dirty="0">
                 <a:solidFill>
                   <a:srgbClr val="000000"/>
                 </a:solidFill>
                 <a:latin typeface="Arial"/>
               </a:rPr>
-              <a:t> :</a:t>
-            </a:r>
-          </a:p>
-          <a:p>
-            <a:pPr marL="285750" indent="-285750">
-              <a:buFontTx/>
-              <a:buChar char="-"/>
-            </a:pPr>
-            <a:endParaRPr lang="en-US" sz="1600" spc="-1" dirty="0">
-              <a:solidFill>
-                <a:srgbClr val="000000"/>
-              </a:solidFill>
-              <a:latin typeface="Arial"/>
-            </a:endParaRPr>
-          </a:p>
-          <a:p>
-            <a:pPr marL="285750" indent="-285750">
-              <a:buFontTx/>
-              <a:buChar char="-"/>
-            </a:pPr>
-            <a:r>
-              <a:rPr lang="en-US" sz="1600" spc="-1" dirty="0" err="1">
-                <a:solidFill>
-                  <a:srgbClr val="000000"/>
-                </a:solidFill>
-                <a:latin typeface="Arial"/>
-              </a:rPr>
-              <a:t>R</a:t>
-            </a:r>
-            <a:r>
-              <a:rPr lang="en-US" sz="1600" b="0" strike="noStrike" spc="-1" dirty="0" err="1">
-                <a:solidFill>
-                  <a:srgbClr val="000000"/>
-                </a:solidFill>
-                <a:latin typeface="Arial"/>
-              </a:rPr>
-              <a:t>uban</a:t>
-            </a:r>
-            <a:r>
-              <a:rPr lang="en-US" sz="1600" b="0" strike="noStrike" spc="-1" dirty="0">
-                <a:solidFill>
-                  <a:srgbClr val="000000"/>
-                </a:solidFill>
-                <a:latin typeface="Arial"/>
-              </a:rPr>
-              <a:t> Infini</a:t>
-            </a:r>
-          </a:p>
-          <a:p>
-            <a:pPr marL="285750" indent="-285750">
-              <a:buFontTx/>
-              <a:buChar char="-"/>
-            </a:pPr>
-            <a:r>
-              <a:rPr lang="en-US" sz="1600" spc="-1" dirty="0">
-                <a:solidFill>
-                  <a:srgbClr val="000000"/>
-                </a:solidFill>
-                <a:latin typeface="Arial"/>
-              </a:rPr>
-              <a:t>Tête de lecture/</a:t>
-            </a:r>
-            <a:r>
-              <a:rPr lang="en-US" sz="1600" spc="-1" dirty="0" err="1">
-                <a:solidFill>
-                  <a:srgbClr val="000000"/>
-                </a:solidFill>
-                <a:latin typeface="Arial"/>
-              </a:rPr>
-              <a:t>écriture</a:t>
-            </a:r>
-            <a:endParaRPr lang="en-US" sz="1600" spc="-1" dirty="0">
-              <a:solidFill>
-                <a:srgbClr val="000000"/>
-              </a:solidFill>
-              <a:latin typeface="Arial"/>
-            </a:endParaRPr>
-          </a:p>
-          <a:p>
-            <a:pPr marL="285750" indent="-285750">
-              <a:buFontTx/>
-              <a:buChar char="-"/>
-            </a:pPr>
-            <a:r>
-              <a:rPr lang="en-US" sz="1600" spc="-1" dirty="0" err="1">
-                <a:solidFill>
-                  <a:srgbClr val="000000"/>
-                </a:solidFill>
-                <a:latin typeface="Arial"/>
-              </a:rPr>
-              <a:t>Registre</a:t>
-            </a:r>
-            <a:r>
-              <a:rPr lang="en-US" sz="1600" spc="-1" dirty="0">
-                <a:solidFill>
-                  <a:srgbClr val="000000"/>
-                </a:solidFill>
-                <a:latin typeface="Arial"/>
-              </a:rPr>
-              <a:t> d’état</a:t>
-            </a:r>
-          </a:p>
-          <a:p>
-            <a:pPr marL="285750" indent="-285750">
-              <a:buFontTx/>
-              <a:buChar char="-"/>
-            </a:pPr>
-            <a:r>
-              <a:rPr lang="en-US" sz="1600" spc="-1" dirty="0">
-                <a:solidFill>
-                  <a:srgbClr val="000000"/>
-                </a:solidFill>
-                <a:latin typeface="Arial"/>
-              </a:rPr>
-              <a:t>Table de transition</a:t>
-            </a:r>
-          </a:p>
-          <a:p>
-            <a:pPr marL="285750" indent="-285750">
-              <a:buFontTx/>
-              <a:buChar char="-"/>
-            </a:pPr>
-            <a:r>
-              <a:rPr lang="en-US" sz="1600" spc="-1" dirty="0">
-                <a:solidFill>
-                  <a:srgbClr val="000000"/>
-                </a:solidFill>
-                <a:latin typeface="Arial"/>
-              </a:rPr>
-              <a:t>Alphabets</a:t>
-            </a:r>
-          </a:p>
-          <a:p>
+              <a:t>Machine de Turing :</a:t>
+            </a:r>
             <a:endParaRPr lang="en-US" sz="1600" b="0" strike="noStrike" spc="-1" dirty="0">
               <a:solidFill>
                 <a:srgbClr val="000000"/>
@@ -8337,7 +8967,7 @@
         </p:blipFill>
         <p:spPr>
           <a:xfrm>
-            <a:off x="3881060" y="2835275"/>
+            <a:off x="3702874" y="2302614"/>
             <a:ext cx="6144810" cy="1797684"/>
           </a:xfrm>
           <a:prstGeom prst="rect">
@@ -8416,8 +9046,8 @@
           </a:p>
         </p:txBody>
       </p:sp>
-      <mc:AlternateContent xmlns:mc="http://schemas.openxmlformats.org/markup-compatibility/2006" xmlns:a14="http://schemas.microsoft.com/office/drawing/2010/main">
-        <mc:Choice Requires="a14">
+      <mc:AlternateContent xmlns:mc="http://schemas.openxmlformats.org/markup-compatibility/2006">
+        <mc:Choice xmlns:a14="http://schemas.microsoft.com/office/drawing/2010/main" Requires="a14">
           <p:sp>
             <p:nvSpPr>
               <p:cNvPr id="8" name="ZoneTexte 7">
@@ -8432,7 +9062,7 @@
             </p:nvSpPr>
             <p:spPr>
               <a:xfrm>
-                <a:off x="4747216" y="2025805"/>
+                <a:off x="4730888" y="1561741"/>
                 <a:ext cx="4769540" cy="651269"/>
               </a:xfrm>
               <a:prstGeom prst="rect">
@@ -8512,7 +9142,7 @@
             </p:txBody>
           </p:sp>
         </mc:Choice>
-        <mc:Fallback xmlns="">
+        <mc:Fallback>
           <p:sp>
             <p:nvSpPr>
               <p:cNvPr id="8" name="ZoneTexte 7">
@@ -8529,7 +9159,7 @@
             </p:nvSpPr>
             <p:spPr>
               <a:xfrm>
-                <a:off x="4747216" y="2025805"/>
+                <a:off x="4730888" y="1561741"/>
                 <a:ext cx="4769540" cy="651269"/>
               </a:xfrm>
               <a:prstGeom prst="rect">
@@ -8538,7 +9168,7 @@
               <a:blipFill>
                 <a:blip r:embed="rId5"/>
                 <a:stretch>
-                  <a:fillRect l="-1151" t="-4673" b="-14019"/>
+                  <a:fillRect l="-1023" t="-4673" b="-14019"/>
                 </a:stretch>
               </a:blipFill>
             </p:spPr>
@@ -8620,948 +9250,6 @@
               <a:buNone/>
             </a:pPr>
             <a:r>
-              <a:rPr lang="en-US" sz="4400" b="0" strike="noStrike" spc="-1" dirty="0" err="1">
-                <a:solidFill>
-                  <a:srgbClr val="000000"/>
-                </a:solidFill>
-                <a:latin typeface="Arial"/>
-              </a:rPr>
-              <a:t>Matrice</a:t>
-            </a:r>
-            <a:r>
-              <a:rPr lang="en-US" sz="4400" b="0" strike="noStrike" spc="-1" dirty="0">
-                <a:solidFill>
-                  <a:srgbClr val="000000"/>
-                </a:solidFill>
-                <a:latin typeface="Arial"/>
-              </a:rPr>
-              <a:t> MOSCOW</a:t>
-            </a:r>
-          </a:p>
-        </p:txBody>
-      </p:sp>
-      <p:sp>
-        <p:nvSpPr>
-          <p:cNvPr id="3" name="Espace réservé du numéro de diapositive 2">
-            <a:extLst>
-              <a:ext uri="{FF2B5EF4-FFF2-40B4-BE49-F238E27FC236}">
-                <a16:creationId xmlns:a16="http://schemas.microsoft.com/office/drawing/2014/main" id="{D7405625-53E7-95C2-7522-53CF1AE6388E}"/>
-              </a:ext>
-            </a:extLst>
-          </p:cNvPr>
-          <p:cNvSpPr>
-            <a:spLocks noGrp="1"/>
-          </p:cNvSpPr>
-          <p:nvPr>
-            <p:ph type="sldNum" idx="3"/>
-          </p:nvPr>
-        </p:nvSpPr>
-        <p:spPr>
-          <a:xfrm>
-            <a:off x="7227360" y="5173444"/>
-            <a:ext cx="2348280" cy="390600"/>
-          </a:xfrm>
-        </p:spPr>
-        <p:txBody>
-          <a:bodyPr/>
-          <a:lstStyle/>
-          <a:p>
-            <a:fld id="{74A1DB29-52D7-44FB-91A6-D4FF9B58DED1}" type="slidenum">
-              <a:rPr lang="fr-FR" smtClean="0"/>
-              <a:t>5</a:t>
-            </a:fld>
-            <a:endParaRPr lang="fr-FR"/>
-          </a:p>
-        </p:txBody>
-      </p:sp>
-      <p:sp>
-        <p:nvSpPr>
-          <p:cNvPr id="16" name="ZoneTexte 23">
-            <a:extLst>
-              <a:ext uri="{FF2B5EF4-FFF2-40B4-BE49-F238E27FC236}">
-                <a16:creationId xmlns:a16="http://schemas.microsoft.com/office/drawing/2014/main" id="{13A30FE4-B77A-6D8E-FCAD-267A4B27723D}"/>
-              </a:ext>
-            </a:extLst>
-          </p:cNvPr>
-          <p:cNvSpPr/>
-          <p:nvPr/>
-        </p:nvSpPr>
-        <p:spPr>
-          <a:xfrm>
-            <a:off x="1878813" y="1160397"/>
-            <a:ext cx="1371489" cy="367878"/>
-          </a:xfrm>
-          <a:prstGeom prst="rect">
-            <a:avLst/>
-          </a:prstGeom>
-          <a:noFill/>
-          <a:ln w="0">
-            <a:noFill/>
-          </a:ln>
-        </p:spPr>
-        <p:style>
-          <a:lnRef idx="0">
-            <a:scrgbClr r="0" g="0" b="0"/>
-          </a:lnRef>
-          <a:fillRef idx="0">
-            <a:scrgbClr r="0" g="0" b="0"/>
-          </a:fillRef>
-          <a:effectRef idx="0">
-            <a:scrgbClr r="0" g="0" b="0"/>
-          </a:effectRef>
-          <a:fontRef idx="minor"/>
-        </p:style>
-        <p:txBody>
-          <a:bodyPr wrap="square" lIns="90000" tIns="45000" rIns="90000" bIns="45000" anchor="t">
-            <a:spAutoFit/>
-          </a:bodyPr>
-          <a:lstStyle/>
-          <a:p>
-            <a:pPr>
-              <a:lnSpc>
-                <a:spcPct val="100000"/>
-              </a:lnSpc>
-            </a:pPr>
-            <a:r>
-              <a:rPr lang="fr-FR" sz="1800" b="1" u="sng" strike="noStrike" spc="-1" dirty="0">
-                <a:solidFill>
-                  <a:srgbClr val="000000"/>
-                </a:solidFill>
-                <a:uFillTx/>
-                <a:latin typeface="Calibri"/>
-              </a:rPr>
-              <a:t>Must Have</a:t>
-            </a:r>
-            <a:endParaRPr lang="fr-FR" sz="1800" b="0" strike="noStrike" spc="-1" dirty="0">
-              <a:solidFill>
-                <a:srgbClr val="000000"/>
-              </a:solidFill>
-              <a:latin typeface="Arial"/>
-            </a:endParaRPr>
-          </a:p>
-        </p:txBody>
-      </p:sp>
-      <p:sp>
-        <p:nvSpPr>
-          <p:cNvPr id="17" name="ZoneTexte 27">
-            <a:extLst>
-              <a:ext uri="{FF2B5EF4-FFF2-40B4-BE49-F238E27FC236}">
-                <a16:creationId xmlns:a16="http://schemas.microsoft.com/office/drawing/2014/main" id="{34EC66E9-0CC9-A9AE-5755-A2864635DF17}"/>
-              </a:ext>
-            </a:extLst>
-          </p:cNvPr>
-          <p:cNvSpPr/>
-          <p:nvPr/>
-        </p:nvSpPr>
-        <p:spPr>
-          <a:xfrm>
-            <a:off x="464205" y="1523549"/>
-            <a:ext cx="4382106" cy="1598984"/>
-          </a:xfrm>
-          <a:prstGeom prst="rect">
-            <a:avLst/>
-          </a:prstGeom>
-          <a:noFill/>
-          <a:ln w="0">
-            <a:noFill/>
-          </a:ln>
-        </p:spPr>
-        <p:style>
-          <a:lnRef idx="0">
-            <a:scrgbClr r="0" g="0" b="0"/>
-          </a:lnRef>
-          <a:fillRef idx="0">
-            <a:scrgbClr r="0" g="0" b="0"/>
-          </a:fillRef>
-          <a:effectRef idx="0">
-            <a:scrgbClr r="0" g="0" b="0"/>
-          </a:effectRef>
-          <a:fontRef idx="minor"/>
-        </p:style>
-        <p:txBody>
-          <a:bodyPr wrap="square" lIns="90000" tIns="45000" rIns="90000" bIns="45000" anchor="t">
-            <a:spAutoFit/>
-          </a:bodyPr>
-          <a:lstStyle/>
-          <a:p>
-            <a:pPr marL="285840" indent="-285840">
-              <a:lnSpc>
-                <a:spcPct val="100000"/>
-              </a:lnSpc>
-              <a:buClr>
-                <a:srgbClr val="000000"/>
-              </a:buClr>
-              <a:buFont typeface="StarSymbol"/>
-              <a:buChar char="-"/>
-            </a:pPr>
-            <a:r>
-              <a:rPr lang="fr-FR" sz="1400" b="0" strike="noStrike" spc="-1" dirty="0">
-                <a:solidFill>
-                  <a:srgbClr val="000000"/>
-                </a:solidFill>
-                <a:latin typeface="Calibri"/>
-              </a:rPr>
-              <a:t>Machine de Turing capable au moins de faire l’addition de 2 nombres</a:t>
-            </a:r>
-            <a:endParaRPr lang="fr-FR" sz="1400" b="0" strike="noStrike" spc="-1" dirty="0">
-              <a:solidFill>
-                <a:srgbClr val="000000"/>
-              </a:solidFill>
-              <a:latin typeface="Arial"/>
-            </a:endParaRPr>
-          </a:p>
-          <a:p>
-            <a:pPr marL="285840" indent="-285840">
-              <a:lnSpc>
-                <a:spcPct val="100000"/>
-              </a:lnSpc>
-              <a:buClr>
-                <a:srgbClr val="000000"/>
-              </a:buClr>
-              <a:buFont typeface="StarSymbol"/>
-              <a:buChar char="-"/>
-            </a:pPr>
-            <a:r>
-              <a:rPr lang="fr-FR" sz="1400" b="0" strike="noStrike" spc="-1" dirty="0">
-                <a:solidFill>
-                  <a:srgbClr val="000000"/>
-                </a:solidFill>
-                <a:latin typeface="Calibri"/>
-              </a:rPr>
-              <a:t>Mode continu/pas à pas pour l'exécution du programme</a:t>
-            </a:r>
-            <a:endParaRPr lang="fr-FR" sz="1400" b="0" strike="noStrike" spc="-1" dirty="0">
-              <a:solidFill>
-                <a:srgbClr val="000000"/>
-              </a:solidFill>
-              <a:latin typeface="Arial"/>
-            </a:endParaRPr>
-          </a:p>
-          <a:p>
-            <a:pPr marL="285840" indent="-285840">
-              <a:lnSpc>
-                <a:spcPct val="100000"/>
-              </a:lnSpc>
-              <a:buClr>
-                <a:srgbClr val="000000"/>
-              </a:buClr>
-              <a:buFont typeface="StarSymbol"/>
-              <a:buChar char="-"/>
-            </a:pPr>
-            <a:r>
-              <a:rPr lang="fr-FR" sz="1400" b="0" strike="noStrike" spc="-1" dirty="0">
-                <a:solidFill>
-                  <a:srgbClr val="000000"/>
-                </a:solidFill>
-                <a:latin typeface="Calibri"/>
-              </a:rPr>
-              <a:t>Affichage de l'état du ruban</a:t>
-            </a:r>
-            <a:endParaRPr lang="fr-FR" sz="1400" b="0" strike="noStrike" spc="-1" dirty="0">
-              <a:solidFill>
-                <a:srgbClr val="000000"/>
-              </a:solidFill>
-              <a:latin typeface="Arial"/>
-            </a:endParaRPr>
-          </a:p>
-          <a:p>
-            <a:pPr marL="285840" indent="-285840">
-              <a:lnSpc>
-                <a:spcPct val="100000"/>
-              </a:lnSpc>
-              <a:buClr>
-                <a:srgbClr val="000000"/>
-              </a:buClr>
-              <a:buFont typeface="StarSymbol"/>
-              <a:buChar char="-"/>
-            </a:pPr>
-            <a:r>
-              <a:rPr lang="fr-FR" sz="1400" b="0" strike="noStrike" spc="-1" dirty="0">
-                <a:solidFill>
-                  <a:srgbClr val="000000"/>
-                </a:solidFill>
-                <a:latin typeface="Calibri"/>
-              </a:rPr>
-              <a:t>Affichage de la position de la tête de lecture</a:t>
-            </a:r>
-            <a:endParaRPr lang="fr-FR" sz="1400" b="0" strike="noStrike" spc="-1" dirty="0">
-              <a:solidFill>
-                <a:srgbClr val="000000"/>
-              </a:solidFill>
-              <a:latin typeface="Arial"/>
-            </a:endParaRPr>
-          </a:p>
-          <a:p>
-            <a:pPr marL="285840" indent="-285840">
-              <a:lnSpc>
-                <a:spcPct val="100000"/>
-              </a:lnSpc>
-              <a:buClr>
-                <a:srgbClr val="000000"/>
-              </a:buClr>
-              <a:buFont typeface="StarSymbol"/>
-              <a:buChar char="-"/>
-            </a:pPr>
-            <a:r>
-              <a:rPr lang="fr-FR" sz="1400" b="0" strike="noStrike" spc="-1" dirty="0">
-                <a:solidFill>
-                  <a:srgbClr val="000000"/>
-                </a:solidFill>
-                <a:latin typeface="Calibri"/>
-              </a:rPr>
-              <a:t>Gérer l'affichage de la table de transition</a:t>
-            </a:r>
-            <a:endParaRPr lang="fr-FR" sz="1400" b="0" strike="noStrike" spc="-1" dirty="0">
-              <a:solidFill>
-                <a:srgbClr val="000000"/>
-              </a:solidFill>
-              <a:latin typeface="Arial"/>
-            </a:endParaRPr>
-          </a:p>
-        </p:txBody>
-      </p:sp>
-      <p:sp>
-        <p:nvSpPr>
-          <p:cNvPr id="18" name="ZoneTexte 24">
-            <a:extLst>
-              <a:ext uri="{FF2B5EF4-FFF2-40B4-BE49-F238E27FC236}">
-                <a16:creationId xmlns:a16="http://schemas.microsoft.com/office/drawing/2014/main" id="{61C9F0EE-75F0-E2EE-CD81-7DBD85CB239A}"/>
-              </a:ext>
-            </a:extLst>
-          </p:cNvPr>
-          <p:cNvSpPr/>
-          <p:nvPr/>
-        </p:nvSpPr>
-        <p:spPr>
-          <a:xfrm>
-            <a:off x="6830324" y="1160397"/>
-            <a:ext cx="1371488" cy="367878"/>
-          </a:xfrm>
-          <a:prstGeom prst="rect">
-            <a:avLst/>
-          </a:prstGeom>
-          <a:noFill/>
-          <a:ln w="0">
-            <a:noFill/>
-          </a:ln>
-        </p:spPr>
-        <p:style>
-          <a:lnRef idx="0">
-            <a:scrgbClr r="0" g="0" b="0"/>
-          </a:lnRef>
-          <a:fillRef idx="0">
-            <a:scrgbClr r="0" g="0" b="0"/>
-          </a:fillRef>
-          <a:effectRef idx="0">
-            <a:scrgbClr r="0" g="0" b="0"/>
-          </a:effectRef>
-          <a:fontRef idx="minor"/>
-        </p:style>
-        <p:txBody>
-          <a:bodyPr wrap="square" lIns="90000" tIns="45000" rIns="90000" bIns="45000" anchor="t">
-            <a:spAutoFit/>
-          </a:bodyPr>
-          <a:lstStyle/>
-          <a:p>
-            <a:pPr>
-              <a:lnSpc>
-                <a:spcPct val="100000"/>
-              </a:lnSpc>
-            </a:pPr>
-            <a:r>
-              <a:rPr lang="fr-FR" sz="1800" b="1" u="sng" strike="noStrike" spc="-1" dirty="0" err="1">
-                <a:solidFill>
-                  <a:srgbClr val="000000"/>
-                </a:solidFill>
-                <a:uFillTx/>
-                <a:latin typeface="Calibri"/>
-              </a:rPr>
-              <a:t>Should</a:t>
-            </a:r>
-            <a:r>
-              <a:rPr lang="fr-FR" sz="1800" b="1" u="sng" strike="noStrike" spc="-1" dirty="0">
-                <a:solidFill>
-                  <a:srgbClr val="000000"/>
-                </a:solidFill>
-                <a:uFillTx/>
-                <a:latin typeface="Calibri"/>
-              </a:rPr>
-              <a:t> Have</a:t>
-            </a:r>
-            <a:endParaRPr lang="fr-FR" sz="1800" b="0" strike="noStrike" spc="-1" dirty="0">
-              <a:solidFill>
-                <a:srgbClr val="000000"/>
-              </a:solidFill>
-              <a:latin typeface="Arial"/>
-            </a:endParaRPr>
-          </a:p>
-        </p:txBody>
-      </p:sp>
-      <p:sp>
-        <p:nvSpPr>
-          <p:cNvPr id="19" name="ZoneTexte 29">
-            <a:extLst>
-              <a:ext uri="{FF2B5EF4-FFF2-40B4-BE49-F238E27FC236}">
-                <a16:creationId xmlns:a16="http://schemas.microsoft.com/office/drawing/2014/main" id="{A6AA05C6-29A7-BF11-7E02-2E2F783615E9}"/>
-              </a:ext>
-            </a:extLst>
-          </p:cNvPr>
-          <p:cNvSpPr/>
-          <p:nvPr/>
-        </p:nvSpPr>
-        <p:spPr>
-          <a:xfrm>
-            <a:off x="5234315" y="1523549"/>
-            <a:ext cx="4205318" cy="1168097"/>
-          </a:xfrm>
-          <a:prstGeom prst="rect">
-            <a:avLst/>
-          </a:prstGeom>
-          <a:noFill/>
-          <a:ln w="0">
-            <a:noFill/>
-          </a:ln>
-        </p:spPr>
-        <p:style>
-          <a:lnRef idx="0">
-            <a:scrgbClr r="0" g="0" b="0"/>
-          </a:lnRef>
-          <a:fillRef idx="0">
-            <a:scrgbClr r="0" g="0" b="0"/>
-          </a:fillRef>
-          <a:effectRef idx="0">
-            <a:scrgbClr r="0" g="0" b="0"/>
-          </a:effectRef>
-          <a:fontRef idx="minor"/>
-        </p:style>
-        <p:txBody>
-          <a:bodyPr wrap="square" lIns="90000" tIns="45000" rIns="90000" bIns="45000" anchor="t">
-            <a:spAutoFit/>
-          </a:bodyPr>
-          <a:lstStyle/>
-          <a:p>
-            <a:pPr marL="285840" indent="-285840">
-              <a:lnSpc>
-                <a:spcPct val="100000"/>
-              </a:lnSpc>
-              <a:buClr>
-                <a:srgbClr val="000000"/>
-              </a:buClr>
-              <a:buFont typeface="StarSymbol"/>
-              <a:buChar char="-"/>
-            </a:pPr>
-            <a:r>
-              <a:rPr lang="fr-FR" sz="1400" b="0" strike="noStrike" spc="-1" dirty="0">
-                <a:solidFill>
-                  <a:srgbClr val="000000"/>
-                </a:solidFill>
-                <a:latin typeface="Calibri"/>
-              </a:rPr>
-              <a:t>La possibilité de sélectionner un programme via un menu</a:t>
-            </a:r>
-            <a:endParaRPr lang="fr-FR" sz="1400" b="0" strike="noStrike" spc="-1" dirty="0">
-              <a:solidFill>
-                <a:srgbClr val="000000"/>
-              </a:solidFill>
-              <a:latin typeface="Arial"/>
-            </a:endParaRPr>
-          </a:p>
-          <a:p>
-            <a:pPr marL="285840" indent="-285840">
-              <a:lnSpc>
-                <a:spcPct val="100000"/>
-              </a:lnSpc>
-              <a:buClr>
-                <a:srgbClr val="000000"/>
-              </a:buClr>
-              <a:buFont typeface="StarSymbol"/>
-              <a:buChar char="-"/>
-            </a:pPr>
-            <a:r>
-              <a:rPr lang="fr-FR" sz="1400" b="0" strike="noStrike" spc="-1" dirty="0">
-                <a:solidFill>
-                  <a:srgbClr val="000000"/>
-                </a:solidFill>
-                <a:latin typeface="Calibri"/>
-              </a:rPr>
-              <a:t>Stockage des programmes à sélectionner</a:t>
-            </a:r>
-            <a:endParaRPr lang="fr-FR" sz="1400" b="0" strike="noStrike" spc="-1" dirty="0">
-              <a:solidFill>
-                <a:srgbClr val="000000"/>
-              </a:solidFill>
-              <a:latin typeface="Arial"/>
-            </a:endParaRPr>
-          </a:p>
-          <a:p>
-            <a:pPr marL="285840" indent="-285840">
-              <a:lnSpc>
-                <a:spcPct val="100000"/>
-              </a:lnSpc>
-              <a:buClr>
-                <a:srgbClr val="000000"/>
-              </a:buClr>
-              <a:buFont typeface="StarSymbol"/>
-              <a:buChar char="-"/>
-            </a:pPr>
-            <a:r>
-              <a:rPr lang="fr-FR" sz="1400" b="0" strike="noStrike" spc="-1" dirty="0">
-                <a:solidFill>
-                  <a:srgbClr val="000000"/>
-                </a:solidFill>
-                <a:latin typeface="Calibri"/>
-              </a:rPr>
-              <a:t>Initialisation manuelle du ruban et de la position de la tête de lecture.</a:t>
-            </a:r>
-            <a:endParaRPr lang="fr-FR" sz="1400" b="0" strike="noStrike" spc="-1" dirty="0">
-              <a:solidFill>
-                <a:srgbClr val="000000"/>
-              </a:solidFill>
-              <a:latin typeface="Arial"/>
-            </a:endParaRPr>
-          </a:p>
-        </p:txBody>
-      </p:sp>
-      <p:sp>
-        <p:nvSpPr>
-          <p:cNvPr id="20" name="ZoneTexte 25">
-            <a:extLst>
-              <a:ext uri="{FF2B5EF4-FFF2-40B4-BE49-F238E27FC236}">
-                <a16:creationId xmlns:a16="http://schemas.microsoft.com/office/drawing/2014/main" id="{FB83E503-57F6-FB5E-CD9C-2CDD692E827A}"/>
-              </a:ext>
-            </a:extLst>
-          </p:cNvPr>
-          <p:cNvSpPr/>
-          <p:nvPr/>
-        </p:nvSpPr>
-        <p:spPr>
-          <a:xfrm>
-            <a:off x="2065454" y="3261076"/>
-            <a:ext cx="1259378" cy="367878"/>
-          </a:xfrm>
-          <a:prstGeom prst="rect">
-            <a:avLst/>
-          </a:prstGeom>
-          <a:noFill/>
-          <a:ln w="0">
-            <a:noFill/>
-          </a:ln>
-        </p:spPr>
-        <p:style>
-          <a:lnRef idx="0">
-            <a:scrgbClr r="0" g="0" b="0"/>
-          </a:lnRef>
-          <a:fillRef idx="0">
-            <a:scrgbClr r="0" g="0" b="0"/>
-          </a:fillRef>
-          <a:effectRef idx="0">
-            <a:scrgbClr r="0" g="0" b="0"/>
-          </a:effectRef>
-          <a:fontRef idx="minor"/>
-        </p:style>
-        <p:txBody>
-          <a:bodyPr wrap="square" lIns="90000" tIns="45000" rIns="90000" bIns="45000" anchor="t">
-            <a:spAutoFit/>
-          </a:bodyPr>
-          <a:lstStyle/>
-          <a:p>
-            <a:pPr>
-              <a:lnSpc>
-                <a:spcPct val="100000"/>
-              </a:lnSpc>
-            </a:pPr>
-            <a:r>
-              <a:rPr lang="fr-FR" sz="1800" b="1" u="sng" strike="noStrike" spc="-1" dirty="0" err="1">
-                <a:solidFill>
-                  <a:srgbClr val="000000"/>
-                </a:solidFill>
-                <a:uFillTx/>
-                <a:latin typeface="Calibri"/>
-              </a:rPr>
-              <a:t>Could</a:t>
-            </a:r>
-            <a:r>
-              <a:rPr lang="fr-FR" sz="1800" b="1" u="sng" strike="noStrike" spc="-1" dirty="0">
-                <a:solidFill>
-                  <a:srgbClr val="000000"/>
-                </a:solidFill>
-                <a:uFillTx/>
-                <a:latin typeface="Calibri"/>
-              </a:rPr>
-              <a:t> Have</a:t>
-            </a:r>
-            <a:endParaRPr lang="fr-FR" sz="1800" b="0" strike="noStrike" spc="-1" dirty="0">
-              <a:solidFill>
-                <a:srgbClr val="000000"/>
-              </a:solidFill>
-              <a:latin typeface="Arial"/>
-            </a:endParaRPr>
-          </a:p>
-        </p:txBody>
-      </p:sp>
-      <p:sp>
-        <p:nvSpPr>
-          <p:cNvPr id="21" name="ZoneTexte 31">
-            <a:extLst>
-              <a:ext uri="{FF2B5EF4-FFF2-40B4-BE49-F238E27FC236}">
-                <a16:creationId xmlns:a16="http://schemas.microsoft.com/office/drawing/2014/main" id="{F545504A-3768-D68C-3AB5-510EF318511D}"/>
-              </a:ext>
-            </a:extLst>
-          </p:cNvPr>
-          <p:cNvSpPr/>
-          <p:nvPr/>
-        </p:nvSpPr>
-        <p:spPr>
-          <a:xfrm>
-            <a:off x="464205" y="3628954"/>
-            <a:ext cx="4461876" cy="1383540"/>
-          </a:xfrm>
-          <a:prstGeom prst="rect">
-            <a:avLst/>
-          </a:prstGeom>
-          <a:noFill/>
-          <a:ln w="0">
-            <a:noFill/>
-          </a:ln>
-        </p:spPr>
-        <p:style>
-          <a:lnRef idx="0">
-            <a:scrgbClr r="0" g="0" b="0"/>
-          </a:lnRef>
-          <a:fillRef idx="0">
-            <a:scrgbClr r="0" g="0" b="0"/>
-          </a:fillRef>
-          <a:effectRef idx="0">
-            <a:scrgbClr r="0" g="0" b="0"/>
-          </a:effectRef>
-          <a:fontRef idx="minor"/>
-        </p:style>
-        <p:txBody>
-          <a:bodyPr wrap="square" lIns="90000" tIns="45000" rIns="90000" bIns="45000" anchor="t">
-            <a:spAutoFit/>
-          </a:bodyPr>
-          <a:lstStyle/>
-          <a:p>
-            <a:pPr marL="285840" indent="-285840">
-              <a:lnSpc>
-                <a:spcPct val="100000"/>
-              </a:lnSpc>
-              <a:buClr>
-                <a:srgbClr val="000000"/>
-              </a:buClr>
-              <a:buFont typeface="StarSymbol"/>
-              <a:buChar char="-"/>
-            </a:pPr>
-            <a:r>
-              <a:rPr lang="fr-FR" sz="1400" b="0" strike="noStrike" spc="-1" dirty="0">
-                <a:solidFill>
-                  <a:srgbClr val="000000"/>
-                </a:solidFill>
-                <a:latin typeface="Calibri"/>
-              </a:rPr>
-              <a:t>Programmation directement sur la machine d'une table de transition</a:t>
-            </a:r>
-            <a:endParaRPr lang="fr-FR" sz="1400" b="0" strike="noStrike" spc="-1" dirty="0">
-              <a:solidFill>
-                <a:srgbClr val="000000"/>
-              </a:solidFill>
-              <a:latin typeface="Arial"/>
-            </a:endParaRPr>
-          </a:p>
-          <a:p>
-            <a:pPr marL="285840" indent="-285840">
-              <a:lnSpc>
-                <a:spcPct val="100000"/>
-              </a:lnSpc>
-              <a:buClr>
-                <a:srgbClr val="000000"/>
-              </a:buClr>
-              <a:buFont typeface="StarSymbol"/>
-              <a:buChar char="-"/>
-            </a:pPr>
-            <a:r>
-              <a:rPr lang="fr-FR" sz="1400" b="0" strike="noStrike" spc="-1" dirty="0">
-                <a:solidFill>
-                  <a:srgbClr val="000000"/>
-                </a:solidFill>
-                <a:latin typeface="Calibri"/>
-              </a:rPr>
-              <a:t>Enregistrement de la table de transition programmée dans le support de stockage</a:t>
-            </a:r>
-            <a:endParaRPr lang="fr-FR" sz="1400" b="0" strike="noStrike" spc="-1" dirty="0">
-              <a:solidFill>
-                <a:srgbClr val="000000"/>
-              </a:solidFill>
-              <a:latin typeface="Arial"/>
-            </a:endParaRPr>
-          </a:p>
-          <a:p>
-            <a:pPr marL="285840" indent="-285840">
-              <a:lnSpc>
-                <a:spcPct val="100000"/>
-              </a:lnSpc>
-              <a:buClr>
-                <a:srgbClr val="000000"/>
-              </a:buClr>
-              <a:buFont typeface="StarSymbol"/>
-              <a:buChar char="-"/>
-            </a:pPr>
-            <a:r>
-              <a:rPr lang="fr-FR" sz="1400" b="0" strike="noStrike" spc="-1" dirty="0">
-                <a:solidFill>
-                  <a:srgbClr val="000000"/>
-                </a:solidFill>
-                <a:latin typeface="Calibri"/>
-              </a:rPr>
-              <a:t>Reset de la programmation de la ligne en cours</a:t>
-            </a:r>
-            <a:endParaRPr lang="fr-FR" sz="1400" b="0" strike="noStrike" spc="-1" dirty="0">
-              <a:solidFill>
-                <a:srgbClr val="000000"/>
-              </a:solidFill>
-              <a:latin typeface="Arial"/>
-            </a:endParaRPr>
-          </a:p>
-          <a:p>
-            <a:pPr marL="285840" indent="-285840">
-              <a:lnSpc>
-                <a:spcPct val="100000"/>
-              </a:lnSpc>
-              <a:buClr>
-                <a:srgbClr val="000000"/>
-              </a:buClr>
-              <a:buFont typeface="StarSymbol"/>
-              <a:buChar char="-"/>
-            </a:pPr>
-            <a:r>
-              <a:rPr lang="fr-FR" sz="1400" b="0" strike="noStrike" spc="-1" dirty="0">
-                <a:solidFill>
-                  <a:srgbClr val="000000"/>
-                </a:solidFill>
-                <a:latin typeface="Calibri"/>
-              </a:rPr>
-              <a:t>Affichage d'une description du programme</a:t>
-            </a:r>
-            <a:endParaRPr lang="fr-FR" sz="1400" b="0" strike="noStrike" spc="-1" dirty="0">
-              <a:solidFill>
-                <a:srgbClr val="000000"/>
-              </a:solidFill>
-              <a:latin typeface="Arial"/>
-            </a:endParaRPr>
-          </a:p>
-        </p:txBody>
-      </p:sp>
-      <p:sp>
-        <p:nvSpPr>
-          <p:cNvPr id="22" name="ZoneTexte 26">
-            <a:extLst>
-              <a:ext uri="{FF2B5EF4-FFF2-40B4-BE49-F238E27FC236}">
-                <a16:creationId xmlns:a16="http://schemas.microsoft.com/office/drawing/2014/main" id="{EF705BEB-B2BB-5E22-40DB-A313E6188A96}"/>
-              </a:ext>
-            </a:extLst>
-          </p:cNvPr>
-          <p:cNvSpPr/>
-          <p:nvPr/>
-        </p:nvSpPr>
-        <p:spPr>
-          <a:xfrm>
-            <a:off x="6867007" y="3256688"/>
-            <a:ext cx="1298122" cy="367878"/>
-          </a:xfrm>
-          <a:prstGeom prst="rect">
-            <a:avLst/>
-          </a:prstGeom>
-          <a:noFill/>
-          <a:ln w="0">
-            <a:noFill/>
-          </a:ln>
-        </p:spPr>
-        <p:style>
-          <a:lnRef idx="0">
-            <a:scrgbClr r="0" g="0" b="0"/>
-          </a:lnRef>
-          <a:fillRef idx="0">
-            <a:scrgbClr r="0" g="0" b="0"/>
-          </a:fillRef>
-          <a:effectRef idx="0">
-            <a:scrgbClr r="0" g="0" b="0"/>
-          </a:effectRef>
-          <a:fontRef idx="minor"/>
-        </p:style>
-        <p:txBody>
-          <a:bodyPr wrap="square" lIns="90000" tIns="45000" rIns="90000" bIns="45000" anchor="t">
-            <a:spAutoFit/>
-          </a:bodyPr>
-          <a:lstStyle/>
-          <a:p>
-            <a:pPr>
-              <a:lnSpc>
-                <a:spcPct val="100000"/>
-              </a:lnSpc>
-            </a:pPr>
-            <a:r>
-              <a:rPr lang="fr-FR" sz="1800" b="1" u="sng" strike="noStrike" spc="-1" dirty="0" err="1">
-                <a:solidFill>
-                  <a:srgbClr val="000000"/>
-                </a:solidFill>
-                <a:uFillTx/>
-                <a:latin typeface="Calibri"/>
-              </a:rPr>
-              <a:t>Won’t</a:t>
-            </a:r>
-            <a:r>
-              <a:rPr lang="fr-FR" sz="1800" b="1" u="sng" strike="noStrike" spc="-1" dirty="0">
-                <a:solidFill>
-                  <a:srgbClr val="000000"/>
-                </a:solidFill>
-                <a:uFillTx/>
-                <a:latin typeface="Calibri"/>
-              </a:rPr>
-              <a:t> Have</a:t>
-            </a:r>
-            <a:endParaRPr lang="fr-FR" sz="1800" b="0" strike="noStrike" spc="-1" dirty="0">
-              <a:solidFill>
-                <a:srgbClr val="000000"/>
-              </a:solidFill>
-              <a:latin typeface="Arial"/>
-            </a:endParaRPr>
-          </a:p>
-        </p:txBody>
-      </p:sp>
-      <p:sp>
-        <p:nvSpPr>
-          <p:cNvPr id="23" name="ZoneTexte 31">
-            <a:extLst>
-              <a:ext uri="{FF2B5EF4-FFF2-40B4-BE49-F238E27FC236}">
-                <a16:creationId xmlns:a16="http://schemas.microsoft.com/office/drawing/2014/main" id="{566CBE83-028A-7E88-DEC3-52B440636204}"/>
-              </a:ext>
-            </a:extLst>
-          </p:cNvPr>
-          <p:cNvSpPr/>
-          <p:nvPr/>
-        </p:nvSpPr>
-        <p:spPr>
-          <a:xfrm>
-            <a:off x="5234315" y="3632715"/>
-            <a:ext cx="4461876" cy="306323"/>
-          </a:xfrm>
-          <a:prstGeom prst="rect">
-            <a:avLst/>
-          </a:prstGeom>
-          <a:noFill/>
-          <a:ln w="0">
-            <a:noFill/>
-          </a:ln>
-        </p:spPr>
-        <p:style>
-          <a:lnRef idx="0">
-            <a:scrgbClr r="0" g="0" b="0"/>
-          </a:lnRef>
-          <a:fillRef idx="0">
-            <a:scrgbClr r="0" g="0" b="0"/>
-          </a:fillRef>
-          <a:effectRef idx="0">
-            <a:scrgbClr r="0" g="0" b="0"/>
-          </a:effectRef>
-          <a:fontRef idx="minor"/>
-        </p:style>
-        <p:txBody>
-          <a:bodyPr wrap="square" lIns="90000" tIns="45000" rIns="90000" bIns="45000" anchor="t">
-            <a:spAutoFit/>
-          </a:bodyPr>
-          <a:lstStyle/>
-          <a:p>
-            <a:pPr marL="285840" indent="-285840">
-              <a:lnSpc>
-                <a:spcPct val="100000"/>
-              </a:lnSpc>
-              <a:buClr>
-                <a:srgbClr val="000000"/>
-              </a:buClr>
-              <a:buFont typeface="StarSymbol"/>
-              <a:buChar char="-"/>
-            </a:pPr>
-            <a:r>
-              <a:rPr lang="fr-FR" sz="1400" b="0" strike="noStrike" spc="-1" dirty="0">
-                <a:solidFill>
-                  <a:srgbClr val="000000"/>
-                </a:solidFill>
-                <a:latin typeface="Calibri"/>
-              </a:rPr>
-              <a:t>Test</a:t>
-            </a:r>
-            <a:endParaRPr lang="fr-FR" sz="1400" b="0" strike="noStrike" spc="-1" dirty="0">
-              <a:solidFill>
-                <a:srgbClr val="000000"/>
-              </a:solidFill>
-              <a:latin typeface="Arial"/>
-            </a:endParaRPr>
-          </a:p>
-        </p:txBody>
-      </p:sp>
-    </p:spTree>
-    <p:extLst>
-      <p:ext uri="{BB962C8B-B14F-4D97-AF65-F5344CB8AC3E}">
-        <p14:creationId xmlns:p14="http://schemas.microsoft.com/office/powerpoint/2010/main" val="2195700170"/>
-      </p:ext>
-    </p:extLst>
-  </p:cSld>
-  <p:clrMapOvr>
-    <a:masterClrMapping/>
-  </p:clrMapOvr>
-</p:sld>
-</file>
-
-<file path=ppt/slides/slide6.xml><?xml version="1.0" encoding="utf-8"?>
-<p:sld xmlns:a="http://schemas.openxmlformats.org/drawingml/2006/main" xmlns:r="http://schemas.openxmlformats.org/officeDocument/2006/relationships" xmlns:p="http://schemas.openxmlformats.org/presentationml/2006/main">
-  <p:cSld>
-    <p:spTree>
-      <p:nvGrpSpPr>
-        <p:cNvPr id="1" name=""/>
-        <p:cNvGrpSpPr/>
-        <p:nvPr/>
-      </p:nvGrpSpPr>
-      <p:grpSpPr>
-        <a:xfrm>
-          <a:off x="0" y="0"/>
-          <a:ext cx="0" cy="0"/>
-          <a:chOff x="0" y="0"/>
-          <a:chExt cx="0" cy="0"/>
-        </a:xfrm>
-      </p:grpSpPr>
-      <p:sp>
-        <p:nvSpPr>
-          <p:cNvPr id="42" name="PlaceHolder 1"/>
-          <p:cNvSpPr>
-            <a:spLocks noGrp="1"/>
-          </p:cNvSpPr>
-          <p:nvPr>
-            <p:ph type="title"/>
-          </p:nvPr>
-        </p:nvSpPr>
-        <p:spPr>
-          <a:xfrm>
-            <a:off x="504000" y="226080"/>
-            <a:ext cx="9071640" cy="946440"/>
-          </a:xfrm>
-          <a:prstGeom prst="rect">
-            <a:avLst/>
-          </a:prstGeom>
-          <a:noFill/>
-          <a:ln w="0">
-            <a:noFill/>
-          </a:ln>
-        </p:spPr>
-        <p:txBody>
-          <a:bodyPr lIns="0" tIns="0" rIns="0" bIns="0" anchor="ctr">
-            <a:noAutofit/>
-          </a:bodyPr>
-          <a:lstStyle/>
-          <a:p>
-            <a:pPr indent="0" algn="ctr">
-              <a:buNone/>
-            </a:pPr>
-            <a:r>
               <a:rPr lang="en-US" sz="4400" b="0" strike="noStrike" spc="-1" dirty="0">
                 <a:solidFill>
                   <a:srgbClr val="000000"/>
@@ -9614,7 +9302,7 @@
           <a:p>
             <a:fld id="{74A1DB29-52D7-44FB-91A6-D4FF9B58DED1}" type="slidenum">
               <a:rPr lang="fr-FR" smtClean="0"/>
-              <a:t>6</a:t>
+              <a:t>5</a:t>
             </a:fld>
             <a:endParaRPr lang="fr-FR"/>
           </a:p>
@@ -10190,6 +9878,377 @@
 </p:sld>
 </file>
 
+<file path=ppt/slides/slide6.xml><?xml version="1.0" encoding="utf-8"?>
+<p:sld xmlns:a="http://schemas.openxmlformats.org/drawingml/2006/main" xmlns:r="http://schemas.openxmlformats.org/officeDocument/2006/relationships" xmlns:p="http://schemas.openxmlformats.org/presentationml/2006/main">
+  <p:cSld>
+    <p:spTree>
+      <p:nvGrpSpPr>
+        <p:cNvPr id="1" name=""/>
+        <p:cNvGrpSpPr/>
+        <p:nvPr/>
+      </p:nvGrpSpPr>
+      <p:grpSpPr>
+        <a:xfrm>
+          <a:off x="0" y="0"/>
+          <a:ext cx="0" cy="0"/>
+          <a:chOff x="0" y="0"/>
+          <a:chExt cx="0" cy="0"/>
+        </a:xfrm>
+      </p:grpSpPr>
+      <p:sp>
+        <p:nvSpPr>
+          <p:cNvPr id="42" name="PlaceHolder 1"/>
+          <p:cNvSpPr>
+            <a:spLocks noGrp="1"/>
+          </p:cNvSpPr>
+          <p:nvPr>
+            <p:ph type="title"/>
+          </p:nvPr>
+        </p:nvSpPr>
+        <p:spPr>
+          <a:xfrm>
+            <a:off x="504000" y="226080"/>
+            <a:ext cx="9071640" cy="946440"/>
+          </a:xfrm>
+          <a:prstGeom prst="rect">
+            <a:avLst/>
+          </a:prstGeom>
+          <a:noFill/>
+          <a:ln w="0">
+            <a:noFill/>
+          </a:ln>
+        </p:spPr>
+        <p:txBody>
+          <a:bodyPr lIns="0" tIns="0" rIns="0" bIns="0" anchor="ctr">
+            <a:noAutofit/>
+          </a:bodyPr>
+          <a:lstStyle/>
+          <a:p>
+            <a:pPr indent="0" algn="ctr">
+              <a:buNone/>
+            </a:pPr>
+            <a:r>
+              <a:rPr lang="en-US" sz="4400" b="0" strike="noStrike" spc="-1" dirty="0">
+                <a:solidFill>
+                  <a:srgbClr val="000000"/>
+                </a:solidFill>
+                <a:latin typeface="Arial"/>
+              </a:rPr>
+              <a:t>Cahier des Charges</a:t>
+            </a:r>
+          </a:p>
+        </p:txBody>
+      </p:sp>
+      <p:sp>
+        <p:nvSpPr>
+          <p:cNvPr id="3" name="Espace réservé du numéro de diapositive 2">
+            <a:extLst>
+              <a:ext uri="{FF2B5EF4-FFF2-40B4-BE49-F238E27FC236}">
+                <a16:creationId xmlns:a16="http://schemas.microsoft.com/office/drawing/2014/main" id="{D7405625-53E7-95C2-7522-53CF1AE6388E}"/>
+              </a:ext>
+            </a:extLst>
+          </p:cNvPr>
+          <p:cNvSpPr>
+            <a:spLocks noGrp="1"/>
+          </p:cNvSpPr>
+          <p:nvPr>
+            <p:ph type="sldNum" idx="3"/>
+          </p:nvPr>
+        </p:nvSpPr>
+        <p:spPr>
+          <a:xfrm>
+            <a:off x="7227360" y="5173444"/>
+            <a:ext cx="2348280" cy="390600"/>
+          </a:xfrm>
+        </p:spPr>
+        <p:txBody>
+          <a:bodyPr/>
+          <a:lstStyle/>
+          <a:p>
+            <a:fld id="{74A1DB29-52D7-44FB-91A6-D4FF9B58DED1}" type="slidenum">
+              <a:rPr lang="fr-FR" smtClean="0"/>
+              <a:t>6</a:t>
+            </a:fld>
+            <a:endParaRPr lang="fr-FR"/>
+          </a:p>
+        </p:txBody>
+      </p:sp>
+      <p:sp>
+        <p:nvSpPr>
+          <p:cNvPr id="4" name="ZoneTexte 27">
+            <a:extLst>
+              <a:ext uri="{FF2B5EF4-FFF2-40B4-BE49-F238E27FC236}">
+                <a16:creationId xmlns:a16="http://schemas.microsoft.com/office/drawing/2014/main" id="{15B62E8D-0FD5-28AA-FEB7-8C5675E0C7D9}"/>
+              </a:ext>
+            </a:extLst>
+          </p:cNvPr>
+          <p:cNvSpPr/>
+          <p:nvPr/>
+        </p:nvSpPr>
+        <p:spPr>
+          <a:xfrm>
+            <a:off x="504001" y="921609"/>
+            <a:ext cx="9071639" cy="4245863"/>
+          </a:xfrm>
+          <a:prstGeom prst="rect">
+            <a:avLst/>
+          </a:prstGeom>
+          <a:noFill/>
+          <a:ln w="0">
+            <a:noFill/>
+          </a:ln>
+        </p:spPr>
+        <p:style>
+          <a:lnRef idx="0">
+            <a:scrgbClr r="0" g="0" b="0"/>
+          </a:lnRef>
+          <a:fillRef idx="0">
+            <a:scrgbClr r="0" g="0" b="0"/>
+          </a:fillRef>
+          <a:effectRef idx="0">
+            <a:scrgbClr r="0" g="0" b="0"/>
+          </a:effectRef>
+          <a:fontRef idx="minor"/>
+        </p:style>
+        <p:txBody>
+          <a:bodyPr wrap="square" lIns="90000" tIns="45000" rIns="90000" bIns="45000" anchor="t">
+            <a:spAutoFit/>
+          </a:bodyPr>
+          <a:lstStyle/>
+          <a:p>
+            <a:pPr algn="l"/>
+            <a:r>
+              <a:rPr lang="fr-FR" sz="1800" b="0" i="0" u="none" strike="noStrike" baseline="0" dirty="0">
+                <a:latin typeface="F55"/>
+              </a:rPr>
+              <a:t>Partie 1</a:t>
+            </a:r>
+          </a:p>
+          <a:p>
+            <a:pPr algn="l"/>
+            <a:r>
+              <a:rPr lang="fr-FR" sz="1800" b="0" i="0" u="none" strike="noStrike" baseline="0" dirty="0">
+                <a:latin typeface="CMSY10"/>
+              </a:rPr>
+              <a:t>− </a:t>
+            </a:r>
+            <a:r>
+              <a:rPr lang="fr-FR" sz="1800" b="0" i="0" u="none" strike="noStrike" baseline="0" dirty="0">
+                <a:latin typeface="F34"/>
+              </a:rPr>
+              <a:t>exécuter un programme </a:t>
+            </a:r>
+          </a:p>
+          <a:p>
+            <a:pPr algn="l"/>
+            <a:r>
+              <a:rPr lang="fr-FR" sz="1800" b="0" i="0" u="none" strike="noStrike" baseline="0" dirty="0">
+                <a:latin typeface="CMSY10"/>
+              </a:rPr>
+              <a:t>− </a:t>
+            </a:r>
+            <a:r>
+              <a:rPr lang="fr-FR" sz="1800" b="0" i="0" u="none" strike="noStrike" baseline="0" dirty="0">
+                <a:latin typeface="F34"/>
+              </a:rPr>
+              <a:t>mode pas à pas/ continu</a:t>
+            </a:r>
+          </a:p>
+          <a:p>
+            <a:pPr algn="l"/>
+            <a:r>
+              <a:rPr lang="fr-FR" sz="1800" b="0" i="0" u="none" strike="noStrike" baseline="0" dirty="0">
+                <a:latin typeface="CMSY10"/>
+              </a:rPr>
+              <a:t>− </a:t>
+            </a:r>
+            <a:r>
+              <a:rPr lang="fr-FR" dirty="0">
+                <a:latin typeface="F34"/>
+              </a:rPr>
+              <a:t>affi</a:t>
+            </a:r>
+            <a:r>
+              <a:rPr lang="fr-FR" sz="1800" b="0" i="0" u="none" strike="noStrike" baseline="0" dirty="0">
+                <a:latin typeface="F34"/>
+              </a:rPr>
+              <a:t>chage de l'état du ruban, position de la tête de lecture et table de transition</a:t>
+            </a:r>
+          </a:p>
+          <a:p>
+            <a:pPr algn="l"/>
+            <a:endParaRPr lang="fr-FR" sz="1800" b="0" i="0" u="none" strike="noStrike" baseline="0" dirty="0">
+              <a:latin typeface="F34"/>
+            </a:endParaRPr>
+          </a:p>
+          <a:p>
+            <a:pPr algn="l"/>
+            <a:r>
+              <a:rPr lang="fr-FR" sz="1800" b="0" i="0" u="none" strike="noStrike" baseline="0" dirty="0">
+                <a:latin typeface="F55"/>
+              </a:rPr>
+              <a:t>Partie 2</a:t>
+            </a:r>
+            <a:endParaRPr lang="fr-FR" sz="1800" b="0" i="0" u="none" strike="noStrike" baseline="0" dirty="0">
+              <a:latin typeface="CMSY10"/>
+            </a:endParaRPr>
+          </a:p>
+          <a:p>
+            <a:pPr algn="l"/>
+            <a:r>
+              <a:rPr lang="fr-FR" sz="1800" b="0" i="0" u="none" strike="noStrike" baseline="0" dirty="0">
+                <a:latin typeface="CMSY10"/>
+              </a:rPr>
+              <a:t>− </a:t>
+            </a:r>
+            <a:r>
+              <a:rPr lang="fr-FR" dirty="0">
+                <a:latin typeface="F34"/>
+              </a:rPr>
+              <a:t>sélection </a:t>
+            </a:r>
+            <a:r>
+              <a:rPr lang="fr-FR" sz="1800" b="0" i="0" u="none" strike="noStrike" baseline="0" dirty="0">
+                <a:latin typeface="F34"/>
+              </a:rPr>
+              <a:t>programme via menu.</a:t>
+            </a:r>
+          </a:p>
+          <a:p>
+            <a:pPr algn="l"/>
+            <a:r>
+              <a:rPr lang="fr-FR" sz="1800" b="0" i="0" u="none" strike="noStrike" baseline="0" dirty="0">
+                <a:latin typeface="CMSY10"/>
+              </a:rPr>
+              <a:t>− </a:t>
+            </a:r>
+            <a:r>
+              <a:rPr lang="fr-FR" sz="1800" b="0" i="0" u="none" strike="noStrike" baseline="0" dirty="0">
+                <a:latin typeface="F34"/>
+              </a:rPr>
+              <a:t>stockage des programmes.</a:t>
+            </a:r>
+          </a:p>
+          <a:p>
+            <a:pPr algn="l"/>
+            <a:r>
+              <a:rPr lang="fr-FR" sz="1800" b="0" i="0" u="none" strike="noStrike" baseline="0" dirty="0">
+                <a:latin typeface="CMSY10"/>
+              </a:rPr>
+              <a:t>− </a:t>
+            </a:r>
+            <a:r>
+              <a:rPr lang="fr-FR" sz="1800" b="0" i="0" u="none" strike="noStrike" baseline="0" dirty="0">
+                <a:latin typeface="F34"/>
+              </a:rPr>
+              <a:t>initialisation manuelle ruban de LED et  position tête de lecture.</a:t>
+            </a:r>
+          </a:p>
+          <a:p>
+            <a:pPr algn="l"/>
+            <a:endParaRPr lang="fr-FR" sz="1800" b="0" i="0" u="none" strike="noStrike" baseline="0" dirty="0">
+              <a:latin typeface="F34"/>
+            </a:endParaRPr>
+          </a:p>
+          <a:p>
+            <a:pPr algn="l"/>
+            <a:r>
+              <a:rPr lang="fr-FR" sz="1800" b="0" i="0" u="none" strike="noStrike" baseline="0" dirty="0">
+                <a:latin typeface="F55"/>
+              </a:rPr>
+              <a:t>Partie 3</a:t>
+            </a:r>
+          </a:p>
+          <a:p>
+            <a:pPr algn="l"/>
+            <a:r>
+              <a:rPr lang="fr-FR" sz="1800" b="0" i="0" u="none" strike="noStrike" baseline="0" dirty="0">
+                <a:latin typeface="CMSY10"/>
+              </a:rPr>
+              <a:t>− </a:t>
+            </a:r>
+            <a:r>
+              <a:rPr lang="fr-FR" sz="1800" b="0" i="0" u="none" strike="noStrike" baseline="0" dirty="0">
+                <a:latin typeface="F34"/>
+              </a:rPr>
+              <a:t>programmation sur la machine d'une table de transition.</a:t>
+            </a:r>
+          </a:p>
+          <a:p>
+            <a:pPr algn="l"/>
+            <a:r>
+              <a:rPr lang="fr-FR" sz="1800" b="0" i="0" u="none" strike="noStrike" baseline="0" dirty="0">
+                <a:latin typeface="CMSY10"/>
+              </a:rPr>
+              <a:t>− </a:t>
+            </a:r>
+            <a:r>
+              <a:rPr lang="fr-FR" sz="1800" b="0" i="0" u="none" strike="noStrike" baseline="0" dirty="0">
+                <a:latin typeface="F34"/>
+              </a:rPr>
+              <a:t>enregistrement table de transition dans un stockage exter</a:t>
+            </a:r>
+            <a:r>
+              <a:rPr lang="fr-FR" dirty="0">
+                <a:latin typeface="F34"/>
+              </a:rPr>
+              <a:t>ne.</a:t>
+            </a:r>
+            <a:endParaRPr lang="fr-FR" sz="1800" b="0" i="0" u="none" strike="noStrike" baseline="0" dirty="0">
+              <a:latin typeface="F34"/>
+            </a:endParaRPr>
+          </a:p>
+          <a:p>
+            <a:pPr algn="l"/>
+            <a:r>
+              <a:rPr lang="fr-FR" sz="1800" b="0" i="0" u="none" strike="noStrike" baseline="0" dirty="0">
+                <a:latin typeface="CMSY10"/>
+              </a:rPr>
+              <a:t>− </a:t>
+            </a:r>
+            <a:r>
+              <a:rPr lang="fr-FR" sz="1800" b="0" i="0" u="none" strike="noStrike" baseline="0" dirty="0">
+                <a:latin typeface="F34"/>
+              </a:rPr>
+              <a:t>reset programmation de la ligne en cours.</a:t>
+            </a:r>
+          </a:p>
+          <a:p>
+            <a:pPr algn="l"/>
+            <a:r>
+              <a:rPr lang="fr-FR" sz="1800" b="0" i="0" u="none" strike="noStrike" baseline="0" dirty="0">
+                <a:latin typeface="CMSY10"/>
+              </a:rPr>
+              <a:t>− </a:t>
+            </a:r>
+            <a:r>
+              <a:rPr lang="fr-FR" sz="1800" b="0" i="0" u="none" strike="noStrike" baseline="0" dirty="0">
+                <a:latin typeface="F34"/>
+              </a:rPr>
+              <a:t>affichage d'une description du programme.</a:t>
+            </a:r>
+            <a:endParaRPr lang="fr-FR" sz="1400" b="0" strike="noStrike" spc="-1" dirty="0">
+              <a:solidFill>
+                <a:srgbClr val="000000"/>
+              </a:solidFill>
+              <a:latin typeface="Arial"/>
+            </a:endParaRPr>
+          </a:p>
+        </p:txBody>
+      </p:sp>
+    </p:spTree>
+    <p:extLst>
+      <p:ext uri="{BB962C8B-B14F-4D97-AF65-F5344CB8AC3E}">
+        <p14:creationId xmlns:p14="http://schemas.microsoft.com/office/powerpoint/2010/main" val="2195700170"/>
+      </p:ext>
+    </p:extLst>
+  </p:cSld>
+  <p:clrMapOvr>
+    <a:masterClrMapping/>
+  </p:clrMapOvr>
+</p:sld>
+</file>
+
 <file path=ppt/slides/slide7.xml><?xml version="1.0" encoding="utf-8"?>
 <p:sld xmlns:a="http://schemas.openxmlformats.org/drawingml/2006/main" xmlns:r="http://schemas.openxmlformats.org/officeDocument/2006/relationships" xmlns:p="http://schemas.openxmlformats.org/presentationml/2006/main">
   <p:cSld>
@@ -10207,59 +10266,65 @@
           <a:chExt cx="0" cy="0"/>
         </a:xfrm>
       </p:grpSpPr>
-      <p:pic>
-        <p:nvPicPr>
-          <p:cNvPr id="2" name="Picture 2" descr="Polytech Tours - Polytech Tours, école d'ingénieurs">
-            <a:extLst>
-              <a:ext uri="{FF2B5EF4-FFF2-40B4-BE49-F238E27FC236}">
-                <a16:creationId xmlns:a16="http://schemas.microsoft.com/office/drawing/2014/main" id="{009710E4-4286-CDDE-E7EB-109C9DDAB24F}"/>
-              </a:ext>
-            </a:extLst>
-          </p:cNvPr>
-          <p:cNvPicPr>
-            <a:picLocks noChangeAspect="1" noChangeArrowheads="1"/>
-          </p:cNvPicPr>
-          <p:nvPr/>
-        </p:nvPicPr>
-        <p:blipFill>
-          <a:blip r:embed="rId2" cstate="print">
-            <a:extLst>
-              <a:ext uri="{28A0092B-C50C-407E-A947-70E740481C1C}">
-                <a14:useLocalDpi xmlns:a14="http://schemas.microsoft.com/office/drawing/2010/main" val="0"/>
-              </a:ext>
-            </a:extLst>
-          </a:blip>
-          <a:srcRect/>
-          <a:stretch>
-            <a:fillRect/>
-          </a:stretch>
-        </p:blipFill>
-        <p:spPr bwMode="auto">
-          <a:xfrm>
-            <a:off x="0" y="4852645"/>
-            <a:ext cx="3985897" cy="817905"/>
+      <p:sp>
+        <p:nvSpPr>
+          <p:cNvPr id="42" name="PlaceHolder 1"/>
+          <p:cNvSpPr>
+            <a:spLocks noGrp="1"/>
+          </p:cNvSpPr>
+          <p:nvPr>
+            <p:ph type="title"/>
+          </p:nvPr>
+        </p:nvSpPr>
+        <p:spPr>
+          <a:xfrm>
+            <a:off x="504000" y="226080"/>
+            <a:ext cx="9071640" cy="946440"/>
           </a:xfrm>
           <a:prstGeom prst="rect">
             <a:avLst/>
           </a:prstGeom>
           <a:noFill/>
-          <a:extLst>
-            <a:ext uri="{909E8E84-426E-40DD-AFC4-6F175D3DCCD1}">
-              <a14:hiddenFill xmlns:a14="http://schemas.microsoft.com/office/drawing/2010/main">
+          <a:ln w="0">
+            <a:noFill/>
+          </a:ln>
+        </p:spPr>
+        <p:txBody>
+          <a:bodyPr lIns="0" tIns="0" rIns="0" bIns="0" anchor="ctr">
+            <a:noAutofit/>
+          </a:bodyPr>
+          <a:lstStyle/>
+          <a:p>
+            <a:pPr indent="0" algn="ctr">
+              <a:buNone/>
+            </a:pPr>
+            <a:r>
+              <a:rPr lang="en-US" sz="4400" b="0" strike="noStrike" spc="-1" dirty="0" err="1">
                 <a:solidFill>
-                  <a:srgbClr val="FFFFFF"/>
+                  <a:srgbClr val="000000"/>
                 </a:solidFill>
-              </a14:hiddenFill>
-            </a:ext>
-          </a:extLst>
-        </p:spPr>
-      </p:pic>
+                <a:latin typeface="Arial"/>
+              </a:rPr>
+              <a:t>Matrice</a:t>
+            </a:r>
+            <a:r>
+              <a:rPr lang="en-US" sz="4400" b="0" strike="noStrike" spc="-1" dirty="0">
+                <a:solidFill>
+                  <a:srgbClr val="000000"/>
+                </a:solidFill>
+                <a:latin typeface="Arial"/>
+              </a:rPr>
+              <a:t> MOSCOW</a:t>
+            </a:r>
+          </a:p>
+        </p:txBody>
+      </p:sp>
       <p:sp>
         <p:nvSpPr>
           <p:cNvPr id="3" name="Espace réservé du numéro de diapositive 2">
             <a:extLst>
               <a:ext uri="{FF2B5EF4-FFF2-40B4-BE49-F238E27FC236}">
-                <a16:creationId xmlns:a16="http://schemas.microsoft.com/office/drawing/2014/main" id="{FAF3CFF4-FC6E-8119-4D39-629CA185EBE3}"/>
+                <a16:creationId xmlns:a16="http://schemas.microsoft.com/office/drawing/2014/main" id="{D7405625-53E7-95C2-7522-53CF1AE6388E}"/>
               </a:ext>
             </a:extLst>
           </p:cNvPr>
@@ -10270,7 +10335,12 @@
             <p:ph type="sldNum" idx="3"/>
           </p:nvPr>
         </p:nvSpPr>
-        <p:spPr/>
+        <p:spPr>
+          <a:xfrm>
+            <a:off x="7227360" y="5173444"/>
+            <a:ext cx="2348280" cy="390600"/>
+          </a:xfrm>
+        </p:spPr>
         <p:txBody>
           <a:bodyPr/>
           <a:lstStyle/>
@@ -10285,94 +10355,20 @@
       </p:sp>
       <p:sp>
         <p:nvSpPr>
-          <p:cNvPr id="8" name="ZoneTexte 7">
-            <a:extLst>
-              <a:ext uri="{FF2B5EF4-FFF2-40B4-BE49-F238E27FC236}">
-                <a16:creationId xmlns:a16="http://schemas.microsoft.com/office/drawing/2014/main" id="{385DE03A-E053-EA37-F152-FA34B3E3EBFE}"/>
-              </a:ext>
-            </a:extLst>
-          </p:cNvPr>
-          <p:cNvSpPr txBox="1"/>
+          <p:cNvPr id="16" name="ZoneTexte 23">
+            <a:extLst>
+              <a:ext uri="{FF2B5EF4-FFF2-40B4-BE49-F238E27FC236}">
+                <a16:creationId xmlns:a16="http://schemas.microsoft.com/office/drawing/2014/main" id="{13A30FE4-B77A-6D8E-FCAD-267A4B27723D}"/>
+              </a:ext>
+            </a:extLst>
+          </p:cNvPr>
+          <p:cNvSpPr/>
           <p:nvPr/>
         </p:nvSpPr>
         <p:spPr>
           <a:xfrm>
-            <a:off x="1017365" y="1497022"/>
-            <a:ext cx="1071106" cy="369332"/>
-          </a:xfrm>
-          <a:prstGeom prst="rect">
-            <a:avLst/>
-          </a:prstGeom>
-          <a:noFill/>
-        </p:spPr>
-        <p:txBody>
-          <a:bodyPr wrap="square" rtlCol="0">
-            <a:spAutoFit/>
-          </a:bodyPr>
-          <a:lstStyle/>
-          <a:p>
-            <a:r>
-              <a:rPr lang="fr-FR" dirty="0"/>
-              <a:t>SFN1 :</a:t>
-            </a:r>
-          </a:p>
-        </p:txBody>
-      </p:sp>
-      <p:pic>
-        <p:nvPicPr>
-          <p:cNvPr id="5" name="Image 4">
-            <a:extLst>
-              <a:ext uri="{FF2B5EF4-FFF2-40B4-BE49-F238E27FC236}">
-                <a16:creationId xmlns:a16="http://schemas.microsoft.com/office/drawing/2014/main" id="{568489E9-A6CB-CAE1-3C6C-979A345F1192}"/>
-              </a:ext>
-            </a:extLst>
-          </p:cNvPr>
-          <p:cNvPicPr>
-            <a:picLocks noChangeAspect="1"/>
-          </p:cNvPicPr>
-          <p:nvPr/>
-        </p:nvPicPr>
-        <p:blipFill rotWithShape="1">
-          <a:blip r:embed="rId3">
-            <a:extLst>
-              <a:ext uri="{28A0092B-C50C-407E-A947-70E740481C1C}">
-                <a14:useLocalDpi xmlns:a14="http://schemas.microsoft.com/office/drawing/2010/main" val="0"/>
-              </a:ext>
-            </a:extLst>
-          </a:blip>
-          <a:srcRect t="15028"/>
-          <a:stretch/>
-        </p:blipFill>
-        <p:spPr>
-          <a:xfrm>
-            <a:off x="1491798" y="1866354"/>
-            <a:ext cx="6500356" cy="2441806"/>
-          </a:xfrm>
-          <a:prstGeom prst="rect">
-            <a:avLst/>
-          </a:prstGeom>
-        </p:spPr>
-      </p:pic>
-      <p:sp>
-        <p:nvSpPr>
-          <p:cNvPr id="6" name="PlaceHolder 1">
-            <a:extLst>
-              <a:ext uri="{FF2B5EF4-FFF2-40B4-BE49-F238E27FC236}">
-                <a16:creationId xmlns:a16="http://schemas.microsoft.com/office/drawing/2014/main" id="{DDC58217-E0B6-FC44-E164-AC66371C9BD3}"/>
-              </a:ext>
-            </a:extLst>
-          </p:cNvPr>
-          <p:cNvSpPr>
-            <a:spLocks noGrp="1"/>
-          </p:cNvSpPr>
-          <p:nvPr>
-            <p:ph type="title"/>
-          </p:nvPr>
-        </p:nvSpPr>
-        <p:spPr>
-          <a:xfrm>
-            <a:off x="504000" y="226080"/>
-            <a:ext cx="9071640" cy="946440"/>
+            <a:off x="1878813" y="1160397"/>
+            <a:ext cx="1371489" cy="367878"/>
           </a:xfrm>
           <a:prstGeom prst="rect">
             <a:avLst/>
@@ -10382,20 +10378,40 @@
             <a:noFill/>
           </a:ln>
         </p:spPr>
-        <p:txBody>
-          <a:bodyPr lIns="0" tIns="0" rIns="0" bIns="0" anchor="ctr">
-            <a:noAutofit/>
+        <p:style>
+          <a:lnRef idx="0">
+            <a:scrgbClr r="0" g="0" b="0"/>
+          </a:lnRef>
+          <a:fillRef idx="0">
+            <a:scrgbClr r="0" g="0" b="0"/>
+          </a:fillRef>
+          <a:effectRef idx="0">
+            <a:scrgbClr r="0" g="0" b="0"/>
+          </a:effectRef>
+          <a:fontRef idx="minor"/>
+        </p:style>
+        <p:txBody>
+          <a:bodyPr wrap="square" lIns="90000" tIns="45000" rIns="90000" bIns="45000" anchor="t">
+            <a:spAutoFit/>
           </a:bodyPr>
           <a:lstStyle/>
           <a:p>
-            <a:pPr indent="0" algn="ctr">
-              <a:buNone/>
+            <a:pPr>
+              <a:lnSpc>
+                <a:spcPct val="100000"/>
+              </a:lnSpc>
             </a:pPr>
             <a:r>
-              <a:rPr lang="fr-FR" dirty="0"/>
-              <a:t>Conception générale</a:t>
-            </a:r>
-            <a:endParaRPr lang="en-US" sz="4400" b="0" strike="noStrike" spc="-1" dirty="0">
+              <a:rPr lang="fr-FR" sz="1800" b="1" u="sng" strike="noStrike" spc="-1" dirty="0">
+                <a:solidFill>
+                  <a:srgbClr val="000000"/>
+                </a:solidFill>
+                <a:uFillTx/>
+                <a:latin typeface="Calibri"/>
+              </a:rPr>
+              <a:t>Must Have</a:t>
+            </a:r>
+            <a:endParaRPr lang="fr-FR" sz="1800" b="0" strike="noStrike" spc="-1" dirty="0">
               <a:solidFill>
                 <a:srgbClr val="000000"/>
               </a:solidFill>
@@ -10404,46 +10420,768 @@
           </a:p>
         </p:txBody>
       </p:sp>
-      <p:pic>
-        <p:nvPicPr>
-          <p:cNvPr id="4" name="Image 3">
-            <a:extLst>
-              <a:ext uri="{FF2B5EF4-FFF2-40B4-BE49-F238E27FC236}">
-                <a16:creationId xmlns:a16="http://schemas.microsoft.com/office/drawing/2014/main" id="{93B5A871-213A-323C-96D8-FE29846B5D96}"/>
-              </a:ext>
-            </a:extLst>
-          </p:cNvPr>
-          <p:cNvPicPr>
-            <a:picLocks noChangeAspect="1"/>
-          </p:cNvPicPr>
+      <p:sp>
+        <p:nvSpPr>
+          <p:cNvPr id="17" name="ZoneTexte 27">
+            <a:extLst>
+              <a:ext uri="{FF2B5EF4-FFF2-40B4-BE49-F238E27FC236}">
+                <a16:creationId xmlns:a16="http://schemas.microsoft.com/office/drawing/2014/main" id="{34EC66E9-0CC9-A9AE-5755-A2864635DF17}"/>
+              </a:ext>
+            </a:extLst>
+          </p:cNvPr>
+          <p:cNvSpPr/>
           <p:nvPr/>
-        </p:nvPicPr>
-        <p:blipFill>
-          <a:blip r:embed="rId4">
-            <a:extLst>
-              <a:ext uri="{28A0092B-C50C-407E-A947-70E740481C1C}">
-                <a14:useLocalDpi xmlns:a14="http://schemas.microsoft.com/office/drawing/2010/main" val="0"/>
-              </a:ext>
-            </a:extLst>
-          </a:blip>
-          <a:stretch>
-            <a:fillRect/>
-          </a:stretch>
-        </p:blipFill>
-        <p:spPr>
-          <a:xfrm>
-            <a:off x="0" y="4847379"/>
-            <a:ext cx="4951220" cy="823171"/>
-          </a:xfrm>
-          <a:prstGeom prst="rect">
-            <a:avLst/>
-          </a:prstGeom>
-        </p:spPr>
-      </p:pic>
+        </p:nvSpPr>
+        <p:spPr>
+          <a:xfrm>
+            <a:off x="464205" y="1523549"/>
+            <a:ext cx="4382106" cy="1598984"/>
+          </a:xfrm>
+          <a:prstGeom prst="rect">
+            <a:avLst/>
+          </a:prstGeom>
+          <a:noFill/>
+          <a:ln w="0">
+            <a:noFill/>
+          </a:ln>
+        </p:spPr>
+        <p:style>
+          <a:lnRef idx="0">
+            <a:scrgbClr r="0" g="0" b="0"/>
+          </a:lnRef>
+          <a:fillRef idx="0">
+            <a:scrgbClr r="0" g="0" b="0"/>
+          </a:fillRef>
+          <a:effectRef idx="0">
+            <a:scrgbClr r="0" g="0" b="0"/>
+          </a:effectRef>
+          <a:fontRef idx="minor"/>
+        </p:style>
+        <p:txBody>
+          <a:bodyPr wrap="square" lIns="90000" tIns="45000" rIns="90000" bIns="45000" anchor="t">
+            <a:spAutoFit/>
+          </a:bodyPr>
+          <a:lstStyle/>
+          <a:p>
+            <a:pPr marL="285840" indent="-285840">
+              <a:lnSpc>
+                <a:spcPct val="100000"/>
+              </a:lnSpc>
+              <a:buClr>
+                <a:srgbClr val="000000"/>
+              </a:buClr>
+              <a:buFont typeface="StarSymbol"/>
+              <a:buChar char="-"/>
+            </a:pPr>
+            <a:r>
+              <a:rPr lang="fr-FR" sz="1400" b="0" strike="noStrike" spc="-1" dirty="0">
+                <a:solidFill>
+                  <a:srgbClr val="000000"/>
+                </a:solidFill>
+                <a:latin typeface="Calibri"/>
+              </a:rPr>
+              <a:t>Machine de Turing capable au moins de faire l’addition de 2 nombres</a:t>
+            </a:r>
+            <a:endParaRPr lang="fr-FR" sz="1400" b="0" strike="noStrike" spc="-1" dirty="0">
+              <a:solidFill>
+                <a:srgbClr val="000000"/>
+              </a:solidFill>
+              <a:latin typeface="Arial"/>
+            </a:endParaRPr>
+          </a:p>
+          <a:p>
+            <a:pPr marL="285840" indent="-285840">
+              <a:lnSpc>
+                <a:spcPct val="100000"/>
+              </a:lnSpc>
+              <a:buClr>
+                <a:srgbClr val="000000"/>
+              </a:buClr>
+              <a:buFont typeface="StarSymbol"/>
+              <a:buChar char="-"/>
+            </a:pPr>
+            <a:r>
+              <a:rPr lang="fr-FR" sz="1400" b="0" strike="noStrike" spc="-1" dirty="0">
+                <a:solidFill>
+                  <a:srgbClr val="000000"/>
+                </a:solidFill>
+                <a:latin typeface="Calibri"/>
+              </a:rPr>
+              <a:t>Mode continu/pas à pas pour l'exécution du programme</a:t>
+            </a:r>
+            <a:endParaRPr lang="fr-FR" sz="1400" b="0" strike="noStrike" spc="-1" dirty="0">
+              <a:solidFill>
+                <a:srgbClr val="000000"/>
+              </a:solidFill>
+              <a:latin typeface="Arial"/>
+            </a:endParaRPr>
+          </a:p>
+          <a:p>
+            <a:pPr marL="285840" indent="-285840">
+              <a:lnSpc>
+                <a:spcPct val="100000"/>
+              </a:lnSpc>
+              <a:buClr>
+                <a:srgbClr val="000000"/>
+              </a:buClr>
+              <a:buFont typeface="StarSymbol"/>
+              <a:buChar char="-"/>
+            </a:pPr>
+            <a:r>
+              <a:rPr lang="fr-FR" sz="1400" b="0" strike="noStrike" spc="-1" dirty="0">
+                <a:solidFill>
+                  <a:srgbClr val="000000"/>
+                </a:solidFill>
+                <a:latin typeface="Calibri"/>
+              </a:rPr>
+              <a:t>Affichage de l'état du ruban</a:t>
+            </a:r>
+            <a:endParaRPr lang="fr-FR" sz="1400" b="0" strike="noStrike" spc="-1" dirty="0">
+              <a:solidFill>
+                <a:srgbClr val="000000"/>
+              </a:solidFill>
+              <a:latin typeface="Arial"/>
+            </a:endParaRPr>
+          </a:p>
+          <a:p>
+            <a:pPr marL="285840" indent="-285840">
+              <a:lnSpc>
+                <a:spcPct val="100000"/>
+              </a:lnSpc>
+              <a:buClr>
+                <a:srgbClr val="000000"/>
+              </a:buClr>
+              <a:buFont typeface="StarSymbol"/>
+              <a:buChar char="-"/>
+            </a:pPr>
+            <a:r>
+              <a:rPr lang="fr-FR" sz="1400" b="0" strike="noStrike" spc="-1" dirty="0">
+                <a:solidFill>
+                  <a:srgbClr val="000000"/>
+                </a:solidFill>
+                <a:latin typeface="Calibri"/>
+              </a:rPr>
+              <a:t>Affichage de la position de la tête de lecture</a:t>
+            </a:r>
+            <a:endParaRPr lang="fr-FR" sz="1400" b="0" strike="noStrike" spc="-1" dirty="0">
+              <a:solidFill>
+                <a:srgbClr val="000000"/>
+              </a:solidFill>
+              <a:latin typeface="Arial"/>
+            </a:endParaRPr>
+          </a:p>
+          <a:p>
+            <a:pPr marL="285840" indent="-285840">
+              <a:lnSpc>
+                <a:spcPct val="100000"/>
+              </a:lnSpc>
+              <a:buClr>
+                <a:srgbClr val="000000"/>
+              </a:buClr>
+              <a:buFont typeface="StarSymbol"/>
+              <a:buChar char="-"/>
+            </a:pPr>
+            <a:r>
+              <a:rPr lang="fr-FR" sz="1400" b="0" strike="noStrike" spc="-1" dirty="0">
+                <a:solidFill>
+                  <a:srgbClr val="000000"/>
+                </a:solidFill>
+                <a:latin typeface="Calibri"/>
+              </a:rPr>
+              <a:t>Gérer l'affichage de la table de transition</a:t>
+            </a:r>
+            <a:endParaRPr lang="fr-FR" sz="1400" b="0" strike="noStrike" spc="-1" dirty="0">
+              <a:solidFill>
+                <a:srgbClr val="000000"/>
+              </a:solidFill>
+              <a:latin typeface="Arial"/>
+            </a:endParaRPr>
+          </a:p>
+        </p:txBody>
+      </p:sp>
+      <p:sp>
+        <p:nvSpPr>
+          <p:cNvPr id="18" name="ZoneTexte 24">
+            <a:extLst>
+              <a:ext uri="{FF2B5EF4-FFF2-40B4-BE49-F238E27FC236}">
+                <a16:creationId xmlns:a16="http://schemas.microsoft.com/office/drawing/2014/main" id="{61C9F0EE-75F0-E2EE-CD81-7DBD85CB239A}"/>
+              </a:ext>
+            </a:extLst>
+          </p:cNvPr>
+          <p:cNvSpPr/>
+          <p:nvPr/>
+        </p:nvSpPr>
+        <p:spPr>
+          <a:xfrm>
+            <a:off x="6830324" y="1160397"/>
+            <a:ext cx="1371488" cy="367878"/>
+          </a:xfrm>
+          <a:prstGeom prst="rect">
+            <a:avLst/>
+          </a:prstGeom>
+          <a:noFill/>
+          <a:ln w="0">
+            <a:noFill/>
+          </a:ln>
+        </p:spPr>
+        <p:style>
+          <a:lnRef idx="0">
+            <a:scrgbClr r="0" g="0" b="0"/>
+          </a:lnRef>
+          <a:fillRef idx="0">
+            <a:scrgbClr r="0" g="0" b="0"/>
+          </a:fillRef>
+          <a:effectRef idx="0">
+            <a:scrgbClr r="0" g="0" b="0"/>
+          </a:effectRef>
+          <a:fontRef idx="minor"/>
+        </p:style>
+        <p:txBody>
+          <a:bodyPr wrap="square" lIns="90000" tIns="45000" rIns="90000" bIns="45000" anchor="t">
+            <a:spAutoFit/>
+          </a:bodyPr>
+          <a:lstStyle/>
+          <a:p>
+            <a:pPr>
+              <a:lnSpc>
+                <a:spcPct val="100000"/>
+              </a:lnSpc>
+            </a:pPr>
+            <a:r>
+              <a:rPr lang="fr-FR" sz="1800" b="1" u="sng" strike="noStrike" spc="-1" dirty="0" err="1">
+                <a:solidFill>
+                  <a:srgbClr val="000000"/>
+                </a:solidFill>
+                <a:uFillTx/>
+                <a:latin typeface="Calibri"/>
+              </a:rPr>
+              <a:t>Should</a:t>
+            </a:r>
+            <a:r>
+              <a:rPr lang="fr-FR" sz="1800" b="1" u="sng" strike="noStrike" spc="-1" dirty="0">
+                <a:solidFill>
+                  <a:srgbClr val="000000"/>
+                </a:solidFill>
+                <a:uFillTx/>
+                <a:latin typeface="Calibri"/>
+              </a:rPr>
+              <a:t> Have</a:t>
+            </a:r>
+            <a:endParaRPr lang="fr-FR" sz="1800" b="0" strike="noStrike" spc="-1" dirty="0">
+              <a:solidFill>
+                <a:srgbClr val="000000"/>
+              </a:solidFill>
+              <a:latin typeface="Arial"/>
+            </a:endParaRPr>
+          </a:p>
+        </p:txBody>
+      </p:sp>
+      <p:sp>
+        <p:nvSpPr>
+          <p:cNvPr id="19" name="ZoneTexte 29">
+            <a:extLst>
+              <a:ext uri="{FF2B5EF4-FFF2-40B4-BE49-F238E27FC236}">
+                <a16:creationId xmlns:a16="http://schemas.microsoft.com/office/drawing/2014/main" id="{A6AA05C6-29A7-BF11-7E02-2E2F783615E9}"/>
+              </a:ext>
+            </a:extLst>
+          </p:cNvPr>
+          <p:cNvSpPr/>
+          <p:nvPr/>
+        </p:nvSpPr>
+        <p:spPr>
+          <a:xfrm>
+            <a:off x="5234315" y="1523549"/>
+            <a:ext cx="4205318" cy="1168097"/>
+          </a:xfrm>
+          <a:prstGeom prst="rect">
+            <a:avLst/>
+          </a:prstGeom>
+          <a:noFill/>
+          <a:ln w="0">
+            <a:noFill/>
+          </a:ln>
+        </p:spPr>
+        <p:style>
+          <a:lnRef idx="0">
+            <a:scrgbClr r="0" g="0" b="0"/>
+          </a:lnRef>
+          <a:fillRef idx="0">
+            <a:scrgbClr r="0" g="0" b="0"/>
+          </a:fillRef>
+          <a:effectRef idx="0">
+            <a:scrgbClr r="0" g="0" b="0"/>
+          </a:effectRef>
+          <a:fontRef idx="minor"/>
+        </p:style>
+        <p:txBody>
+          <a:bodyPr wrap="square" lIns="90000" tIns="45000" rIns="90000" bIns="45000" anchor="t">
+            <a:spAutoFit/>
+          </a:bodyPr>
+          <a:lstStyle/>
+          <a:p>
+            <a:pPr marL="285840" indent="-285840">
+              <a:lnSpc>
+                <a:spcPct val="100000"/>
+              </a:lnSpc>
+              <a:buClr>
+                <a:srgbClr val="000000"/>
+              </a:buClr>
+              <a:buFont typeface="StarSymbol"/>
+              <a:buChar char="-"/>
+            </a:pPr>
+            <a:r>
+              <a:rPr lang="fr-FR" sz="1400" b="0" strike="noStrike" spc="-1" dirty="0">
+                <a:solidFill>
+                  <a:srgbClr val="000000"/>
+                </a:solidFill>
+                <a:latin typeface="Calibri"/>
+              </a:rPr>
+              <a:t>La possibilité de sélectionner un programme via un menu</a:t>
+            </a:r>
+            <a:endParaRPr lang="fr-FR" sz="1400" b="0" strike="noStrike" spc="-1" dirty="0">
+              <a:solidFill>
+                <a:srgbClr val="000000"/>
+              </a:solidFill>
+              <a:latin typeface="Arial"/>
+            </a:endParaRPr>
+          </a:p>
+          <a:p>
+            <a:pPr marL="285840" indent="-285840">
+              <a:lnSpc>
+                <a:spcPct val="100000"/>
+              </a:lnSpc>
+              <a:buClr>
+                <a:srgbClr val="000000"/>
+              </a:buClr>
+              <a:buFont typeface="StarSymbol"/>
+              <a:buChar char="-"/>
+            </a:pPr>
+            <a:r>
+              <a:rPr lang="fr-FR" sz="1400" b="0" strike="noStrike" spc="-1" dirty="0">
+                <a:solidFill>
+                  <a:srgbClr val="000000"/>
+                </a:solidFill>
+                <a:latin typeface="Calibri"/>
+              </a:rPr>
+              <a:t>Stockage des programmes à sélectionner</a:t>
+            </a:r>
+            <a:endParaRPr lang="fr-FR" sz="1400" b="0" strike="noStrike" spc="-1" dirty="0">
+              <a:solidFill>
+                <a:srgbClr val="000000"/>
+              </a:solidFill>
+              <a:latin typeface="Arial"/>
+            </a:endParaRPr>
+          </a:p>
+          <a:p>
+            <a:pPr marL="285840" indent="-285840">
+              <a:lnSpc>
+                <a:spcPct val="100000"/>
+              </a:lnSpc>
+              <a:buClr>
+                <a:srgbClr val="000000"/>
+              </a:buClr>
+              <a:buFont typeface="StarSymbol"/>
+              <a:buChar char="-"/>
+            </a:pPr>
+            <a:r>
+              <a:rPr lang="fr-FR" sz="1400" b="0" strike="noStrike" spc="-1" dirty="0">
+                <a:solidFill>
+                  <a:srgbClr val="000000"/>
+                </a:solidFill>
+                <a:latin typeface="Calibri"/>
+              </a:rPr>
+              <a:t>Initialisation manuelle du ruban et de la position de la tête de lecture.</a:t>
+            </a:r>
+            <a:endParaRPr lang="fr-FR" sz="1400" b="0" strike="noStrike" spc="-1" dirty="0">
+              <a:solidFill>
+                <a:srgbClr val="000000"/>
+              </a:solidFill>
+              <a:latin typeface="Arial"/>
+            </a:endParaRPr>
+          </a:p>
+        </p:txBody>
+      </p:sp>
+      <p:sp>
+        <p:nvSpPr>
+          <p:cNvPr id="20" name="ZoneTexte 25">
+            <a:extLst>
+              <a:ext uri="{FF2B5EF4-FFF2-40B4-BE49-F238E27FC236}">
+                <a16:creationId xmlns:a16="http://schemas.microsoft.com/office/drawing/2014/main" id="{FB83E503-57F6-FB5E-CD9C-2CDD692E827A}"/>
+              </a:ext>
+            </a:extLst>
+          </p:cNvPr>
+          <p:cNvSpPr/>
+          <p:nvPr/>
+        </p:nvSpPr>
+        <p:spPr>
+          <a:xfrm>
+            <a:off x="2065454" y="3261076"/>
+            <a:ext cx="1259378" cy="367878"/>
+          </a:xfrm>
+          <a:prstGeom prst="rect">
+            <a:avLst/>
+          </a:prstGeom>
+          <a:noFill/>
+          <a:ln w="0">
+            <a:noFill/>
+          </a:ln>
+        </p:spPr>
+        <p:style>
+          <a:lnRef idx="0">
+            <a:scrgbClr r="0" g="0" b="0"/>
+          </a:lnRef>
+          <a:fillRef idx="0">
+            <a:scrgbClr r="0" g="0" b="0"/>
+          </a:fillRef>
+          <a:effectRef idx="0">
+            <a:scrgbClr r="0" g="0" b="0"/>
+          </a:effectRef>
+          <a:fontRef idx="minor"/>
+        </p:style>
+        <p:txBody>
+          <a:bodyPr wrap="square" lIns="90000" tIns="45000" rIns="90000" bIns="45000" anchor="t">
+            <a:spAutoFit/>
+          </a:bodyPr>
+          <a:lstStyle/>
+          <a:p>
+            <a:pPr>
+              <a:lnSpc>
+                <a:spcPct val="100000"/>
+              </a:lnSpc>
+            </a:pPr>
+            <a:r>
+              <a:rPr lang="fr-FR" sz="1800" b="1" u="sng" strike="noStrike" spc="-1" dirty="0" err="1">
+                <a:solidFill>
+                  <a:srgbClr val="000000"/>
+                </a:solidFill>
+                <a:uFillTx/>
+                <a:latin typeface="Calibri"/>
+              </a:rPr>
+              <a:t>Could</a:t>
+            </a:r>
+            <a:r>
+              <a:rPr lang="fr-FR" sz="1800" b="1" u="sng" strike="noStrike" spc="-1" dirty="0">
+                <a:solidFill>
+                  <a:srgbClr val="000000"/>
+                </a:solidFill>
+                <a:uFillTx/>
+                <a:latin typeface="Calibri"/>
+              </a:rPr>
+              <a:t> Have</a:t>
+            </a:r>
+            <a:endParaRPr lang="fr-FR" sz="1800" b="0" strike="noStrike" spc="-1" dirty="0">
+              <a:solidFill>
+                <a:srgbClr val="000000"/>
+              </a:solidFill>
+              <a:latin typeface="Arial"/>
+            </a:endParaRPr>
+          </a:p>
+        </p:txBody>
+      </p:sp>
+      <p:sp>
+        <p:nvSpPr>
+          <p:cNvPr id="21" name="ZoneTexte 31">
+            <a:extLst>
+              <a:ext uri="{FF2B5EF4-FFF2-40B4-BE49-F238E27FC236}">
+                <a16:creationId xmlns:a16="http://schemas.microsoft.com/office/drawing/2014/main" id="{F545504A-3768-D68C-3AB5-510EF318511D}"/>
+              </a:ext>
+            </a:extLst>
+          </p:cNvPr>
+          <p:cNvSpPr/>
+          <p:nvPr/>
+        </p:nvSpPr>
+        <p:spPr>
+          <a:xfrm>
+            <a:off x="464205" y="3628954"/>
+            <a:ext cx="4461876" cy="1383540"/>
+          </a:xfrm>
+          <a:prstGeom prst="rect">
+            <a:avLst/>
+          </a:prstGeom>
+          <a:noFill/>
+          <a:ln w="0">
+            <a:noFill/>
+          </a:ln>
+        </p:spPr>
+        <p:style>
+          <a:lnRef idx="0">
+            <a:scrgbClr r="0" g="0" b="0"/>
+          </a:lnRef>
+          <a:fillRef idx="0">
+            <a:scrgbClr r="0" g="0" b="0"/>
+          </a:fillRef>
+          <a:effectRef idx="0">
+            <a:scrgbClr r="0" g="0" b="0"/>
+          </a:effectRef>
+          <a:fontRef idx="minor"/>
+        </p:style>
+        <p:txBody>
+          <a:bodyPr wrap="square" lIns="90000" tIns="45000" rIns="90000" bIns="45000" anchor="t">
+            <a:spAutoFit/>
+          </a:bodyPr>
+          <a:lstStyle/>
+          <a:p>
+            <a:pPr marL="285840" indent="-285840">
+              <a:lnSpc>
+                <a:spcPct val="100000"/>
+              </a:lnSpc>
+              <a:buClr>
+                <a:srgbClr val="000000"/>
+              </a:buClr>
+              <a:buFont typeface="StarSymbol"/>
+              <a:buChar char="-"/>
+            </a:pPr>
+            <a:r>
+              <a:rPr lang="fr-FR" sz="1400" b="0" strike="noStrike" spc="-1" dirty="0">
+                <a:solidFill>
+                  <a:srgbClr val="000000"/>
+                </a:solidFill>
+                <a:latin typeface="Calibri"/>
+              </a:rPr>
+              <a:t>Programmation directement sur la machine d'une table de transition</a:t>
+            </a:r>
+            <a:endParaRPr lang="fr-FR" sz="1400" b="0" strike="noStrike" spc="-1" dirty="0">
+              <a:solidFill>
+                <a:srgbClr val="000000"/>
+              </a:solidFill>
+              <a:latin typeface="Arial"/>
+            </a:endParaRPr>
+          </a:p>
+          <a:p>
+            <a:pPr marL="285840" indent="-285840">
+              <a:lnSpc>
+                <a:spcPct val="100000"/>
+              </a:lnSpc>
+              <a:buClr>
+                <a:srgbClr val="000000"/>
+              </a:buClr>
+              <a:buFont typeface="StarSymbol"/>
+              <a:buChar char="-"/>
+            </a:pPr>
+            <a:r>
+              <a:rPr lang="fr-FR" sz="1400" b="0" strike="noStrike" spc="-1" dirty="0">
+                <a:solidFill>
+                  <a:srgbClr val="000000"/>
+                </a:solidFill>
+                <a:latin typeface="Calibri"/>
+              </a:rPr>
+              <a:t>Enregistrement de la table de transition programmée dans le support de stockage</a:t>
+            </a:r>
+            <a:endParaRPr lang="fr-FR" sz="1400" b="0" strike="noStrike" spc="-1" dirty="0">
+              <a:solidFill>
+                <a:srgbClr val="000000"/>
+              </a:solidFill>
+              <a:latin typeface="Arial"/>
+            </a:endParaRPr>
+          </a:p>
+          <a:p>
+            <a:pPr marL="285840" indent="-285840">
+              <a:lnSpc>
+                <a:spcPct val="100000"/>
+              </a:lnSpc>
+              <a:buClr>
+                <a:srgbClr val="000000"/>
+              </a:buClr>
+              <a:buFont typeface="StarSymbol"/>
+              <a:buChar char="-"/>
+            </a:pPr>
+            <a:r>
+              <a:rPr lang="fr-FR" sz="1400" b="0" strike="noStrike" spc="-1" dirty="0">
+                <a:solidFill>
+                  <a:srgbClr val="000000"/>
+                </a:solidFill>
+                <a:latin typeface="Calibri"/>
+              </a:rPr>
+              <a:t>Reset de la programmation de la ligne en cours</a:t>
+            </a:r>
+            <a:endParaRPr lang="fr-FR" sz="1400" b="0" strike="noStrike" spc="-1" dirty="0">
+              <a:solidFill>
+                <a:srgbClr val="000000"/>
+              </a:solidFill>
+              <a:latin typeface="Arial"/>
+            </a:endParaRPr>
+          </a:p>
+          <a:p>
+            <a:pPr marL="285840" indent="-285840">
+              <a:lnSpc>
+                <a:spcPct val="100000"/>
+              </a:lnSpc>
+              <a:buClr>
+                <a:srgbClr val="000000"/>
+              </a:buClr>
+              <a:buFont typeface="StarSymbol"/>
+              <a:buChar char="-"/>
+            </a:pPr>
+            <a:r>
+              <a:rPr lang="fr-FR" sz="1400" b="0" strike="noStrike" spc="-1" dirty="0">
+                <a:solidFill>
+                  <a:srgbClr val="000000"/>
+                </a:solidFill>
+                <a:latin typeface="Calibri"/>
+              </a:rPr>
+              <a:t>Affichage d'une description du programme</a:t>
+            </a:r>
+            <a:endParaRPr lang="fr-FR" sz="1400" b="0" strike="noStrike" spc="-1" dirty="0">
+              <a:solidFill>
+                <a:srgbClr val="000000"/>
+              </a:solidFill>
+              <a:latin typeface="Arial"/>
+            </a:endParaRPr>
+          </a:p>
+        </p:txBody>
+      </p:sp>
+      <p:sp>
+        <p:nvSpPr>
+          <p:cNvPr id="22" name="ZoneTexte 26">
+            <a:extLst>
+              <a:ext uri="{FF2B5EF4-FFF2-40B4-BE49-F238E27FC236}">
+                <a16:creationId xmlns:a16="http://schemas.microsoft.com/office/drawing/2014/main" id="{EF705BEB-B2BB-5E22-40DB-A313E6188A96}"/>
+              </a:ext>
+            </a:extLst>
+          </p:cNvPr>
+          <p:cNvSpPr/>
+          <p:nvPr/>
+        </p:nvSpPr>
+        <p:spPr>
+          <a:xfrm>
+            <a:off x="6867007" y="3256688"/>
+            <a:ext cx="1298122" cy="367878"/>
+          </a:xfrm>
+          <a:prstGeom prst="rect">
+            <a:avLst/>
+          </a:prstGeom>
+          <a:noFill/>
+          <a:ln w="0">
+            <a:noFill/>
+          </a:ln>
+        </p:spPr>
+        <p:style>
+          <a:lnRef idx="0">
+            <a:scrgbClr r="0" g="0" b="0"/>
+          </a:lnRef>
+          <a:fillRef idx="0">
+            <a:scrgbClr r="0" g="0" b="0"/>
+          </a:fillRef>
+          <a:effectRef idx="0">
+            <a:scrgbClr r="0" g="0" b="0"/>
+          </a:effectRef>
+          <a:fontRef idx="minor"/>
+        </p:style>
+        <p:txBody>
+          <a:bodyPr wrap="square" lIns="90000" tIns="45000" rIns="90000" bIns="45000" anchor="t">
+            <a:spAutoFit/>
+          </a:bodyPr>
+          <a:lstStyle/>
+          <a:p>
+            <a:pPr>
+              <a:lnSpc>
+                <a:spcPct val="100000"/>
+              </a:lnSpc>
+            </a:pPr>
+            <a:r>
+              <a:rPr lang="fr-FR" sz="1800" b="1" u="sng" strike="noStrike" spc="-1" dirty="0" err="1">
+                <a:solidFill>
+                  <a:srgbClr val="000000"/>
+                </a:solidFill>
+                <a:uFillTx/>
+                <a:latin typeface="Calibri"/>
+              </a:rPr>
+              <a:t>Won’t</a:t>
+            </a:r>
+            <a:r>
+              <a:rPr lang="fr-FR" sz="1800" b="1" u="sng" strike="noStrike" spc="-1" dirty="0">
+                <a:solidFill>
+                  <a:srgbClr val="000000"/>
+                </a:solidFill>
+                <a:uFillTx/>
+                <a:latin typeface="Calibri"/>
+              </a:rPr>
+              <a:t> Have</a:t>
+            </a:r>
+            <a:endParaRPr lang="fr-FR" sz="1800" b="0" strike="noStrike" spc="-1" dirty="0">
+              <a:solidFill>
+                <a:srgbClr val="000000"/>
+              </a:solidFill>
+              <a:latin typeface="Arial"/>
+            </a:endParaRPr>
+          </a:p>
+        </p:txBody>
+      </p:sp>
+      <p:sp>
+        <p:nvSpPr>
+          <p:cNvPr id="23" name="ZoneTexte 31">
+            <a:extLst>
+              <a:ext uri="{FF2B5EF4-FFF2-40B4-BE49-F238E27FC236}">
+                <a16:creationId xmlns:a16="http://schemas.microsoft.com/office/drawing/2014/main" id="{566CBE83-028A-7E88-DEC3-52B440636204}"/>
+              </a:ext>
+            </a:extLst>
+          </p:cNvPr>
+          <p:cNvSpPr/>
+          <p:nvPr/>
+        </p:nvSpPr>
+        <p:spPr>
+          <a:xfrm>
+            <a:off x="5234315" y="3632715"/>
+            <a:ext cx="4461876" cy="306323"/>
+          </a:xfrm>
+          <a:prstGeom prst="rect">
+            <a:avLst/>
+          </a:prstGeom>
+          <a:noFill/>
+          <a:ln w="0">
+            <a:noFill/>
+          </a:ln>
+        </p:spPr>
+        <p:style>
+          <a:lnRef idx="0">
+            <a:scrgbClr r="0" g="0" b="0"/>
+          </a:lnRef>
+          <a:fillRef idx="0">
+            <a:scrgbClr r="0" g="0" b="0"/>
+          </a:fillRef>
+          <a:effectRef idx="0">
+            <a:scrgbClr r="0" g="0" b="0"/>
+          </a:effectRef>
+          <a:fontRef idx="minor"/>
+        </p:style>
+        <p:txBody>
+          <a:bodyPr wrap="square" lIns="90000" tIns="45000" rIns="90000" bIns="45000" anchor="t">
+            <a:spAutoFit/>
+          </a:bodyPr>
+          <a:lstStyle/>
+          <a:p>
+            <a:pPr marL="285840" indent="-285840">
+              <a:lnSpc>
+                <a:spcPct val="100000"/>
+              </a:lnSpc>
+              <a:buClr>
+                <a:srgbClr val="000000"/>
+              </a:buClr>
+              <a:buFont typeface="StarSymbol"/>
+              <a:buChar char="-"/>
+            </a:pPr>
+            <a:r>
+              <a:rPr lang="fr-FR" sz="1400" spc="-1" dirty="0">
+                <a:solidFill>
+                  <a:srgbClr val="000000"/>
+                </a:solidFill>
+                <a:latin typeface="Calibri"/>
+              </a:rPr>
+              <a:t>Codage table de transition à l’aide d’un clavier</a:t>
+            </a:r>
+            <a:endParaRPr lang="fr-FR" sz="1400" b="0" strike="noStrike" spc="-1" dirty="0">
+              <a:solidFill>
+                <a:srgbClr val="000000"/>
+              </a:solidFill>
+              <a:latin typeface="Arial"/>
+            </a:endParaRPr>
+          </a:p>
+        </p:txBody>
+      </p:sp>
     </p:spTree>
     <p:extLst>
       <p:ext uri="{BB962C8B-B14F-4D97-AF65-F5344CB8AC3E}">
-        <p14:creationId xmlns:p14="http://schemas.microsoft.com/office/powerpoint/2010/main" val="373779540"/>
+        <p14:creationId xmlns:p14="http://schemas.microsoft.com/office/powerpoint/2010/main" val="2006904071"/>
       </p:ext>
     </p:extLst>
   </p:cSld>
@@ -10546,12 +11284,47 @@
           </a:p>
         </p:txBody>
       </p:sp>
+      <p:sp>
+        <p:nvSpPr>
+          <p:cNvPr id="8" name="ZoneTexte 7">
+            <a:extLst>
+              <a:ext uri="{FF2B5EF4-FFF2-40B4-BE49-F238E27FC236}">
+                <a16:creationId xmlns:a16="http://schemas.microsoft.com/office/drawing/2014/main" id="{385DE03A-E053-EA37-F152-FA34B3E3EBFE}"/>
+              </a:ext>
+            </a:extLst>
+          </p:cNvPr>
+          <p:cNvSpPr txBox="1"/>
+          <p:nvPr/>
+        </p:nvSpPr>
+        <p:spPr>
+          <a:xfrm>
+            <a:off x="1017365" y="1497022"/>
+            <a:ext cx="1071106" cy="369332"/>
+          </a:xfrm>
+          <a:prstGeom prst="rect">
+            <a:avLst/>
+          </a:prstGeom>
+          <a:noFill/>
+        </p:spPr>
+        <p:txBody>
+          <a:bodyPr wrap="square" rtlCol="0">
+            <a:spAutoFit/>
+          </a:bodyPr>
+          <a:lstStyle/>
+          <a:p>
+            <a:r>
+              <a:rPr lang="fr-FR" dirty="0"/>
+              <a:t>SFN1 :</a:t>
+            </a:r>
+          </a:p>
+        </p:txBody>
+      </p:sp>
       <p:pic>
         <p:nvPicPr>
-          <p:cNvPr id="7" name="Image 6">
-            <a:extLst>
-              <a:ext uri="{FF2B5EF4-FFF2-40B4-BE49-F238E27FC236}">
-                <a16:creationId xmlns:a16="http://schemas.microsoft.com/office/drawing/2014/main" id="{DDBCA417-EE00-A66A-B084-1E5CAEB79F0C}"/>
+          <p:cNvPr id="5" name="Image 4">
+            <a:extLst>
+              <a:ext uri="{FF2B5EF4-FFF2-40B4-BE49-F238E27FC236}">
+                <a16:creationId xmlns:a16="http://schemas.microsoft.com/office/drawing/2014/main" id="{568489E9-A6CB-CAE1-3C6C-979A345F1192}"/>
               </a:ext>
             </a:extLst>
           </p:cNvPr>
@@ -10561,20 +11334,20 @@
           <p:nvPr/>
         </p:nvPicPr>
         <p:blipFill rotWithShape="1">
-          <a:blip r:embed="rId3" cstate="print">
+          <a:blip r:embed="rId3">
             <a:extLst>
               <a:ext uri="{28A0092B-C50C-407E-A947-70E740481C1C}">
                 <a14:useLocalDpi xmlns:a14="http://schemas.microsoft.com/office/drawing/2010/main" val="0"/>
               </a:ext>
             </a:extLst>
           </a:blip>
-          <a:srcRect t="10301"/>
+          <a:srcRect t="15028"/>
           <a:stretch/>
         </p:blipFill>
         <p:spPr>
           <a:xfrm>
-            <a:off x="3142788" y="114670"/>
-            <a:ext cx="5707747" cy="5703207"/>
+            <a:off x="1491798" y="1866354"/>
+            <a:ext cx="6500356" cy="2441806"/>
           </a:xfrm>
           <a:prstGeom prst="rect">
             <a:avLst/>
@@ -10583,36 +11356,52 @@
       </p:pic>
       <p:sp>
         <p:nvSpPr>
-          <p:cNvPr id="8" name="ZoneTexte 7">
-            <a:extLst>
-              <a:ext uri="{FF2B5EF4-FFF2-40B4-BE49-F238E27FC236}">
-                <a16:creationId xmlns:a16="http://schemas.microsoft.com/office/drawing/2014/main" id="{385DE03A-E053-EA37-F152-FA34B3E3EBFE}"/>
-              </a:ext>
-            </a:extLst>
-          </p:cNvPr>
-          <p:cNvSpPr txBox="1"/>
-          <p:nvPr/>
-        </p:nvSpPr>
-        <p:spPr>
-          <a:xfrm>
-            <a:off x="1346577" y="804624"/>
-            <a:ext cx="1071106" cy="369332"/>
+          <p:cNvPr id="6" name="PlaceHolder 1">
+            <a:extLst>
+              <a:ext uri="{FF2B5EF4-FFF2-40B4-BE49-F238E27FC236}">
+                <a16:creationId xmlns:a16="http://schemas.microsoft.com/office/drawing/2014/main" id="{DDC58217-E0B6-FC44-E164-AC66371C9BD3}"/>
+              </a:ext>
+            </a:extLst>
+          </p:cNvPr>
+          <p:cNvSpPr>
+            <a:spLocks noGrp="1"/>
+          </p:cNvSpPr>
+          <p:nvPr>
+            <p:ph type="title"/>
+          </p:nvPr>
+        </p:nvSpPr>
+        <p:spPr>
+          <a:xfrm>
+            <a:off x="504000" y="226080"/>
+            <a:ext cx="9071640" cy="946440"/>
           </a:xfrm>
           <a:prstGeom prst="rect">
             <a:avLst/>
           </a:prstGeom>
           <a:noFill/>
-        </p:spPr>
-        <p:txBody>
-          <a:bodyPr wrap="square" rtlCol="0">
-            <a:spAutoFit/>
+          <a:ln w="0">
+            <a:noFill/>
+          </a:ln>
+        </p:spPr>
+        <p:txBody>
+          <a:bodyPr lIns="0" tIns="0" rIns="0" bIns="0" anchor="ctr">
+            <a:noAutofit/>
           </a:bodyPr>
           <a:lstStyle/>
           <a:p>
+            <a:pPr indent="0" algn="ctr">
+              <a:buNone/>
+            </a:pPr>
             <a:r>
               <a:rPr lang="fr-FR" dirty="0"/>
-              <a:t>SF1D :</a:t>
-            </a:r>
+              <a:t>Conception générale</a:t>
+            </a:r>
+            <a:endParaRPr lang="en-US" sz="4400" b="0" strike="noStrike" spc="-1" dirty="0">
+              <a:solidFill>
+                <a:srgbClr val="000000"/>
+              </a:solidFill>
+              <a:latin typeface="Arial"/>
+            </a:endParaRPr>
           </a:p>
         </p:txBody>
       </p:sp>
@@ -10621,7 +11410,7 @@
           <p:cNvPr id="4" name="Image 3">
             <a:extLst>
               <a:ext uri="{FF2B5EF4-FFF2-40B4-BE49-F238E27FC236}">
-                <a16:creationId xmlns:a16="http://schemas.microsoft.com/office/drawing/2014/main" id="{3F169056-A6FA-D462-FE5A-80C3DD1F932B}"/>
+                <a16:creationId xmlns:a16="http://schemas.microsoft.com/office/drawing/2014/main" id="{93B5A871-213A-323C-96D8-FE29846B5D96}"/>
               </a:ext>
             </a:extLst>
           </p:cNvPr>
@@ -10655,7 +11444,7 @@
     </p:spTree>
     <p:extLst>
       <p:ext uri="{BB962C8B-B14F-4D97-AF65-F5344CB8AC3E}">
-        <p14:creationId xmlns:p14="http://schemas.microsoft.com/office/powerpoint/2010/main" val="3319327298"/>
+        <p14:creationId xmlns:p14="http://schemas.microsoft.com/office/powerpoint/2010/main" val="373779540"/>
       </p:ext>
     </p:extLst>
   </p:cSld>
@@ -10682,53 +11471,6 @@
           <a:chExt cx="0" cy="0"/>
         </a:xfrm>
       </p:grpSpPr>
-      <p:pic>
-        <p:nvPicPr>
-          <p:cNvPr id="2" name="Picture 2" descr="Polytech Tours - Polytech Tours, école d'ingénieurs">
-            <a:extLst>
-              <a:ext uri="{FF2B5EF4-FFF2-40B4-BE49-F238E27FC236}">
-                <a16:creationId xmlns:a16="http://schemas.microsoft.com/office/drawing/2014/main" id="{009710E4-4286-CDDE-E7EB-109C9DDAB24F}"/>
-              </a:ext>
-            </a:extLst>
-          </p:cNvPr>
-          <p:cNvPicPr>
-            <a:picLocks noChangeAspect="1" noChangeArrowheads="1"/>
-          </p:cNvPicPr>
-          <p:nvPr/>
-        </p:nvPicPr>
-        <p:blipFill>
-          <a:blip r:embed="rId2" cstate="print">
-            <a:extLst>
-              <a:ext uri="{28A0092B-C50C-407E-A947-70E740481C1C}">
-                <a14:useLocalDpi xmlns:a14="http://schemas.microsoft.com/office/drawing/2010/main" val="0"/>
-              </a:ext>
-            </a:extLst>
-          </a:blip>
-          <a:srcRect/>
-          <a:stretch>
-            <a:fillRect/>
-          </a:stretch>
-        </p:blipFill>
-        <p:spPr bwMode="auto">
-          <a:xfrm>
-            <a:off x="0" y="4852645"/>
-            <a:ext cx="3985897" cy="817905"/>
-          </a:xfrm>
-          <a:prstGeom prst="rect">
-            <a:avLst/>
-          </a:prstGeom>
-          <a:noFill/>
-          <a:extLst>
-            <a:ext uri="{909E8E84-426E-40DD-AFC4-6F175D3DCCD1}">
-              <a14:hiddenFill xmlns:a14="http://schemas.microsoft.com/office/drawing/2010/main">
-                <a:solidFill>
-                  <a:srgbClr val="FFFFFF"/>
-                </a:solidFill>
-              </a14:hiddenFill>
-            </a:ext>
-          </a:extLst>
-        </p:spPr>
-      </p:pic>
       <p:sp>
         <p:nvSpPr>
           <p:cNvPr id="3" name="Espace réservé du numéro de diapositive 2">
@@ -10758,47 +11500,12 @@
           </a:p>
         </p:txBody>
       </p:sp>
-      <p:sp>
-        <p:nvSpPr>
-          <p:cNvPr id="8" name="ZoneTexte 7">
-            <a:extLst>
-              <a:ext uri="{FF2B5EF4-FFF2-40B4-BE49-F238E27FC236}">
-                <a16:creationId xmlns:a16="http://schemas.microsoft.com/office/drawing/2014/main" id="{385DE03A-E053-EA37-F152-FA34B3E3EBFE}"/>
-              </a:ext>
-            </a:extLst>
-          </p:cNvPr>
-          <p:cNvSpPr txBox="1"/>
-          <p:nvPr/>
-        </p:nvSpPr>
-        <p:spPr>
-          <a:xfrm>
-            <a:off x="1297680" y="796459"/>
-            <a:ext cx="1456471" cy="369332"/>
-          </a:xfrm>
-          <a:prstGeom prst="rect">
-            <a:avLst/>
-          </a:prstGeom>
-          <a:noFill/>
-        </p:spPr>
-        <p:txBody>
-          <a:bodyPr wrap="square" rtlCol="0">
-            <a:spAutoFit/>
-          </a:bodyPr>
-          <a:lstStyle/>
-          <a:p>
-            <a:r>
-              <a:rPr lang="fr-FR" dirty="0"/>
-              <a:t>SF2D FP2 :</a:t>
-            </a:r>
-          </a:p>
-        </p:txBody>
-      </p:sp>
       <p:pic>
         <p:nvPicPr>
-          <p:cNvPr id="5" name="Image 4">
-            <a:extLst>
-              <a:ext uri="{FF2B5EF4-FFF2-40B4-BE49-F238E27FC236}">
-                <a16:creationId xmlns:a16="http://schemas.microsoft.com/office/drawing/2014/main" id="{77985319-3AAF-EDF6-42F0-265E79D898B1}"/>
+          <p:cNvPr id="7" name="Image 6">
+            <a:extLst>
+              <a:ext uri="{FF2B5EF4-FFF2-40B4-BE49-F238E27FC236}">
+                <a16:creationId xmlns:a16="http://schemas.microsoft.com/office/drawing/2014/main" id="{DDBCA417-EE00-A66A-B084-1E5CAEB79F0C}"/>
               </a:ext>
             </a:extLst>
           </p:cNvPr>
@@ -10808,66 +11515,65 @@
           <p:nvPr/>
         </p:nvPicPr>
         <p:blipFill rotWithShape="1">
-          <a:blip r:embed="rId3" cstate="print">
+          <a:blip r:embed="rId2" cstate="print">
             <a:extLst>
               <a:ext uri="{28A0092B-C50C-407E-A947-70E740481C1C}">
                 <a14:useLocalDpi xmlns:a14="http://schemas.microsoft.com/office/drawing/2010/main" val="0"/>
               </a:ext>
             </a:extLst>
           </a:blip>
-          <a:srcRect t="4786" b="16782"/>
+          <a:srcRect t="10301"/>
           <a:stretch/>
         </p:blipFill>
         <p:spPr>
           <a:xfrm>
-            <a:off x="3985897" y="-42008"/>
-            <a:ext cx="5837466" cy="5754566"/>
+            <a:off x="2383075" y="114670"/>
+            <a:ext cx="5707747" cy="5703207"/>
           </a:xfrm>
           <a:prstGeom prst="rect">
             <a:avLst/>
           </a:prstGeom>
         </p:spPr>
       </p:pic>
-      <p:pic>
-        <p:nvPicPr>
-          <p:cNvPr id="4" name="Image 3">
-            <a:extLst>
-              <a:ext uri="{FF2B5EF4-FFF2-40B4-BE49-F238E27FC236}">
-                <a16:creationId xmlns:a16="http://schemas.microsoft.com/office/drawing/2014/main" id="{23AB0F47-FC4A-8711-D557-27D09F16DFCD}"/>
-              </a:ext>
-            </a:extLst>
-          </p:cNvPr>
-          <p:cNvPicPr>
-            <a:picLocks noChangeAspect="1"/>
-          </p:cNvPicPr>
+      <p:sp>
+        <p:nvSpPr>
+          <p:cNvPr id="8" name="ZoneTexte 7">
+            <a:extLst>
+              <a:ext uri="{FF2B5EF4-FFF2-40B4-BE49-F238E27FC236}">
+                <a16:creationId xmlns:a16="http://schemas.microsoft.com/office/drawing/2014/main" id="{385DE03A-E053-EA37-F152-FA34B3E3EBFE}"/>
+              </a:ext>
+            </a:extLst>
+          </p:cNvPr>
+          <p:cNvSpPr txBox="1"/>
           <p:nvPr/>
-        </p:nvPicPr>
-        <p:blipFill>
-          <a:blip r:embed="rId4">
-            <a:extLst>
-              <a:ext uri="{28A0092B-C50C-407E-A947-70E740481C1C}">
-                <a14:useLocalDpi xmlns:a14="http://schemas.microsoft.com/office/drawing/2010/main" val="0"/>
-              </a:ext>
-            </a:extLst>
-          </a:blip>
-          <a:stretch>
-            <a:fillRect/>
-          </a:stretch>
-        </p:blipFill>
-        <p:spPr>
-          <a:xfrm>
-            <a:off x="0" y="4847379"/>
-            <a:ext cx="4951220" cy="823171"/>
-          </a:xfrm>
-          <a:prstGeom prst="rect">
-            <a:avLst/>
-          </a:prstGeom>
-        </p:spPr>
-      </p:pic>
+        </p:nvSpPr>
+        <p:spPr>
+          <a:xfrm>
+            <a:off x="1346577" y="804624"/>
+            <a:ext cx="1071106" cy="369332"/>
+          </a:xfrm>
+          <a:prstGeom prst="rect">
+            <a:avLst/>
+          </a:prstGeom>
+          <a:noFill/>
+        </p:spPr>
+        <p:txBody>
+          <a:bodyPr wrap="square" rtlCol="0">
+            <a:spAutoFit/>
+          </a:bodyPr>
+          <a:lstStyle/>
+          <a:p>
+            <a:r>
+              <a:rPr lang="fr-FR" dirty="0"/>
+              <a:t>SF1D :</a:t>
+            </a:r>
+          </a:p>
+        </p:txBody>
+      </p:sp>
     </p:spTree>
     <p:extLst>
       <p:ext uri="{BB962C8B-B14F-4D97-AF65-F5344CB8AC3E}">
-        <p14:creationId xmlns:p14="http://schemas.microsoft.com/office/powerpoint/2010/main" val="3080861358"/>
+        <p14:creationId xmlns:p14="http://schemas.microsoft.com/office/powerpoint/2010/main" val="3319327298"/>
       </p:ext>
     </p:extLst>
   </p:cSld>

--- a/presentation/Presentation Machine de Turing.pptx
+++ b/presentation/Presentation Machine de Turing.pptx
@@ -5,7 +5,7 @@
     <p:sldMasterId id="2147483648" r:id="rId1"/>
   </p:sldMasterIdLst>
   <p:notesMasterIdLst>
-    <p:notesMasterId r:id="rId28"/>
+    <p:notesMasterId r:id="rId29"/>
   </p:notesMasterIdLst>
   <p:sldIdLst>
     <p:sldId id="256" r:id="rId2"/>
@@ -31,9 +31,10 @@
     <p:sldId id="273" r:id="rId22"/>
     <p:sldId id="274" r:id="rId23"/>
     <p:sldId id="277" r:id="rId24"/>
-    <p:sldId id="275" r:id="rId25"/>
-    <p:sldId id="278" r:id="rId26"/>
-    <p:sldId id="280" r:id="rId27"/>
+    <p:sldId id="286" r:id="rId25"/>
+    <p:sldId id="275" r:id="rId26"/>
+    <p:sldId id="278" r:id="rId27"/>
+    <p:sldId id="280" r:id="rId28"/>
   </p:sldIdLst>
   <p:sldSz cx="10080625" cy="5670550"/>
   <p:notesSz cx="7772400" cy="10058400"/>
@@ -4843,53 +4844,6 @@
           </a:p>
         </p:txBody>
       </p:sp>
-      <p:pic>
-        <p:nvPicPr>
-          <p:cNvPr id="2" name="Picture 2" descr="Polytech Tours - Polytech Tours, école d'ingénieurs">
-            <a:extLst>
-              <a:ext uri="{FF2B5EF4-FFF2-40B4-BE49-F238E27FC236}">
-                <a16:creationId xmlns:a16="http://schemas.microsoft.com/office/drawing/2014/main" id="{009710E4-4286-CDDE-E7EB-109C9DDAB24F}"/>
-              </a:ext>
-            </a:extLst>
-          </p:cNvPr>
-          <p:cNvPicPr>
-            <a:picLocks noChangeAspect="1" noChangeArrowheads="1"/>
-          </p:cNvPicPr>
-          <p:nvPr/>
-        </p:nvPicPr>
-        <p:blipFill>
-          <a:blip r:embed="rId2" cstate="print">
-            <a:extLst>
-              <a:ext uri="{28A0092B-C50C-407E-A947-70E740481C1C}">
-                <a14:useLocalDpi xmlns:a14="http://schemas.microsoft.com/office/drawing/2010/main" val="0"/>
-              </a:ext>
-            </a:extLst>
-          </a:blip>
-          <a:srcRect/>
-          <a:stretch>
-            <a:fillRect/>
-          </a:stretch>
-        </p:blipFill>
-        <p:spPr bwMode="auto">
-          <a:xfrm>
-            <a:off x="0" y="4852645"/>
-            <a:ext cx="3985897" cy="817905"/>
-          </a:xfrm>
-          <a:prstGeom prst="rect">
-            <a:avLst/>
-          </a:prstGeom>
-          <a:noFill/>
-          <a:extLst>
-            <a:ext uri="{909E8E84-426E-40DD-AFC4-6F175D3DCCD1}">
-              <a14:hiddenFill xmlns:a14="http://schemas.microsoft.com/office/drawing/2010/main">
-                <a:solidFill>
-                  <a:srgbClr val="FFFFFF"/>
-                </a:solidFill>
-              </a14:hiddenFill>
-            </a:ext>
-          </a:extLst>
-        </p:spPr>
-      </p:pic>
       <p:sp>
         <p:nvSpPr>
           <p:cNvPr id="3" name="Espace réservé du numéro de diapositive 2">
@@ -4919,12 +4873,157 @@
           </a:p>
         </p:txBody>
       </p:sp>
+      <p:sp>
+        <p:nvSpPr>
+          <p:cNvPr id="9" name="ZoneTexte 8">
+            <a:extLst>
+              <a:ext uri="{FF2B5EF4-FFF2-40B4-BE49-F238E27FC236}">
+                <a16:creationId xmlns:a16="http://schemas.microsoft.com/office/drawing/2014/main" id="{C13F9275-F220-EAAC-4D21-3C5D15B15403}"/>
+              </a:ext>
+            </a:extLst>
+          </p:cNvPr>
+          <p:cNvSpPr txBox="1"/>
+          <p:nvPr/>
+        </p:nvSpPr>
+        <p:spPr>
+          <a:xfrm>
+            <a:off x="61762" y="724913"/>
+            <a:ext cx="9002485" cy="1477328"/>
+          </a:xfrm>
+          <a:prstGeom prst="rect">
+            <a:avLst/>
+          </a:prstGeom>
+          <a:noFill/>
+        </p:spPr>
+        <p:txBody>
+          <a:bodyPr wrap="square" rtlCol="0">
+            <a:spAutoFit/>
+          </a:bodyPr>
+          <a:lstStyle/>
+          <a:p>
+            <a:r>
+              <a:rPr lang="fr-FR" dirty="0"/>
+              <a:t>Commande initiale chez </a:t>
+            </a:r>
+            <a:r>
+              <a:rPr lang="fr-FR" dirty="0" err="1"/>
+              <a:t>Farnell</a:t>
+            </a:r>
+            <a:r>
+              <a:rPr lang="fr-FR" dirty="0"/>
+              <a:t> :</a:t>
+            </a:r>
+          </a:p>
+          <a:p>
+            <a:endParaRPr lang="fr-FR" dirty="0"/>
+          </a:p>
+          <a:p>
+            <a:pPr marL="285750" indent="-285750">
+              <a:buFontTx/>
+              <a:buChar char="-"/>
+            </a:pPr>
+            <a:r>
+              <a:rPr lang="fr-FR" dirty="0"/>
+              <a:t>Ecran LCD I2C : </a:t>
+            </a:r>
+            <a:r>
+              <a:rPr lang="fr-FR" sz="1800" b="0" i="0" u="none" strike="noStrike" dirty="0">
+                <a:effectLst/>
+                <a:latin typeface="Arial" panose="020B0604020202020204" pitchFamily="34" charset="0"/>
+              </a:rPr>
+              <a:t>MC21605C6W-BNMLWI-V2</a:t>
+            </a:r>
+            <a:r>
+              <a:rPr lang="fr-FR" dirty="0"/>
+              <a:t> </a:t>
+            </a:r>
+          </a:p>
+          <a:p>
+            <a:pPr marL="285750" indent="-285750">
+              <a:buFontTx/>
+              <a:buChar char="-"/>
+            </a:pPr>
+            <a:r>
+              <a:rPr lang="fr-FR" dirty="0"/>
+              <a:t>Afficheurs 7 segments : </a:t>
+            </a:r>
+            <a:r>
+              <a:rPr lang="fr-FR" sz="1800" b="0" i="0" u="none" strike="noStrike" dirty="0">
+                <a:effectLst/>
+                <a:latin typeface="Arial" panose="020B0604020202020204" pitchFamily="34" charset="0"/>
+              </a:rPr>
+              <a:t>HDSP-7513</a:t>
+            </a:r>
+            <a:r>
+              <a:rPr lang="fr-FR" dirty="0"/>
+              <a:t> </a:t>
+            </a:r>
+          </a:p>
+          <a:p>
+            <a:pPr marL="285750" indent="-285750">
+              <a:buFontTx/>
+              <a:buChar char="-"/>
+            </a:pPr>
+            <a:r>
+              <a:rPr lang="fr-FR" dirty="0" err="1"/>
+              <a:t>LEDs</a:t>
+            </a:r>
+            <a:r>
+              <a:rPr lang="fr-FR" dirty="0"/>
+              <a:t> RGB : </a:t>
+            </a:r>
+            <a:r>
+              <a:rPr lang="fr-FR" sz="1800" b="0" i="0" u="none" strike="noStrike" dirty="0">
+                <a:effectLst/>
+                <a:latin typeface="Arial" panose="020B0604020202020204" pitchFamily="34" charset="0"/>
+              </a:rPr>
+              <a:t>L-59EYC</a:t>
+            </a:r>
+            <a:r>
+              <a:rPr lang="fr-FR" dirty="0"/>
+              <a:t> </a:t>
+            </a:r>
+          </a:p>
+        </p:txBody>
+      </p:sp>
+      <p:sp>
+        <p:nvSpPr>
+          <p:cNvPr id="7" name="ZoneTexte 6">
+            <a:extLst>
+              <a:ext uri="{FF2B5EF4-FFF2-40B4-BE49-F238E27FC236}">
+                <a16:creationId xmlns:a16="http://schemas.microsoft.com/office/drawing/2014/main" id="{6448F17E-CDA4-7E76-EC55-8E01C6F22AF8}"/>
+              </a:ext>
+            </a:extLst>
+          </p:cNvPr>
+          <p:cNvSpPr txBox="1"/>
+          <p:nvPr/>
+        </p:nvSpPr>
+        <p:spPr>
+          <a:xfrm>
+            <a:off x="2520723" y="2652423"/>
+            <a:ext cx="5041446" cy="369332"/>
+          </a:xfrm>
+          <a:prstGeom prst="rect">
+            <a:avLst/>
+          </a:prstGeom>
+          <a:noFill/>
+        </p:spPr>
+        <p:txBody>
+          <a:bodyPr wrap="square">
+            <a:spAutoFit/>
+          </a:bodyPr>
+          <a:lstStyle/>
+          <a:p>
+            <a:endParaRPr lang="fr-FR" dirty="0"/>
+          </a:p>
+        </p:txBody>
+      </p:sp>
       <p:pic>
         <p:nvPicPr>
-          <p:cNvPr id="5" name="Image 4">
-            <a:extLst>
-              <a:ext uri="{FF2B5EF4-FFF2-40B4-BE49-F238E27FC236}">
-                <a16:creationId xmlns:a16="http://schemas.microsoft.com/office/drawing/2014/main" id="{AAAC9C84-7E5D-277A-D65D-2BB3EA87B289}"/>
+          <p:cNvPr id="10" name="Image 9">
+            <a:extLst>
+              <a:ext uri="{FF2B5EF4-FFF2-40B4-BE49-F238E27FC236}">
+                <a16:creationId xmlns:a16="http://schemas.microsoft.com/office/drawing/2014/main" id="{86A462C8-81C3-C0E1-9238-E941754D1097}"/>
               </a:ext>
             </a:extLst>
           </p:cNvPr>
@@ -4934,7 +5033,7 @@
           <p:nvPr/>
         </p:nvPicPr>
         <p:blipFill>
-          <a:blip r:embed="rId3">
+          <a:blip r:embed="rId2" cstate="print">
             <a:extLst>
               <a:ext uri="{28A0092B-C50C-407E-A947-70E740481C1C}">
                 <a14:useLocalDpi xmlns:a14="http://schemas.microsoft.com/office/drawing/2010/main" val="0"/>
@@ -4947,157 +5046,8 @@
         </p:blipFill>
         <p:spPr>
           <a:xfrm>
-            <a:off x="0" y="4847379"/>
-            <a:ext cx="4951220" cy="823171"/>
-          </a:xfrm>
-          <a:prstGeom prst="rect">
-            <a:avLst/>
-          </a:prstGeom>
-        </p:spPr>
-      </p:pic>
-      <p:sp>
-        <p:nvSpPr>
-          <p:cNvPr id="9" name="ZoneTexte 8">
-            <a:extLst>
-              <a:ext uri="{FF2B5EF4-FFF2-40B4-BE49-F238E27FC236}">
-                <a16:creationId xmlns:a16="http://schemas.microsoft.com/office/drawing/2014/main" id="{C13F9275-F220-EAAC-4D21-3C5D15B15403}"/>
-              </a:ext>
-            </a:extLst>
-          </p:cNvPr>
-          <p:cNvSpPr txBox="1"/>
-          <p:nvPr/>
-        </p:nvSpPr>
-        <p:spPr>
-          <a:xfrm>
-            <a:off x="61762" y="724913"/>
-            <a:ext cx="9002485" cy="1477328"/>
-          </a:xfrm>
-          <a:prstGeom prst="rect">
-            <a:avLst/>
-          </a:prstGeom>
-          <a:noFill/>
-        </p:spPr>
-        <p:txBody>
-          <a:bodyPr wrap="square" rtlCol="0">
-            <a:spAutoFit/>
-          </a:bodyPr>
-          <a:lstStyle/>
-          <a:p>
-            <a:r>
-              <a:rPr lang="fr-FR" dirty="0"/>
-              <a:t>Commande initiale chez </a:t>
-            </a:r>
-            <a:r>
-              <a:rPr lang="fr-FR" dirty="0" err="1"/>
-              <a:t>Farnell</a:t>
-            </a:r>
-            <a:r>
-              <a:rPr lang="fr-FR" dirty="0"/>
-              <a:t> :</a:t>
-            </a:r>
-          </a:p>
-          <a:p>
-            <a:endParaRPr lang="fr-FR" dirty="0"/>
-          </a:p>
-          <a:p>
-            <a:pPr marL="285750" indent="-285750">
-              <a:buFontTx/>
-              <a:buChar char="-"/>
-            </a:pPr>
-            <a:r>
-              <a:rPr lang="fr-FR" dirty="0"/>
-              <a:t>Ecran LCD I2C : </a:t>
-            </a:r>
-            <a:r>
-              <a:rPr lang="fr-FR" sz="1800" b="0" i="0" u="none" strike="noStrike" dirty="0">
-                <a:effectLst/>
-                <a:latin typeface="Arial" panose="020B0604020202020204" pitchFamily="34" charset="0"/>
-              </a:rPr>
-              <a:t>MC21605C6W-BNMLWI-V2</a:t>
-            </a:r>
-            <a:r>
-              <a:rPr lang="fr-FR" dirty="0"/>
-              <a:t> </a:t>
-            </a:r>
-          </a:p>
-          <a:p>
-            <a:pPr marL="285750" indent="-285750">
-              <a:buFontTx/>
-              <a:buChar char="-"/>
-            </a:pPr>
-            <a:r>
-              <a:rPr lang="fr-FR" dirty="0"/>
-              <a:t>Afficheurs 7 segments : </a:t>
-            </a:r>
-            <a:r>
-              <a:rPr lang="fr-FR" sz="1800" b="0" i="0" u="none" strike="noStrike" dirty="0">
-                <a:effectLst/>
-                <a:latin typeface="Arial" panose="020B0604020202020204" pitchFamily="34" charset="0"/>
-              </a:rPr>
-              <a:t>HDSP-7513</a:t>
-            </a:r>
-            <a:r>
-              <a:rPr lang="fr-FR" dirty="0"/>
-              <a:t> </a:t>
-            </a:r>
-          </a:p>
-          <a:p>
-            <a:pPr marL="285750" indent="-285750">
-              <a:buFontTx/>
-              <a:buChar char="-"/>
-            </a:pPr>
-            <a:r>
-              <a:rPr lang="fr-FR" dirty="0" err="1"/>
-              <a:t>LEDs</a:t>
-            </a:r>
-            <a:r>
-              <a:rPr lang="fr-FR" dirty="0"/>
-              <a:t> RGB : </a:t>
-            </a:r>
-            <a:r>
-              <a:rPr lang="fr-FR" sz="1800" b="0" i="0" u="none" strike="noStrike" dirty="0">
-                <a:effectLst/>
-                <a:latin typeface="Arial" panose="020B0604020202020204" pitchFamily="34" charset="0"/>
-              </a:rPr>
-              <a:t>L-59EYC</a:t>
-            </a:r>
-            <a:r>
-              <a:rPr lang="fr-FR" dirty="0"/>
-              <a:t> </a:t>
-            </a:r>
-          </a:p>
-        </p:txBody>
-      </p:sp>
-      <p:pic>
-        <p:nvPicPr>
-          <p:cNvPr id="15" name="Image 14" descr="Une image contenant texte, capture d’écran, nombre, ligne&#10;&#10;Description générée automatiquement">
-            <a:extLst>
-              <a:ext uri="{FF2B5EF4-FFF2-40B4-BE49-F238E27FC236}">
-                <a16:creationId xmlns:a16="http://schemas.microsoft.com/office/drawing/2014/main" id="{BEB3920B-A464-1156-0397-EB74594DEA0F}"/>
-              </a:ext>
-            </a:extLst>
-          </p:cNvPr>
-          <p:cNvPicPr>
-            <a:picLocks noChangeAspect="1"/>
-          </p:cNvPicPr>
-          <p:nvPr/>
-        </p:nvPicPr>
-        <p:blipFill>
-          <a:blip r:embed="rId4">
-            <a:extLst>
-              <a:ext uri="{28A0092B-C50C-407E-A947-70E740481C1C}">
-                <a14:useLocalDpi xmlns:a14="http://schemas.microsoft.com/office/drawing/2010/main" val="0"/>
-              </a:ext>
-            </a:extLst>
-          </a:blip>
-          <a:stretch>
-            <a:fillRect/>
-          </a:stretch>
-        </p:blipFill>
-        <p:spPr>
-          <a:xfrm>
-            <a:off x="2889738" y="1913547"/>
-            <a:ext cx="7129125" cy="2891827"/>
+            <a:off x="1371602" y="2281544"/>
+            <a:ext cx="7557970" cy="3186926"/>
           </a:xfrm>
           <a:prstGeom prst="rect">
             <a:avLst/>
@@ -7936,7 +7886,7 @@
           </p:cNvPicPr>
           <p:nvPr/>
         </p:nvPicPr>
-        <p:blipFill>
+        <p:blipFill rotWithShape="1">
           <a:blip r:embed="rId2" cstate="print">
             <a:extLst>
               <a:ext uri="{28A0092B-C50C-407E-A947-70E740481C1C}">
@@ -7944,14 +7894,13 @@
               </a:ext>
             </a:extLst>
           </a:blip>
-          <a:stretch>
-            <a:fillRect/>
-          </a:stretch>
+          <a:srcRect b="5865"/>
+          <a:stretch/>
         </p:blipFill>
         <p:spPr>
           <a:xfrm>
-            <a:off x="2096093" y="0"/>
-            <a:ext cx="6106593" cy="5880632"/>
+            <a:off x="365576" y="575786"/>
+            <a:ext cx="9496882" cy="8609035"/>
           </a:xfrm>
           <a:prstGeom prst="rect">
             <a:avLst/>
@@ -7968,6 +7917,14 @@
   <p:clrMapOvr>
     <a:masterClrMapping/>
   </p:clrMapOvr>
+  <mc:AlternateContent xmlns:mc="http://schemas.openxmlformats.org/markup-compatibility/2006">
+    <mc:Choice xmlns:p14="http://schemas.microsoft.com/office/powerpoint/2010/main" Requires="p14">
+      <p:transition p14:dur="10"/>
+    </mc:Choice>
+    <mc:Fallback>
+      <p:transition/>
+    </mc:Fallback>
+  </mc:AlternateContent>
 </p:sld>
 </file>
 
@@ -7990,95 +7947,10 @@
       </p:grpSpPr>
       <p:sp>
         <p:nvSpPr>
-          <p:cNvPr id="2" name="Titre 1">
-            <a:extLst>
-              <a:ext uri="{FF2B5EF4-FFF2-40B4-BE49-F238E27FC236}">
-                <a16:creationId xmlns:a16="http://schemas.microsoft.com/office/drawing/2014/main" id="{87C1232E-E033-F90A-D288-028D816234A5}"/>
-              </a:ext>
-            </a:extLst>
-          </p:cNvPr>
-          <p:cNvSpPr>
-            <a:spLocks noGrp="1"/>
-          </p:cNvSpPr>
-          <p:nvPr>
-            <p:ph type="title"/>
-          </p:nvPr>
-        </p:nvSpPr>
-        <p:spPr/>
-        <p:txBody>
-          <a:bodyPr/>
-          <a:lstStyle/>
-          <a:p>
-            <a:r>
-              <a:rPr lang="fr-FR" dirty="0"/>
-              <a:t>Implémentation</a:t>
-            </a:r>
-          </a:p>
-        </p:txBody>
-      </p:sp>
-      <p:sp>
-        <p:nvSpPr>
-          <p:cNvPr id="3" name="Sous-titre 2">
-            <a:extLst>
-              <a:ext uri="{FF2B5EF4-FFF2-40B4-BE49-F238E27FC236}">
-                <a16:creationId xmlns:a16="http://schemas.microsoft.com/office/drawing/2014/main" id="{2BA9A0C3-7E0A-A3D8-B577-A45C27ACAA36}"/>
-              </a:ext>
-            </a:extLst>
-          </p:cNvPr>
-          <p:cNvSpPr>
-            <a:spLocks noGrp="1"/>
-          </p:cNvSpPr>
-          <p:nvPr>
-            <p:ph type="subTitle"/>
-          </p:nvPr>
-        </p:nvSpPr>
-        <p:spPr>
-          <a:xfrm>
-            <a:off x="503999" y="1326600"/>
-            <a:ext cx="9362760" cy="3288240"/>
-          </a:xfrm>
-        </p:spPr>
-        <p:txBody>
-          <a:bodyPr/>
-          <a:lstStyle/>
-          <a:p>
-            <a:r>
-              <a:rPr lang="fr-FR" sz="2800" dirty="0"/>
-              <a:t>Librairie MCP23017</a:t>
-            </a:r>
-          </a:p>
-          <a:p>
-            <a:r>
-              <a:rPr lang="fr-FR" sz="2800" dirty="0"/>
-              <a:t>Librairie SK9822</a:t>
-            </a:r>
-          </a:p>
-          <a:p>
-            <a:r>
-              <a:rPr lang="fr-FR" sz="2800" dirty="0"/>
-              <a:t>Librairies I2C, SPI</a:t>
-            </a:r>
-          </a:p>
-          <a:p>
-            <a:r>
-              <a:rPr lang="fr-FR" sz="2800" dirty="0"/>
-              <a:t>Librairie « générale »</a:t>
-            </a:r>
-          </a:p>
-          <a:p>
-            <a:r>
-              <a:rPr lang="fr-FR" sz="2800" dirty="0"/>
-              <a:t>Librairie de calculs (table de transition, conversions, etc.)</a:t>
-            </a:r>
-          </a:p>
-        </p:txBody>
-      </p:sp>
-      <p:sp>
-        <p:nvSpPr>
           <p:cNvPr id="4" name="Espace réservé du numéro de diapositive 3">
             <a:extLst>
               <a:ext uri="{FF2B5EF4-FFF2-40B4-BE49-F238E27FC236}">
-                <a16:creationId xmlns:a16="http://schemas.microsoft.com/office/drawing/2014/main" id="{20A33261-C22A-B2ED-0BB1-8A1AAF26C63B}"/>
+                <a16:creationId xmlns:a16="http://schemas.microsoft.com/office/drawing/2014/main" id="{07F01449-2E6D-27ED-86D0-C4621E7EA262}"/>
               </a:ext>
             </a:extLst>
           </p:cNvPr>
@@ -8104,10 +7976,10 @@
       </p:sp>
       <p:pic>
         <p:nvPicPr>
-          <p:cNvPr id="5" name="Image 4">
-            <a:extLst>
-              <a:ext uri="{FF2B5EF4-FFF2-40B4-BE49-F238E27FC236}">
-                <a16:creationId xmlns:a16="http://schemas.microsoft.com/office/drawing/2014/main" id="{6295FB5A-550A-C5ED-F684-51D314B3443F}"/>
+          <p:cNvPr id="6" name="Image 5" descr="Une image contenant capture d’écran, texte&#10;&#10;Description générée automatiquement">
+            <a:extLst>
+              <a:ext uri="{FF2B5EF4-FFF2-40B4-BE49-F238E27FC236}">
+                <a16:creationId xmlns:a16="http://schemas.microsoft.com/office/drawing/2014/main" id="{1884ECC4-411C-0BBF-F14B-819B89CD3AFD}"/>
               </a:ext>
             </a:extLst>
           </p:cNvPr>
@@ -8116,22 +7988,21 @@
           </p:cNvPicPr>
           <p:nvPr/>
         </p:nvPicPr>
-        <p:blipFill>
-          <a:blip r:embed="rId2">
+        <p:blipFill rotWithShape="1">
+          <a:blip r:embed="rId2" cstate="print">
             <a:extLst>
               <a:ext uri="{28A0092B-C50C-407E-A947-70E740481C1C}">
                 <a14:useLocalDpi xmlns:a14="http://schemas.microsoft.com/office/drawing/2010/main" val="0"/>
               </a:ext>
             </a:extLst>
           </a:blip>
-          <a:stretch>
-            <a:fillRect/>
-          </a:stretch>
+          <a:srcRect l="-84" t="37234" r="84" b="289"/>
+          <a:stretch/>
         </p:blipFill>
         <p:spPr>
           <a:xfrm>
-            <a:off x="0" y="4847379"/>
-            <a:ext cx="4951220" cy="823171"/>
+            <a:off x="357412" y="-269420"/>
+            <a:ext cx="9496882" cy="5713800"/>
           </a:xfrm>
           <a:prstGeom prst="rect">
             <a:avLst/>
@@ -8141,13 +8012,25 @@
     </p:spTree>
     <p:extLst>
       <p:ext uri="{BB962C8B-B14F-4D97-AF65-F5344CB8AC3E}">
-        <p14:creationId xmlns:p14="http://schemas.microsoft.com/office/powerpoint/2010/main" val="2852072325"/>
+        <p14:creationId xmlns:p14="http://schemas.microsoft.com/office/powerpoint/2010/main" val="2111946923"/>
       </p:ext>
     </p:extLst>
   </p:cSld>
   <p:clrMapOvr>
     <a:masterClrMapping/>
   </p:clrMapOvr>
+  <mc:AlternateContent xmlns:mc="http://schemas.openxmlformats.org/markup-compatibility/2006">
+    <mc:Choice xmlns:p159="http://schemas.microsoft.com/office/powerpoint/2015/09/main" Requires="p159">
+      <p:transition xmlns:p14="http://schemas.microsoft.com/office/powerpoint/2010/main" spd="slow" p14:dur="2000">
+        <p159:morph option="byObject"/>
+      </p:transition>
+    </mc:Choice>
+    <mc:Fallback>
+      <p:transition spd="slow">
+        <p:fade/>
+      </p:transition>
+    </mc:Fallback>
+  </mc:AlternateContent>
 </p:sld>
 </file>
 
@@ -8173,7 +8056,7 @@
           <p:cNvPr id="2" name="Titre 1">
             <a:extLst>
               <a:ext uri="{FF2B5EF4-FFF2-40B4-BE49-F238E27FC236}">
-                <a16:creationId xmlns:a16="http://schemas.microsoft.com/office/drawing/2014/main" id="{13D39F2D-082B-714D-C7C7-5F676F48C8CC}"/>
+                <a16:creationId xmlns:a16="http://schemas.microsoft.com/office/drawing/2014/main" id="{87C1232E-E033-F90A-D288-028D816234A5}"/>
               </a:ext>
             </a:extLst>
           </p:cNvPr>
@@ -8184,19 +8067,71 @@
             <p:ph type="title"/>
           </p:nvPr>
         </p:nvSpPr>
-        <p:spPr>
-          <a:xfrm>
-            <a:off x="4370292" y="858540"/>
-            <a:ext cx="1340040" cy="946440"/>
-          </a:xfrm>
-        </p:spPr>
+        <p:spPr/>
         <p:txBody>
           <a:bodyPr/>
           <a:lstStyle/>
           <a:p>
             <a:r>
               <a:rPr lang="fr-FR" dirty="0"/>
-              <a:t>Bilan</a:t>
+              <a:t>Implémentation</a:t>
+            </a:r>
+          </a:p>
+        </p:txBody>
+      </p:sp>
+      <p:sp>
+        <p:nvSpPr>
+          <p:cNvPr id="3" name="Sous-titre 2">
+            <a:extLst>
+              <a:ext uri="{FF2B5EF4-FFF2-40B4-BE49-F238E27FC236}">
+                <a16:creationId xmlns:a16="http://schemas.microsoft.com/office/drawing/2014/main" id="{2BA9A0C3-7E0A-A3D8-B577-A45C27ACAA36}"/>
+              </a:ext>
+            </a:extLst>
+          </p:cNvPr>
+          <p:cNvSpPr>
+            <a:spLocks noGrp="1"/>
+          </p:cNvSpPr>
+          <p:nvPr>
+            <p:ph type="subTitle"/>
+          </p:nvPr>
+        </p:nvSpPr>
+        <p:spPr>
+          <a:xfrm>
+            <a:off x="503999" y="1326600"/>
+            <a:ext cx="9362760" cy="3288240"/>
+          </a:xfrm>
+        </p:spPr>
+        <p:txBody>
+          <a:bodyPr/>
+          <a:lstStyle/>
+          <a:p>
+            <a:r>
+              <a:rPr lang="fr-FR" sz="2800" dirty="0"/>
+              <a:t>Librairie MCP23017</a:t>
+            </a:r>
+          </a:p>
+          <a:p>
+            <a:r>
+              <a:rPr lang="fr-FR" sz="2800" dirty="0"/>
+              <a:t>Librairie SK9822</a:t>
+            </a:r>
+          </a:p>
+          <a:p>
+            <a:r>
+              <a:rPr lang="fr-FR" sz="2800" dirty="0"/>
+              <a:t>Librairies I2C, SPI</a:t>
+            </a:r>
+          </a:p>
+          <a:p>
+            <a:r>
+              <a:rPr lang="fr-FR" sz="2800" dirty="0"/>
+              <a:t>Librairie « générale »</a:t>
+            </a:r>
+          </a:p>
+          <a:p>
+            <a:r>
+              <a:rPr lang="fr-FR" sz="2800" dirty="0"/>
+              <a:t>Librairie de calculs (table de transition, conversions, etc.)</a:t>
             </a:r>
           </a:p>
         </p:txBody>
@@ -8206,7 +8141,7 @@
           <p:cNvPr id="4" name="Espace réservé du numéro de diapositive 3">
             <a:extLst>
               <a:ext uri="{FF2B5EF4-FFF2-40B4-BE49-F238E27FC236}">
-                <a16:creationId xmlns:a16="http://schemas.microsoft.com/office/drawing/2014/main" id="{0C044F6A-DAC0-7D84-29D2-4FE35DA91AFC}"/>
+                <a16:creationId xmlns:a16="http://schemas.microsoft.com/office/drawing/2014/main" id="{20A33261-C22A-B2ED-0BB1-8A1AAF26C63B}"/>
               </a:ext>
             </a:extLst>
           </p:cNvPr>
@@ -8232,10 +8167,10 @@
       </p:sp>
       <p:pic>
         <p:nvPicPr>
-          <p:cNvPr id="7" name="Image 6">
-            <a:extLst>
-              <a:ext uri="{FF2B5EF4-FFF2-40B4-BE49-F238E27FC236}">
-                <a16:creationId xmlns:a16="http://schemas.microsoft.com/office/drawing/2014/main" id="{6A12A0B6-F148-CE1F-633A-B4D83315EE8D}"/>
+          <p:cNvPr id="5" name="Image 4">
+            <a:extLst>
+              <a:ext uri="{FF2B5EF4-FFF2-40B4-BE49-F238E27FC236}">
+                <a16:creationId xmlns:a16="http://schemas.microsoft.com/office/drawing/2014/main" id="{6295FB5A-550A-C5ED-F684-51D314B3443F}"/>
               </a:ext>
             </a:extLst>
           </p:cNvPr>
@@ -8269,7 +8204,7 @@
     </p:spTree>
     <p:extLst>
       <p:ext uri="{BB962C8B-B14F-4D97-AF65-F5344CB8AC3E}">
-        <p14:creationId xmlns:p14="http://schemas.microsoft.com/office/powerpoint/2010/main" val="1791122186"/>
+        <p14:creationId xmlns:p14="http://schemas.microsoft.com/office/powerpoint/2010/main" val="2852072325"/>
       </p:ext>
     </p:extLst>
   </p:cSld>
@@ -8298,6 +8233,134 @@
       </p:grpSpPr>
       <p:sp>
         <p:nvSpPr>
+          <p:cNvPr id="2" name="Titre 1">
+            <a:extLst>
+              <a:ext uri="{FF2B5EF4-FFF2-40B4-BE49-F238E27FC236}">
+                <a16:creationId xmlns:a16="http://schemas.microsoft.com/office/drawing/2014/main" id="{13D39F2D-082B-714D-C7C7-5F676F48C8CC}"/>
+              </a:ext>
+            </a:extLst>
+          </p:cNvPr>
+          <p:cNvSpPr>
+            <a:spLocks noGrp="1"/>
+          </p:cNvSpPr>
+          <p:nvPr>
+            <p:ph type="title"/>
+          </p:nvPr>
+        </p:nvSpPr>
+        <p:spPr>
+          <a:xfrm>
+            <a:off x="4370292" y="858540"/>
+            <a:ext cx="1340040" cy="946440"/>
+          </a:xfrm>
+        </p:spPr>
+        <p:txBody>
+          <a:bodyPr/>
+          <a:lstStyle/>
+          <a:p>
+            <a:r>
+              <a:rPr lang="fr-FR" dirty="0"/>
+              <a:t>Bilan</a:t>
+            </a:r>
+          </a:p>
+        </p:txBody>
+      </p:sp>
+      <p:sp>
+        <p:nvSpPr>
+          <p:cNvPr id="4" name="Espace réservé du numéro de diapositive 3">
+            <a:extLst>
+              <a:ext uri="{FF2B5EF4-FFF2-40B4-BE49-F238E27FC236}">
+                <a16:creationId xmlns:a16="http://schemas.microsoft.com/office/drawing/2014/main" id="{0C044F6A-DAC0-7D84-29D2-4FE35DA91AFC}"/>
+              </a:ext>
+            </a:extLst>
+          </p:cNvPr>
+          <p:cNvSpPr>
+            <a:spLocks noGrp="1"/>
+          </p:cNvSpPr>
+          <p:nvPr>
+            <p:ph type="sldNum" idx="3"/>
+          </p:nvPr>
+        </p:nvSpPr>
+        <p:spPr/>
+        <p:txBody>
+          <a:bodyPr/>
+          <a:lstStyle/>
+          <a:p>
+            <a:fld id="{74A1DB29-52D7-44FB-91A6-D4FF9B58DED1}" type="slidenum">
+              <a:rPr lang="fr-FR" smtClean="0"/>
+              <a:t>26</a:t>
+            </a:fld>
+            <a:endParaRPr lang="fr-FR"/>
+          </a:p>
+        </p:txBody>
+      </p:sp>
+      <p:pic>
+        <p:nvPicPr>
+          <p:cNvPr id="7" name="Image 6">
+            <a:extLst>
+              <a:ext uri="{FF2B5EF4-FFF2-40B4-BE49-F238E27FC236}">
+                <a16:creationId xmlns:a16="http://schemas.microsoft.com/office/drawing/2014/main" id="{6A12A0B6-F148-CE1F-633A-B4D83315EE8D}"/>
+              </a:ext>
+            </a:extLst>
+          </p:cNvPr>
+          <p:cNvPicPr>
+            <a:picLocks noChangeAspect="1"/>
+          </p:cNvPicPr>
+          <p:nvPr/>
+        </p:nvPicPr>
+        <p:blipFill>
+          <a:blip r:embed="rId2">
+            <a:extLst>
+              <a:ext uri="{28A0092B-C50C-407E-A947-70E740481C1C}">
+                <a14:useLocalDpi xmlns:a14="http://schemas.microsoft.com/office/drawing/2010/main" val="0"/>
+              </a:ext>
+            </a:extLst>
+          </a:blip>
+          <a:stretch>
+            <a:fillRect/>
+          </a:stretch>
+        </p:blipFill>
+        <p:spPr>
+          <a:xfrm>
+            <a:off x="0" y="4847379"/>
+            <a:ext cx="4951220" cy="823171"/>
+          </a:xfrm>
+          <a:prstGeom prst="rect">
+            <a:avLst/>
+          </a:prstGeom>
+        </p:spPr>
+      </p:pic>
+    </p:spTree>
+    <p:extLst>
+      <p:ext uri="{BB962C8B-B14F-4D97-AF65-F5344CB8AC3E}">
+        <p14:creationId xmlns:p14="http://schemas.microsoft.com/office/powerpoint/2010/main" val="1791122186"/>
+      </p:ext>
+    </p:extLst>
+  </p:cSld>
+  <p:clrMapOvr>
+    <a:masterClrMapping/>
+  </p:clrMapOvr>
+</p:sld>
+</file>
+
+<file path=ppt/slides/slide27.xml><?xml version="1.0" encoding="utf-8"?>
+<p:sld xmlns:a="http://schemas.openxmlformats.org/drawingml/2006/main" xmlns:r="http://schemas.openxmlformats.org/officeDocument/2006/relationships" xmlns:p="http://schemas.openxmlformats.org/presentationml/2006/main">
+  <p:cSld>
+    <p:spTree>
+      <p:nvGrpSpPr>
+        <p:cNvPr id="1" name=""/>
+        <p:cNvGrpSpPr/>
+        <p:nvPr/>
+      </p:nvGrpSpPr>
+      <p:grpSpPr>
+        <a:xfrm>
+          <a:off x="0" y="0"/>
+          <a:ext cx="0" cy="0"/>
+          <a:chOff x="0" y="0"/>
+          <a:chExt cx="0" cy="0"/>
+        </a:xfrm>
+      </p:grpSpPr>
+      <p:sp>
+        <p:nvSpPr>
           <p:cNvPr id="3" name="Sous-titre 2">
             <a:extLst>
               <a:ext uri="{FF2B5EF4-FFF2-40B4-BE49-F238E27FC236}">
@@ -8355,7 +8418,7 @@
           <a:p>
             <a:fld id="{74A1DB29-52D7-44FB-91A6-D4FF9B58DED1}" type="slidenum">
               <a:rPr lang="fr-FR" smtClean="0"/>
-              <a:t>26</a:t>
+              <a:t>27</a:t>
             </a:fld>
             <a:endParaRPr lang="fr-FR"/>
           </a:p>
